--- a/Project_Temporary_Main.pptx
+++ b/Project_Temporary_Main.pptx
@@ -5,15 +5,17 @@
     <p:sldMasterId id="2147483648" r:id="rId1"/>
   </p:sldMasterIdLst>
   <p:notesMasterIdLst>
-    <p:notesMasterId r:id="rId8"/>
+    <p:notesMasterId r:id="rId10"/>
   </p:notesMasterIdLst>
   <p:sldIdLst>
     <p:sldId id="256" r:id="rId2"/>
-    <p:sldId id="257" r:id="rId3"/>
-    <p:sldId id="258" r:id="rId4"/>
-    <p:sldId id="259" r:id="rId5"/>
-    <p:sldId id="260" r:id="rId6"/>
-    <p:sldId id="261" r:id="rId7"/>
+    <p:sldId id="262" r:id="rId3"/>
+    <p:sldId id="263" r:id="rId4"/>
+    <p:sldId id="257" r:id="rId5"/>
+    <p:sldId id="258" r:id="rId6"/>
+    <p:sldId id="259" r:id="rId7"/>
+    <p:sldId id="260" r:id="rId8"/>
+    <p:sldId id="261" r:id="rId9"/>
   </p:sldIdLst>
   <p:sldSz cx="9144000" cy="6858000" type="screen4x3"/>
   <p:notesSz cx="6858000" cy="9144000"/>
@@ -197,7 +199,8 @@
           <a:p>
             <a:fld id="{1174F625-E849-4316-A88C-54418483E07F}" type="datetimeFigureOut">
               <a:rPr lang="ko-KR" altLang="en-US" smtClean="0"/>
-              <a:t>2018-09-06</a:t>
+              <a:pPr/>
+              <a:t>2018-09-13</a:t>
             </a:fld>
             <a:endParaRPr lang="ko-KR" altLang="en-US"/>
           </a:p>
@@ -358,6 +361,7 @@
           <a:p>
             <a:fld id="{092C3094-8DD0-4479-8CD3-F8F173D534BE}" type="slidenum">
               <a:rPr lang="ko-KR" altLang="en-US" smtClean="0"/>
+              <a:pPr/>
               <a:t>‹#›</a:t>
             </a:fld>
             <a:endParaRPr lang="ko-KR" altLang="en-US"/>
@@ -510,7 +514,214 @@
           <a:p>
             <a:r>
               <a:rPr lang="ko-KR" altLang="en-US" dirty="0" smtClean="0"/>
-              <a:t>강좌에 사용할 보드는 </a:t>
+              <a:t>모터의 세계에 오신걸 환영합니다</a:t>
+            </a:r>
+            <a:r>
+              <a:rPr lang="en-US" altLang="ko-KR" dirty="0" smtClean="0"/>
+              <a:t>.</a:t>
+            </a:r>
+          </a:p>
+          <a:p>
+            <a:r>
+              <a:rPr lang="ko-KR" altLang="en-US" dirty="0" smtClean="0"/>
+              <a:t>모터는 다양하죠</a:t>
+            </a:r>
+            <a:r>
+              <a:rPr lang="en-US" altLang="ko-KR" dirty="0" smtClean="0"/>
+              <a:t>. DC, BLDC, </a:t>
+            </a:r>
+            <a:r>
+              <a:rPr lang="ko-KR" altLang="en-US" dirty="0" smtClean="0"/>
+              <a:t>스텝</a:t>
+            </a:r>
+            <a:r>
+              <a:rPr lang="en-US" altLang="ko-KR" dirty="0" smtClean="0"/>
+              <a:t>, AC,</a:t>
+            </a:r>
+            <a:r>
+              <a:rPr lang="en-US" altLang="ko-KR" baseline="0" dirty="0" smtClean="0"/>
+              <a:t> </a:t>
+            </a:r>
+            <a:r>
+              <a:rPr lang="ko-KR" altLang="en-US" baseline="0" dirty="0" err="1" smtClean="0"/>
+              <a:t>서보</a:t>
+            </a:r>
+            <a:r>
+              <a:rPr lang="ko-KR" altLang="en-US" baseline="0" dirty="0" smtClean="0"/>
+              <a:t> 등등 많이들 </a:t>
+            </a:r>
+            <a:r>
+              <a:rPr lang="ko-KR" altLang="en-US" baseline="0" dirty="0" err="1" smtClean="0"/>
+              <a:t>들어보셨을겁니다</a:t>
+            </a:r>
+            <a:r>
+              <a:rPr lang="en-US" altLang="ko-KR" baseline="0" dirty="0" smtClean="0"/>
+              <a:t>.</a:t>
+            </a:r>
+          </a:p>
+          <a:p>
+            <a:endParaRPr lang="en-US" altLang="ko-KR" baseline="0" dirty="0" smtClean="0"/>
+          </a:p>
+          <a:p>
+            <a:r>
+              <a:rPr lang="ko-KR" altLang="en-US" baseline="0" dirty="0" err="1" smtClean="0"/>
+              <a:t>그중</a:t>
+            </a:r>
+            <a:r>
+              <a:rPr lang="ko-KR" altLang="en-US" baseline="0" dirty="0" smtClean="0"/>
+              <a:t> 산업용으로 가장 많이 </a:t>
+            </a:r>
+            <a:r>
+              <a:rPr lang="ko-KR" altLang="en-US" baseline="0" dirty="0" err="1" smtClean="0"/>
+              <a:t>쓰는게</a:t>
+            </a:r>
+            <a:r>
+              <a:rPr lang="ko-KR" altLang="en-US" baseline="0" dirty="0" smtClean="0"/>
+              <a:t> 스텝모터죠</a:t>
+            </a:r>
+            <a:r>
+              <a:rPr lang="en-US" altLang="ko-KR" baseline="0" dirty="0" smtClean="0"/>
+              <a:t>. </a:t>
+            </a:r>
+            <a:r>
+              <a:rPr lang="ko-KR" altLang="en-US" baseline="0" dirty="0" smtClean="0"/>
+              <a:t>저렴한 가격에 </a:t>
+            </a:r>
+            <a:r>
+              <a:rPr lang="ko-KR" altLang="en-US" baseline="0" dirty="0" err="1" smtClean="0"/>
+              <a:t>오픈루프</a:t>
+            </a:r>
+            <a:r>
+              <a:rPr lang="ko-KR" altLang="en-US" baseline="0" dirty="0" smtClean="0"/>
+              <a:t> 정밀도를 </a:t>
+            </a:r>
+            <a:r>
+              <a:rPr lang="ko-KR" altLang="en-US" baseline="0" dirty="0" err="1" smtClean="0"/>
+              <a:t>기대할수</a:t>
+            </a:r>
+            <a:r>
+              <a:rPr lang="ko-KR" altLang="en-US" baseline="0" dirty="0" smtClean="0"/>
+              <a:t> 있으니까요</a:t>
+            </a:r>
+            <a:r>
+              <a:rPr lang="en-US" altLang="ko-KR" baseline="0" dirty="0" smtClean="0"/>
+              <a:t>.</a:t>
+            </a:r>
+          </a:p>
+          <a:p>
+            <a:r>
+              <a:rPr lang="ko-KR" altLang="en-US" baseline="0" dirty="0" smtClean="0"/>
+              <a:t>이 강좌는 스텝모터 드라이버 설계에 대한 강좌입니다</a:t>
+            </a:r>
+            <a:r>
+              <a:rPr lang="en-US" altLang="ko-KR" baseline="0" dirty="0" smtClean="0"/>
+              <a:t>.</a:t>
+            </a:r>
+          </a:p>
+          <a:p>
+            <a:r>
+              <a:rPr lang="ko-KR" altLang="en-US" baseline="0" dirty="0" smtClean="0"/>
+              <a:t>회로 설계부터 모터를 실제로 </a:t>
+            </a:r>
+            <a:r>
+              <a:rPr lang="ko-KR" altLang="en-US" baseline="0" dirty="0" err="1" smtClean="0"/>
+              <a:t>구동하는거까지</a:t>
+            </a:r>
+            <a:r>
+              <a:rPr lang="ko-KR" altLang="en-US" baseline="0" dirty="0" smtClean="0"/>
+              <a:t> 모두 포함됩니다</a:t>
+            </a:r>
+            <a:r>
+              <a:rPr lang="en-US" altLang="ko-KR" baseline="0" dirty="0" smtClean="0"/>
+              <a:t>. </a:t>
+            </a:r>
+            <a:r>
+              <a:rPr lang="ko-KR" altLang="en-US" baseline="0" dirty="0" err="1" smtClean="0"/>
+              <a:t>아트웍</a:t>
+            </a:r>
+            <a:r>
+              <a:rPr lang="ko-KR" altLang="en-US" baseline="0" dirty="0" smtClean="0"/>
+              <a:t> 넘기고 </a:t>
+            </a:r>
+            <a:r>
+              <a:rPr lang="en-US" altLang="ko-KR" baseline="0" dirty="0" smtClean="0"/>
+              <a:t>PCB </a:t>
+            </a:r>
+            <a:r>
+              <a:rPr lang="ko-KR" altLang="en-US" baseline="0" dirty="0" smtClean="0"/>
+              <a:t>발주해서 부품 구매</a:t>
+            </a:r>
+            <a:r>
+              <a:rPr lang="en-US" altLang="ko-KR" baseline="0" dirty="0" smtClean="0"/>
+              <a:t>, SMT, </a:t>
+            </a:r>
+            <a:r>
+              <a:rPr lang="ko-KR" altLang="en-US" baseline="0" dirty="0" smtClean="0"/>
+              <a:t>보드 테스트하고 등등 </a:t>
+            </a:r>
+            <a:r>
+              <a:rPr lang="ko-KR" altLang="en-US" baseline="0" dirty="0" err="1" smtClean="0"/>
+              <a:t>잡다한게</a:t>
+            </a:r>
+            <a:r>
+              <a:rPr lang="ko-KR" altLang="en-US" baseline="0" dirty="0" smtClean="0"/>
+              <a:t> 많이 있지만</a:t>
+            </a:r>
+            <a:endParaRPr lang="en-US" altLang="ko-KR" baseline="0" dirty="0" smtClean="0"/>
+          </a:p>
+          <a:p>
+            <a:r>
+              <a:rPr lang="ko-KR" altLang="en-US" baseline="0" dirty="0" smtClean="0"/>
+              <a:t>회로설계</a:t>
+            </a:r>
+            <a:r>
+              <a:rPr lang="en-US" altLang="ko-KR" baseline="0" dirty="0" smtClean="0"/>
+              <a:t>, </a:t>
+            </a:r>
+            <a:r>
+              <a:rPr lang="ko-KR" altLang="en-US" baseline="0" dirty="0" err="1" smtClean="0"/>
+              <a:t>아트웍</a:t>
+            </a:r>
+            <a:r>
+              <a:rPr lang="en-US" altLang="ko-KR" baseline="0" dirty="0" smtClean="0"/>
+              <a:t>, </a:t>
+            </a:r>
+            <a:r>
+              <a:rPr lang="ko-KR" altLang="en-US" baseline="0" dirty="0" err="1" smtClean="0"/>
+              <a:t>펌웨어</a:t>
+            </a:r>
+            <a:r>
+              <a:rPr lang="en-US" altLang="ko-KR" baseline="0" dirty="0" smtClean="0"/>
+              <a:t>, GUI, </a:t>
+            </a:r>
+            <a:r>
+              <a:rPr lang="ko-KR" altLang="en-US" baseline="0" dirty="0" smtClean="0"/>
+              <a:t>모터 구동 이렇게 </a:t>
+            </a:r>
+            <a:r>
+              <a:rPr lang="ko-KR" altLang="en-US" baseline="0" dirty="0" err="1" smtClean="0"/>
+              <a:t>다섯가지</a:t>
+            </a:r>
+            <a:r>
+              <a:rPr lang="ko-KR" altLang="en-US" baseline="0" dirty="0" smtClean="0"/>
+              <a:t> 파트로 나눠서 진행하겠습니다</a:t>
+            </a:r>
+            <a:r>
+              <a:rPr lang="en-US" altLang="ko-KR" baseline="0" dirty="0" smtClean="0"/>
+              <a:t>.</a:t>
+            </a:r>
+          </a:p>
+          <a:p>
+            <a:endParaRPr lang="en-US" altLang="ko-KR" dirty="0" smtClean="0"/>
+          </a:p>
+          <a:p>
+            <a:r>
+              <a:rPr lang="ko-KR" altLang="en-US" dirty="0" smtClean="0"/>
+              <a:t>강좌에 </a:t>
+            </a:r>
+            <a:r>
+              <a:rPr lang="ko-KR" altLang="en-US" dirty="0" smtClean="0"/>
+              <a:t>사용할 보드는 </a:t>
             </a:r>
             <a:r>
               <a:rPr lang="ko-KR" altLang="en-US" dirty="0" err="1" smtClean="0"/>
@@ -824,6 +1035,7 @@
           <a:p>
             <a:fld id="{092C3094-8DD0-4479-8CD3-F8F173D534BE}" type="slidenum">
               <a:rPr lang="ko-KR" altLang="en-US" smtClean="0"/>
+              <a:pPr/>
               <a:t>1</a:t>
             </a:fld>
             <a:endParaRPr lang="ko-KR" altLang="en-US"/>
@@ -884,11 +1096,368 @@
           </a:bodyPr>
           <a:lstStyle/>
           <a:p>
+            <a:r>
+              <a:rPr lang="ko-KR" altLang="en-US" baseline="0" dirty="0" smtClean="0"/>
+              <a:t>강좌에 사용할 툴을 소개하겠습니다</a:t>
+            </a:r>
             <a:endParaRPr lang="en-US" altLang="ko-KR" baseline="0" dirty="0" smtClean="0"/>
           </a:p>
           <a:p>
+            <a:r>
+              <a:rPr lang="en-US" altLang="ko-KR" baseline="0" dirty="0" smtClean="0"/>
+              <a:t>.</a:t>
+            </a:r>
+          </a:p>
+          <a:p>
+            <a:r>
+              <a:rPr lang="ko-KR" altLang="en-US" baseline="0" dirty="0" smtClean="0"/>
+              <a:t>회로설계는 </a:t>
+            </a:r>
+            <a:r>
+              <a:rPr lang="en-US" altLang="ko-KR" baseline="0" dirty="0" err="1" smtClean="0"/>
+              <a:t>orcad</a:t>
+            </a:r>
+            <a:r>
+              <a:rPr lang="en-US" altLang="ko-KR" baseline="0" dirty="0" smtClean="0"/>
+              <a:t> capture, </a:t>
+            </a:r>
+            <a:r>
+              <a:rPr lang="ko-KR" altLang="en-US" baseline="0" dirty="0" err="1" smtClean="0"/>
+              <a:t>아트웍은</a:t>
+            </a:r>
+            <a:r>
+              <a:rPr lang="ko-KR" altLang="en-US" baseline="0" dirty="0" smtClean="0"/>
+              <a:t> </a:t>
+            </a:r>
+            <a:r>
+              <a:rPr lang="ko-KR" altLang="en-US" baseline="0" dirty="0" err="1" smtClean="0"/>
+              <a:t>패즈</a:t>
+            </a:r>
+            <a:r>
+              <a:rPr lang="ko-KR" altLang="en-US" baseline="0" dirty="0" smtClean="0"/>
+              <a:t> 레이아웃을 사용할겁니다</a:t>
+            </a:r>
+            <a:r>
+              <a:rPr lang="en-US" altLang="ko-KR" baseline="0" dirty="0" smtClean="0"/>
+              <a:t>.</a:t>
+            </a:r>
+          </a:p>
+          <a:p>
+            <a:r>
+              <a:rPr lang="ko-KR" altLang="en-US" baseline="0" dirty="0" smtClean="0"/>
+              <a:t>보통 회로설계는 직접하고 </a:t>
+            </a:r>
+            <a:r>
+              <a:rPr lang="ko-KR" altLang="en-US" baseline="0" dirty="0" err="1" smtClean="0"/>
+              <a:t>아트웍은</a:t>
+            </a:r>
+            <a:r>
+              <a:rPr lang="ko-KR" altLang="en-US" baseline="0" dirty="0" smtClean="0"/>
+              <a:t> 외주를 주는 형태로 작업을 </a:t>
+            </a:r>
+            <a:r>
+              <a:rPr lang="ko-KR" altLang="en-US" baseline="0" dirty="0" err="1" smtClean="0"/>
+              <a:t>하실겁니다</a:t>
+            </a:r>
+            <a:r>
+              <a:rPr lang="en-US" altLang="ko-KR" baseline="0" dirty="0" smtClean="0"/>
+              <a:t>.</a:t>
+            </a:r>
+          </a:p>
+          <a:p>
+            <a:r>
+              <a:rPr lang="ko-KR" altLang="en-US" baseline="0" dirty="0" smtClean="0"/>
+              <a:t>굳이 </a:t>
+            </a:r>
+            <a:r>
+              <a:rPr lang="ko-KR" altLang="en-US" baseline="0" dirty="0" err="1" smtClean="0"/>
+              <a:t>아트웍을</a:t>
+            </a:r>
+            <a:r>
+              <a:rPr lang="ko-KR" altLang="en-US" baseline="0" dirty="0" smtClean="0"/>
+              <a:t> </a:t>
+            </a:r>
+            <a:r>
+              <a:rPr lang="ko-KR" altLang="en-US" baseline="0" dirty="0" err="1" smtClean="0"/>
+              <a:t>어떤식으로</a:t>
+            </a:r>
+            <a:r>
+              <a:rPr lang="ko-KR" altLang="en-US" baseline="0" dirty="0" smtClean="0"/>
+              <a:t> 하는지 자세하게 설명할 필요는 없다고 생각하는데</a:t>
+            </a:r>
+            <a:r>
+              <a:rPr lang="en-US" altLang="ko-KR" baseline="0" dirty="0" smtClean="0"/>
+              <a:t>…</a:t>
+            </a:r>
+          </a:p>
+          <a:p>
+            <a:r>
+              <a:rPr lang="ko-KR" altLang="en-US" baseline="0" dirty="0" smtClean="0"/>
+              <a:t>외주를 넘기기 위해 </a:t>
+            </a:r>
+            <a:r>
+              <a:rPr lang="ko-KR" altLang="en-US" baseline="0" dirty="0" err="1" smtClean="0"/>
+              <a:t>어떤식으로</a:t>
+            </a:r>
+            <a:r>
+              <a:rPr lang="ko-KR" altLang="en-US" baseline="0" dirty="0" smtClean="0"/>
+              <a:t> </a:t>
+            </a:r>
+            <a:r>
+              <a:rPr lang="ko-KR" altLang="en-US" baseline="0" dirty="0" err="1" smtClean="0"/>
+              <a:t>회로도를</a:t>
+            </a:r>
+            <a:r>
+              <a:rPr lang="ko-KR" altLang="en-US" baseline="0" dirty="0" smtClean="0"/>
+              <a:t> 작성해야 하는지</a:t>
+            </a:r>
+            <a:r>
+              <a:rPr lang="en-US" altLang="ko-KR" baseline="0" dirty="0" smtClean="0"/>
+              <a:t>, </a:t>
+            </a:r>
+            <a:r>
+              <a:rPr lang="ko-KR" altLang="en-US" baseline="0" dirty="0" err="1" smtClean="0"/>
+              <a:t>아트웍</a:t>
+            </a:r>
+            <a:r>
+              <a:rPr lang="ko-KR" altLang="en-US" baseline="0" dirty="0" smtClean="0"/>
+              <a:t> </a:t>
+            </a:r>
+            <a:r>
+              <a:rPr lang="ko-KR" altLang="en-US" baseline="0" dirty="0" err="1" smtClean="0"/>
+              <a:t>요청시</a:t>
+            </a:r>
+            <a:r>
+              <a:rPr lang="ko-KR" altLang="en-US" baseline="0" dirty="0" smtClean="0"/>
+              <a:t> </a:t>
+            </a:r>
+            <a:r>
+              <a:rPr lang="ko-KR" altLang="en-US" baseline="0" dirty="0" err="1" smtClean="0"/>
+              <a:t>어떤식으로</a:t>
+            </a:r>
+            <a:r>
+              <a:rPr lang="ko-KR" altLang="en-US" baseline="0" dirty="0" smtClean="0"/>
+              <a:t> </a:t>
+            </a:r>
+            <a:r>
+              <a:rPr lang="ko-KR" altLang="en-US" baseline="0" dirty="0" err="1" smtClean="0"/>
+              <a:t>요청해야하는지</a:t>
+            </a:r>
+            <a:r>
+              <a:rPr lang="en-US" altLang="ko-KR" baseline="0" dirty="0" smtClean="0"/>
+              <a:t>, </a:t>
+            </a:r>
+            <a:r>
+              <a:rPr lang="ko-KR" altLang="en-US" baseline="0" dirty="0" smtClean="0"/>
+              <a:t>결과물 확인은 </a:t>
+            </a:r>
+            <a:r>
+              <a:rPr lang="ko-KR" altLang="en-US" baseline="0" dirty="0" err="1" smtClean="0"/>
+              <a:t>어떤식으로</a:t>
+            </a:r>
+            <a:r>
+              <a:rPr lang="ko-KR" altLang="en-US" baseline="0" dirty="0" smtClean="0"/>
+              <a:t> 하는지 정도는 이야기하도록 하죠</a:t>
+            </a:r>
+            <a:r>
+              <a:rPr lang="en-US" altLang="ko-KR" baseline="0" dirty="0" smtClean="0"/>
+              <a:t>.</a:t>
+            </a:r>
+          </a:p>
+          <a:p>
             <a:endParaRPr lang="en-US" altLang="ko-KR" baseline="0" dirty="0" smtClean="0"/>
           </a:p>
+          <a:p>
+            <a:r>
+              <a:rPr lang="en-US" altLang="ko-KR" baseline="0" dirty="0" smtClean="0"/>
+              <a:t>STM32 </a:t>
+            </a:r>
+            <a:r>
+              <a:rPr lang="ko-KR" altLang="en-US" baseline="0" dirty="0" err="1" smtClean="0"/>
+              <a:t>펌웨어는</a:t>
+            </a:r>
+            <a:r>
+              <a:rPr lang="ko-KR" altLang="en-US" baseline="0" dirty="0" smtClean="0"/>
+              <a:t> </a:t>
+            </a:r>
+            <a:r>
+              <a:rPr lang="en-US" altLang="ko-KR" baseline="0" dirty="0" smtClean="0"/>
+              <a:t>sw4stm32</a:t>
+            </a:r>
+            <a:r>
+              <a:rPr lang="ko-KR" altLang="en-US" baseline="0" dirty="0" smtClean="0"/>
+              <a:t>를 사용하겠습니다</a:t>
+            </a:r>
+            <a:r>
+              <a:rPr lang="en-US" altLang="ko-KR" baseline="0" dirty="0" smtClean="0"/>
+              <a:t>. </a:t>
+            </a:r>
+            <a:r>
+              <a:rPr lang="ko-KR" altLang="en-US" baseline="0" dirty="0" smtClean="0"/>
+              <a:t>다른 좋은 툴도 많습니다만 이건 일단 공짜고 용량 제한도 없으니까 이걸 쓰겠습니다</a:t>
+            </a:r>
+            <a:r>
+              <a:rPr lang="en-US" altLang="ko-KR" baseline="0" dirty="0" smtClean="0"/>
+              <a:t>.</a:t>
+            </a:r>
+          </a:p>
+          <a:p>
+            <a:endParaRPr lang="en-US" altLang="ko-KR" baseline="0" dirty="0" smtClean="0"/>
+          </a:p>
+          <a:p>
+            <a:r>
+              <a:rPr lang="ko-KR" altLang="en-US" baseline="0" dirty="0" smtClean="0"/>
+              <a:t>호스트 </a:t>
+            </a:r>
+            <a:r>
+              <a:rPr lang="en-US" altLang="ko-KR" baseline="0" dirty="0" smtClean="0"/>
+              <a:t>GUI</a:t>
+            </a:r>
+            <a:r>
+              <a:rPr lang="ko-KR" altLang="en-US" baseline="0" dirty="0" smtClean="0"/>
+              <a:t>는 파이썬 </a:t>
+            </a:r>
+            <a:r>
+              <a:rPr lang="ko-KR" altLang="en-US" baseline="0" dirty="0" err="1" smtClean="0"/>
+              <a:t>키비를</a:t>
+            </a:r>
+            <a:r>
+              <a:rPr lang="ko-KR" altLang="en-US" baseline="0" dirty="0" smtClean="0"/>
+              <a:t> 사용하겠습니다</a:t>
+            </a:r>
+            <a:r>
+              <a:rPr lang="en-US" altLang="ko-KR" baseline="0" dirty="0" smtClean="0"/>
+              <a:t>. </a:t>
+            </a:r>
+            <a:r>
+              <a:rPr lang="ko-KR" altLang="en-US" baseline="0" dirty="0" smtClean="0"/>
+              <a:t>주로 </a:t>
+            </a:r>
+            <a:r>
+              <a:rPr lang="en-US" altLang="ko-KR" baseline="0" dirty="0" smtClean="0"/>
+              <a:t>PC</a:t>
+            </a:r>
+            <a:r>
+              <a:rPr lang="ko-KR" altLang="en-US" baseline="0" dirty="0" smtClean="0"/>
+              <a:t> 또는 </a:t>
+            </a:r>
+            <a:r>
+              <a:rPr lang="ko-KR" altLang="en-US" baseline="0" dirty="0" err="1" smtClean="0"/>
+              <a:t>라즈베리파이같은</a:t>
+            </a:r>
+            <a:r>
+              <a:rPr lang="ko-KR" altLang="en-US" baseline="0" dirty="0" smtClean="0"/>
+              <a:t> </a:t>
+            </a:r>
+            <a:r>
+              <a:rPr lang="ko-KR" altLang="en-US" baseline="0" dirty="0" err="1" smtClean="0"/>
+              <a:t>싱글보드</a:t>
+            </a:r>
+            <a:r>
+              <a:rPr lang="ko-KR" altLang="en-US" baseline="0" dirty="0" smtClean="0"/>
+              <a:t> 컴퓨터에서 돌아가는 애플리케이션입니다</a:t>
+            </a:r>
+            <a:endParaRPr lang="en-US" altLang="ko-KR" baseline="0" dirty="0" smtClean="0"/>
+          </a:p>
+          <a:p>
+            <a:r>
+              <a:rPr lang="ko-KR" altLang="en-US" baseline="0" dirty="0" smtClean="0"/>
+              <a:t>윈도우</a:t>
+            </a:r>
+            <a:r>
+              <a:rPr lang="en-US" altLang="ko-KR" baseline="0" dirty="0" smtClean="0"/>
+              <a:t>, </a:t>
+            </a:r>
+            <a:r>
+              <a:rPr lang="ko-KR" altLang="en-US" baseline="0" dirty="0" err="1" smtClean="0"/>
+              <a:t>리눅스</a:t>
+            </a:r>
+            <a:r>
+              <a:rPr lang="en-US" altLang="ko-KR" baseline="0" dirty="0" smtClean="0"/>
+              <a:t>, </a:t>
+            </a:r>
+            <a:r>
+              <a:rPr lang="ko-KR" altLang="en-US" baseline="0" dirty="0" err="1" smtClean="0"/>
+              <a:t>안드로이드</a:t>
+            </a:r>
+            <a:r>
+              <a:rPr lang="ko-KR" altLang="en-US" baseline="0" dirty="0" smtClean="0"/>
+              <a:t> 등 다양한 환경에서 돌릴 수 있도록 </a:t>
+            </a:r>
+            <a:r>
+              <a:rPr lang="ko-KR" altLang="en-US" baseline="0" dirty="0" err="1" smtClean="0"/>
+              <a:t>파이썬을</a:t>
+            </a:r>
+            <a:r>
+              <a:rPr lang="ko-KR" altLang="en-US" baseline="0" dirty="0" smtClean="0"/>
+              <a:t> 사용하겠습니다</a:t>
+            </a:r>
+            <a:r>
+              <a:rPr lang="en-US" altLang="ko-KR" baseline="0" dirty="0" smtClean="0"/>
+              <a:t>.</a:t>
+            </a:r>
+          </a:p>
+          <a:p>
+            <a:r>
+              <a:rPr lang="ko-KR" altLang="en-US" baseline="0" dirty="0" err="1" smtClean="0"/>
+              <a:t>파이썬이</a:t>
+            </a:r>
+            <a:r>
+              <a:rPr lang="ko-KR" altLang="en-US" baseline="0" dirty="0" smtClean="0"/>
+              <a:t> </a:t>
+            </a:r>
+            <a:r>
+              <a:rPr lang="ko-KR" altLang="en-US" baseline="0" dirty="0" err="1" smtClean="0"/>
+              <a:t>처음이신분들이</a:t>
+            </a:r>
+            <a:r>
+              <a:rPr lang="ko-KR" altLang="en-US" baseline="0" dirty="0" smtClean="0"/>
+              <a:t> </a:t>
+            </a:r>
+            <a:r>
+              <a:rPr lang="ko-KR" altLang="en-US" baseline="0" dirty="0" err="1" smtClean="0"/>
+              <a:t>대부분일거</a:t>
+            </a:r>
+            <a:r>
+              <a:rPr lang="ko-KR" altLang="en-US" baseline="0" dirty="0" smtClean="0"/>
+              <a:t> 같습니다</a:t>
+            </a:r>
+            <a:r>
+              <a:rPr lang="en-US" altLang="ko-KR" baseline="0" dirty="0" smtClean="0"/>
+              <a:t>. </a:t>
+            </a:r>
+            <a:r>
+              <a:rPr lang="ko-KR" altLang="en-US" baseline="0" dirty="0" smtClean="0"/>
+              <a:t>문법이나 사용법이 매우 간단하고 성능도 </a:t>
+            </a:r>
+            <a:r>
+              <a:rPr lang="ko-KR" altLang="en-US" baseline="0" dirty="0" err="1" smtClean="0"/>
+              <a:t>괜찬은편이니까</a:t>
+            </a:r>
+            <a:r>
+              <a:rPr lang="ko-KR" altLang="en-US" baseline="0" dirty="0" smtClean="0"/>
+              <a:t> 별로 </a:t>
+            </a:r>
+            <a:r>
+              <a:rPr lang="ko-KR" altLang="en-US" baseline="0" dirty="0" err="1" smtClean="0"/>
+              <a:t>걱정안하셔도</a:t>
+            </a:r>
+            <a:r>
+              <a:rPr lang="ko-KR" altLang="en-US" baseline="0" dirty="0" smtClean="0"/>
+              <a:t> 됩니다</a:t>
+            </a:r>
+            <a:r>
+              <a:rPr lang="en-US" altLang="ko-KR" baseline="0" dirty="0" smtClean="0"/>
+              <a:t>.</a:t>
+            </a:r>
+            <a:endParaRPr lang="en-US" altLang="ko-KR" baseline="0" dirty="0" smtClean="0"/>
+          </a:p>
+          <a:p>
+            <a:endParaRPr lang="en-US" altLang="ko-KR" baseline="0" dirty="0" smtClean="0"/>
+          </a:p>
+          <a:p>
+            <a:endParaRPr lang="en-US" altLang="ko-KR" baseline="0" dirty="0" smtClean="0"/>
+          </a:p>
         </p:txBody>
       </p:sp>
       <p:sp>
@@ -908,6 +1477,7 @@
           <a:p>
             <a:fld id="{092C3094-8DD0-4479-8CD3-F8F173D534BE}" type="slidenum">
               <a:rPr lang="ko-KR" altLang="en-US" smtClean="0"/>
+              <a:pPr/>
               <a:t>2</a:t>
             </a:fld>
             <a:endParaRPr lang="ko-KR" altLang="en-US"/>
@@ -968,11 +1538,348 @@
           </a:bodyPr>
           <a:lstStyle/>
           <a:p>
+            <a:r>
+              <a:rPr lang="ko-KR" altLang="en-US" baseline="0" dirty="0" smtClean="0"/>
+              <a:t>우리가 사용할 </a:t>
+            </a:r>
+            <a:r>
+              <a:rPr lang="en-US" altLang="ko-KR" baseline="0" dirty="0" smtClean="0"/>
+              <a:t>MCU</a:t>
+            </a:r>
+            <a:r>
+              <a:rPr lang="ko-KR" altLang="en-US" baseline="0" dirty="0" smtClean="0"/>
+              <a:t>는 </a:t>
+            </a:r>
+            <a:r>
+              <a:rPr lang="en-US" altLang="ko-KR" baseline="0" dirty="0" smtClean="0"/>
+              <a:t>ST</a:t>
+            </a:r>
+            <a:r>
+              <a:rPr lang="ko-KR" altLang="en-US" baseline="0" dirty="0" smtClean="0"/>
+              <a:t>마이크로의 </a:t>
+            </a:r>
+            <a:r>
+              <a:rPr lang="en-US" altLang="ko-KR" baseline="0" dirty="0" smtClean="0"/>
+              <a:t>STM32103RCT6 </a:t>
+            </a:r>
+            <a:r>
+              <a:rPr lang="ko-KR" altLang="en-US" baseline="0" dirty="0" smtClean="0"/>
+              <a:t>모델입니다</a:t>
+            </a:r>
+            <a:r>
+              <a:rPr lang="en-US" altLang="ko-KR" baseline="0" dirty="0" smtClean="0"/>
+              <a:t>. </a:t>
+            </a:r>
+            <a:r>
+              <a:rPr lang="ko-KR" altLang="en-US" baseline="0" dirty="0" smtClean="0"/>
+              <a:t>가장 무난한 </a:t>
+            </a:r>
+            <a:r>
+              <a:rPr lang="en-US" altLang="ko-KR" baseline="0" dirty="0" smtClean="0"/>
+              <a:t>MCU</a:t>
+            </a:r>
+            <a:r>
+              <a:rPr lang="ko-KR" altLang="en-US" baseline="0" dirty="0" smtClean="0"/>
+              <a:t>죠</a:t>
+            </a:r>
+            <a:r>
+              <a:rPr lang="en-US" altLang="ko-KR" baseline="0" dirty="0" smtClean="0"/>
+              <a:t>. </a:t>
+            </a:r>
+            <a:r>
+              <a:rPr lang="ko-KR" altLang="en-US" baseline="0" dirty="0" smtClean="0"/>
+              <a:t>가격 적당하고 필요한 기능은 </a:t>
+            </a:r>
+            <a:r>
+              <a:rPr lang="ko-KR" altLang="en-US" baseline="0" dirty="0" err="1" smtClean="0"/>
+              <a:t>왠만한건</a:t>
+            </a:r>
+            <a:r>
+              <a:rPr lang="ko-KR" altLang="en-US" baseline="0" dirty="0" smtClean="0"/>
+              <a:t> 다 들어있습니다</a:t>
+            </a:r>
+            <a:r>
+              <a:rPr lang="en-US" altLang="ko-KR" baseline="0" dirty="0" smtClean="0"/>
+              <a:t>. </a:t>
+            </a:r>
+            <a:r>
+              <a:rPr lang="ko-KR" altLang="en-US" baseline="0" dirty="0" smtClean="0"/>
+              <a:t>속도도 </a:t>
+            </a:r>
+            <a:r>
+              <a:rPr lang="ko-KR" altLang="en-US" baseline="0" dirty="0" err="1" smtClean="0"/>
+              <a:t>괜찬고</a:t>
+            </a:r>
+            <a:r>
+              <a:rPr lang="en-US" altLang="ko-KR" baseline="0" dirty="0" smtClean="0"/>
+              <a:t>.</a:t>
+            </a:r>
+          </a:p>
+          <a:p>
+            <a:r>
+              <a:rPr lang="ko-KR" altLang="en-US" baseline="0" dirty="0" smtClean="0"/>
+              <a:t>설정</a:t>
+            </a:r>
+            <a:r>
+              <a:rPr lang="en-US" altLang="ko-KR" baseline="0" dirty="0" smtClean="0"/>
+              <a:t> </a:t>
+            </a:r>
+            <a:r>
+              <a:rPr lang="ko-KR" altLang="en-US" baseline="0" dirty="0" err="1" smtClean="0"/>
+              <a:t>저정용</a:t>
+            </a:r>
+            <a:r>
+              <a:rPr lang="ko-KR" altLang="en-US" baseline="0" dirty="0" smtClean="0"/>
+              <a:t> </a:t>
+            </a:r>
+            <a:r>
+              <a:rPr lang="en-US" altLang="ko-KR" baseline="0" dirty="0" smtClean="0"/>
+              <a:t>FRAM</a:t>
+            </a:r>
+            <a:r>
+              <a:rPr lang="ko-KR" altLang="en-US" baseline="0" dirty="0" smtClean="0"/>
+              <a:t>을 제외하고 따로 외부 메모리 연결이 필요없이 충분한 용량을 가지고 있습니다</a:t>
+            </a:r>
+            <a:r>
+              <a:rPr lang="en-US" altLang="ko-KR" baseline="0" dirty="0" smtClean="0"/>
+              <a:t>.</a:t>
+            </a:r>
+          </a:p>
+          <a:p>
             <a:endParaRPr lang="en-US" altLang="ko-KR" baseline="0" dirty="0" smtClean="0"/>
           </a:p>
           <a:p>
+            <a:r>
+              <a:rPr lang="ko-KR" altLang="en-US" baseline="0" dirty="0" smtClean="0"/>
+              <a:t>모터 드라이버는 </a:t>
+            </a:r>
+            <a:r>
+              <a:rPr lang="ko-KR" altLang="en-US" baseline="0" dirty="0" err="1" smtClean="0"/>
+              <a:t>트라이나믹의</a:t>
+            </a:r>
+            <a:r>
+              <a:rPr lang="ko-KR" altLang="en-US" baseline="0" dirty="0" smtClean="0"/>
+              <a:t> </a:t>
+            </a:r>
+            <a:r>
+              <a:rPr lang="en-US" altLang="ko-KR" baseline="0" dirty="0" smtClean="0"/>
+              <a:t>TMC5160</a:t>
+            </a:r>
+            <a:r>
+              <a:rPr lang="ko-KR" altLang="en-US" baseline="0" dirty="0" smtClean="0"/>
+              <a:t>을 사용합니다</a:t>
+            </a:r>
+            <a:r>
+              <a:rPr lang="en-US" altLang="ko-KR" baseline="0" dirty="0" smtClean="0"/>
+              <a:t>. </a:t>
+            </a:r>
+            <a:r>
+              <a:rPr lang="ko-KR" altLang="en-US" baseline="0" dirty="0" smtClean="0"/>
+              <a:t>모션컨트롤러가 내장된 모델이라 기능도 많고 제어가 간편합니다</a:t>
+            </a:r>
+            <a:r>
+              <a:rPr lang="en-US" altLang="ko-KR" baseline="0" dirty="0" smtClean="0"/>
+              <a:t>.</a:t>
+            </a:r>
+          </a:p>
+          <a:p>
+            <a:r>
+              <a:rPr lang="en-US" altLang="ko-KR" baseline="0" dirty="0" smtClean="0"/>
+              <a:t>256 </a:t>
+            </a:r>
+            <a:r>
+              <a:rPr lang="ko-KR" altLang="en-US" baseline="0" dirty="0" err="1" smtClean="0"/>
+              <a:t>마이크로스텝을</a:t>
+            </a:r>
+            <a:r>
+              <a:rPr lang="ko-KR" altLang="en-US" baseline="0" dirty="0" smtClean="0"/>
+              <a:t> 지원하고 외장 </a:t>
+            </a:r>
+            <a:r>
+              <a:rPr lang="en-US" altLang="ko-KR" baseline="0" dirty="0" smtClean="0"/>
+              <a:t>FET</a:t>
+            </a:r>
+            <a:r>
+              <a:rPr lang="ko-KR" altLang="en-US" baseline="0" dirty="0" smtClean="0"/>
+              <a:t>를 사용해서 최대 </a:t>
+            </a:r>
+            <a:r>
+              <a:rPr lang="en-US" altLang="ko-KR" baseline="0" dirty="0" smtClean="0"/>
+              <a:t>20A</a:t>
+            </a:r>
+            <a:r>
+              <a:rPr lang="ko-KR" altLang="en-US" baseline="0" dirty="0" smtClean="0"/>
+              <a:t>까지 출력이 가능하죠</a:t>
+            </a:r>
+            <a:r>
+              <a:rPr lang="en-US" altLang="ko-KR" baseline="0" dirty="0" smtClean="0"/>
+              <a:t>. </a:t>
+            </a:r>
+          </a:p>
+          <a:p>
+            <a:r>
+              <a:rPr lang="ko-KR" altLang="en-US" baseline="0" dirty="0" smtClean="0"/>
+              <a:t>약간 특이한 점으로는 </a:t>
+            </a:r>
+            <a:r>
+              <a:rPr lang="ko-KR" altLang="en-US" baseline="0" dirty="0" err="1" smtClean="0"/>
+              <a:t>엔코더와</a:t>
+            </a:r>
+            <a:r>
+              <a:rPr lang="ko-KR" altLang="en-US" baseline="0" dirty="0" smtClean="0"/>
+              <a:t> </a:t>
+            </a:r>
+            <a:r>
+              <a:rPr lang="ko-KR" altLang="en-US" baseline="0" dirty="0" err="1" smtClean="0"/>
+              <a:t>레퍼런스</a:t>
+            </a:r>
+            <a:r>
+              <a:rPr lang="ko-KR" altLang="en-US" baseline="0" dirty="0" smtClean="0"/>
+              <a:t> 스위치도 </a:t>
+            </a:r>
+            <a:r>
+              <a:rPr lang="ko-KR" altLang="en-US" baseline="0" dirty="0" err="1" smtClean="0"/>
+              <a:t>다이렉트로</a:t>
+            </a:r>
+            <a:r>
+              <a:rPr lang="ko-KR" altLang="en-US" baseline="0" dirty="0" smtClean="0"/>
+              <a:t> 인터페이스 가능합니다</a:t>
+            </a:r>
+            <a:r>
+              <a:rPr lang="en-US" altLang="ko-KR" baseline="0" dirty="0" smtClean="0"/>
+              <a:t>.</a:t>
+            </a:r>
+          </a:p>
+          <a:p>
+            <a:r>
+              <a:rPr lang="en-US" altLang="ko-KR" baseline="0" dirty="0" smtClean="0"/>
+              <a:t>MCU</a:t>
+            </a:r>
+            <a:r>
+              <a:rPr lang="ko-KR" altLang="en-US" baseline="0" dirty="0" smtClean="0"/>
+              <a:t> 자원을 매우 적게 점유하는 모터 드라이법니다</a:t>
+            </a:r>
+            <a:r>
+              <a:rPr lang="en-US" altLang="ko-KR" baseline="0" dirty="0" smtClean="0"/>
+              <a:t>.</a:t>
+            </a:r>
+          </a:p>
+          <a:p>
+            <a:r>
+              <a:rPr lang="ko-KR" altLang="en-US" baseline="0" dirty="0" err="1" smtClean="0"/>
+              <a:t>트라이나믹은</a:t>
+            </a:r>
+            <a:r>
+              <a:rPr lang="ko-KR" altLang="en-US" baseline="0" dirty="0" smtClean="0"/>
+              <a:t> 문서가 좀 거지같습니다</a:t>
+            </a:r>
+            <a:r>
+              <a:rPr lang="en-US" altLang="ko-KR" baseline="0" dirty="0" smtClean="0"/>
+              <a:t>. </a:t>
+            </a:r>
+            <a:r>
+              <a:rPr lang="ko-KR" altLang="en-US" baseline="0" dirty="0" smtClean="0"/>
+              <a:t>문서 작성자 의식의 흐름대로 작성을 해놔서 똑같은 데이터시트를 </a:t>
+            </a:r>
+            <a:r>
+              <a:rPr lang="ko-KR" altLang="en-US" baseline="0" dirty="0" err="1" smtClean="0"/>
+              <a:t>두세개</a:t>
+            </a:r>
+            <a:r>
+              <a:rPr lang="ko-KR" altLang="en-US" baseline="0" dirty="0" smtClean="0"/>
+              <a:t> 열어놓고 봐야 그나마 조금 이해가 될 정돕니다</a:t>
+            </a:r>
+            <a:r>
+              <a:rPr lang="en-US" altLang="ko-KR" baseline="0" dirty="0" smtClean="0"/>
+              <a:t>.</a:t>
+            </a:r>
+          </a:p>
+          <a:p>
+            <a:r>
+              <a:rPr lang="ko-KR" altLang="en-US" baseline="0" dirty="0" smtClean="0"/>
+              <a:t> </a:t>
+            </a:r>
             <a:endParaRPr lang="en-US" altLang="ko-KR" baseline="0" dirty="0" smtClean="0"/>
           </a:p>
+          <a:p>
+            <a:r>
+              <a:rPr lang="ko-KR" altLang="en-US" baseline="0" dirty="0" smtClean="0"/>
+              <a:t>주로 사용하는 모터드라이버 벤더가 </a:t>
+            </a:r>
+            <a:r>
+              <a:rPr lang="en-US" altLang="ko-KR" baseline="0" dirty="0" smtClean="0"/>
+              <a:t>TI, </a:t>
+            </a:r>
+            <a:r>
+              <a:rPr lang="ko-KR" altLang="en-US" baseline="0" dirty="0" smtClean="0"/>
+              <a:t>알레그로</a:t>
+            </a:r>
+            <a:r>
+              <a:rPr lang="en-US" altLang="ko-KR" baseline="0" dirty="0" smtClean="0"/>
+              <a:t>, ST </a:t>
+            </a:r>
+            <a:r>
+              <a:rPr lang="ko-KR" altLang="en-US" baseline="0" dirty="0" smtClean="0"/>
+              <a:t>등등인데 </a:t>
+            </a:r>
+            <a:r>
+              <a:rPr lang="ko-KR" altLang="en-US" baseline="0" dirty="0" err="1" smtClean="0"/>
+              <a:t>성능면에서</a:t>
+            </a:r>
+            <a:r>
+              <a:rPr lang="ko-KR" altLang="en-US" baseline="0" dirty="0" smtClean="0"/>
+              <a:t> </a:t>
+            </a:r>
+            <a:r>
+              <a:rPr lang="ko-KR" altLang="en-US" baseline="0" dirty="0" err="1" smtClean="0"/>
+              <a:t>트라이나믹이</a:t>
+            </a:r>
+            <a:r>
+              <a:rPr lang="ko-KR" altLang="en-US" baseline="0" dirty="0" smtClean="0"/>
+              <a:t> 강점이 있습니다</a:t>
+            </a:r>
+            <a:r>
+              <a:rPr lang="en-US" altLang="ko-KR" baseline="0" dirty="0" smtClean="0"/>
+              <a:t>. </a:t>
+            </a:r>
+          </a:p>
+          <a:p>
+            <a:r>
+              <a:rPr lang="ko-KR" altLang="en-US" baseline="0" dirty="0" smtClean="0"/>
+              <a:t>대신 문서가 부실하다</a:t>
+            </a:r>
+            <a:r>
+              <a:rPr lang="en-US" altLang="ko-KR" baseline="0" dirty="0" smtClean="0"/>
+              <a:t>….</a:t>
+            </a:r>
+            <a:r>
+              <a:rPr lang="ko-KR" altLang="en-US" baseline="0" dirty="0" smtClean="0"/>
+              <a:t>문서 읽어보고 실제 이게 </a:t>
+            </a:r>
+            <a:r>
+              <a:rPr lang="ko-KR" altLang="en-US" baseline="0" dirty="0" err="1" smtClean="0"/>
+              <a:t>먼뜻인지</a:t>
+            </a:r>
+            <a:r>
+              <a:rPr lang="ko-KR" altLang="en-US" baseline="0" dirty="0" smtClean="0"/>
+              <a:t> 돌려보면서 하나하나 </a:t>
+            </a:r>
+            <a:r>
+              <a:rPr lang="ko-KR" altLang="en-US" baseline="0" dirty="0" err="1" smtClean="0"/>
+              <a:t>확인해봐야됩니다</a:t>
+            </a:r>
+            <a:r>
+              <a:rPr lang="en-US" altLang="ko-KR" baseline="0" dirty="0" smtClean="0"/>
+              <a:t>.</a:t>
+            </a:r>
+            <a:endParaRPr lang="en-US" altLang="ko-KR" baseline="0" dirty="0" smtClean="0"/>
+          </a:p>
+          <a:p>
+            <a:endParaRPr lang="en-US" altLang="ko-KR" baseline="0" dirty="0" smtClean="0"/>
+          </a:p>
+          <a:p>
+            <a:endParaRPr lang="en-US" altLang="ko-KR" baseline="0" dirty="0" smtClean="0"/>
+          </a:p>
         </p:txBody>
       </p:sp>
       <p:sp>
@@ -992,6 +1899,7 @@
           <a:p>
             <a:fld id="{092C3094-8DD0-4479-8CD3-F8F173D534BE}" type="slidenum">
               <a:rPr lang="ko-KR" altLang="en-US" smtClean="0"/>
+              <a:pPr/>
               <a:t>3</a:t>
             </a:fld>
             <a:endParaRPr lang="ko-KR" altLang="en-US"/>
@@ -1076,6 +1984,7 @@
           <a:p>
             <a:fld id="{092C3094-8DD0-4479-8CD3-F8F173D534BE}" type="slidenum">
               <a:rPr lang="ko-KR" altLang="en-US" smtClean="0"/>
+              <a:pPr/>
               <a:t>4</a:t>
             </a:fld>
             <a:endParaRPr lang="ko-KR" altLang="en-US"/>
@@ -1160,6 +2069,7 @@
           <a:p>
             <a:fld id="{092C3094-8DD0-4479-8CD3-F8F173D534BE}" type="slidenum">
               <a:rPr lang="ko-KR" altLang="en-US" smtClean="0"/>
+              <a:pPr/>
               <a:t>5</a:t>
             </a:fld>
             <a:endParaRPr lang="ko-KR" altLang="en-US"/>
@@ -1244,7 +2154,178 @@
           <a:p>
             <a:fld id="{092C3094-8DD0-4479-8CD3-F8F173D534BE}" type="slidenum">
               <a:rPr lang="ko-KR" altLang="en-US" smtClean="0"/>
+              <a:pPr/>
               <a:t>6</a:t>
+            </a:fld>
+            <a:endParaRPr lang="ko-KR" altLang="en-US"/>
+          </a:p>
+        </p:txBody>
+      </p:sp>
+    </p:spTree>
+  </p:cSld>
+  <p:clrMapOvr>
+    <a:masterClrMapping/>
+  </p:clrMapOvr>
+</p:notes>
+</file>
+
+<file path=ppt/notesSlides/notesSlide7.xml><?xml version="1.0" encoding="utf-8"?>
+<p:notes xmlns:a="http://schemas.openxmlformats.org/drawingml/2006/main" xmlns:r="http://schemas.openxmlformats.org/officeDocument/2006/relationships" xmlns:p="http://schemas.openxmlformats.org/presentationml/2006/main">
+  <p:cSld>
+    <p:spTree>
+      <p:nvGrpSpPr>
+        <p:cNvPr id="1" name=""/>
+        <p:cNvGrpSpPr/>
+        <p:nvPr/>
+      </p:nvGrpSpPr>
+      <p:grpSpPr>
+        <a:xfrm>
+          <a:off x="0" y="0"/>
+          <a:ext cx="0" cy="0"/>
+          <a:chOff x="0" y="0"/>
+          <a:chExt cx="0" cy="0"/>
+        </a:xfrm>
+      </p:grpSpPr>
+      <p:sp>
+        <p:nvSpPr>
+          <p:cNvPr id="2" name="슬라이드 이미지 개체 틀 1"/>
+          <p:cNvSpPr>
+            <a:spLocks noGrp="1" noRot="1" noChangeAspect="1"/>
+          </p:cNvSpPr>
+          <p:nvPr>
+            <p:ph type="sldImg"/>
+          </p:nvPr>
+        </p:nvSpPr>
+        <p:spPr/>
+      </p:sp>
+      <p:sp>
+        <p:nvSpPr>
+          <p:cNvPr id="3" name="슬라이드 노트 개체 틀 2"/>
+          <p:cNvSpPr>
+            <a:spLocks noGrp="1"/>
+          </p:cNvSpPr>
+          <p:nvPr>
+            <p:ph type="body" idx="1"/>
+          </p:nvPr>
+        </p:nvSpPr>
+        <p:spPr/>
+        <p:txBody>
+          <a:bodyPr>
+            <a:normAutofit/>
+          </a:bodyPr>
+          <a:lstStyle/>
+          <a:p>
+            <a:endParaRPr lang="en-US" altLang="ko-KR" baseline="0" dirty="0" smtClean="0"/>
+          </a:p>
+          <a:p>
+            <a:endParaRPr lang="en-US" altLang="ko-KR" baseline="0" dirty="0" smtClean="0"/>
+          </a:p>
+        </p:txBody>
+      </p:sp>
+      <p:sp>
+        <p:nvSpPr>
+          <p:cNvPr id="4" name="슬라이드 번호 개체 틀 3"/>
+          <p:cNvSpPr>
+            <a:spLocks noGrp="1"/>
+          </p:cNvSpPr>
+          <p:nvPr>
+            <p:ph type="sldNum" sz="quarter" idx="10"/>
+          </p:nvPr>
+        </p:nvSpPr>
+        <p:spPr/>
+        <p:txBody>
+          <a:bodyPr/>
+          <a:lstStyle/>
+          <a:p>
+            <a:fld id="{092C3094-8DD0-4479-8CD3-F8F173D534BE}" type="slidenum">
+              <a:rPr lang="ko-KR" altLang="en-US" smtClean="0"/>
+              <a:pPr/>
+              <a:t>7</a:t>
+            </a:fld>
+            <a:endParaRPr lang="ko-KR" altLang="en-US"/>
+          </a:p>
+        </p:txBody>
+      </p:sp>
+    </p:spTree>
+  </p:cSld>
+  <p:clrMapOvr>
+    <a:masterClrMapping/>
+  </p:clrMapOvr>
+</p:notes>
+</file>
+
+<file path=ppt/notesSlides/notesSlide8.xml><?xml version="1.0" encoding="utf-8"?>
+<p:notes xmlns:a="http://schemas.openxmlformats.org/drawingml/2006/main" xmlns:r="http://schemas.openxmlformats.org/officeDocument/2006/relationships" xmlns:p="http://schemas.openxmlformats.org/presentationml/2006/main">
+  <p:cSld>
+    <p:spTree>
+      <p:nvGrpSpPr>
+        <p:cNvPr id="1" name=""/>
+        <p:cNvGrpSpPr/>
+        <p:nvPr/>
+      </p:nvGrpSpPr>
+      <p:grpSpPr>
+        <a:xfrm>
+          <a:off x="0" y="0"/>
+          <a:ext cx="0" cy="0"/>
+          <a:chOff x="0" y="0"/>
+          <a:chExt cx="0" cy="0"/>
+        </a:xfrm>
+      </p:grpSpPr>
+      <p:sp>
+        <p:nvSpPr>
+          <p:cNvPr id="2" name="슬라이드 이미지 개체 틀 1"/>
+          <p:cNvSpPr>
+            <a:spLocks noGrp="1" noRot="1" noChangeAspect="1"/>
+          </p:cNvSpPr>
+          <p:nvPr>
+            <p:ph type="sldImg"/>
+          </p:nvPr>
+        </p:nvSpPr>
+        <p:spPr/>
+      </p:sp>
+      <p:sp>
+        <p:nvSpPr>
+          <p:cNvPr id="3" name="슬라이드 노트 개체 틀 2"/>
+          <p:cNvSpPr>
+            <a:spLocks noGrp="1"/>
+          </p:cNvSpPr>
+          <p:nvPr>
+            <p:ph type="body" idx="1"/>
+          </p:nvPr>
+        </p:nvSpPr>
+        <p:spPr/>
+        <p:txBody>
+          <a:bodyPr>
+            <a:normAutofit/>
+          </a:bodyPr>
+          <a:lstStyle/>
+          <a:p>
+            <a:endParaRPr lang="en-US" altLang="ko-KR" baseline="0" dirty="0" smtClean="0"/>
+          </a:p>
+          <a:p>
+            <a:endParaRPr lang="en-US" altLang="ko-KR" baseline="0" dirty="0" smtClean="0"/>
+          </a:p>
+        </p:txBody>
+      </p:sp>
+      <p:sp>
+        <p:nvSpPr>
+          <p:cNvPr id="4" name="슬라이드 번호 개체 틀 3"/>
+          <p:cNvSpPr>
+            <a:spLocks noGrp="1"/>
+          </p:cNvSpPr>
+          <p:nvPr>
+            <p:ph type="sldNum" sz="quarter" idx="10"/>
+          </p:nvPr>
+        </p:nvSpPr>
+        <p:spPr/>
+        <p:txBody>
+          <a:bodyPr/>
+          <a:lstStyle/>
+          <a:p>
+            <a:fld id="{092C3094-8DD0-4479-8CD3-F8F173D534BE}" type="slidenum">
+              <a:rPr lang="ko-KR" altLang="en-US" smtClean="0"/>
+              <a:pPr/>
+              <a:t>8</a:t>
             </a:fld>
             <a:endParaRPr lang="ko-KR" altLang="en-US"/>
           </a:p>
@@ -1439,7 +2520,8 @@
           <a:p>
             <a:fld id="{FCF3163A-9070-4B5B-ACA3-9EA48E4BFAD7}" type="datetimeFigureOut">
               <a:rPr lang="ko-KR" altLang="en-US" smtClean="0"/>
-              <a:t>2018-09-06</a:t>
+              <a:pPr/>
+              <a:t>2018-09-13</a:t>
             </a:fld>
             <a:endParaRPr lang="ko-KR" altLang="en-US"/>
           </a:p>
@@ -1481,6 +2563,7 @@
           <a:p>
             <a:fld id="{00801388-0344-4120-83F4-3C8A113A45DF}" type="slidenum">
               <a:rPr lang="ko-KR" altLang="en-US" smtClean="0"/>
+              <a:pPr/>
               <a:t>‹#›</a:t>
             </a:fld>
             <a:endParaRPr lang="ko-KR" altLang="en-US"/>
@@ -1604,7 +2687,8 @@
           <a:p>
             <a:fld id="{FCF3163A-9070-4B5B-ACA3-9EA48E4BFAD7}" type="datetimeFigureOut">
               <a:rPr lang="ko-KR" altLang="en-US" smtClean="0"/>
-              <a:t>2018-09-06</a:t>
+              <a:pPr/>
+              <a:t>2018-09-13</a:t>
             </a:fld>
             <a:endParaRPr lang="ko-KR" altLang="en-US"/>
           </a:p>
@@ -1646,6 +2730,7 @@
           <a:p>
             <a:fld id="{00801388-0344-4120-83F4-3C8A113A45DF}" type="slidenum">
               <a:rPr lang="ko-KR" altLang="en-US" smtClean="0"/>
+              <a:pPr/>
               <a:t>‹#›</a:t>
             </a:fld>
             <a:endParaRPr lang="ko-KR" altLang="en-US"/>
@@ -1779,7 +2864,8 @@
           <a:p>
             <a:fld id="{FCF3163A-9070-4B5B-ACA3-9EA48E4BFAD7}" type="datetimeFigureOut">
               <a:rPr lang="ko-KR" altLang="en-US" smtClean="0"/>
-              <a:t>2018-09-06</a:t>
+              <a:pPr/>
+              <a:t>2018-09-13</a:t>
             </a:fld>
             <a:endParaRPr lang="ko-KR" altLang="en-US"/>
           </a:p>
@@ -1821,6 +2907,7 @@
           <a:p>
             <a:fld id="{00801388-0344-4120-83F4-3C8A113A45DF}" type="slidenum">
               <a:rPr lang="ko-KR" altLang="en-US" smtClean="0"/>
+              <a:pPr/>
               <a:t>‹#›</a:t>
             </a:fld>
             <a:endParaRPr lang="ko-KR" altLang="en-US"/>
@@ -1944,7 +3031,8 @@
           <a:p>
             <a:fld id="{FCF3163A-9070-4B5B-ACA3-9EA48E4BFAD7}" type="datetimeFigureOut">
               <a:rPr lang="ko-KR" altLang="en-US" smtClean="0"/>
-              <a:t>2018-09-06</a:t>
+              <a:pPr/>
+              <a:t>2018-09-13</a:t>
             </a:fld>
             <a:endParaRPr lang="ko-KR" altLang="en-US"/>
           </a:p>
@@ -1986,6 +3074,7 @@
           <a:p>
             <a:fld id="{00801388-0344-4120-83F4-3C8A113A45DF}" type="slidenum">
               <a:rPr lang="ko-KR" altLang="en-US" smtClean="0"/>
+              <a:pPr/>
               <a:t>‹#›</a:t>
             </a:fld>
             <a:endParaRPr lang="ko-KR" altLang="en-US"/>
@@ -2185,7 +3274,8 @@
           <a:p>
             <a:fld id="{FCF3163A-9070-4B5B-ACA3-9EA48E4BFAD7}" type="datetimeFigureOut">
               <a:rPr lang="ko-KR" altLang="en-US" smtClean="0"/>
-              <a:t>2018-09-06</a:t>
+              <a:pPr/>
+              <a:t>2018-09-13</a:t>
             </a:fld>
             <a:endParaRPr lang="ko-KR" altLang="en-US"/>
           </a:p>
@@ -2227,6 +3317,7 @@
           <a:p>
             <a:fld id="{00801388-0344-4120-83F4-3C8A113A45DF}" type="slidenum">
               <a:rPr lang="ko-KR" altLang="en-US" smtClean="0"/>
+              <a:pPr/>
               <a:t>‹#›</a:t>
             </a:fld>
             <a:endParaRPr lang="ko-KR" altLang="en-US"/>
@@ -2468,7 +3559,8 @@
           <a:p>
             <a:fld id="{FCF3163A-9070-4B5B-ACA3-9EA48E4BFAD7}" type="datetimeFigureOut">
               <a:rPr lang="ko-KR" altLang="en-US" smtClean="0"/>
-              <a:t>2018-09-06</a:t>
+              <a:pPr/>
+              <a:t>2018-09-13</a:t>
             </a:fld>
             <a:endParaRPr lang="ko-KR" altLang="en-US"/>
           </a:p>
@@ -2510,6 +3602,7 @@
           <a:p>
             <a:fld id="{00801388-0344-4120-83F4-3C8A113A45DF}" type="slidenum">
               <a:rPr lang="ko-KR" altLang="en-US" smtClean="0"/>
+              <a:pPr/>
               <a:t>‹#›</a:t>
             </a:fld>
             <a:endParaRPr lang="ko-KR" altLang="en-US"/>
@@ -2885,7 +3978,8 @@
           <a:p>
             <a:fld id="{FCF3163A-9070-4B5B-ACA3-9EA48E4BFAD7}" type="datetimeFigureOut">
               <a:rPr lang="ko-KR" altLang="en-US" smtClean="0"/>
-              <a:t>2018-09-06</a:t>
+              <a:pPr/>
+              <a:t>2018-09-13</a:t>
             </a:fld>
             <a:endParaRPr lang="ko-KR" altLang="en-US"/>
           </a:p>
@@ -2927,6 +4021,7 @@
           <a:p>
             <a:fld id="{00801388-0344-4120-83F4-3C8A113A45DF}" type="slidenum">
               <a:rPr lang="ko-KR" altLang="en-US" smtClean="0"/>
+              <a:pPr/>
               <a:t>‹#›</a:t>
             </a:fld>
             <a:endParaRPr lang="ko-KR" altLang="en-US"/>
@@ -2998,7 +4093,8 @@
           <a:p>
             <a:fld id="{FCF3163A-9070-4B5B-ACA3-9EA48E4BFAD7}" type="datetimeFigureOut">
               <a:rPr lang="ko-KR" altLang="en-US" smtClean="0"/>
-              <a:t>2018-09-06</a:t>
+              <a:pPr/>
+              <a:t>2018-09-13</a:t>
             </a:fld>
             <a:endParaRPr lang="ko-KR" altLang="en-US"/>
           </a:p>
@@ -3040,6 +4136,7 @@
           <a:p>
             <a:fld id="{00801388-0344-4120-83F4-3C8A113A45DF}" type="slidenum">
               <a:rPr lang="ko-KR" altLang="en-US" smtClean="0"/>
+              <a:pPr/>
               <a:t>‹#›</a:t>
             </a:fld>
             <a:endParaRPr lang="ko-KR" altLang="en-US"/>
@@ -3088,7 +4185,8 @@
           <a:p>
             <a:fld id="{FCF3163A-9070-4B5B-ACA3-9EA48E4BFAD7}" type="datetimeFigureOut">
               <a:rPr lang="ko-KR" altLang="en-US" smtClean="0"/>
-              <a:t>2018-09-06</a:t>
+              <a:pPr/>
+              <a:t>2018-09-13</a:t>
             </a:fld>
             <a:endParaRPr lang="ko-KR" altLang="en-US"/>
           </a:p>
@@ -3130,6 +4228,7 @@
           <a:p>
             <a:fld id="{00801388-0344-4120-83F4-3C8A113A45DF}" type="slidenum">
               <a:rPr lang="ko-KR" altLang="en-US" smtClean="0"/>
+              <a:pPr/>
               <a:t>‹#›</a:t>
             </a:fld>
             <a:endParaRPr lang="ko-KR" altLang="en-US"/>
@@ -3360,7 +4459,8 @@
           <a:p>
             <a:fld id="{FCF3163A-9070-4B5B-ACA3-9EA48E4BFAD7}" type="datetimeFigureOut">
               <a:rPr lang="ko-KR" altLang="en-US" smtClean="0"/>
-              <a:t>2018-09-06</a:t>
+              <a:pPr/>
+              <a:t>2018-09-13</a:t>
             </a:fld>
             <a:endParaRPr lang="ko-KR" altLang="en-US"/>
           </a:p>
@@ -3402,6 +4502,7 @@
           <a:p>
             <a:fld id="{00801388-0344-4120-83F4-3C8A113A45DF}" type="slidenum">
               <a:rPr lang="ko-KR" altLang="en-US" smtClean="0"/>
+              <a:pPr/>
               <a:t>‹#›</a:t>
             </a:fld>
             <a:endParaRPr lang="ko-KR" altLang="en-US"/>
@@ -3608,7 +4709,8 @@
           <a:p>
             <a:fld id="{FCF3163A-9070-4B5B-ACA3-9EA48E4BFAD7}" type="datetimeFigureOut">
               <a:rPr lang="ko-KR" altLang="en-US" smtClean="0"/>
-              <a:t>2018-09-06</a:t>
+              <a:pPr/>
+              <a:t>2018-09-13</a:t>
             </a:fld>
             <a:endParaRPr lang="ko-KR" altLang="en-US"/>
           </a:p>
@@ -3650,6 +4752,7 @@
           <a:p>
             <a:fld id="{00801388-0344-4120-83F4-3C8A113A45DF}" type="slidenum">
               <a:rPr lang="ko-KR" altLang="en-US" smtClean="0"/>
+              <a:pPr/>
               <a:t>‹#›</a:t>
             </a:fld>
             <a:endParaRPr lang="ko-KR" altLang="en-US"/>
@@ -3816,7 +4919,8 @@
           <a:p>
             <a:fld id="{FCF3163A-9070-4B5B-ACA3-9EA48E4BFAD7}" type="datetimeFigureOut">
               <a:rPr lang="ko-KR" altLang="en-US" smtClean="0"/>
-              <a:t>2018-09-06</a:t>
+              <a:pPr/>
+              <a:t>2018-09-13</a:t>
             </a:fld>
             <a:endParaRPr lang="ko-KR" altLang="en-US"/>
           </a:p>
@@ -3894,6 +4998,7 @@
           <a:p>
             <a:fld id="{00801388-0344-4120-83F4-3C8A113A45DF}" type="slidenum">
               <a:rPr lang="ko-KR" altLang="en-US" smtClean="0"/>
+              <a:pPr/>
               <a:t>‹#›</a:t>
             </a:fld>
             <a:endParaRPr lang="ko-KR" altLang="en-US"/>
@@ -4385,12 +5490,13 @@
             <a:pPr algn="l"/>
             <a:r>
               <a:rPr lang="ko-KR" altLang="en-US" dirty="0" smtClean="0"/>
-              <a:t>회로설</a:t>
-            </a:r>
-            <a:r>
-              <a:rPr lang="ko-KR" altLang="en-US" dirty="0"/>
-              <a:t>계</a:t>
-            </a:r>
+              <a:t>사용할 </a:t>
+            </a:r>
+            <a:r>
+              <a:rPr lang="en-US" altLang="ko-KR" dirty="0" smtClean="0"/>
+              <a:t>tools</a:t>
+            </a:r>
+            <a:endParaRPr lang="ko-KR" altLang="en-US" dirty="0"/>
           </a:p>
         </p:txBody>
       </p:sp>
@@ -4418,11 +5524,19 @@
           <a:p>
             <a:r>
               <a:rPr lang="en-US" altLang="ko-KR" sz="2000" dirty="0" smtClean="0"/>
-              <a:t>1. </a:t>
+              <a:t> 1. </a:t>
             </a:r>
             <a:r>
               <a:rPr lang="ko-KR" altLang="en-US" sz="2000" dirty="0" smtClean="0"/>
-              <a:t>파트 라이브러리 설계</a:t>
+              <a:t>회로 설계 </a:t>
+            </a:r>
+            <a:r>
+              <a:rPr lang="en-US" altLang="ko-KR" sz="2000" dirty="0" err="1" smtClean="0"/>
+              <a:t>OrCAD</a:t>
+            </a:r>
+            <a:r>
+              <a:rPr lang="en-US" altLang="ko-KR" sz="2000" dirty="0" smtClean="0"/>
+              <a:t> Capture</a:t>
             </a:r>
             <a:endParaRPr lang="ko-KR" altLang="en-US" sz="2000" dirty="0"/>
           </a:p>
@@ -4451,29 +5565,22 @@
           <a:lstStyle/>
           <a:p>
             <a:r>
-              <a:rPr lang="en-US" altLang="ko-KR" sz="2000" dirty="0"/>
-              <a:t>2</a:t>
-            </a:r>
-            <a:r>
               <a:rPr lang="en-US" altLang="ko-KR" sz="2000" dirty="0" smtClean="0"/>
-              <a:t>. </a:t>
+              <a:t> 2. </a:t>
+            </a:r>
+            <a:r>
+              <a:rPr lang="ko-KR" altLang="en-US" sz="2000" dirty="0" err="1" smtClean="0"/>
+              <a:t>아트웍</a:t>
             </a:r>
             <a:r>
               <a:rPr lang="ko-KR" altLang="en-US" sz="2000" dirty="0" smtClean="0"/>
-              <a:t>부</a:t>
-            </a:r>
-            <a:r>
-              <a:rPr lang="ko-KR" altLang="en-US" sz="2000" dirty="0"/>
-              <a:t>품</a:t>
+              <a:t> </a:t>
             </a:r>
             <a:r>
               <a:rPr lang="en-US" altLang="ko-KR" sz="2000" dirty="0" smtClean="0"/>
-              <a:t> </a:t>
-            </a:r>
-            <a:r>
-              <a:rPr lang="ko-KR" altLang="en-US" sz="2000" dirty="0" smtClean="0"/>
-              <a:t>배치 다이어그램 그리기 </a:t>
-            </a:r>
+              <a:t>PADS Layout</a:t>
+            </a:r>
+            <a:endParaRPr lang="ko-KR" altLang="en-US" sz="2000" dirty="0"/>
           </a:p>
         </p:txBody>
       </p:sp>
@@ -4486,7 +5593,7 @@
         <p:spPr>
           <a:xfrm>
             <a:off x="251520" y="2420888"/>
-            <a:ext cx="7344816" cy="3170099"/>
+            <a:ext cx="7344816" cy="400110"/>
           </a:xfrm>
           <a:prstGeom prst="rect">
             <a:avLst/>
@@ -4500,154 +5607,74 @@
           <a:lstStyle/>
           <a:p>
             <a:r>
-              <a:rPr lang="en-US" altLang="ko-KR" sz="2000" dirty="0"/>
-              <a:t>3</a:t>
-            </a:r>
-            <a:r>
               <a:rPr lang="en-US" altLang="ko-KR" sz="2000" dirty="0" smtClean="0"/>
-              <a:t>. </a:t>
+              <a:t> 3. </a:t>
+            </a:r>
+            <a:r>
+              <a:rPr lang="ko-KR" altLang="en-US" sz="2000" dirty="0" err="1" smtClean="0"/>
+              <a:t>펌웨어</a:t>
             </a:r>
             <a:r>
               <a:rPr lang="ko-KR" altLang="en-US" sz="2000" dirty="0" smtClean="0"/>
-              <a:t>입력</a:t>
+              <a:t> </a:t>
             </a:r>
             <a:r>
               <a:rPr lang="en-US" altLang="ko-KR" sz="2000" dirty="0" smtClean="0"/>
-              <a:t>-&gt; </a:t>
-            </a:r>
-            <a:r>
-              <a:rPr lang="ko-KR" altLang="en-US" sz="2000" dirty="0" smtClean="0"/>
-              <a:t>처리 </a:t>
-            </a:r>
-            <a:r>
-              <a:rPr lang="en-US" altLang="ko-KR" sz="2000" dirty="0" smtClean="0"/>
-              <a:t>-&gt; </a:t>
-            </a:r>
-            <a:r>
-              <a:rPr lang="ko-KR" altLang="en-US" sz="2000" dirty="0" smtClean="0"/>
-              <a:t>출력 순으로 회로도 그리기</a:t>
-            </a:r>
-            <a:endParaRPr lang="en-US" altLang="ko-KR" sz="2000" dirty="0" smtClean="0"/>
-          </a:p>
-          <a:p>
-            <a:pPr>
-              <a:lnSpc>
-                <a:spcPct val="150000"/>
-              </a:lnSpc>
-            </a:pPr>
-            <a:r>
-              <a:rPr lang="en-US" altLang="ko-KR" sz="2000" dirty="0"/>
-              <a:t> </a:t>
-            </a:r>
-            <a:r>
-              <a:rPr lang="en-US" altLang="ko-KR" sz="2000" dirty="0" smtClean="0"/>
-              <a:t>   ① </a:t>
-            </a:r>
-            <a:r>
-              <a:rPr lang="ko-KR" altLang="en-US" sz="2000" dirty="0" smtClean="0"/>
-              <a:t>전원 입력</a:t>
-            </a:r>
-            <a:endParaRPr lang="en-US" altLang="ko-KR" sz="2000" dirty="0" smtClean="0"/>
-          </a:p>
-          <a:p>
-            <a:pPr>
-              <a:lnSpc>
-                <a:spcPct val="150000"/>
-              </a:lnSpc>
-            </a:pPr>
-            <a:r>
-              <a:rPr lang="en-US" altLang="ko-KR" sz="2000" dirty="0"/>
-              <a:t> </a:t>
-            </a:r>
-            <a:r>
-              <a:rPr lang="en-US" altLang="ko-KR" sz="2000" dirty="0" smtClean="0"/>
-              <a:t>   ② MCU</a:t>
-            </a:r>
-          </a:p>
-          <a:p>
-            <a:pPr>
-              <a:lnSpc>
-                <a:spcPct val="150000"/>
-              </a:lnSpc>
-            </a:pPr>
-            <a:r>
-              <a:rPr lang="en-US" altLang="ko-KR" sz="2000" dirty="0"/>
-              <a:t> </a:t>
-            </a:r>
-            <a:r>
-              <a:rPr lang="en-US" altLang="ko-KR" sz="2000" dirty="0" smtClean="0"/>
-              <a:t>   ③ </a:t>
-            </a:r>
-            <a:r>
-              <a:rPr lang="ko-KR" altLang="en-US" sz="2000" dirty="0" smtClean="0"/>
-              <a:t>통신관련</a:t>
-            </a:r>
-            <a:endParaRPr lang="en-US" altLang="ko-KR" sz="2000" dirty="0" smtClean="0"/>
-          </a:p>
-          <a:p>
-            <a:pPr>
-              <a:lnSpc>
-                <a:spcPct val="150000"/>
-              </a:lnSpc>
-            </a:pPr>
-            <a:r>
-              <a:rPr lang="en-US" altLang="ko-KR" sz="2000" dirty="0"/>
-              <a:t> </a:t>
-            </a:r>
-            <a:r>
-              <a:rPr lang="en-US" altLang="ko-KR" sz="2000" dirty="0" smtClean="0"/>
-              <a:t>   ④ </a:t>
-            </a:r>
-            <a:r>
-              <a:rPr lang="ko-KR" altLang="en-US" sz="2000" dirty="0" smtClean="0"/>
-              <a:t>모터 드라이버</a:t>
-            </a:r>
-            <a:endParaRPr lang="en-US" altLang="ko-KR" sz="2000" dirty="0" smtClean="0"/>
-          </a:p>
-          <a:p>
-            <a:pPr>
-              <a:lnSpc>
-                <a:spcPct val="150000"/>
-              </a:lnSpc>
-            </a:pPr>
-            <a:r>
-              <a:rPr lang="en-US" altLang="ko-KR" sz="2000" dirty="0"/>
-              <a:t> </a:t>
-            </a:r>
-            <a:r>
-              <a:rPr lang="en-US" altLang="ko-KR" sz="2000" dirty="0" smtClean="0"/>
-              <a:t>   ⑤ </a:t>
-            </a:r>
-            <a:r>
-              <a:rPr lang="ko-KR" altLang="en-US" sz="2000" dirty="0" smtClean="0"/>
-              <a:t>기타 </a:t>
-            </a:r>
-            <a:r>
-              <a:rPr lang="en-US" altLang="ko-KR" sz="2000" dirty="0" smtClean="0"/>
-              <a:t>in/out</a:t>
-            </a:r>
-          </a:p>
-          <a:p>
-            <a:pPr>
-              <a:lnSpc>
-                <a:spcPct val="150000"/>
-              </a:lnSpc>
-            </a:pPr>
-            <a:r>
-              <a:rPr lang="en-US" altLang="ko-KR" sz="2000" dirty="0"/>
-              <a:t> </a:t>
-            </a:r>
-            <a:r>
-              <a:rPr lang="en-US" altLang="ko-KR" sz="2000" dirty="0" smtClean="0"/>
-              <a:t>   ⑥ </a:t>
-            </a:r>
-            <a:r>
-              <a:rPr lang="ko-KR" altLang="en-US" sz="2000" dirty="0" err="1" smtClean="0"/>
-              <a:t>고정홀</a:t>
-            </a:r>
+              <a:t>System Workbench for STM32</a:t>
+            </a:r>
+            <a:endParaRPr lang="ko-KR" altLang="en-US" sz="2000" dirty="0"/>
+          </a:p>
+        </p:txBody>
+      </p:sp>
+      <p:sp>
+        <p:nvSpPr>
+          <p:cNvPr id="7" name="TextBox 6"/>
+          <p:cNvSpPr txBox="1"/>
+          <p:nvPr/>
+        </p:nvSpPr>
+        <p:spPr>
+          <a:xfrm>
+            <a:off x="251520" y="2996952"/>
+            <a:ext cx="7344816" cy="400110"/>
+          </a:xfrm>
+          <a:prstGeom prst="rect">
+            <a:avLst/>
+          </a:prstGeom>
+          <a:noFill/>
+        </p:spPr>
+        <p:txBody>
+          <a:bodyPr wrap="square" rtlCol="0">
+            <a:spAutoFit/>
+          </a:bodyPr>
+          <a:lstStyle/>
+          <a:p>
             <a:r>
               <a:rPr lang="en-US" altLang="ko-KR" sz="2000" dirty="0" smtClean="0"/>
               <a:t> </a:t>
+            </a:r>
+            <a:r>
+              <a:rPr lang="en-US" altLang="ko-KR" sz="2000" dirty="0" smtClean="0"/>
+              <a:t>4. </a:t>
+            </a:r>
+            <a:r>
+              <a:rPr lang="ko-KR" altLang="en-US" sz="2000" dirty="0" smtClean="0"/>
+              <a:t>호스트 </a:t>
+            </a:r>
+            <a:r>
+              <a:rPr lang="en-US" altLang="ko-KR" sz="2000" dirty="0" smtClean="0"/>
+              <a:t>GUI </a:t>
+            </a:r>
+            <a:r>
+              <a:rPr lang="ko-KR" altLang="en-US" sz="2000" dirty="0" err="1" smtClean="0"/>
+              <a:t>파이썬</a:t>
+            </a:r>
+            <a:r>
+              <a:rPr lang="ko-KR" altLang="en-US" sz="2000" dirty="0" smtClean="0"/>
+              <a:t> </a:t>
+            </a:r>
+            <a:r>
+              <a:rPr lang="en-US" altLang="ko-KR" sz="2000" dirty="0" err="1" smtClean="0"/>
+              <a:t>Kivy</a:t>
             </a:r>
             <a:endParaRPr lang="ko-KR" altLang="en-US" sz="2000" dirty="0"/>
           </a:p>
@@ -4700,8 +5727,12 @@
           <a:p>
             <a:pPr algn="l"/>
             <a:r>
+              <a:rPr lang="ko-KR" altLang="en-US" dirty="0" smtClean="0"/>
+              <a:t>사용할 </a:t>
+            </a:r>
+            <a:r>
               <a:rPr lang="en-US" altLang="ko-KR" dirty="0" smtClean="0"/>
-              <a:t>Artwork</a:t>
+              <a:t>ICs</a:t>
             </a:r>
             <a:endParaRPr lang="ko-KR" altLang="en-US" dirty="0"/>
           </a:p>
@@ -4731,27 +5762,11 @@
           <a:p>
             <a:r>
               <a:rPr lang="en-US" altLang="ko-KR" sz="2000" dirty="0" smtClean="0"/>
-              <a:t>1. </a:t>
-            </a:r>
-            <a:r>
-              <a:rPr lang="en-US" altLang="ko-KR" sz="2000" dirty="0" err="1" smtClean="0"/>
-              <a:t>Netlist</a:t>
+              <a:t> 1. </a:t>
             </a:r>
             <a:r>
               <a:rPr lang="en-US" altLang="ko-KR" sz="2000" dirty="0" smtClean="0"/>
-              <a:t> </a:t>
-            </a:r>
-            <a:r>
-              <a:rPr lang="ko-KR" altLang="en-US" sz="2000" dirty="0" smtClean="0"/>
-              <a:t>변환 및 </a:t>
-            </a:r>
-            <a:r>
-              <a:rPr lang="en-US" altLang="ko-KR" sz="2000" dirty="0" err="1" smtClean="0"/>
-              <a:t>asc</a:t>
-            </a:r>
-            <a:r>
-              <a:rPr lang="en-US" altLang="ko-KR" sz="2000" dirty="0" smtClean="0"/>
-              <a:t> import</a:t>
+              <a:t>MCU : STM32F103RCT6</a:t>
             </a:r>
             <a:endParaRPr lang="ko-KR" altLang="en-US" sz="2000" dirty="0"/>
           </a:p>
@@ -4780,160 +5795,18 @@
           <a:lstStyle/>
           <a:p>
             <a:r>
-              <a:rPr lang="en-US" altLang="ko-KR" sz="2000" dirty="0"/>
-              <a:t>2</a:t>
-            </a:r>
-            <a:r>
               <a:rPr lang="en-US" altLang="ko-KR" sz="2000" dirty="0" smtClean="0"/>
-              <a:t>. </a:t>
+              <a:t> 2. </a:t>
             </a:r>
             <a:r>
               <a:rPr lang="ko-KR" altLang="en-US" sz="2000" dirty="0" smtClean="0"/>
-              <a:t>부</a:t>
-            </a:r>
-            <a:r>
-              <a:rPr lang="ko-KR" altLang="en-US" sz="2000" dirty="0"/>
-              <a:t>품</a:t>
+              <a:t>모터드라이버 </a:t>
             </a:r>
             <a:r>
               <a:rPr lang="en-US" altLang="ko-KR" sz="2000" dirty="0" smtClean="0"/>
-              <a:t> </a:t>
-            </a:r>
-            <a:r>
-              <a:rPr lang="ko-KR" altLang="en-US" sz="2000" dirty="0" smtClean="0"/>
-              <a:t>배치 </a:t>
-            </a:r>
-            <a:r>
-              <a:rPr lang="ko-KR" altLang="en-US" sz="2000" dirty="0" smtClean="0"/>
-              <a:t>및 보드 사이즈 결정</a:t>
-            </a:r>
-            <a:endParaRPr lang="ko-KR" altLang="en-US" sz="2000" dirty="0" smtClean="0"/>
-          </a:p>
-        </p:txBody>
-      </p:sp>
-      <p:sp>
-        <p:nvSpPr>
-          <p:cNvPr id="6" name="TextBox 5"/>
-          <p:cNvSpPr txBox="1"/>
-          <p:nvPr/>
-        </p:nvSpPr>
-        <p:spPr>
-          <a:xfrm>
-            <a:off x="251520" y="2420888"/>
-            <a:ext cx="7344816" cy="400110"/>
-          </a:xfrm>
-          <a:prstGeom prst="rect">
-            <a:avLst/>
-          </a:prstGeom>
-          <a:noFill/>
-        </p:spPr>
-        <p:txBody>
-          <a:bodyPr wrap="square" rtlCol="0">
-            <a:spAutoFit/>
-          </a:bodyPr>
-          <a:lstStyle/>
-          <a:p>
-            <a:r>
-              <a:rPr lang="en-US" altLang="ko-KR" sz="2000" dirty="0"/>
-              <a:t>3</a:t>
-            </a:r>
-            <a:r>
-              <a:rPr lang="en-US" altLang="ko-KR" sz="2000" dirty="0" smtClean="0"/>
-              <a:t>. </a:t>
-            </a:r>
-            <a:r>
-              <a:rPr lang="en-US" altLang="ko-KR" sz="2000" dirty="0" smtClean="0"/>
-              <a:t>PCB </a:t>
-            </a:r>
-            <a:r>
-              <a:rPr lang="ko-KR" altLang="en-US" sz="2000" dirty="0" smtClean="0"/>
-              <a:t>설계 규칙에 따라 설계 진행</a:t>
-            </a:r>
-            <a:endParaRPr lang="en-US" altLang="ko-KR" sz="2000" dirty="0" smtClean="0"/>
-          </a:p>
-        </p:txBody>
-      </p:sp>
-      <p:sp>
-        <p:nvSpPr>
-          <p:cNvPr id="7" name="TextBox 6"/>
-          <p:cNvSpPr txBox="1"/>
-          <p:nvPr/>
-        </p:nvSpPr>
-        <p:spPr>
-          <a:xfrm>
-            <a:off x="251520" y="2956882"/>
-            <a:ext cx="7344816" cy="400110"/>
-          </a:xfrm>
-          <a:prstGeom prst="rect">
-            <a:avLst/>
-          </a:prstGeom>
-          <a:noFill/>
-        </p:spPr>
-        <p:txBody>
-          <a:bodyPr wrap="square" rtlCol="0">
-            <a:spAutoFit/>
-          </a:bodyPr>
-          <a:lstStyle/>
-          <a:p>
-            <a:r>
-              <a:rPr lang="en-US" altLang="ko-KR" sz="2000" dirty="0" smtClean="0"/>
-              <a:t>4. Gerber </a:t>
-            </a:r>
-            <a:r>
-              <a:rPr lang="ko-KR" altLang="en-US" sz="2000" dirty="0" smtClean="0"/>
-              <a:t>출력</a:t>
-            </a:r>
-            <a:endParaRPr lang="en-US" altLang="ko-KR" sz="2000" dirty="0" smtClean="0"/>
-          </a:p>
-        </p:txBody>
-      </p:sp>
-      <p:sp>
-        <p:nvSpPr>
-          <p:cNvPr id="8" name="TextBox 7"/>
-          <p:cNvSpPr txBox="1"/>
-          <p:nvPr/>
-        </p:nvSpPr>
-        <p:spPr>
-          <a:xfrm>
-            <a:off x="251520" y="5549170"/>
-            <a:ext cx="7344816" cy="400110"/>
-          </a:xfrm>
-          <a:prstGeom prst="rect">
-            <a:avLst/>
-          </a:prstGeom>
-          <a:noFill/>
-        </p:spPr>
-        <p:txBody>
-          <a:bodyPr wrap="square" rtlCol="0">
-            <a:spAutoFit/>
-          </a:bodyPr>
-          <a:lstStyle/>
-          <a:p>
-            <a:r>
-              <a:rPr lang="en-US" altLang="ko-KR" sz="2000" dirty="0" smtClean="0"/>
-              <a:t>*. </a:t>
-            </a:r>
-            <a:r>
-              <a:rPr lang="ko-KR" altLang="en-US" sz="2000" dirty="0" smtClean="0"/>
-              <a:t>회로도 </a:t>
-            </a:r>
-            <a:r>
-              <a:rPr lang="ko-KR" altLang="en-US" sz="2000" dirty="0" err="1" smtClean="0"/>
-              <a:t>변경시</a:t>
-            </a:r>
-            <a:r>
-              <a:rPr lang="ko-KR" altLang="en-US" sz="2000" dirty="0" smtClean="0"/>
-              <a:t> </a:t>
-            </a:r>
-            <a:r>
-              <a:rPr lang="en-US" altLang="ko-KR" sz="2000" dirty="0" smtClean="0"/>
-              <a:t>PCB </a:t>
-            </a:r>
-            <a:r>
-              <a:rPr lang="ko-KR" altLang="en-US" sz="2000" dirty="0" smtClean="0"/>
-              <a:t>적용 방법</a:t>
-            </a:r>
-            <a:endParaRPr lang="en-US" altLang="ko-KR" sz="2000" dirty="0" smtClean="0"/>
+              <a:t>: TMC5160</a:t>
+            </a:r>
+            <a:endParaRPr lang="ko-KR" altLang="en-US" sz="2000" dirty="0"/>
           </a:p>
         </p:txBody>
       </p:sp>
@@ -4984,10 +5857,13 @@
           <a:p>
             <a:pPr algn="l"/>
             <a:r>
-              <a:rPr lang="ko-KR" altLang="en-US" dirty="0" err="1" smtClean="0"/>
-              <a:t>펌웨어</a:t>
-            </a:r>
-            <a:endParaRPr lang="ko-KR" altLang="en-US" dirty="0"/>
+              <a:rPr lang="ko-KR" altLang="en-US" dirty="0" smtClean="0"/>
+              <a:t>회로설</a:t>
+            </a:r>
+            <a:r>
+              <a:rPr lang="ko-KR" altLang="en-US" dirty="0"/>
+              <a:t>계</a:t>
+            </a:r>
           </a:p>
         </p:txBody>
       </p:sp>
@@ -5015,11 +5891,11 @@
           <a:p>
             <a:r>
               <a:rPr lang="en-US" altLang="ko-KR" sz="2000" dirty="0" smtClean="0"/>
-              <a:t>1. STM32Cube </a:t>
+              <a:t>1. </a:t>
             </a:r>
             <a:r>
               <a:rPr lang="ko-KR" altLang="en-US" sz="2000" dirty="0" smtClean="0"/>
-              <a:t>설정 및 소스 출력</a:t>
+              <a:t>파트 라이브러리 설계</a:t>
             </a:r>
             <a:endParaRPr lang="ko-KR" altLang="en-US" sz="2000" dirty="0"/>
           </a:p>
@@ -5056,18 +5932,21 @@
               <a:t>. </a:t>
             </a:r>
             <a:r>
+              <a:rPr lang="ko-KR" altLang="en-US" sz="2000" dirty="0" smtClean="0"/>
+              <a:t>부</a:t>
+            </a:r>
+            <a:r>
+              <a:rPr lang="ko-KR" altLang="en-US" sz="2000" dirty="0"/>
+              <a:t>품</a:t>
+            </a:r>
+            <a:r>
               <a:rPr lang="en-US" altLang="ko-KR" sz="2000" dirty="0" smtClean="0"/>
-              <a:t>UART </a:t>
+              <a:t> </a:t>
             </a:r>
             <a:r>
               <a:rPr lang="ko-KR" altLang="en-US" sz="2000" dirty="0" smtClean="0"/>
-              <a:t>통신 프로토콜 설계</a:t>
-            </a:r>
-            <a:r>
-              <a:rPr lang="en-US" altLang="ko-KR" sz="2000" dirty="0" smtClean="0"/>
-              <a:t>(with GUI)</a:t>
-            </a:r>
-            <a:endParaRPr lang="ko-KR" altLang="en-US" sz="2000" dirty="0" smtClean="0"/>
+              <a:t>배치 다이어그램 그리기 </a:t>
+            </a:r>
           </a:p>
         </p:txBody>
       </p:sp>
@@ -5080,7 +5959,7 @@
         <p:spPr>
           <a:xfrm>
             <a:off x="251520" y="2420888"/>
-            <a:ext cx="7344816" cy="400110"/>
+            <a:ext cx="7344816" cy="3170099"/>
           </a:xfrm>
           <a:prstGeom prst="rect">
             <a:avLst/>
@@ -5103,45 +5982,114 @@
             </a:r>
             <a:r>
               <a:rPr lang="ko-KR" altLang="en-US" sz="2000" dirty="0" smtClean="0"/>
-              <a:t>모터드라이버 통신 </a:t>
+              <a:t>입력</a:t>
             </a:r>
             <a:r>
               <a:rPr lang="en-US" altLang="ko-KR" sz="2000" dirty="0" smtClean="0"/>
-              <a:t>SPI </a:t>
+              <a:t>-&gt; </a:t>
             </a:r>
             <a:r>
               <a:rPr lang="ko-KR" altLang="en-US" sz="2000" dirty="0" smtClean="0"/>
-              <a:t>설계</a:t>
+              <a:t>처리 </a:t>
+            </a:r>
+            <a:r>
+              <a:rPr lang="en-US" altLang="ko-KR" sz="2000" dirty="0" smtClean="0"/>
+              <a:t>-&gt; </a:t>
+            </a:r>
+            <a:r>
+              <a:rPr lang="ko-KR" altLang="en-US" sz="2000" dirty="0" smtClean="0"/>
+              <a:t>출력 순으로 회로도 그리기</a:t>
             </a:r>
             <a:endParaRPr lang="en-US" altLang="ko-KR" sz="2000" dirty="0" smtClean="0"/>
           </a:p>
-        </p:txBody>
-      </p:sp>
-      <p:sp>
-        <p:nvSpPr>
-          <p:cNvPr id="7" name="TextBox 6"/>
-          <p:cNvSpPr txBox="1"/>
-          <p:nvPr/>
-        </p:nvSpPr>
-        <p:spPr>
-          <a:xfrm>
-            <a:off x="251520" y="2956882"/>
-            <a:ext cx="7344816" cy="400110"/>
-          </a:xfrm>
-          <a:prstGeom prst="rect">
-            <a:avLst/>
-          </a:prstGeom>
-          <a:noFill/>
-        </p:spPr>
-        <p:txBody>
-          <a:bodyPr wrap="square" rtlCol="0">
-            <a:spAutoFit/>
-          </a:bodyPr>
-          <a:lstStyle/>
-          <a:p>
+          <a:p>
+            <a:pPr>
+              <a:lnSpc>
+                <a:spcPct val="150000"/>
+              </a:lnSpc>
+            </a:pPr>
+            <a:r>
+              <a:rPr lang="en-US" altLang="ko-KR" sz="2000" dirty="0"/>
+              <a:t> </a:t>
+            </a:r>
             <a:r>
               <a:rPr lang="en-US" altLang="ko-KR" sz="2000" dirty="0" smtClean="0"/>
-              <a:t>4. </a:t>
+              <a:t>   ① </a:t>
+            </a:r>
+            <a:r>
+              <a:rPr lang="ko-KR" altLang="en-US" sz="2000" dirty="0" smtClean="0"/>
+              <a:t>전원 입력</a:t>
+            </a:r>
+            <a:endParaRPr lang="en-US" altLang="ko-KR" sz="2000" dirty="0" smtClean="0"/>
+          </a:p>
+          <a:p>
+            <a:pPr>
+              <a:lnSpc>
+                <a:spcPct val="150000"/>
+              </a:lnSpc>
+            </a:pPr>
+            <a:r>
+              <a:rPr lang="en-US" altLang="ko-KR" sz="2000" dirty="0"/>
+              <a:t> </a:t>
+            </a:r>
+            <a:r>
+              <a:rPr lang="en-US" altLang="ko-KR" sz="2000" dirty="0" smtClean="0"/>
+              <a:t>   ② MCU</a:t>
+            </a:r>
+          </a:p>
+          <a:p>
+            <a:pPr>
+              <a:lnSpc>
+                <a:spcPct val="150000"/>
+              </a:lnSpc>
+            </a:pPr>
+            <a:r>
+              <a:rPr lang="en-US" altLang="ko-KR" sz="2000" dirty="0"/>
+              <a:t> </a:t>
+            </a:r>
+            <a:r>
+              <a:rPr lang="en-US" altLang="ko-KR" sz="2000" dirty="0" smtClean="0"/>
+              <a:t>   ③ </a:t>
+            </a:r>
+            <a:r>
+              <a:rPr lang="ko-KR" altLang="en-US" sz="2000" dirty="0" smtClean="0"/>
+              <a:t>통신관련</a:t>
+            </a:r>
+            <a:endParaRPr lang="en-US" altLang="ko-KR" sz="2000" dirty="0" smtClean="0"/>
+          </a:p>
+          <a:p>
+            <a:pPr>
+              <a:lnSpc>
+                <a:spcPct val="150000"/>
+              </a:lnSpc>
+            </a:pPr>
+            <a:r>
+              <a:rPr lang="en-US" altLang="ko-KR" sz="2000" dirty="0"/>
+              <a:t> </a:t>
+            </a:r>
+            <a:r>
+              <a:rPr lang="en-US" altLang="ko-KR" sz="2000" dirty="0" smtClean="0"/>
+              <a:t>   ④ </a:t>
+            </a:r>
+            <a:r>
+              <a:rPr lang="ko-KR" altLang="en-US" sz="2000" dirty="0" smtClean="0"/>
+              <a:t>모터 드라이버</a:t>
+            </a:r>
+            <a:endParaRPr lang="en-US" altLang="ko-KR" sz="2000" dirty="0" smtClean="0"/>
+          </a:p>
+          <a:p>
+            <a:pPr>
+              <a:lnSpc>
+                <a:spcPct val="150000"/>
+              </a:lnSpc>
+            </a:pPr>
+            <a:r>
+              <a:rPr lang="en-US" altLang="ko-KR" sz="2000" dirty="0"/>
+              <a:t> </a:t>
+            </a:r>
+            <a:r>
+              <a:rPr lang="en-US" altLang="ko-KR" sz="2000" dirty="0" smtClean="0"/>
+              <a:t>   ⑤ </a:t>
             </a:r>
             <a:r>
               <a:rPr lang="ko-KR" altLang="en-US" sz="2000" dirty="0" smtClean="0"/>
@@ -5149,13 +6097,32 @@
             </a:r>
             <a:r>
               <a:rPr lang="en-US" altLang="ko-KR" sz="2000" dirty="0" smtClean="0"/>
-              <a:t>IO </a:t>
-            </a:r>
-            <a:r>
-              <a:rPr lang="ko-KR" altLang="en-US" sz="2000" dirty="0" smtClean="0"/>
-              <a:t>입출력 관련 설계</a:t>
-            </a:r>
-            <a:endParaRPr lang="en-US" altLang="ko-KR" sz="2000" dirty="0" smtClean="0"/>
+              <a:t>in/out</a:t>
+            </a:r>
+          </a:p>
+          <a:p>
+            <a:pPr>
+              <a:lnSpc>
+                <a:spcPct val="150000"/>
+              </a:lnSpc>
+            </a:pPr>
+            <a:r>
+              <a:rPr lang="en-US" altLang="ko-KR" sz="2000" dirty="0"/>
+              <a:t> </a:t>
+            </a:r>
+            <a:r>
+              <a:rPr lang="en-US" altLang="ko-KR" sz="2000" dirty="0" smtClean="0"/>
+              <a:t>   ⑥ </a:t>
+            </a:r>
+            <a:r>
+              <a:rPr lang="ko-KR" altLang="en-US" sz="2000" dirty="0" err="1" smtClean="0"/>
+              <a:t>고정홀</a:t>
+            </a:r>
+            <a:r>
+              <a:rPr lang="en-US" altLang="ko-KR" sz="2000" dirty="0" smtClean="0"/>
+              <a:t> </a:t>
+            </a:r>
+            <a:endParaRPr lang="ko-KR" altLang="en-US" sz="2000" dirty="0"/>
           </a:p>
         </p:txBody>
       </p:sp>
@@ -5206,12 +6173,8 @@
           <a:p>
             <a:pPr algn="l"/>
             <a:r>
-              <a:rPr lang="ko-KR" altLang="en-US" dirty="0" smtClean="0"/>
-              <a:t>호스트 </a:t>
-            </a:r>
-            <a:r>
               <a:rPr lang="en-US" altLang="ko-KR" dirty="0" smtClean="0"/>
-              <a:t>GUI</a:t>
+              <a:t>Artwork</a:t>
             </a:r>
             <a:endParaRPr lang="ko-KR" altLang="en-US" dirty="0"/>
           </a:p>
@@ -5244,16 +6207,8 @@
               <a:t>1. </a:t>
             </a:r>
             <a:r>
-              <a:rPr lang="ko-KR" altLang="en-US" sz="2000" dirty="0" err="1" smtClean="0"/>
-              <a:t>파이썬</a:t>
-            </a:r>
-            <a:r>
-              <a:rPr lang="ko-KR" altLang="en-US" sz="2000" dirty="0" smtClean="0"/>
-              <a:t> 및 </a:t>
-            </a:r>
-            <a:r>
               <a:rPr lang="en-US" altLang="ko-KR" sz="2000" dirty="0" err="1" smtClean="0"/>
-              <a:t>kivy</a:t>
+              <a:t>Netlist</a:t>
             </a:r>
             <a:r>
               <a:rPr lang="en-US" altLang="ko-KR" sz="2000" dirty="0" smtClean="0"/>
@@ -5261,7 +6216,15 @@
             </a:r>
             <a:r>
               <a:rPr lang="ko-KR" altLang="en-US" sz="2000" dirty="0" smtClean="0"/>
-              <a:t>설치 및 설정</a:t>
+              <a:t>변환 및 </a:t>
+            </a:r>
+            <a:r>
+              <a:rPr lang="en-US" altLang="ko-KR" sz="2000" dirty="0" err="1" smtClean="0"/>
+              <a:t>asc</a:t>
+            </a:r>
+            <a:r>
+              <a:rPr lang="en-US" altLang="ko-KR" sz="2000" dirty="0" smtClean="0"/>
+              <a:t> import</a:t>
             </a:r>
             <a:endParaRPr lang="ko-KR" altLang="en-US" sz="2000" dirty="0"/>
           </a:p>
@@ -5299,7 +6262,19 @@
             </a:r>
             <a:r>
               <a:rPr lang="ko-KR" altLang="en-US" sz="2000" dirty="0" smtClean="0"/>
-              <a:t>빈 화면 출력</a:t>
+              <a:t>부</a:t>
+            </a:r>
+            <a:r>
+              <a:rPr lang="ko-KR" altLang="en-US" sz="2000" dirty="0"/>
+              <a:t>품</a:t>
+            </a:r>
+            <a:r>
+              <a:rPr lang="en-US" altLang="ko-KR" sz="2000" dirty="0" smtClean="0"/>
+              <a:t> </a:t>
+            </a:r>
+            <a:r>
+              <a:rPr lang="ko-KR" altLang="en-US" sz="2000" dirty="0" smtClean="0"/>
+              <a:t>배치 및 보드 사이즈 결정</a:t>
             </a:r>
           </a:p>
         </p:txBody>
@@ -5332,15 +6307,11 @@
             </a:r>
             <a:r>
               <a:rPr lang="en-US" altLang="ko-KR" sz="2000" dirty="0" smtClean="0"/>
-              <a:t>. </a:t>
+              <a:t>. PCB </a:t>
             </a:r>
             <a:r>
               <a:rPr lang="ko-KR" altLang="en-US" sz="2000" dirty="0" smtClean="0"/>
-              <a:t>시리얼 통신 관련 </a:t>
-            </a:r>
-            <a:r>
-              <a:rPr lang="ko-KR" altLang="en-US" sz="2000" dirty="0" smtClean="0"/>
-              <a:t>기능 추가</a:t>
+              <a:t>설계 규칙에 따라 설계 진행</a:t>
             </a:r>
             <a:endParaRPr lang="en-US" altLang="ko-KR" sz="2000" dirty="0" smtClean="0"/>
           </a:p>
@@ -5370,11 +6341,61 @@
           <a:p>
             <a:r>
               <a:rPr lang="en-US" altLang="ko-KR" sz="2000" dirty="0" smtClean="0"/>
-              <a:t>4. </a:t>
+              <a:t>4. Gerber </a:t>
             </a:r>
             <a:r>
               <a:rPr lang="ko-KR" altLang="en-US" sz="2000" dirty="0" smtClean="0"/>
-              <a:t>명령어 송수신 기능 추가</a:t>
+              <a:t>출력</a:t>
+            </a:r>
+            <a:endParaRPr lang="en-US" altLang="ko-KR" sz="2000" dirty="0" smtClean="0"/>
+          </a:p>
+        </p:txBody>
+      </p:sp>
+      <p:sp>
+        <p:nvSpPr>
+          <p:cNvPr id="8" name="TextBox 7"/>
+          <p:cNvSpPr txBox="1"/>
+          <p:nvPr/>
+        </p:nvSpPr>
+        <p:spPr>
+          <a:xfrm>
+            <a:off x="251520" y="5549170"/>
+            <a:ext cx="7344816" cy="400110"/>
+          </a:xfrm>
+          <a:prstGeom prst="rect">
+            <a:avLst/>
+          </a:prstGeom>
+          <a:noFill/>
+        </p:spPr>
+        <p:txBody>
+          <a:bodyPr wrap="square" rtlCol="0">
+            <a:spAutoFit/>
+          </a:bodyPr>
+          <a:lstStyle/>
+          <a:p>
+            <a:r>
+              <a:rPr lang="en-US" altLang="ko-KR" sz="2000" dirty="0" smtClean="0"/>
+              <a:t>*. </a:t>
+            </a:r>
+            <a:r>
+              <a:rPr lang="ko-KR" altLang="en-US" sz="2000" dirty="0" smtClean="0"/>
+              <a:t>회로도 </a:t>
+            </a:r>
+            <a:r>
+              <a:rPr lang="ko-KR" altLang="en-US" sz="2000" dirty="0" err="1" smtClean="0"/>
+              <a:t>변경시</a:t>
+            </a:r>
+            <a:r>
+              <a:rPr lang="ko-KR" altLang="en-US" sz="2000" dirty="0" smtClean="0"/>
+              <a:t> </a:t>
+            </a:r>
+            <a:r>
+              <a:rPr lang="en-US" altLang="ko-KR" sz="2000" dirty="0" smtClean="0"/>
+              <a:t>PCB </a:t>
+            </a:r>
+            <a:r>
+              <a:rPr lang="ko-KR" altLang="en-US" sz="2000" dirty="0" smtClean="0"/>
+              <a:t>적용 방법</a:t>
             </a:r>
             <a:endParaRPr lang="en-US" altLang="ko-KR" sz="2000" dirty="0" smtClean="0"/>
           </a:p>
@@ -5389,6 +6410,441 @@
 </file>
 
 <file path=ppt/slides/slide6.xml><?xml version="1.0" encoding="utf-8"?>
+<p:sld xmlns:a="http://schemas.openxmlformats.org/drawingml/2006/main" xmlns:r="http://schemas.openxmlformats.org/officeDocument/2006/relationships" xmlns:p="http://schemas.openxmlformats.org/presentationml/2006/main">
+  <p:cSld>
+    <p:spTree>
+      <p:nvGrpSpPr>
+        <p:cNvPr id="1" name=""/>
+        <p:cNvGrpSpPr/>
+        <p:nvPr/>
+      </p:nvGrpSpPr>
+      <p:grpSpPr>
+        <a:xfrm>
+          <a:off x="0" y="0"/>
+          <a:ext cx="0" cy="0"/>
+          <a:chOff x="0" y="0"/>
+          <a:chExt cx="0" cy="0"/>
+        </a:xfrm>
+      </p:grpSpPr>
+      <p:sp>
+        <p:nvSpPr>
+          <p:cNvPr id="2" name="제목 1"/>
+          <p:cNvSpPr>
+            <a:spLocks noGrp="1"/>
+          </p:cNvSpPr>
+          <p:nvPr>
+            <p:ph type="ctrTitle"/>
+          </p:nvPr>
+        </p:nvSpPr>
+        <p:spPr>
+          <a:xfrm>
+            <a:off x="179512" y="116632"/>
+            <a:ext cx="7772400" cy="965969"/>
+          </a:xfrm>
+        </p:spPr>
+        <p:txBody>
+          <a:bodyPr/>
+          <a:lstStyle/>
+          <a:p>
+            <a:pPr algn="l"/>
+            <a:r>
+              <a:rPr lang="ko-KR" altLang="en-US" dirty="0" err="1" smtClean="0"/>
+              <a:t>펌웨어</a:t>
+            </a:r>
+            <a:endParaRPr lang="ko-KR" altLang="en-US" dirty="0"/>
+          </a:p>
+        </p:txBody>
+      </p:sp>
+      <p:sp>
+        <p:nvSpPr>
+          <p:cNvPr id="4" name="TextBox 3"/>
+          <p:cNvSpPr txBox="1"/>
+          <p:nvPr/>
+        </p:nvSpPr>
+        <p:spPr>
+          <a:xfrm>
+            <a:off x="251520" y="1340768"/>
+            <a:ext cx="7344816" cy="400110"/>
+          </a:xfrm>
+          <a:prstGeom prst="rect">
+            <a:avLst/>
+          </a:prstGeom>
+          <a:noFill/>
+        </p:spPr>
+        <p:txBody>
+          <a:bodyPr wrap="square" rtlCol="0">
+            <a:spAutoFit/>
+          </a:bodyPr>
+          <a:lstStyle/>
+          <a:p>
+            <a:r>
+              <a:rPr lang="en-US" altLang="ko-KR" sz="2000" dirty="0" smtClean="0"/>
+              <a:t>1. STM32Cube </a:t>
+            </a:r>
+            <a:r>
+              <a:rPr lang="ko-KR" altLang="en-US" sz="2000" dirty="0" smtClean="0"/>
+              <a:t>설정 및 소스 출력</a:t>
+            </a:r>
+            <a:endParaRPr lang="ko-KR" altLang="en-US" sz="2000" dirty="0"/>
+          </a:p>
+        </p:txBody>
+      </p:sp>
+      <p:sp>
+        <p:nvSpPr>
+          <p:cNvPr id="5" name="TextBox 4"/>
+          <p:cNvSpPr txBox="1"/>
+          <p:nvPr/>
+        </p:nvSpPr>
+        <p:spPr>
+          <a:xfrm>
+            <a:off x="251520" y="1887215"/>
+            <a:ext cx="7344816" cy="400110"/>
+          </a:xfrm>
+          <a:prstGeom prst="rect">
+            <a:avLst/>
+          </a:prstGeom>
+          <a:noFill/>
+        </p:spPr>
+        <p:txBody>
+          <a:bodyPr wrap="square" rtlCol="0">
+            <a:spAutoFit/>
+          </a:bodyPr>
+          <a:lstStyle/>
+          <a:p>
+            <a:r>
+              <a:rPr lang="en-US" altLang="ko-KR" sz="2000" dirty="0"/>
+              <a:t>2</a:t>
+            </a:r>
+            <a:r>
+              <a:rPr lang="en-US" altLang="ko-KR" sz="2000" dirty="0" smtClean="0"/>
+              <a:t>. UART </a:t>
+            </a:r>
+            <a:r>
+              <a:rPr lang="ko-KR" altLang="en-US" sz="2000" dirty="0" smtClean="0"/>
+              <a:t>통신 프로토콜 설계</a:t>
+            </a:r>
+            <a:r>
+              <a:rPr lang="en-US" altLang="ko-KR" sz="2000" dirty="0" smtClean="0"/>
+              <a:t>(with GUI)</a:t>
+            </a:r>
+            <a:endParaRPr lang="ko-KR" altLang="en-US" sz="2000" dirty="0" smtClean="0"/>
+          </a:p>
+        </p:txBody>
+      </p:sp>
+      <p:sp>
+        <p:nvSpPr>
+          <p:cNvPr id="6" name="TextBox 5"/>
+          <p:cNvSpPr txBox="1"/>
+          <p:nvPr/>
+        </p:nvSpPr>
+        <p:spPr>
+          <a:xfrm>
+            <a:off x="251520" y="2420888"/>
+            <a:ext cx="7344816" cy="400110"/>
+          </a:xfrm>
+          <a:prstGeom prst="rect">
+            <a:avLst/>
+          </a:prstGeom>
+          <a:noFill/>
+        </p:spPr>
+        <p:txBody>
+          <a:bodyPr wrap="square" rtlCol="0">
+            <a:spAutoFit/>
+          </a:bodyPr>
+          <a:lstStyle/>
+          <a:p>
+            <a:r>
+              <a:rPr lang="en-US" altLang="ko-KR" sz="2000" dirty="0"/>
+              <a:t>3</a:t>
+            </a:r>
+            <a:r>
+              <a:rPr lang="en-US" altLang="ko-KR" sz="2000" dirty="0" smtClean="0"/>
+              <a:t>. </a:t>
+            </a:r>
+            <a:r>
+              <a:rPr lang="ko-KR" altLang="en-US" sz="2000" dirty="0" smtClean="0"/>
+              <a:t>모터드라이버 통신 </a:t>
+            </a:r>
+            <a:r>
+              <a:rPr lang="en-US" altLang="ko-KR" sz="2000" dirty="0" smtClean="0"/>
+              <a:t>SPI </a:t>
+            </a:r>
+            <a:r>
+              <a:rPr lang="ko-KR" altLang="en-US" sz="2000" dirty="0" smtClean="0"/>
+              <a:t>설계</a:t>
+            </a:r>
+            <a:endParaRPr lang="en-US" altLang="ko-KR" sz="2000" dirty="0" smtClean="0"/>
+          </a:p>
+        </p:txBody>
+      </p:sp>
+      <p:sp>
+        <p:nvSpPr>
+          <p:cNvPr id="7" name="TextBox 6"/>
+          <p:cNvSpPr txBox="1"/>
+          <p:nvPr/>
+        </p:nvSpPr>
+        <p:spPr>
+          <a:xfrm>
+            <a:off x="251520" y="2956882"/>
+            <a:ext cx="7344816" cy="400110"/>
+          </a:xfrm>
+          <a:prstGeom prst="rect">
+            <a:avLst/>
+          </a:prstGeom>
+          <a:noFill/>
+        </p:spPr>
+        <p:txBody>
+          <a:bodyPr wrap="square" rtlCol="0">
+            <a:spAutoFit/>
+          </a:bodyPr>
+          <a:lstStyle/>
+          <a:p>
+            <a:r>
+              <a:rPr lang="en-US" altLang="ko-KR" sz="2000" dirty="0" smtClean="0"/>
+              <a:t>4. </a:t>
+            </a:r>
+            <a:r>
+              <a:rPr lang="ko-KR" altLang="en-US" sz="2000" dirty="0" smtClean="0"/>
+              <a:t>기타 </a:t>
+            </a:r>
+            <a:r>
+              <a:rPr lang="en-US" altLang="ko-KR" sz="2000" dirty="0" smtClean="0"/>
+              <a:t>IO </a:t>
+            </a:r>
+            <a:r>
+              <a:rPr lang="ko-KR" altLang="en-US" sz="2000" dirty="0" smtClean="0"/>
+              <a:t>입출력 관련 설계</a:t>
+            </a:r>
+            <a:endParaRPr lang="en-US" altLang="ko-KR" sz="2000" dirty="0" smtClean="0"/>
+          </a:p>
+        </p:txBody>
+      </p:sp>
+    </p:spTree>
+  </p:cSld>
+  <p:clrMapOvr>
+    <a:masterClrMapping/>
+  </p:clrMapOvr>
+</p:sld>
+</file>
+
+<file path=ppt/slides/slide7.xml><?xml version="1.0" encoding="utf-8"?>
+<p:sld xmlns:a="http://schemas.openxmlformats.org/drawingml/2006/main" xmlns:r="http://schemas.openxmlformats.org/officeDocument/2006/relationships" xmlns:p="http://schemas.openxmlformats.org/presentationml/2006/main">
+  <p:cSld>
+    <p:spTree>
+      <p:nvGrpSpPr>
+        <p:cNvPr id="1" name=""/>
+        <p:cNvGrpSpPr/>
+        <p:nvPr/>
+      </p:nvGrpSpPr>
+      <p:grpSpPr>
+        <a:xfrm>
+          <a:off x="0" y="0"/>
+          <a:ext cx="0" cy="0"/>
+          <a:chOff x="0" y="0"/>
+          <a:chExt cx="0" cy="0"/>
+        </a:xfrm>
+      </p:grpSpPr>
+      <p:sp>
+        <p:nvSpPr>
+          <p:cNvPr id="2" name="제목 1"/>
+          <p:cNvSpPr>
+            <a:spLocks noGrp="1"/>
+          </p:cNvSpPr>
+          <p:nvPr>
+            <p:ph type="ctrTitle"/>
+          </p:nvPr>
+        </p:nvSpPr>
+        <p:spPr>
+          <a:xfrm>
+            <a:off x="179512" y="116632"/>
+            <a:ext cx="7772400" cy="965969"/>
+          </a:xfrm>
+        </p:spPr>
+        <p:txBody>
+          <a:bodyPr/>
+          <a:lstStyle/>
+          <a:p>
+            <a:pPr algn="l"/>
+            <a:r>
+              <a:rPr lang="ko-KR" altLang="en-US" dirty="0" smtClean="0"/>
+              <a:t>호스트 </a:t>
+            </a:r>
+            <a:r>
+              <a:rPr lang="en-US" altLang="ko-KR" dirty="0" smtClean="0"/>
+              <a:t>GUI</a:t>
+            </a:r>
+            <a:endParaRPr lang="ko-KR" altLang="en-US" dirty="0"/>
+          </a:p>
+        </p:txBody>
+      </p:sp>
+      <p:sp>
+        <p:nvSpPr>
+          <p:cNvPr id="4" name="TextBox 3"/>
+          <p:cNvSpPr txBox="1"/>
+          <p:nvPr/>
+        </p:nvSpPr>
+        <p:spPr>
+          <a:xfrm>
+            <a:off x="251520" y="1340768"/>
+            <a:ext cx="7344816" cy="400110"/>
+          </a:xfrm>
+          <a:prstGeom prst="rect">
+            <a:avLst/>
+          </a:prstGeom>
+          <a:noFill/>
+        </p:spPr>
+        <p:txBody>
+          <a:bodyPr wrap="square" rtlCol="0">
+            <a:spAutoFit/>
+          </a:bodyPr>
+          <a:lstStyle/>
+          <a:p>
+            <a:r>
+              <a:rPr lang="en-US" altLang="ko-KR" sz="2000" dirty="0" smtClean="0"/>
+              <a:t>1. </a:t>
+            </a:r>
+            <a:r>
+              <a:rPr lang="ko-KR" altLang="en-US" sz="2000" dirty="0" err="1" smtClean="0"/>
+              <a:t>파이썬</a:t>
+            </a:r>
+            <a:r>
+              <a:rPr lang="ko-KR" altLang="en-US" sz="2000" dirty="0" smtClean="0"/>
+              <a:t> 및 </a:t>
+            </a:r>
+            <a:r>
+              <a:rPr lang="en-US" altLang="ko-KR" sz="2000" dirty="0" err="1" smtClean="0"/>
+              <a:t>kivy</a:t>
+            </a:r>
+            <a:r>
+              <a:rPr lang="en-US" altLang="ko-KR" sz="2000" dirty="0" smtClean="0"/>
+              <a:t> </a:t>
+            </a:r>
+            <a:r>
+              <a:rPr lang="ko-KR" altLang="en-US" sz="2000" dirty="0" smtClean="0"/>
+              <a:t>설치 및 설정</a:t>
+            </a:r>
+            <a:endParaRPr lang="ko-KR" altLang="en-US" sz="2000" dirty="0"/>
+          </a:p>
+        </p:txBody>
+      </p:sp>
+      <p:sp>
+        <p:nvSpPr>
+          <p:cNvPr id="5" name="TextBox 4"/>
+          <p:cNvSpPr txBox="1"/>
+          <p:nvPr/>
+        </p:nvSpPr>
+        <p:spPr>
+          <a:xfrm>
+            <a:off x="251520" y="1887215"/>
+            <a:ext cx="7344816" cy="400110"/>
+          </a:xfrm>
+          <a:prstGeom prst="rect">
+            <a:avLst/>
+          </a:prstGeom>
+          <a:noFill/>
+        </p:spPr>
+        <p:txBody>
+          <a:bodyPr wrap="square" rtlCol="0">
+            <a:spAutoFit/>
+          </a:bodyPr>
+          <a:lstStyle/>
+          <a:p>
+            <a:r>
+              <a:rPr lang="en-US" altLang="ko-KR" sz="2000" dirty="0"/>
+              <a:t>2</a:t>
+            </a:r>
+            <a:r>
+              <a:rPr lang="en-US" altLang="ko-KR" sz="2000" dirty="0" smtClean="0"/>
+              <a:t>. </a:t>
+            </a:r>
+            <a:r>
+              <a:rPr lang="ko-KR" altLang="en-US" sz="2000" dirty="0" smtClean="0"/>
+              <a:t>빈 화면 출력</a:t>
+            </a:r>
+          </a:p>
+        </p:txBody>
+      </p:sp>
+      <p:sp>
+        <p:nvSpPr>
+          <p:cNvPr id="6" name="TextBox 5"/>
+          <p:cNvSpPr txBox="1"/>
+          <p:nvPr/>
+        </p:nvSpPr>
+        <p:spPr>
+          <a:xfrm>
+            <a:off x="251520" y="2420888"/>
+            <a:ext cx="7344816" cy="400110"/>
+          </a:xfrm>
+          <a:prstGeom prst="rect">
+            <a:avLst/>
+          </a:prstGeom>
+          <a:noFill/>
+        </p:spPr>
+        <p:txBody>
+          <a:bodyPr wrap="square" rtlCol="0">
+            <a:spAutoFit/>
+          </a:bodyPr>
+          <a:lstStyle/>
+          <a:p>
+            <a:r>
+              <a:rPr lang="en-US" altLang="ko-KR" sz="2000" dirty="0"/>
+              <a:t>3</a:t>
+            </a:r>
+            <a:r>
+              <a:rPr lang="en-US" altLang="ko-KR" sz="2000" dirty="0" smtClean="0"/>
+              <a:t>. </a:t>
+            </a:r>
+            <a:r>
+              <a:rPr lang="ko-KR" altLang="en-US" sz="2000" dirty="0" smtClean="0"/>
+              <a:t>시리얼 통신 관련 기능 추가</a:t>
+            </a:r>
+            <a:endParaRPr lang="en-US" altLang="ko-KR" sz="2000" dirty="0" smtClean="0"/>
+          </a:p>
+        </p:txBody>
+      </p:sp>
+      <p:sp>
+        <p:nvSpPr>
+          <p:cNvPr id="7" name="TextBox 6"/>
+          <p:cNvSpPr txBox="1"/>
+          <p:nvPr/>
+        </p:nvSpPr>
+        <p:spPr>
+          <a:xfrm>
+            <a:off x="251520" y="2956882"/>
+            <a:ext cx="7344816" cy="400110"/>
+          </a:xfrm>
+          <a:prstGeom prst="rect">
+            <a:avLst/>
+          </a:prstGeom>
+          <a:noFill/>
+        </p:spPr>
+        <p:txBody>
+          <a:bodyPr wrap="square" rtlCol="0">
+            <a:spAutoFit/>
+          </a:bodyPr>
+          <a:lstStyle/>
+          <a:p>
+            <a:r>
+              <a:rPr lang="en-US" altLang="ko-KR" sz="2000" dirty="0" smtClean="0"/>
+              <a:t>4. </a:t>
+            </a:r>
+            <a:r>
+              <a:rPr lang="ko-KR" altLang="en-US" sz="2000" dirty="0" smtClean="0"/>
+              <a:t>명령어 송수신 기능 추가</a:t>
+            </a:r>
+            <a:endParaRPr lang="en-US" altLang="ko-KR" sz="2000" dirty="0" smtClean="0"/>
+          </a:p>
+        </p:txBody>
+      </p:sp>
+    </p:spTree>
+  </p:cSld>
+  <p:clrMapOvr>
+    <a:masterClrMapping/>
+  </p:clrMapOvr>
+</p:sld>
+</file>
+
+<file path=ppt/slides/slide8.xml><?xml version="1.0" encoding="utf-8"?>
 <p:sld xmlns:a="http://schemas.openxmlformats.org/drawingml/2006/main" xmlns:r="http://schemas.openxmlformats.org/officeDocument/2006/relationships" xmlns:p="http://schemas.openxmlformats.org/presentationml/2006/main">
   <p:cSld>
     <p:spTree>

--- a/Project_Temporary_Main.pptx
+++ b/Project_Temporary_Main.pptx
@@ -8,16 +8,16 @@
     <p:notesMasterId r:id="rId10"/>
   </p:notesMasterIdLst>
   <p:sldIdLst>
-    <p:sldId id="256" r:id="rId2"/>
-    <p:sldId id="262" r:id="rId3"/>
-    <p:sldId id="263" r:id="rId4"/>
-    <p:sldId id="257" r:id="rId5"/>
+    <p:sldId id="262" r:id="rId2"/>
+    <p:sldId id="256" r:id="rId3"/>
+    <p:sldId id="257" r:id="rId4"/>
+    <p:sldId id="263" r:id="rId5"/>
     <p:sldId id="258" r:id="rId6"/>
     <p:sldId id="259" r:id="rId7"/>
     <p:sldId id="260" r:id="rId8"/>
     <p:sldId id="261" r:id="rId9"/>
   </p:sldIdLst>
-  <p:sldSz cx="9144000" cy="6858000" type="screen4x3"/>
+  <p:sldSz cx="9144000" cy="5143500" type="screen16x9"/>
   <p:notesSz cx="6858000" cy="9144000"/>
   <p:defaultTextStyle>
     <a:defPPr>
@@ -200,7 +200,7 @@
             <a:fld id="{1174F625-E849-4316-A88C-54418483E07F}" type="datetimeFigureOut">
               <a:rPr lang="ko-KR" altLang="en-US" smtClean="0"/>
               <a:pPr/>
-              <a:t>2018-09-13</a:t>
+              <a:t>2018-09-20</a:t>
             </a:fld>
             <a:endParaRPr lang="ko-KR" altLang="en-US"/>
           </a:p>
@@ -218,8 +218,8 @@
         </p:nvSpPr>
         <p:spPr>
           <a:xfrm>
-            <a:off x="1143000" y="685800"/>
-            <a:ext cx="4572000" cy="3429000"/>
+            <a:off x="381000" y="685800"/>
+            <a:ext cx="6096000" cy="3429000"/>
           </a:xfrm>
           <a:prstGeom prst="rect">
             <a:avLst/>
@@ -369,6 +369,11 @@
         </p:txBody>
       </p:sp>
     </p:spTree>
+    <p:extLst>
+      <p:ext uri="{BB962C8B-B14F-4D97-AF65-F5344CB8AC3E}">
+        <p14:creationId xmlns:p14="http://schemas.microsoft.com/office/powerpoint/2010/main" val="1592552469"/>
+      </p:ext>
+    </p:extLst>
   </p:cSld>
   <p:clrMap bg1="lt1" tx1="dk1" bg2="lt2" tx2="dk2" accent1="accent1" accent2="accent2" accent3="accent3" accent4="accent4" accent5="accent5" accent6="accent6" hlink="hlink" folHlink="folHlink"/>
   <p:notesStyle>
@@ -513,46 +518,26 @@
           <a:lstStyle/>
           <a:p>
             <a:r>
-              <a:rPr lang="ko-KR" altLang="en-US" dirty="0" smtClean="0"/>
-              <a:t>모터의 세계에 오신걸 환영합니다</a:t>
-            </a:r>
-            <a:r>
-              <a:rPr lang="en-US" altLang="ko-KR" dirty="0" smtClean="0"/>
+              <a:rPr lang="ko-KR" altLang="en-US" baseline="0" dirty="0" smtClean="0"/>
+              <a:t>안녕하세요</a:t>
+            </a:r>
+            <a:r>
+              <a:rPr lang="en-US" altLang="ko-KR" baseline="0" dirty="0" smtClean="0"/>
+              <a:t>. </a:t>
+            </a:r>
+            <a:r>
+              <a:rPr lang="ko-KR" altLang="en-US" baseline="0" dirty="0" smtClean="0"/>
+              <a:t>모터 제어 시스템 개발 강좌를 맡은 조정빈입니다</a:t>
+            </a:r>
+            <a:r>
+              <a:rPr lang="en-US" altLang="ko-KR" baseline="0" dirty="0" smtClean="0"/>
               <a:t>.</a:t>
             </a:r>
           </a:p>
           <a:p>
             <a:r>
-              <a:rPr lang="ko-KR" altLang="en-US" dirty="0" smtClean="0"/>
-              <a:t>모터는 다양하죠</a:t>
-            </a:r>
-            <a:r>
-              <a:rPr lang="en-US" altLang="ko-KR" dirty="0" smtClean="0"/>
-              <a:t>. DC, BLDC, </a:t>
-            </a:r>
-            <a:r>
-              <a:rPr lang="ko-KR" altLang="en-US" dirty="0" smtClean="0"/>
-              <a:t>스텝</a:t>
-            </a:r>
-            <a:r>
-              <a:rPr lang="en-US" altLang="ko-KR" dirty="0" smtClean="0"/>
-              <a:t>, AC,</a:t>
-            </a:r>
-            <a:r>
-              <a:rPr lang="en-US" altLang="ko-KR" baseline="0" dirty="0" smtClean="0"/>
-              <a:t> </a:t>
-            </a:r>
-            <a:r>
-              <a:rPr lang="ko-KR" altLang="en-US" baseline="0" dirty="0" err="1" smtClean="0"/>
-              <a:t>서보</a:t>
-            </a:r>
-            <a:r>
-              <a:rPr lang="ko-KR" altLang="en-US" baseline="0" dirty="0" smtClean="0"/>
-              <a:t> 등등 많이들 </a:t>
-            </a:r>
-            <a:r>
-              <a:rPr lang="ko-KR" altLang="en-US" baseline="0" dirty="0" err="1" smtClean="0"/>
-              <a:t>들어보셨을겁니다</a:t>
+              <a:rPr lang="ko-KR" altLang="en-US" baseline="0" dirty="0" smtClean="0"/>
+              <a:t>제 소개부터 간단히 하겠습니다</a:t>
             </a:r>
             <a:r>
               <a:rPr lang="en-US" altLang="ko-KR" baseline="0" dirty="0" smtClean="0"/>
@@ -564,457 +549,109 @@
           </a:p>
           <a:p>
             <a:r>
-              <a:rPr lang="ko-KR" altLang="en-US" baseline="0" dirty="0" err="1" smtClean="0"/>
-              <a:t>그중</a:t>
-            </a:r>
-            <a:r>
-              <a:rPr lang="ko-KR" altLang="en-US" baseline="0" dirty="0" smtClean="0"/>
-              <a:t> 산업용으로 가장 많이 </a:t>
-            </a:r>
-            <a:r>
-              <a:rPr lang="ko-KR" altLang="en-US" baseline="0" dirty="0" err="1" smtClean="0"/>
-              <a:t>쓰는게</a:t>
-            </a:r>
-            <a:r>
-              <a:rPr lang="ko-KR" altLang="en-US" baseline="0" dirty="0" smtClean="0"/>
-              <a:t> 스텝모터죠</a:t>
+              <a:rPr lang="ko-KR" altLang="en-US" baseline="0" dirty="0" smtClean="0"/>
+              <a:t>저는 주로 모터 드라이버 보드를 설계하는 일을 하고 있습니다</a:t>
+            </a:r>
+            <a:r>
+              <a:rPr lang="en-US" altLang="ko-KR" baseline="0" dirty="0" smtClean="0"/>
+              <a:t>, </a:t>
+            </a:r>
+            <a:r>
+              <a:rPr lang="ko-KR" altLang="en-US" baseline="0" dirty="0" smtClean="0"/>
+              <a:t>예전에는 </a:t>
+            </a:r>
+            <a:r>
+              <a:rPr lang="en-US" altLang="ko-KR" baseline="0" dirty="0" smtClean="0"/>
+              <a:t>TV</a:t>
+            </a:r>
+            <a:r>
+              <a:rPr lang="ko-KR" altLang="en-US" baseline="0" dirty="0" smtClean="0"/>
+              <a:t>나 핸드폰 관련 설계를 했었습니다</a:t>
             </a:r>
             <a:r>
               <a:rPr lang="en-US" altLang="ko-KR" baseline="0" dirty="0" smtClean="0"/>
               <a:t>. </a:t>
             </a:r>
-            <a:r>
-              <a:rPr lang="ko-KR" altLang="en-US" baseline="0" dirty="0" smtClean="0"/>
-              <a:t>저렴한 가격에 </a:t>
-            </a:r>
-            <a:r>
-              <a:rPr lang="ko-KR" altLang="en-US" baseline="0" dirty="0" err="1" smtClean="0"/>
-              <a:t>오픈루프</a:t>
-            </a:r>
-            <a:r>
-              <a:rPr lang="ko-KR" altLang="en-US" baseline="0" dirty="0" smtClean="0"/>
-              <a:t> 정밀도를 </a:t>
-            </a:r>
-            <a:r>
-              <a:rPr lang="ko-KR" altLang="en-US" baseline="0" dirty="0" err="1" smtClean="0"/>
-              <a:t>기대할수</a:t>
-            </a:r>
-            <a:r>
-              <a:rPr lang="ko-KR" altLang="en-US" baseline="0" dirty="0" smtClean="0"/>
-              <a:t> 있으니까요</a:t>
-            </a:r>
-            <a:r>
-              <a:rPr lang="en-US" altLang="ko-KR" baseline="0" dirty="0" smtClean="0"/>
-              <a:t>.</a:t>
-            </a:r>
-          </a:p>
-          <a:p>
-            <a:r>
-              <a:rPr lang="ko-KR" altLang="en-US" baseline="0" dirty="0" smtClean="0"/>
-              <a:t>이 강좌는 스텝모터 드라이버 설계에 대한 강좌입니다</a:t>
-            </a:r>
-            <a:r>
-              <a:rPr lang="en-US" altLang="ko-KR" baseline="0" dirty="0" smtClean="0"/>
-              <a:t>.</a:t>
-            </a:r>
-          </a:p>
-          <a:p>
-            <a:r>
-              <a:rPr lang="ko-KR" altLang="en-US" baseline="0" dirty="0" smtClean="0"/>
-              <a:t>회로 설계부터 모터를 실제로 </a:t>
-            </a:r>
-            <a:r>
-              <a:rPr lang="ko-KR" altLang="en-US" baseline="0" dirty="0" err="1" smtClean="0"/>
-              <a:t>구동하는거까지</a:t>
-            </a:r>
-            <a:r>
-              <a:rPr lang="ko-KR" altLang="en-US" baseline="0" dirty="0" smtClean="0"/>
-              <a:t> 모두 포함됩니다</a:t>
-            </a:r>
-            <a:r>
-              <a:rPr lang="en-US" altLang="ko-KR" baseline="0" dirty="0" smtClean="0"/>
-              <a:t>. </a:t>
+          </a:p>
+          <a:p>
+            <a:pPr marL="0" marR="0" indent="0" algn="l" defTabSz="914400" rtl="0" eaLnBrk="1" fontAlgn="auto" latinLnBrk="1" hangingPunct="1">
+              <a:lnSpc>
+                <a:spcPct val="100000"/>
+              </a:lnSpc>
+              <a:spcBef>
+                <a:spcPts val="0"/>
+              </a:spcBef>
+              <a:spcAft>
+                <a:spcPts val="0"/>
+              </a:spcAft>
+              <a:buClrTx/>
+              <a:buSzTx/>
+              <a:buFontTx/>
+              <a:buNone/>
+              <a:tabLst/>
+              <a:defRPr/>
+            </a:pPr>
+            <a:r>
+              <a:rPr lang="ko-KR" altLang="en-US" baseline="0" dirty="0" smtClean="0"/>
+              <a:t>지금까지 회로설계</a:t>
+            </a:r>
+            <a:r>
+              <a:rPr lang="en-US" altLang="ko-KR" baseline="0" dirty="0" smtClean="0"/>
+              <a:t>, </a:t>
             </a:r>
             <a:r>
               <a:rPr lang="ko-KR" altLang="en-US" baseline="0" dirty="0" err="1" smtClean="0"/>
               <a:t>아트웍</a:t>
             </a:r>
             <a:r>
-              <a:rPr lang="ko-KR" altLang="en-US" baseline="0" dirty="0" smtClean="0"/>
-              <a:t> 넘기고 </a:t>
-            </a:r>
-            <a:r>
-              <a:rPr lang="en-US" altLang="ko-KR" baseline="0" dirty="0" smtClean="0"/>
-              <a:t>PCB </a:t>
-            </a:r>
-            <a:r>
-              <a:rPr lang="ko-KR" altLang="en-US" baseline="0" dirty="0" smtClean="0"/>
-              <a:t>발주해서 부품 구매</a:t>
-            </a:r>
-            <a:r>
-              <a:rPr lang="en-US" altLang="ko-KR" baseline="0" dirty="0" smtClean="0"/>
-              <a:t>, SMT, </a:t>
-            </a:r>
-            <a:r>
-              <a:rPr lang="ko-KR" altLang="en-US" baseline="0" dirty="0" smtClean="0"/>
-              <a:t>보드 테스트하고 등등 </a:t>
+              <a:rPr lang="en-US" altLang="ko-KR" baseline="0" dirty="0" smtClean="0"/>
+              <a:t>,</a:t>
+            </a:r>
+            <a:r>
+              <a:rPr lang="ko-KR" altLang="en-US" baseline="0" dirty="0" smtClean="0"/>
+              <a:t> </a:t>
             </a:r>
             <a:r>
               <a:rPr lang="ko-KR" altLang="en-US" baseline="0" dirty="0" err="1" smtClean="0"/>
-              <a:t>잡다한게</a:t>
-            </a:r>
-            <a:r>
-              <a:rPr lang="ko-KR" altLang="en-US" baseline="0" dirty="0" smtClean="0"/>
-              <a:t> 많이 있지만</a:t>
-            </a:r>
+              <a:t>펌웨어에</a:t>
+            </a:r>
+            <a:r>
+              <a:rPr lang="ko-KR" altLang="en-US" baseline="0" dirty="0" smtClean="0"/>
+              <a:t> 대한 경력이 </a:t>
+            </a:r>
+            <a:r>
+              <a:rPr lang="en-US" altLang="ko-KR" baseline="0" dirty="0" smtClean="0"/>
+              <a:t>15</a:t>
+            </a:r>
+            <a:r>
+              <a:rPr lang="ko-KR" altLang="en-US" baseline="0" dirty="0" smtClean="0"/>
+              <a:t>년 정도 됩니다</a:t>
+            </a:r>
+            <a:r>
+              <a:rPr lang="en-US" altLang="ko-KR" baseline="0" dirty="0" smtClean="0"/>
+              <a:t>.</a:t>
+            </a:r>
+          </a:p>
+          <a:p>
             <a:endParaRPr lang="en-US" altLang="ko-KR" baseline="0" dirty="0" smtClean="0"/>
           </a:p>
           <a:p>
             <a:r>
               <a:rPr lang="ko-KR" altLang="en-US" baseline="0" dirty="0" smtClean="0"/>
-              <a:t>회로설계</a:t>
-            </a:r>
-            <a:r>
-              <a:rPr lang="en-US" altLang="ko-KR" baseline="0" dirty="0" smtClean="0"/>
-              <a:t>, </a:t>
+              <a:t>제 소개는 </a:t>
             </a:r>
             <a:r>
               <a:rPr lang="ko-KR" altLang="en-US" baseline="0" dirty="0" err="1" smtClean="0"/>
-              <a:t>아트웍</a:t>
-            </a:r>
-            <a:r>
-              <a:rPr lang="en-US" altLang="ko-KR" baseline="0" dirty="0" smtClean="0"/>
-              <a:t>, </a:t>
-            </a:r>
-            <a:r>
-              <a:rPr lang="ko-KR" altLang="en-US" baseline="0" dirty="0" err="1" smtClean="0"/>
-              <a:t>펌웨어</a:t>
-            </a:r>
-            <a:r>
-              <a:rPr lang="en-US" altLang="ko-KR" baseline="0" dirty="0" smtClean="0"/>
-              <a:t>, GUI, </a:t>
-            </a:r>
-            <a:r>
-              <a:rPr lang="ko-KR" altLang="en-US" baseline="0" dirty="0" smtClean="0"/>
-              <a:t>모터 구동 이렇게 </a:t>
-            </a:r>
-            <a:r>
-              <a:rPr lang="ko-KR" altLang="en-US" baseline="0" dirty="0" err="1" smtClean="0"/>
-              <a:t>다섯가지</a:t>
-            </a:r>
-            <a:r>
-              <a:rPr lang="ko-KR" altLang="en-US" baseline="0" dirty="0" smtClean="0"/>
-              <a:t> 파트로 나눠서 진행하겠습니다</a:t>
+              <a:t>이쯤하구요</a:t>
+            </a:r>
+            <a:r>
+              <a:rPr lang="ko-KR" altLang="en-US" baseline="0" dirty="0" smtClean="0"/>
+              <a:t> 이어서 이 강좌에 대한 설명을 드리겠습니다</a:t>
             </a:r>
             <a:r>
               <a:rPr lang="en-US" altLang="ko-KR" baseline="0" dirty="0" smtClean="0"/>
               <a:t>.</a:t>
             </a:r>
-          </a:p>
-          <a:p>
-            <a:endParaRPr lang="en-US" altLang="ko-KR" dirty="0" smtClean="0"/>
-          </a:p>
-          <a:p>
-            <a:r>
-              <a:rPr lang="ko-KR" altLang="en-US" dirty="0" smtClean="0"/>
-              <a:t>강좌에 </a:t>
-            </a:r>
-            <a:r>
-              <a:rPr lang="ko-KR" altLang="en-US" dirty="0" smtClean="0"/>
-              <a:t>사용할 보드는 </a:t>
-            </a:r>
-            <a:r>
-              <a:rPr lang="ko-KR" altLang="en-US" dirty="0" err="1" smtClean="0"/>
-              <a:t>트라이나믹의</a:t>
-            </a:r>
-            <a:r>
-              <a:rPr lang="en-US" altLang="ko-KR" baseline="0" dirty="0" smtClean="0"/>
-              <a:t> TMC5160</a:t>
-            </a:r>
-            <a:r>
-              <a:rPr lang="ko-KR" altLang="en-US" baseline="0" dirty="0" smtClean="0"/>
-              <a:t> 모터 드라이버와 </a:t>
-            </a:r>
-            <a:r>
-              <a:rPr lang="en-US" altLang="ko-KR" baseline="0" dirty="0" smtClean="0"/>
-              <a:t>ST</a:t>
-            </a:r>
-            <a:r>
-              <a:rPr lang="ko-KR" altLang="en-US" baseline="0" dirty="0" smtClean="0"/>
-              <a:t>의 </a:t>
-            </a:r>
-            <a:r>
-              <a:rPr lang="en-US" altLang="ko-KR" baseline="0" dirty="0" smtClean="0"/>
-              <a:t>STM32 MCU</a:t>
-            </a:r>
-            <a:r>
-              <a:rPr lang="ko-KR" altLang="en-US" baseline="0" dirty="0" smtClean="0"/>
-              <a:t>를 사용해서 만든 보듭니다</a:t>
-            </a:r>
-            <a:r>
-              <a:rPr lang="en-US" altLang="ko-KR" baseline="0" dirty="0" smtClean="0"/>
-              <a:t>.</a:t>
-            </a:r>
-          </a:p>
-          <a:p>
-            <a:r>
-              <a:rPr lang="en-US" altLang="ko-KR" baseline="0" dirty="0" smtClean="0"/>
-              <a:t>STM32</a:t>
-            </a:r>
-            <a:r>
-              <a:rPr lang="ko-KR" altLang="en-US" baseline="0" dirty="0" smtClean="0"/>
-              <a:t>는 다들 많이 사용해 보셨을거고 </a:t>
-            </a:r>
-            <a:r>
-              <a:rPr lang="ko-KR" altLang="en-US" baseline="0" dirty="0" err="1" smtClean="0"/>
-              <a:t>트라이나믹</a:t>
-            </a:r>
-            <a:r>
-              <a:rPr lang="ko-KR" altLang="en-US" baseline="0" dirty="0" smtClean="0"/>
-              <a:t> 모터 드라이버도 사용해 </a:t>
-            </a:r>
-            <a:r>
-              <a:rPr lang="ko-KR" altLang="en-US" baseline="0" dirty="0" err="1" smtClean="0"/>
-              <a:t>보신분이</a:t>
-            </a:r>
-            <a:r>
-              <a:rPr lang="ko-KR" altLang="en-US" baseline="0" dirty="0" smtClean="0"/>
-              <a:t> </a:t>
-            </a:r>
-            <a:r>
-              <a:rPr lang="ko-KR" altLang="en-US" baseline="0" dirty="0" err="1" smtClean="0"/>
-              <a:t>계실겁니다</a:t>
-            </a:r>
-            <a:r>
-              <a:rPr lang="en-US" altLang="ko-KR" baseline="0" dirty="0" smtClean="0"/>
-              <a:t>.</a:t>
-            </a:r>
-          </a:p>
-          <a:p>
-            <a:r>
-              <a:rPr lang="ko-KR" altLang="en-US" baseline="0" dirty="0" smtClean="0"/>
-              <a:t>강좌의 초반에는 이 </a:t>
-            </a:r>
-            <a:r>
-              <a:rPr lang="en-US" altLang="ko-KR" baseline="0" dirty="0" smtClean="0"/>
-              <a:t>IC</a:t>
-            </a:r>
-            <a:r>
-              <a:rPr lang="ko-KR" altLang="en-US" baseline="0" dirty="0" smtClean="0"/>
-              <a:t>를 사용한 회로 설계와 </a:t>
-            </a:r>
-            <a:r>
-              <a:rPr lang="ko-KR" altLang="en-US" baseline="0" dirty="0" err="1" smtClean="0"/>
-              <a:t>아트웍</a:t>
-            </a:r>
-            <a:r>
-              <a:rPr lang="ko-KR" altLang="en-US" baseline="0" dirty="0" smtClean="0"/>
-              <a:t> </a:t>
-            </a:r>
-            <a:r>
-              <a:rPr lang="ko-KR" altLang="en-US" baseline="0" dirty="0" err="1" smtClean="0"/>
-              <a:t>진행시</a:t>
-            </a:r>
-            <a:r>
-              <a:rPr lang="ko-KR" altLang="en-US" baseline="0" dirty="0" smtClean="0"/>
-              <a:t> 주의사항에 대해 설명하겠습니다</a:t>
-            </a:r>
-            <a:r>
-              <a:rPr lang="en-US" altLang="ko-KR" baseline="0" dirty="0" smtClean="0"/>
-              <a:t>.</a:t>
-            </a:r>
-          </a:p>
-          <a:p>
-            <a:r>
-              <a:rPr lang="ko-KR" altLang="en-US" baseline="0" dirty="0" smtClean="0"/>
-              <a:t>하드웨어 설계가 끝나면 당연히 </a:t>
-            </a:r>
-            <a:r>
-              <a:rPr lang="ko-KR" altLang="en-US" baseline="0" dirty="0" err="1" smtClean="0"/>
-              <a:t>펌웨어와</a:t>
-            </a:r>
-            <a:r>
-              <a:rPr lang="ko-KR" altLang="en-US" baseline="0" dirty="0" smtClean="0"/>
-              <a:t> 호스트 </a:t>
-            </a:r>
-            <a:r>
-              <a:rPr lang="en-US" altLang="ko-KR" baseline="0" dirty="0" smtClean="0"/>
-              <a:t>GUI </a:t>
-            </a:r>
-            <a:r>
-              <a:rPr lang="ko-KR" altLang="en-US" baseline="0" dirty="0" smtClean="0"/>
-              <a:t>설계에 대해서 진행할겁니다</a:t>
-            </a:r>
-            <a:r>
-              <a:rPr lang="en-US" altLang="ko-KR" baseline="0" dirty="0" smtClean="0"/>
-              <a:t>. </a:t>
-            </a:r>
-            <a:r>
-              <a:rPr lang="ko-KR" altLang="en-US" baseline="0" dirty="0" smtClean="0"/>
-              <a:t>물론 통신 프로토콜도 함께 포함되겠죠</a:t>
-            </a:r>
-            <a:r>
-              <a:rPr lang="en-US" altLang="ko-KR" baseline="0" dirty="0" smtClean="0"/>
-              <a:t>.</a:t>
-            </a:r>
-          </a:p>
-          <a:p>
-            <a:r>
-              <a:rPr lang="ko-KR" altLang="en-US" baseline="0" dirty="0" smtClean="0"/>
-              <a:t>하드웨어</a:t>
-            </a:r>
-            <a:r>
-              <a:rPr lang="en-US" altLang="ko-KR" baseline="0" dirty="0" smtClean="0"/>
-              <a:t>/</a:t>
-            </a:r>
-            <a:r>
-              <a:rPr lang="ko-KR" altLang="en-US" baseline="0" dirty="0" smtClean="0"/>
-              <a:t>소프트웨어 설계가 끝나면 이걸 바탕으로 </a:t>
-            </a:r>
-            <a:r>
-              <a:rPr lang="en-US" altLang="ko-KR" baseline="0" dirty="0" smtClean="0"/>
-              <a:t>TMC5160</a:t>
-            </a:r>
-            <a:r>
-              <a:rPr lang="ko-KR" altLang="en-US" baseline="0" dirty="0" smtClean="0"/>
-              <a:t>을 셋업해서 스텝모터를 직접 돌려보겠습니다</a:t>
-            </a:r>
-            <a:r>
-              <a:rPr lang="en-US" altLang="ko-KR" baseline="0" dirty="0" smtClean="0"/>
-              <a:t>.</a:t>
-            </a:r>
-          </a:p>
-          <a:p>
-            <a:endParaRPr lang="en-US" altLang="ko-KR" baseline="0" dirty="0" smtClean="0"/>
-          </a:p>
-          <a:p>
-            <a:r>
-              <a:rPr lang="ko-KR" altLang="en-US" baseline="0" dirty="0" smtClean="0"/>
-              <a:t>회로설계에는 </a:t>
-            </a:r>
-            <a:r>
-              <a:rPr lang="en-US" altLang="ko-KR" baseline="0" dirty="0" err="1" smtClean="0"/>
-              <a:t>OrCAD</a:t>
-            </a:r>
-            <a:r>
-              <a:rPr lang="en-US" altLang="ko-KR" baseline="0" dirty="0" smtClean="0"/>
-              <a:t> Capture</a:t>
-            </a:r>
-            <a:r>
-              <a:rPr lang="ko-KR" altLang="en-US" baseline="0" dirty="0" smtClean="0"/>
-              <a:t>를</a:t>
-            </a:r>
-            <a:r>
-              <a:rPr lang="en-US" altLang="ko-KR" baseline="0" dirty="0" smtClean="0"/>
-              <a:t>, artwork</a:t>
-            </a:r>
-            <a:r>
-              <a:rPr lang="ko-KR" altLang="en-US" baseline="0" dirty="0" smtClean="0"/>
-              <a:t>에는 </a:t>
-            </a:r>
-            <a:r>
-              <a:rPr lang="en-US" altLang="ko-KR" baseline="0" dirty="0" smtClean="0"/>
-              <a:t>PADS Layout</a:t>
-            </a:r>
-            <a:r>
-              <a:rPr lang="ko-KR" altLang="en-US" baseline="0" dirty="0" smtClean="0"/>
-              <a:t>을 사용하겠습니다</a:t>
-            </a:r>
-            <a:r>
-              <a:rPr lang="en-US" altLang="ko-KR" baseline="0" dirty="0" smtClean="0"/>
-              <a:t>.</a:t>
-            </a:r>
-          </a:p>
-          <a:p>
-            <a:r>
-              <a:rPr lang="ko-KR" altLang="en-US" baseline="0" dirty="0" smtClean="0"/>
-              <a:t>일반적으로 많이 쓰는 툴이므로 가장 적당할거 같군요</a:t>
-            </a:r>
-            <a:r>
-              <a:rPr lang="en-US" altLang="ko-KR" baseline="0" dirty="0" smtClean="0"/>
-              <a:t>.</a:t>
-            </a:r>
-          </a:p>
-          <a:p>
-            <a:r>
-              <a:rPr lang="en-US" altLang="ko-KR" baseline="0" dirty="0" smtClean="0"/>
-              <a:t/>
-            </a:r>
-            <a:br>
-              <a:rPr lang="en-US" altLang="ko-KR" baseline="0" dirty="0" smtClean="0"/>
-            </a:br>
-            <a:r>
-              <a:rPr lang="ko-KR" altLang="en-US" baseline="0" dirty="0" err="1" smtClean="0"/>
-              <a:t>펌웨어는</a:t>
-            </a:r>
-            <a:r>
-              <a:rPr lang="ko-KR" altLang="en-US" baseline="0" dirty="0" smtClean="0"/>
-              <a:t> </a:t>
-            </a:r>
-            <a:r>
-              <a:rPr lang="en-US" altLang="ko-KR" baseline="0" dirty="0" smtClean="0"/>
-              <a:t>System Workbench for STM32 IDE</a:t>
-            </a:r>
-            <a:r>
-              <a:rPr lang="ko-KR" altLang="en-US" baseline="0" dirty="0" smtClean="0"/>
-              <a:t>를 사용하겠습니다</a:t>
-            </a:r>
-            <a:r>
-              <a:rPr lang="en-US" altLang="ko-KR" baseline="0" dirty="0" smtClean="0"/>
-              <a:t>. </a:t>
-            </a:r>
-            <a:r>
-              <a:rPr lang="ko-KR" altLang="en-US" baseline="0" dirty="0" smtClean="0"/>
-              <a:t>무룝니다</a:t>
-            </a:r>
-            <a:r>
-              <a:rPr lang="en-US" altLang="ko-KR" baseline="0" dirty="0" smtClean="0"/>
-              <a:t>.</a:t>
-            </a:r>
-          </a:p>
-          <a:p>
-            <a:r>
-              <a:rPr lang="ko-KR" altLang="en-US" baseline="0" dirty="0" smtClean="0"/>
-              <a:t>호스트 </a:t>
-            </a:r>
-            <a:r>
-              <a:rPr lang="en-US" altLang="ko-KR" baseline="0" dirty="0" smtClean="0"/>
-              <a:t>GUI</a:t>
-            </a:r>
-            <a:r>
-              <a:rPr lang="ko-KR" altLang="en-US" baseline="0" dirty="0" smtClean="0"/>
-              <a:t>는 파이썬에 </a:t>
-            </a:r>
-            <a:r>
-              <a:rPr lang="en-US" altLang="ko-KR" baseline="0" dirty="0" err="1" smtClean="0"/>
-              <a:t>kivy</a:t>
-            </a:r>
-            <a:r>
-              <a:rPr lang="en-US" altLang="ko-KR" baseline="0" dirty="0" smtClean="0"/>
-              <a:t> </a:t>
-            </a:r>
-            <a:r>
-              <a:rPr lang="ko-KR" altLang="en-US" baseline="0" dirty="0" smtClean="0"/>
-              <a:t>라이브러리를 사용해서 진행하겠습니다</a:t>
-            </a:r>
-            <a:r>
-              <a:rPr lang="en-US" altLang="ko-KR" baseline="0" dirty="0" smtClean="0"/>
-              <a:t>. </a:t>
-            </a:r>
-            <a:r>
-              <a:rPr lang="ko-KR" altLang="en-US" baseline="0" dirty="0" smtClean="0"/>
-              <a:t>당연히 무룝니다</a:t>
-            </a:r>
-            <a:r>
-              <a:rPr lang="en-US" altLang="ko-KR" baseline="0" dirty="0" smtClean="0"/>
-              <a:t>.</a:t>
-            </a:r>
-          </a:p>
-          <a:p>
-            <a:endParaRPr lang="en-US" altLang="ko-KR" baseline="0" dirty="0" smtClean="0"/>
-          </a:p>
-          <a:p>
-            <a:endParaRPr lang="en-US" altLang="ko-KR" baseline="0" dirty="0" smtClean="0"/>
           </a:p>
         </p:txBody>
       </p:sp>
@@ -1077,7 +714,12 @@
             <p:ph type="sldImg"/>
           </p:nvPr>
         </p:nvSpPr>
-        <p:spPr/>
+        <p:spPr>
+          <a:xfrm>
+            <a:off x="381000" y="685800"/>
+            <a:ext cx="6096000" cy="3429000"/>
+          </a:xfrm>
+        </p:spPr>
       </p:sp>
       <p:sp>
         <p:nvSpPr>
@@ -1098,12 +740,90 @@
           <a:p>
             <a:r>
               <a:rPr lang="ko-KR" altLang="en-US" baseline="0" dirty="0" smtClean="0"/>
-              <a:t>강좌에 사용할 툴을 소개하겠습니다</a:t>
-            </a:r>
+              <a:t>모터는 다양하죠</a:t>
+            </a:r>
+            <a:r>
+              <a:rPr lang="en-US" altLang="ko-KR" baseline="0" dirty="0" smtClean="0"/>
+              <a:t>. DC BLDC </a:t>
+            </a:r>
+            <a:r>
+              <a:rPr lang="ko-KR" altLang="en-US" baseline="0" dirty="0" smtClean="0"/>
+              <a:t>스텝</a:t>
+            </a:r>
+            <a:r>
+              <a:rPr lang="en-US" altLang="ko-KR" baseline="0" dirty="0" smtClean="0"/>
+              <a:t> </a:t>
+            </a:r>
+            <a:r>
+              <a:rPr lang="ko-KR" altLang="en-US" baseline="0" dirty="0" err="1" smtClean="0"/>
+              <a:t>서보</a:t>
+            </a:r>
+            <a:r>
+              <a:rPr lang="ko-KR" altLang="en-US" baseline="0" dirty="0" smtClean="0"/>
+              <a:t> </a:t>
+            </a:r>
+            <a:r>
+              <a:rPr lang="en-US" altLang="ko-KR" baseline="0" dirty="0" smtClean="0"/>
+              <a:t>AC </a:t>
+            </a:r>
+            <a:r>
+              <a:rPr lang="ko-KR" altLang="en-US" baseline="0" dirty="0" smtClean="0"/>
+              <a:t>등등 많이 </a:t>
+            </a:r>
+            <a:r>
+              <a:rPr lang="ko-KR" altLang="en-US" baseline="0" dirty="0" err="1" smtClean="0"/>
+              <a:t>들어보셨을겁니다</a:t>
+            </a:r>
+            <a:r>
+              <a:rPr lang="en-US" altLang="ko-KR" baseline="0" dirty="0" smtClean="0"/>
+              <a:t>.</a:t>
+            </a:r>
+          </a:p>
+          <a:p>
             <a:endParaRPr lang="en-US" altLang="ko-KR" baseline="0" dirty="0" smtClean="0"/>
           </a:p>
           <a:p>
             <a:r>
+              <a:rPr lang="ko-KR" altLang="en-US" baseline="0" dirty="0" smtClean="0"/>
+              <a:t>그 중 산업용으로 가장 많이 </a:t>
+            </a:r>
+            <a:r>
+              <a:rPr lang="ko-KR" altLang="en-US" baseline="0" dirty="0" err="1" smtClean="0"/>
+              <a:t>쓰는게</a:t>
+            </a:r>
+            <a:r>
+              <a:rPr lang="ko-KR" altLang="en-US" baseline="0" dirty="0" smtClean="0"/>
+              <a:t> 스텝모텁니다</a:t>
+            </a:r>
+            <a:r>
+              <a:rPr lang="en-US" altLang="ko-KR" baseline="0" dirty="0" smtClean="0"/>
+              <a:t>. </a:t>
+            </a:r>
+            <a:r>
+              <a:rPr lang="ko-KR" altLang="en-US" baseline="0" dirty="0" err="1" smtClean="0"/>
+              <a:t>엔코더</a:t>
+            </a:r>
+            <a:r>
+              <a:rPr lang="ko-KR" altLang="en-US" baseline="0" dirty="0" smtClean="0"/>
+              <a:t> 없이 저렴한 가격에 </a:t>
+            </a:r>
+            <a:r>
+              <a:rPr lang="ko-KR" altLang="en-US" baseline="0" dirty="0" err="1" smtClean="0"/>
+              <a:t>오픈루프에서</a:t>
+            </a:r>
+            <a:r>
+              <a:rPr lang="ko-KR" altLang="en-US" baseline="0" dirty="0" smtClean="0"/>
+              <a:t> 정밀도를 </a:t>
+            </a:r>
+            <a:r>
+              <a:rPr lang="ko-KR" altLang="en-US" baseline="0" dirty="0" err="1" smtClean="0"/>
+              <a:t>기대할수</a:t>
+            </a:r>
+            <a:r>
+              <a:rPr lang="ko-KR" altLang="en-US" baseline="0" dirty="0" smtClean="0"/>
+              <a:t> 있으니까요</a:t>
+            </a:r>
+            <a:r>
               <a:rPr lang="en-US" altLang="ko-KR" baseline="0" dirty="0" smtClean="0"/>
               <a:t>.</a:t>
             </a:r>
@@ -1111,109 +831,45 @@
           <a:p>
             <a:r>
               <a:rPr lang="ko-KR" altLang="en-US" baseline="0" dirty="0" smtClean="0"/>
-              <a:t>회로설계는 </a:t>
-            </a:r>
-            <a:r>
-              <a:rPr lang="en-US" altLang="ko-KR" baseline="0" dirty="0" err="1" smtClean="0"/>
-              <a:t>orcad</a:t>
-            </a:r>
-            <a:r>
-              <a:rPr lang="en-US" altLang="ko-KR" baseline="0" dirty="0" smtClean="0"/>
-              <a:t> capture, </a:t>
+              <a:t>이 강좌는 </a:t>
+            </a:r>
+            <a:r>
+              <a:rPr lang="en-US" altLang="ko-KR" baseline="0" dirty="0" smtClean="0"/>
+              <a:t>stm32</a:t>
+            </a:r>
+            <a:r>
+              <a:rPr lang="ko-KR" altLang="en-US" baseline="0" dirty="0" smtClean="0"/>
+              <a:t>와 트라이나믹의 </a:t>
+            </a:r>
+            <a:r>
+              <a:rPr lang="en-US" altLang="ko-KR" baseline="0" dirty="0" smtClean="0"/>
+              <a:t>tmc5160</a:t>
+            </a:r>
+            <a:r>
+              <a:rPr lang="ko-KR" altLang="en-US" baseline="0" dirty="0" smtClean="0"/>
+              <a:t>을 이용한 스텝모터 드라이버 설계에 대한 강좌입니다</a:t>
+            </a:r>
+            <a:r>
+              <a:rPr lang="en-US" altLang="ko-KR" baseline="0" dirty="0" smtClean="0"/>
+              <a:t>.</a:t>
+            </a:r>
+          </a:p>
+          <a:p>
+            <a:r>
+              <a:rPr lang="ko-KR" altLang="en-US" baseline="0" dirty="0" smtClean="0"/>
+              <a:t>회로 설계부터 모터를 실제로 </a:t>
             </a:r>
             <a:r>
               <a:rPr lang="ko-KR" altLang="en-US" baseline="0" dirty="0" err="1" smtClean="0"/>
-              <a:t>아트웍은</a:t>
-            </a:r>
-            <a:r>
-              <a:rPr lang="ko-KR" altLang="en-US" baseline="0" dirty="0" smtClean="0"/>
-              <a:t> </a:t>
-            </a:r>
-            <a:r>
-              <a:rPr lang="ko-KR" altLang="en-US" baseline="0" dirty="0" err="1" smtClean="0"/>
-              <a:t>패즈</a:t>
-            </a:r>
-            <a:r>
-              <a:rPr lang="ko-KR" altLang="en-US" baseline="0" dirty="0" smtClean="0"/>
-              <a:t> 레이아웃을 사용할겁니다</a:t>
-            </a:r>
-            <a:r>
-              <a:rPr lang="en-US" altLang="ko-KR" baseline="0" dirty="0" smtClean="0"/>
-              <a:t>.</a:t>
-            </a:r>
-          </a:p>
-          <a:p>
-            <a:r>
-              <a:rPr lang="ko-KR" altLang="en-US" baseline="0" dirty="0" smtClean="0"/>
-              <a:t>보통 회로설계는 직접하고 </a:t>
-            </a:r>
-            <a:r>
-              <a:rPr lang="ko-KR" altLang="en-US" baseline="0" dirty="0" err="1" smtClean="0"/>
-              <a:t>아트웍은</a:t>
-            </a:r>
-            <a:r>
-              <a:rPr lang="ko-KR" altLang="en-US" baseline="0" dirty="0" smtClean="0"/>
-              <a:t> 외주를 주는 형태로 작업을 </a:t>
-            </a:r>
-            <a:r>
-              <a:rPr lang="ko-KR" altLang="en-US" baseline="0" dirty="0" err="1" smtClean="0"/>
-              <a:t>하실겁니다</a:t>
-            </a:r>
-            <a:r>
-              <a:rPr lang="en-US" altLang="ko-KR" baseline="0" dirty="0" smtClean="0"/>
-              <a:t>.</a:t>
-            </a:r>
-          </a:p>
-          <a:p>
-            <a:r>
-              <a:rPr lang="ko-KR" altLang="en-US" baseline="0" dirty="0" smtClean="0"/>
-              <a:t>굳이 </a:t>
-            </a:r>
-            <a:r>
-              <a:rPr lang="ko-KR" altLang="en-US" baseline="0" dirty="0" err="1" smtClean="0"/>
-              <a:t>아트웍을</a:t>
-            </a:r>
-            <a:r>
-              <a:rPr lang="ko-KR" altLang="en-US" baseline="0" dirty="0" smtClean="0"/>
-              <a:t> </a:t>
-            </a:r>
-            <a:r>
-              <a:rPr lang="ko-KR" altLang="en-US" baseline="0" dirty="0" err="1" smtClean="0"/>
-              <a:t>어떤식으로</a:t>
-            </a:r>
-            <a:r>
-              <a:rPr lang="ko-KR" altLang="en-US" baseline="0" dirty="0" smtClean="0"/>
-              <a:t> 하는지 자세하게 설명할 필요는 없다고 생각하는데</a:t>
-            </a:r>
-            <a:r>
-              <a:rPr lang="en-US" altLang="ko-KR" baseline="0" dirty="0" smtClean="0"/>
-              <a:t>…</a:t>
-            </a:r>
-          </a:p>
-          <a:p>
-            <a:r>
-              <a:rPr lang="ko-KR" altLang="en-US" baseline="0" dirty="0" smtClean="0"/>
-              <a:t>외주를 넘기기 위해 </a:t>
-            </a:r>
-            <a:r>
-              <a:rPr lang="ko-KR" altLang="en-US" baseline="0" dirty="0" err="1" smtClean="0"/>
-              <a:t>어떤식으로</a:t>
-            </a:r>
-            <a:r>
-              <a:rPr lang="ko-KR" altLang="en-US" baseline="0" dirty="0" smtClean="0"/>
-              <a:t> </a:t>
-            </a:r>
-            <a:r>
-              <a:rPr lang="ko-KR" altLang="en-US" baseline="0" dirty="0" err="1" smtClean="0"/>
-              <a:t>회로도를</a:t>
-            </a:r>
-            <a:r>
-              <a:rPr lang="ko-KR" altLang="en-US" baseline="0" dirty="0" smtClean="0"/>
-              <a:t> 작성해야 하는지</a:t>
-            </a:r>
-            <a:r>
-              <a:rPr lang="en-US" altLang="ko-KR" baseline="0" dirty="0" smtClean="0"/>
-              <a:t>, </a:t>
+              <a:t>구동하는거까지</a:t>
+            </a:r>
+            <a:r>
+              <a:rPr lang="ko-KR" altLang="en-US" baseline="0" dirty="0" smtClean="0"/>
+              <a:t> 모두 포함됩니다</a:t>
+            </a:r>
+            <a:r>
+              <a:rPr lang="en-US" altLang="ko-KR" baseline="0" dirty="0" smtClean="0"/>
+              <a:t>. </a:t>
             </a:r>
             <a:r>
               <a:rPr lang="ko-KR" altLang="en-US" baseline="0" dirty="0" err="1" smtClean="0"/>
@@ -1221,11 +877,169 @@
             </a:r>
             <a:r>
               <a:rPr lang="ko-KR" altLang="en-US" baseline="0" dirty="0" smtClean="0"/>
+              <a:t> 넘기고 </a:t>
+            </a:r>
+            <a:r>
+              <a:rPr lang="en-US" altLang="ko-KR" baseline="0" dirty="0" smtClean="0"/>
+              <a:t>PCB </a:t>
+            </a:r>
+            <a:r>
+              <a:rPr lang="ko-KR" altLang="en-US" baseline="0" dirty="0" smtClean="0"/>
+              <a:t>발주해서 부품 구매</a:t>
+            </a:r>
+            <a:r>
+              <a:rPr lang="en-US" altLang="ko-KR" baseline="0" dirty="0" smtClean="0"/>
+              <a:t>, SMT, </a:t>
+            </a:r>
+            <a:r>
+              <a:rPr lang="ko-KR" altLang="en-US" baseline="0" dirty="0" smtClean="0"/>
+              <a:t>보드 테스트하고 등등 </a:t>
+            </a:r>
+            <a:r>
+              <a:rPr lang="ko-KR" altLang="en-US" baseline="0" dirty="0" err="1" smtClean="0"/>
+              <a:t>잡다한게</a:t>
+            </a:r>
+            <a:r>
+              <a:rPr lang="ko-KR" altLang="en-US" baseline="0" dirty="0" smtClean="0"/>
+              <a:t> 많이 있지만</a:t>
+            </a:r>
+            <a:endParaRPr lang="en-US" altLang="ko-KR" baseline="0" dirty="0" smtClean="0"/>
+          </a:p>
+          <a:p>
+            <a:r>
+              <a:rPr lang="ko-KR" altLang="en-US" baseline="0" dirty="0" smtClean="0"/>
+              <a:t>회로설계</a:t>
+            </a:r>
+            <a:r>
+              <a:rPr lang="en-US" altLang="ko-KR" baseline="0" dirty="0" smtClean="0"/>
+              <a:t>, </a:t>
+            </a:r>
+            <a:r>
+              <a:rPr lang="ko-KR" altLang="en-US" baseline="0" dirty="0" err="1" smtClean="0"/>
+              <a:t>아트웍</a:t>
+            </a:r>
+            <a:r>
+              <a:rPr lang="en-US" altLang="ko-KR" baseline="0" dirty="0" smtClean="0"/>
+              <a:t>, </a:t>
+            </a:r>
+            <a:r>
+              <a:rPr lang="ko-KR" altLang="en-US" baseline="0" dirty="0" err="1" smtClean="0"/>
+              <a:t>펌웨어</a:t>
+            </a:r>
+            <a:r>
+              <a:rPr lang="en-US" altLang="ko-KR" baseline="0" dirty="0" smtClean="0"/>
+              <a:t>, GUI, </a:t>
+            </a:r>
+            <a:r>
+              <a:rPr lang="ko-KR" altLang="en-US" baseline="0" dirty="0" smtClean="0"/>
+              <a:t>모터 </a:t>
+            </a:r>
+            <a:r>
+              <a:rPr lang="ko-KR" altLang="en-US" baseline="0" dirty="0" err="1" smtClean="0"/>
+              <a:t>세팅</a:t>
+            </a:r>
+            <a:r>
+              <a:rPr lang="ko-KR" altLang="en-US" baseline="0" dirty="0" smtClean="0"/>
+              <a:t> 및 구동 이렇게 </a:t>
+            </a:r>
+            <a:r>
+              <a:rPr lang="ko-KR" altLang="en-US" baseline="0" dirty="0" err="1" smtClean="0"/>
+              <a:t>다섯가지</a:t>
+            </a:r>
+            <a:r>
+              <a:rPr lang="ko-KR" altLang="en-US" baseline="0" dirty="0" smtClean="0"/>
+              <a:t> 파트로 나눠서 진행하겠습니다</a:t>
+            </a:r>
+            <a:r>
+              <a:rPr lang="en-US" altLang="ko-KR" baseline="0" dirty="0" smtClean="0"/>
+              <a:t>.</a:t>
+            </a:r>
+          </a:p>
+          <a:p>
+            <a:endParaRPr lang="en-US" altLang="ko-KR" baseline="0" dirty="0" smtClean="0"/>
+          </a:p>
+          <a:p>
+            <a:r>
+              <a:rPr lang="ko-KR" altLang="en-US" baseline="0" dirty="0" smtClean="0"/>
+              <a:t>이 강좌는 회로</a:t>
+            </a:r>
+            <a:r>
+              <a:rPr lang="en-US" altLang="ko-KR" baseline="0" dirty="0" smtClean="0"/>
+              <a:t>, </a:t>
+            </a:r>
+            <a:r>
+              <a:rPr lang="ko-KR" altLang="en-US" baseline="0" dirty="0" err="1" smtClean="0"/>
+              <a:t>아트웍</a:t>
+            </a:r>
+            <a:r>
+              <a:rPr lang="en-US" altLang="ko-KR" baseline="0" dirty="0" smtClean="0"/>
+              <a:t>, </a:t>
+            </a:r>
+            <a:r>
+              <a:rPr lang="ko-KR" altLang="en-US" baseline="0" dirty="0" err="1" smtClean="0"/>
+              <a:t>펌웨어</a:t>
+            </a:r>
+            <a:r>
+              <a:rPr lang="en-US" altLang="ko-KR" baseline="0" dirty="0" smtClean="0"/>
+              <a:t>, GUI</a:t>
+            </a:r>
+            <a:r>
+              <a:rPr lang="ko-KR" altLang="en-US" baseline="0" dirty="0" smtClean="0"/>
+              <a:t>에 대한 자세한 설명이 일차적인 목푭니다</a:t>
+            </a:r>
+            <a:endParaRPr lang="en-US" altLang="ko-KR" baseline="0" dirty="0" smtClean="0"/>
+          </a:p>
+          <a:p>
+            <a:r>
+              <a:rPr lang="ko-KR" altLang="en-US" baseline="0" dirty="0" smtClean="0"/>
+              <a:t>해당 업무를 진행하시는 분들의 경력이 </a:t>
+            </a:r>
+            <a:r>
+              <a:rPr lang="ko-KR" altLang="en-US" baseline="0" dirty="0" err="1" smtClean="0"/>
+              <a:t>다양하실텐데</a:t>
+            </a:r>
+            <a:r>
+              <a:rPr lang="ko-KR" altLang="en-US" baseline="0" dirty="0" smtClean="0"/>
+              <a:t> 이에 상관없이 최대한 쉽게 진행할 예정입니다</a:t>
+            </a:r>
+            <a:r>
+              <a:rPr lang="en-US" altLang="ko-KR" baseline="0" dirty="0" smtClean="0"/>
+              <a:t>.</a:t>
+            </a:r>
+          </a:p>
+          <a:p>
+            <a:pPr marL="0" marR="0" indent="0" algn="l" defTabSz="914400" rtl="0" eaLnBrk="1" fontAlgn="auto" latinLnBrk="1" hangingPunct="1">
+              <a:lnSpc>
+                <a:spcPct val="100000"/>
+              </a:lnSpc>
+              <a:spcBef>
+                <a:spcPts val="0"/>
+              </a:spcBef>
+              <a:spcAft>
+                <a:spcPts val="0"/>
+              </a:spcAft>
+              <a:buClrTx/>
+              <a:buSzTx/>
+              <a:buFontTx/>
+              <a:buNone/>
+              <a:tabLst/>
+              <a:defRPr/>
+            </a:pPr>
+            <a:r>
+              <a:rPr lang="ko-KR" altLang="en-US" baseline="0" dirty="0" smtClean="0"/>
+              <a:t>해당 업무는 아니지만 관심은 있다 예 </a:t>
+            </a:r>
+            <a:r>
+              <a:rPr lang="ko-KR" altLang="en-US" baseline="0" dirty="0" err="1" smtClean="0"/>
+              <a:t>부담없이</a:t>
+            </a:r>
+            <a:r>
+              <a:rPr lang="ko-KR" altLang="en-US" baseline="0" dirty="0" smtClean="0"/>
               <a:t> </a:t>
             </a:r>
             <a:r>
               <a:rPr lang="ko-KR" altLang="en-US" baseline="0" dirty="0" err="1" smtClean="0"/>
-              <a:t>요청시</a:t>
+              <a:t>들으실수</a:t>
             </a:r>
             <a:r>
               <a:rPr lang="ko-KR" altLang="en-US" baseline="0" dirty="0" smtClean="0"/>
@@ -1233,223 +1047,81 @@
             </a:r>
             <a:r>
               <a:rPr lang="ko-KR" altLang="en-US" baseline="0" dirty="0" err="1" smtClean="0"/>
-              <a:t>어떤식으로</a:t>
+              <a:t>있을겁니다</a:t>
+            </a:r>
+            <a:r>
+              <a:rPr lang="en-US" altLang="ko-KR" baseline="0" dirty="0" smtClean="0"/>
+              <a:t>. </a:t>
+            </a:r>
+            <a:r>
+              <a:rPr lang="ko-KR" altLang="en-US" baseline="0" dirty="0" smtClean="0"/>
+              <a:t>적어도 회로이론</a:t>
+            </a:r>
+            <a:r>
+              <a:rPr lang="en-US" altLang="ko-KR" baseline="0" dirty="0" smtClean="0"/>
+              <a:t>, </a:t>
+            </a:r>
+            <a:r>
+              <a:rPr lang="ko-KR" altLang="en-US" baseline="0" dirty="0" smtClean="0"/>
+              <a:t>전자회로에 대한 내용은 </a:t>
+            </a:r>
+            <a:r>
+              <a:rPr lang="ko-KR" altLang="en-US" baseline="0" dirty="0" err="1" smtClean="0"/>
+              <a:t>알고계셔야합니다만</a:t>
+            </a:r>
+            <a:r>
+              <a:rPr lang="en-US" altLang="ko-KR" baseline="0" dirty="0" smtClean="0"/>
+              <a:t>…</a:t>
+            </a:r>
+          </a:p>
+          <a:p>
+            <a:r>
+              <a:rPr lang="ko-KR" altLang="en-US" baseline="0" dirty="0" smtClean="0"/>
+              <a:t>쓸데없는 이론설명은 최대한 배제하고 개발에 필요한 내용 중심으로 실제로 개발을 하면서 강좌가 진행됩니다</a:t>
+            </a:r>
+            <a:r>
+              <a:rPr lang="en-US" altLang="ko-KR" baseline="0" dirty="0" smtClean="0"/>
+              <a:t>. </a:t>
+            </a:r>
+            <a:r>
+              <a:rPr lang="ko-KR" altLang="en-US" baseline="0" dirty="0" smtClean="0"/>
+              <a:t>기대하셔도 좋습니다</a:t>
+            </a:r>
+            <a:r>
+              <a:rPr lang="en-US" altLang="ko-KR" baseline="0" dirty="0" smtClean="0"/>
+              <a:t>.</a:t>
+            </a:r>
+          </a:p>
+          <a:p>
+            <a:endParaRPr lang="en-US" altLang="ko-KR" baseline="0" dirty="0" smtClean="0"/>
+          </a:p>
+          <a:p>
+            <a:r>
+              <a:rPr lang="ko-KR" altLang="en-US" baseline="0" dirty="0" smtClean="0"/>
+              <a:t>프로젝트 매니저 같이 전체적인 개발을 총괄하시는 분들이라면 제품 개발 또는 프로젝트 진행의 전체 </a:t>
+            </a:r>
+            <a:r>
+              <a:rPr lang="ko-KR" altLang="en-US" baseline="0" dirty="0" err="1" smtClean="0"/>
+              <a:t>워크플로우를</a:t>
+            </a:r>
+            <a:r>
+              <a:rPr lang="ko-KR" altLang="en-US" baseline="0" dirty="0" smtClean="0"/>
+              <a:t> 파악할 수 있는 좋은 기회일겁니다</a:t>
+            </a:r>
+            <a:r>
+              <a:rPr lang="en-US" altLang="ko-KR" baseline="0" dirty="0" smtClean="0"/>
+              <a:t>.</a:t>
             </a:r>
             <a:r>
               <a:rPr lang="ko-KR" altLang="en-US" baseline="0" dirty="0" smtClean="0"/>
               <a:t> </a:t>
             </a:r>
-            <a:r>
-              <a:rPr lang="ko-KR" altLang="en-US" baseline="0" dirty="0" err="1" smtClean="0"/>
-              <a:t>요청해야하는지</a:t>
-            </a:r>
-            <a:r>
-              <a:rPr lang="en-US" altLang="ko-KR" baseline="0" dirty="0" smtClean="0"/>
-              <a:t>, </a:t>
-            </a:r>
-            <a:r>
-              <a:rPr lang="ko-KR" altLang="en-US" baseline="0" dirty="0" smtClean="0"/>
-              <a:t>결과물 확인은 </a:t>
-            </a:r>
-            <a:r>
-              <a:rPr lang="ko-KR" altLang="en-US" baseline="0" dirty="0" err="1" smtClean="0"/>
-              <a:t>어떤식으로</a:t>
-            </a:r>
-            <a:r>
-              <a:rPr lang="ko-KR" altLang="en-US" baseline="0" dirty="0" smtClean="0"/>
-              <a:t> 하는지 정도는 이야기하도록 하죠</a:t>
-            </a:r>
-            <a:r>
-              <a:rPr lang="en-US" altLang="ko-KR" baseline="0" dirty="0" smtClean="0"/>
-              <a:t>.</a:t>
-            </a:r>
-          </a:p>
-          <a:p>
             <a:endParaRPr lang="en-US" altLang="ko-KR" baseline="0" dirty="0" smtClean="0"/>
           </a:p>
           <a:p>
-            <a:r>
-              <a:rPr lang="en-US" altLang="ko-KR" baseline="0" dirty="0" smtClean="0"/>
-              <a:t>STM32 </a:t>
-            </a:r>
-            <a:r>
-              <a:rPr lang="ko-KR" altLang="en-US" baseline="0" dirty="0" err="1" smtClean="0"/>
-              <a:t>펌웨어는</a:t>
-            </a:r>
-            <a:r>
-              <a:rPr lang="ko-KR" altLang="en-US" baseline="0" dirty="0" smtClean="0"/>
-              <a:t> </a:t>
-            </a:r>
-            <a:r>
-              <a:rPr lang="en-US" altLang="ko-KR" baseline="0" dirty="0" smtClean="0"/>
-              <a:t>sw4stm32</a:t>
-            </a:r>
-            <a:r>
-              <a:rPr lang="ko-KR" altLang="en-US" baseline="0" dirty="0" smtClean="0"/>
-              <a:t>를 사용하겠습니다</a:t>
-            </a:r>
-            <a:r>
-              <a:rPr lang="en-US" altLang="ko-KR" baseline="0" dirty="0" smtClean="0"/>
-              <a:t>. </a:t>
-            </a:r>
-            <a:r>
-              <a:rPr lang="ko-KR" altLang="en-US" baseline="0" dirty="0" smtClean="0"/>
-              <a:t>다른 좋은 툴도 많습니다만 이건 일단 공짜고 용량 제한도 없으니까 이걸 쓰겠습니다</a:t>
-            </a:r>
-            <a:r>
-              <a:rPr lang="en-US" altLang="ko-KR" baseline="0" dirty="0" smtClean="0"/>
-              <a:t>.</a:t>
-            </a:r>
-          </a:p>
-          <a:p>
             <a:endParaRPr lang="en-US" altLang="ko-KR" baseline="0" dirty="0" smtClean="0"/>
           </a:p>
           <a:p>
-            <a:r>
-              <a:rPr lang="ko-KR" altLang="en-US" baseline="0" dirty="0" smtClean="0"/>
-              <a:t>호스트 </a:t>
-            </a:r>
-            <a:r>
-              <a:rPr lang="en-US" altLang="ko-KR" baseline="0" dirty="0" smtClean="0"/>
-              <a:t>GUI</a:t>
-            </a:r>
-            <a:r>
-              <a:rPr lang="ko-KR" altLang="en-US" baseline="0" dirty="0" smtClean="0"/>
-              <a:t>는 파이썬 </a:t>
-            </a:r>
-            <a:r>
-              <a:rPr lang="ko-KR" altLang="en-US" baseline="0" dirty="0" err="1" smtClean="0"/>
-              <a:t>키비를</a:t>
-            </a:r>
-            <a:r>
-              <a:rPr lang="ko-KR" altLang="en-US" baseline="0" dirty="0" smtClean="0"/>
-              <a:t> 사용하겠습니다</a:t>
-            </a:r>
-            <a:r>
-              <a:rPr lang="en-US" altLang="ko-KR" baseline="0" dirty="0" smtClean="0"/>
-              <a:t>. </a:t>
-            </a:r>
-            <a:r>
-              <a:rPr lang="ko-KR" altLang="en-US" baseline="0" dirty="0" smtClean="0"/>
-              <a:t>주로 </a:t>
-            </a:r>
-            <a:r>
-              <a:rPr lang="en-US" altLang="ko-KR" baseline="0" dirty="0" smtClean="0"/>
-              <a:t>PC</a:t>
-            </a:r>
-            <a:r>
-              <a:rPr lang="ko-KR" altLang="en-US" baseline="0" dirty="0" smtClean="0"/>
-              <a:t> 또는 </a:t>
-            </a:r>
-            <a:r>
-              <a:rPr lang="ko-KR" altLang="en-US" baseline="0" dirty="0" err="1" smtClean="0"/>
-              <a:t>라즈베리파이같은</a:t>
-            </a:r>
-            <a:r>
-              <a:rPr lang="ko-KR" altLang="en-US" baseline="0" dirty="0" smtClean="0"/>
-              <a:t> </a:t>
-            </a:r>
-            <a:r>
-              <a:rPr lang="ko-KR" altLang="en-US" baseline="0" dirty="0" err="1" smtClean="0"/>
-              <a:t>싱글보드</a:t>
-            </a:r>
-            <a:r>
-              <a:rPr lang="ko-KR" altLang="en-US" baseline="0" dirty="0" smtClean="0"/>
-              <a:t> 컴퓨터에서 돌아가는 애플리케이션입니다</a:t>
-            </a:r>
-            <a:endParaRPr lang="en-US" altLang="ko-KR" baseline="0" dirty="0" smtClean="0"/>
-          </a:p>
-          <a:p>
-            <a:r>
-              <a:rPr lang="ko-KR" altLang="en-US" baseline="0" dirty="0" smtClean="0"/>
-              <a:t>윈도우</a:t>
-            </a:r>
-            <a:r>
-              <a:rPr lang="en-US" altLang="ko-KR" baseline="0" dirty="0" smtClean="0"/>
-              <a:t>, </a:t>
-            </a:r>
-            <a:r>
-              <a:rPr lang="ko-KR" altLang="en-US" baseline="0" dirty="0" err="1" smtClean="0"/>
-              <a:t>리눅스</a:t>
-            </a:r>
-            <a:r>
-              <a:rPr lang="en-US" altLang="ko-KR" baseline="0" dirty="0" smtClean="0"/>
-              <a:t>, </a:t>
-            </a:r>
-            <a:r>
-              <a:rPr lang="ko-KR" altLang="en-US" baseline="0" dirty="0" err="1" smtClean="0"/>
-              <a:t>안드로이드</a:t>
-            </a:r>
-            <a:r>
-              <a:rPr lang="ko-KR" altLang="en-US" baseline="0" dirty="0" smtClean="0"/>
-              <a:t> 등 다양한 환경에서 돌릴 수 있도록 </a:t>
-            </a:r>
-            <a:r>
-              <a:rPr lang="ko-KR" altLang="en-US" baseline="0" dirty="0" err="1" smtClean="0"/>
-              <a:t>파이썬을</a:t>
-            </a:r>
-            <a:r>
-              <a:rPr lang="ko-KR" altLang="en-US" baseline="0" dirty="0" smtClean="0"/>
-              <a:t> 사용하겠습니다</a:t>
-            </a:r>
-            <a:r>
-              <a:rPr lang="en-US" altLang="ko-KR" baseline="0" dirty="0" smtClean="0"/>
-              <a:t>.</a:t>
-            </a:r>
-          </a:p>
-          <a:p>
-            <a:r>
-              <a:rPr lang="ko-KR" altLang="en-US" baseline="0" dirty="0" err="1" smtClean="0"/>
-              <a:t>파이썬이</a:t>
-            </a:r>
-            <a:r>
-              <a:rPr lang="ko-KR" altLang="en-US" baseline="0" dirty="0" smtClean="0"/>
-              <a:t> </a:t>
-            </a:r>
-            <a:r>
-              <a:rPr lang="ko-KR" altLang="en-US" baseline="0" dirty="0" err="1" smtClean="0"/>
-              <a:t>처음이신분들이</a:t>
-            </a:r>
-            <a:r>
-              <a:rPr lang="ko-KR" altLang="en-US" baseline="0" dirty="0" smtClean="0"/>
-              <a:t> </a:t>
-            </a:r>
-            <a:r>
-              <a:rPr lang="ko-KR" altLang="en-US" baseline="0" dirty="0" err="1" smtClean="0"/>
-              <a:t>대부분일거</a:t>
-            </a:r>
-            <a:r>
-              <a:rPr lang="ko-KR" altLang="en-US" baseline="0" dirty="0" smtClean="0"/>
-              <a:t> 같습니다</a:t>
-            </a:r>
-            <a:r>
-              <a:rPr lang="en-US" altLang="ko-KR" baseline="0" dirty="0" smtClean="0"/>
-              <a:t>. </a:t>
-            </a:r>
-            <a:r>
-              <a:rPr lang="ko-KR" altLang="en-US" baseline="0" dirty="0" smtClean="0"/>
-              <a:t>문법이나 사용법이 매우 간단하고 성능도 </a:t>
-            </a:r>
-            <a:r>
-              <a:rPr lang="ko-KR" altLang="en-US" baseline="0" dirty="0" err="1" smtClean="0"/>
-              <a:t>괜찬은편이니까</a:t>
-            </a:r>
-            <a:r>
-              <a:rPr lang="ko-KR" altLang="en-US" baseline="0" dirty="0" smtClean="0"/>
-              <a:t> 별로 </a:t>
-            </a:r>
-            <a:r>
-              <a:rPr lang="ko-KR" altLang="en-US" baseline="0" dirty="0" err="1" smtClean="0"/>
-              <a:t>걱정안하셔도</a:t>
-            </a:r>
-            <a:r>
-              <a:rPr lang="ko-KR" altLang="en-US" baseline="0" dirty="0" smtClean="0"/>
-              <a:t> 됩니다</a:t>
-            </a:r>
-            <a:r>
-              <a:rPr lang="en-US" altLang="ko-KR" baseline="0" dirty="0" smtClean="0"/>
-              <a:t>.</a:t>
-            </a:r>
             <a:endParaRPr lang="en-US" altLang="ko-KR" baseline="0" dirty="0" smtClean="0"/>
           </a:p>
           <a:p>
@@ -1519,7 +1191,12 @@
             <p:ph type="sldImg"/>
           </p:nvPr>
         </p:nvSpPr>
-        <p:spPr/>
+        <p:spPr>
+          <a:xfrm>
+            <a:off x="381000" y="685800"/>
+            <a:ext cx="6096000" cy="3429000"/>
+          </a:xfrm>
+        </p:spPr>
       </p:sp>
       <p:sp>
         <p:nvSpPr>
@@ -1540,7 +1217,55 @@
           <a:p>
             <a:r>
               <a:rPr lang="ko-KR" altLang="en-US" baseline="0" dirty="0" smtClean="0"/>
-              <a:t>우리가 사용할 </a:t>
+              <a:t>일단 설계에 </a:t>
+            </a:r>
+            <a:r>
+              <a:rPr lang="ko-KR" altLang="en-US" baseline="0" dirty="0" err="1" smtClean="0"/>
+              <a:t>들어가기전에</a:t>
+            </a:r>
+            <a:r>
+              <a:rPr lang="ko-KR" altLang="en-US" baseline="0" dirty="0" smtClean="0"/>
+              <a:t> 우리가 만들 보드에 대한 </a:t>
+            </a:r>
+            <a:r>
+              <a:rPr lang="ko-KR" altLang="en-US" baseline="0" dirty="0" err="1" smtClean="0"/>
+              <a:t>스펙을</a:t>
+            </a:r>
+            <a:r>
+              <a:rPr lang="ko-KR" altLang="en-US" baseline="0" dirty="0" smtClean="0"/>
+              <a:t> 설명하겠습니다</a:t>
+            </a:r>
+            <a:r>
+              <a:rPr lang="en-US" altLang="ko-KR" baseline="0" dirty="0" smtClean="0"/>
+              <a:t>.</a:t>
+            </a:r>
+          </a:p>
+          <a:p>
+            <a:r>
+              <a:rPr lang="en-US" altLang="ko-KR" baseline="0" dirty="0" smtClean="0"/>
+              <a:t>24</a:t>
+            </a:r>
+            <a:r>
+              <a:rPr lang="ko-KR" altLang="en-US" baseline="0" dirty="0" smtClean="0"/>
+              <a:t>볼트 입력이 가능하고 </a:t>
+            </a:r>
+            <a:r>
+              <a:rPr lang="en-US" altLang="ko-KR" baseline="0" dirty="0" smtClean="0"/>
+              <a:t>5A</a:t>
+            </a:r>
+            <a:r>
+              <a:rPr lang="ko-KR" altLang="en-US" baseline="0" dirty="0" smtClean="0"/>
+              <a:t>까지 출력가능합니다</a:t>
+            </a:r>
+            <a:r>
+              <a:rPr lang="en-US" altLang="ko-KR" baseline="0" dirty="0" smtClean="0"/>
+              <a:t>.</a:t>
+            </a:r>
+          </a:p>
+          <a:p>
+            <a:r>
+              <a:rPr lang="ko-KR" altLang="en-US" baseline="0" dirty="0" smtClean="0"/>
+              <a:t>메인</a:t>
             </a:r>
             <a:r>
               <a:rPr lang="en-US" altLang="ko-KR" baseline="0" dirty="0" smtClean="0"/>
@@ -1552,63 +1277,117 @@
             </a:r>
             <a:r>
               <a:rPr lang="en-US" altLang="ko-KR" baseline="0" dirty="0" smtClean="0"/>
-              <a:t>ST</a:t>
-            </a:r>
-            <a:r>
-              <a:rPr lang="ko-KR" altLang="en-US" baseline="0" dirty="0" smtClean="0"/>
-              <a:t>마이크로의 </a:t>
-            </a:r>
-            <a:r>
-              <a:rPr lang="en-US" altLang="ko-KR" baseline="0" dirty="0" smtClean="0"/>
-              <a:t>STM32103RCT6 </a:t>
-            </a:r>
-            <a:r>
-              <a:rPr lang="ko-KR" altLang="en-US" baseline="0" dirty="0" smtClean="0"/>
-              <a:t>모델입니다</a:t>
-            </a:r>
-            <a:r>
-              <a:rPr lang="en-US" altLang="ko-KR" baseline="0" dirty="0" smtClean="0"/>
-              <a:t>. </a:t>
-            </a:r>
-            <a:r>
-              <a:rPr lang="ko-KR" altLang="en-US" baseline="0" dirty="0" smtClean="0"/>
-              <a:t>가장 무난한 </a:t>
-            </a:r>
-            <a:r>
-              <a:rPr lang="en-US" altLang="ko-KR" baseline="0" dirty="0" smtClean="0"/>
-              <a:t>MCU</a:t>
-            </a:r>
-            <a:r>
-              <a:rPr lang="ko-KR" altLang="en-US" baseline="0" dirty="0" smtClean="0"/>
-              <a:t>죠</a:t>
-            </a:r>
-            <a:r>
-              <a:rPr lang="en-US" altLang="ko-KR" baseline="0" dirty="0" smtClean="0"/>
-              <a:t>. </a:t>
-            </a:r>
-            <a:r>
-              <a:rPr lang="ko-KR" altLang="en-US" baseline="0" dirty="0" smtClean="0"/>
-              <a:t>가격 적당하고 필요한 기능은 </a:t>
+              <a:t>stm32F103</a:t>
+            </a:r>
+            <a:r>
+              <a:rPr lang="ko-KR" altLang="en-US" baseline="0" dirty="0" smtClean="0"/>
+              <a:t>이고 모터 드라이버는 </a:t>
+            </a:r>
+            <a:r>
+              <a:rPr lang="en-US" altLang="ko-KR" baseline="0" dirty="0" smtClean="0"/>
+              <a:t>TMC5160 </a:t>
+            </a:r>
+            <a:r>
+              <a:rPr lang="ko-KR" altLang="en-US" baseline="0" dirty="0" smtClean="0"/>
+              <a:t>입니다</a:t>
+            </a:r>
+            <a:r>
+              <a:rPr lang="en-US" altLang="ko-KR" baseline="0" dirty="0" smtClean="0"/>
+              <a:t>.</a:t>
+            </a:r>
+          </a:p>
+          <a:p>
+            <a:r>
+              <a:rPr lang="en-US" altLang="ko-KR" baseline="0" dirty="0" smtClean="0"/>
+              <a:t>TMC5160</a:t>
+            </a:r>
+            <a:r>
+              <a:rPr lang="ko-KR" altLang="en-US" baseline="0" dirty="0" smtClean="0"/>
+              <a:t>은 외장 </a:t>
+            </a:r>
+            <a:r>
+              <a:rPr lang="en-US" altLang="ko-KR" baseline="0" dirty="0" smtClean="0"/>
+              <a:t>FET </a:t>
+            </a:r>
+            <a:r>
+              <a:rPr lang="ko-KR" altLang="en-US" baseline="0" dirty="0" smtClean="0"/>
+              <a:t>타입이라서 모터 용량에 따라서 </a:t>
+            </a:r>
+            <a:r>
+              <a:rPr lang="en-US" altLang="ko-KR" baseline="0" dirty="0" smtClean="0"/>
+              <a:t>FET </a:t>
+            </a:r>
+            <a:r>
+              <a:rPr lang="ko-KR" altLang="en-US" baseline="0" dirty="0" smtClean="0"/>
+              <a:t>선택이 가능합니다</a:t>
+            </a:r>
+            <a:r>
+              <a:rPr lang="en-US" altLang="ko-KR" baseline="0" dirty="0" smtClean="0"/>
+              <a:t>.</a:t>
+            </a:r>
+          </a:p>
+          <a:p>
+            <a:r>
+              <a:rPr lang="ko-KR" altLang="en-US" baseline="0" dirty="0" smtClean="0"/>
+              <a:t>그리고 통신용으로 </a:t>
+            </a:r>
+            <a:r>
+              <a:rPr lang="en-US" altLang="ko-KR" baseline="0" dirty="0" smtClean="0"/>
+              <a:t>FT232</a:t>
+            </a:r>
+            <a:r>
+              <a:rPr lang="ko-KR" altLang="en-US" baseline="0" dirty="0" smtClean="0"/>
+              <a:t>와 아이솔레이티드 </a:t>
+            </a:r>
+            <a:r>
+              <a:rPr lang="en-US" altLang="ko-KR" baseline="0" dirty="0" smtClean="0"/>
+              <a:t>485</a:t>
+            </a:r>
+            <a:r>
+              <a:rPr lang="ko-KR" altLang="en-US" baseline="0" dirty="0" smtClean="0"/>
+              <a:t>가</a:t>
+            </a:r>
+            <a:r>
+              <a:rPr lang="en-US" altLang="ko-KR" baseline="0" dirty="0" smtClean="0"/>
+              <a:t> </a:t>
+            </a:r>
+            <a:r>
+              <a:rPr lang="ko-KR" altLang="en-US" baseline="0" dirty="0" smtClean="0"/>
+              <a:t>달려있습니다</a:t>
+            </a:r>
+            <a:r>
+              <a:rPr lang="en-US" altLang="ko-KR" baseline="0" dirty="0" smtClean="0"/>
+              <a:t>.</a:t>
+            </a:r>
+          </a:p>
+          <a:p>
+            <a:r>
+              <a:rPr lang="ko-KR" altLang="en-US" baseline="0" dirty="0" smtClean="0"/>
+              <a:t>최대 센서 입력은 </a:t>
+            </a:r>
+            <a:r>
+              <a:rPr lang="en-US" altLang="ko-KR" baseline="0" dirty="0" smtClean="0"/>
+              <a:t>4</a:t>
+            </a:r>
+            <a:r>
+              <a:rPr lang="ko-KR" altLang="en-US" baseline="0" dirty="0" smtClean="0"/>
+              <a:t>개 가능하구요 </a:t>
+            </a:r>
+            <a:r>
+              <a:rPr lang="en-US" altLang="ko-KR" baseline="0" dirty="0" err="1" smtClean="0"/>
+              <a:t>gpoutput</a:t>
+            </a:r>
+            <a:r>
+              <a:rPr lang="ko-KR" altLang="en-US" baseline="0" dirty="0" smtClean="0"/>
+              <a:t>은 </a:t>
+            </a:r>
+            <a:r>
+              <a:rPr lang="en-US" altLang="ko-KR" baseline="0" dirty="0" smtClean="0"/>
+              <a:t>5V 24V </a:t>
             </a:r>
             <a:r>
               <a:rPr lang="ko-KR" altLang="en-US" baseline="0" dirty="0" err="1" smtClean="0"/>
-              <a:t>왠만한건</a:t>
-            </a:r>
-            <a:r>
-              <a:rPr lang="ko-KR" altLang="en-US" baseline="0" dirty="0" smtClean="0"/>
-              <a:t> 다 들어있습니다</a:t>
-            </a:r>
-            <a:r>
-              <a:rPr lang="en-US" altLang="ko-KR" baseline="0" dirty="0" smtClean="0"/>
-              <a:t>. </a:t>
-            </a:r>
-            <a:r>
-              <a:rPr lang="ko-KR" altLang="en-US" baseline="0" dirty="0" smtClean="0"/>
-              <a:t>속도도 </a:t>
-            </a:r>
-            <a:r>
-              <a:rPr lang="ko-KR" altLang="en-US" baseline="0" dirty="0" err="1" smtClean="0"/>
-              <a:t>괜찬고</a:t>
+              <a:t>선택가능합니다</a:t>
             </a:r>
             <a:r>
               <a:rPr lang="en-US" altLang="ko-KR" baseline="0" dirty="0" smtClean="0"/>
@@ -1617,28 +1396,20 @@
           </a:p>
           <a:p>
             <a:r>
-              <a:rPr lang="ko-KR" altLang="en-US" baseline="0" dirty="0" smtClean="0"/>
-              <a:t>설정</a:t>
-            </a:r>
-            <a:r>
-              <a:rPr lang="en-US" altLang="ko-KR" baseline="0" dirty="0" smtClean="0"/>
-              <a:t> </a:t>
-            </a:r>
-            <a:r>
-              <a:rPr lang="ko-KR" altLang="en-US" baseline="0" dirty="0" err="1" smtClean="0"/>
-              <a:t>저정용</a:t>
-            </a:r>
-            <a:r>
-              <a:rPr lang="ko-KR" altLang="en-US" baseline="0" dirty="0" smtClean="0"/>
-              <a:t> </a:t>
-            </a:r>
-            <a:r>
               <a:rPr lang="en-US" altLang="ko-KR" baseline="0" dirty="0" smtClean="0"/>
               <a:t>FRAM</a:t>
             </a:r>
             <a:r>
               <a:rPr lang="ko-KR" altLang="en-US" baseline="0" dirty="0" smtClean="0"/>
-              <a:t>을 제외하고 따로 외부 메모리 연결이 필요없이 충분한 용량을 가지고 있습니다</a:t>
+              <a:t>은 </a:t>
+            </a:r>
+            <a:r>
+              <a:rPr lang="en-US" altLang="ko-KR" baseline="0" dirty="0" smtClean="0"/>
+              <a:t>16Kbit </a:t>
+            </a:r>
+            <a:r>
+              <a:rPr lang="ko-KR" altLang="en-US" baseline="0" dirty="0" smtClean="0"/>
+              <a:t>용량으로 설정 저장용입니다</a:t>
             </a:r>
             <a:r>
               <a:rPr lang="en-US" altLang="ko-KR" baseline="0" dirty="0" smtClean="0"/>
@@ -1646,88 +1417,13 @@
             </a:r>
           </a:p>
           <a:p>
-            <a:endParaRPr lang="en-US" altLang="ko-KR" baseline="0" dirty="0" smtClean="0"/>
-          </a:p>
-          <a:p>
-            <a:r>
-              <a:rPr lang="ko-KR" altLang="en-US" baseline="0" dirty="0" smtClean="0"/>
-              <a:t>모터 드라이버는 </a:t>
-            </a:r>
-            <a:r>
-              <a:rPr lang="ko-KR" altLang="en-US" baseline="0" dirty="0" err="1" smtClean="0"/>
-              <a:t>트라이나믹의</a:t>
-            </a:r>
-            <a:r>
-              <a:rPr lang="ko-KR" altLang="en-US" baseline="0" dirty="0" smtClean="0"/>
-              <a:t> </a:t>
-            </a:r>
             <a:r>
               <a:rPr lang="en-US" altLang="ko-KR" baseline="0" dirty="0" smtClean="0"/>
               <a:t>TMC5160</a:t>
             </a:r>
             <a:r>
               <a:rPr lang="ko-KR" altLang="en-US" baseline="0" dirty="0" smtClean="0"/>
-              <a:t>을 사용합니다</a:t>
-            </a:r>
-            <a:r>
-              <a:rPr lang="en-US" altLang="ko-KR" baseline="0" dirty="0" smtClean="0"/>
-              <a:t>. </a:t>
-            </a:r>
-            <a:r>
-              <a:rPr lang="ko-KR" altLang="en-US" baseline="0" dirty="0" smtClean="0"/>
-              <a:t>모션컨트롤러가 내장된 모델이라 기능도 많고 제어가 간편합니다</a:t>
-            </a:r>
-            <a:r>
-              <a:rPr lang="en-US" altLang="ko-KR" baseline="0" dirty="0" smtClean="0"/>
-              <a:t>.</a:t>
-            </a:r>
-          </a:p>
-          <a:p>
-            <a:r>
-              <a:rPr lang="en-US" altLang="ko-KR" baseline="0" dirty="0" smtClean="0"/>
-              <a:t>256 </a:t>
-            </a:r>
-            <a:r>
-              <a:rPr lang="ko-KR" altLang="en-US" baseline="0" dirty="0" err="1" smtClean="0"/>
-              <a:t>마이크로스텝을</a:t>
-            </a:r>
-            <a:r>
-              <a:rPr lang="ko-KR" altLang="en-US" baseline="0" dirty="0" smtClean="0"/>
-              <a:t> 지원하고 외장 </a:t>
-            </a:r>
-            <a:r>
-              <a:rPr lang="en-US" altLang="ko-KR" baseline="0" dirty="0" smtClean="0"/>
-              <a:t>FET</a:t>
-            </a:r>
-            <a:r>
-              <a:rPr lang="ko-KR" altLang="en-US" baseline="0" dirty="0" smtClean="0"/>
-              <a:t>를 사용해서 최대 </a:t>
-            </a:r>
-            <a:r>
-              <a:rPr lang="en-US" altLang="ko-KR" baseline="0" dirty="0" smtClean="0"/>
-              <a:t>20A</a:t>
-            </a:r>
-            <a:r>
-              <a:rPr lang="ko-KR" altLang="en-US" baseline="0" dirty="0" smtClean="0"/>
-              <a:t>까지 출력이 가능하죠</a:t>
-            </a:r>
-            <a:r>
-              <a:rPr lang="en-US" altLang="ko-KR" baseline="0" dirty="0" smtClean="0"/>
-              <a:t>. </a:t>
-            </a:r>
-          </a:p>
-          <a:p>
-            <a:r>
-              <a:rPr lang="ko-KR" altLang="en-US" baseline="0" dirty="0" smtClean="0"/>
-              <a:t>약간 특이한 점으로는 </a:t>
-            </a:r>
-            <a:r>
-              <a:rPr lang="ko-KR" altLang="en-US" baseline="0" dirty="0" err="1" smtClean="0"/>
-              <a:t>엔코더와</a:t>
-            </a:r>
-            <a:r>
-              <a:rPr lang="ko-KR" altLang="en-US" baseline="0" dirty="0" smtClean="0"/>
-              <a:t> </a:t>
+              <a:t>은 특이하게도 엔코더와 </a:t>
             </a:r>
             <a:r>
               <a:rPr lang="ko-KR" altLang="en-US" baseline="0" dirty="0" err="1" smtClean="0"/>
@@ -1735,7 +1431,7 @@
             </a:r>
             <a:r>
               <a:rPr lang="ko-KR" altLang="en-US" baseline="0" dirty="0" smtClean="0"/>
-              <a:t> 스위치도 </a:t>
+              <a:t> 스위치 입력을 </a:t>
             </a:r>
             <a:r>
               <a:rPr lang="ko-KR" altLang="en-US" baseline="0" dirty="0" err="1" smtClean="0"/>
@@ -1743,7 +1439,31 @@
             </a:r>
             <a:r>
               <a:rPr lang="ko-KR" altLang="en-US" baseline="0" dirty="0" smtClean="0"/>
-              <a:t> 인터페이스 가능합니다</a:t>
+              <a:t> </a:t>
+            </a:r>
+            <a:r>
+              <a:rPr lang="ko-KR" altLang="en-US" baseline="0" dirty="0" err="1" smtClean="0"/>
+              <a:t>처리가능합니다</a:t>
+            </a:r>
+            <a:r>
+              <a:rPr lang="en-US" altLang="ko-KR" baseline="0" dirty="0" smtClean="0"/>
+              <a:t>. </a:t>
+            </a:r>
+            <a:r>
+              <a:rPr lang="ko-KR" altLang="en-US" baseline="0" dirty="0" err="1" smtClean="0"/>
+              <a:t>이부분도</a:t>
+            </a:r>
+            <a:r>
+              <a:rPr lang="ko-KR" altLang="en-US" baseline="0" dirty="0" smtClean="0"/>
+              <a:t> </a:t>
+            </a:r>
+            <a:r>
+              <a:rPr lang="ko-KR" altLang="en-US" baseline="0" dirty="0" err="1" smtClean="0"/>
+              <a:t>쓸수있게</a:t>
+            </a:r>
+            <a:r>
+              <a:rPr lang="ko-KR" altLang="en-US" baseline="0" dirty="0" smtClean="0"/>
+              <a:t> 하겠습니다</a:t>
             </a:r>
             <a:r>
               <a:rPr lang="en-US" altLang="ko-KR" baseline="0" dirty="0" smtClean="0"/>
@@ -1751,13 +1471,40 @@
             </a:r>
           </a:p>
           <a:p>
-            <a:r>
-              <a:rPr lang="en-US" altLang="ko-KR" baseline="0" dirty="0" smtClean="0"/>
-              <a:t>MCU</a:t>
-            </a:r>
-            <a:r>
-              <a:rPr lang="ko-KR" altLang="en-US" baseline="0" dirty="0" smtClean="0"/>
-              <a:t> 자원을 매우 적게 점유하는 모터 드라이법니다</a:t>
+            <a:endParaRPr lang="en-US" altLang="ko-KR" baseline="0" dirty="0" smtClean="0"/>
+          </a:p>
+          <a:p>
+            <a:r>
+              <a:rPr lang="ko-KR" altLang="en-US" baseline="0" dirty="0" smtClean="0"/>
+              <a:t>보통 </a:t>
+            </a:r>
+            <a:r>
+              <a:rPr lang="ko-KR" altLang="en-US" baseline="0" dirty="0" err="1" smtClean="0"/>
+              <a:t>개발할때</a:t>
+            </a:r>
+            <a:r>
+              <a:rPr lang="ko-KR" altLang="en-US" baseline="0" dirty="0" smtClean="0"/>
+              <a:t> </a:t>
+            </a:r>
+            <a:r>
+              <a:rPr lang="ko-KR" altLang="en-US" baseline="0" dirty="0" err="1" smtClean="0"/>
+              <a:t>스펙을</a:t>
+            </a:r>
+            <a:r>
+              <a:rPr lang="ko-KR" altLang="en-US" baseline="0" dirty="0" smtClean="0"/>
+              <a:t> 먼저 정리를 </a:t>
+            </a:r>
+            <a:r>
+              <a:rPr lang="ko-KR" altLang="en-US" baseline="0" dirty="0" err="1" smtClean="0"/>
+              <a:t>해야합니다</a:t>
+            </a:r>
+            <a:r>
+              <a:rPr lang="en-US" altLang="ko-KR" baseline="0" dirty="0" smtClean="0"/>
+              <a:t>. </a:t>
+            </a:r>
+            <a:r>
+              <a:rPr lang="ko-KR" altLang="en-US" baseline="0" dirty="0" smtClean="0"/>
+              <a:t>이 다이어그램 역시 스펙의 일부분입니다</a:t>
             </a:r>
             <a:r>
               <a:rPr lang="en-US" altLang="ko-KR" baseline="0" dirty="0" smtClean="0"/>
@@ -1767,11 +1514,61 @@
           <a:p>
             <a:r>
               <a:rPr lang="ko-KR" altLang="en-US" baseline="0" dirty="0" err="1" smtClean="0"/>
-              <a:t>트라이나믹은</a:t>
-            </a:r>
-            <a:r>
-              <a:rPr lang="ko-KR" altLang="en-US" baseline="0" dirty="0" smtClean="0"/>
-              <a:t> 문서가 좀 거지같습니다</a:t>
+              <a:t>요구받은</a:t>
+            </a:r>
+            <a:r>
+              <a:rPr lang="ko-KR" altLang="en-US" baseline="0" dirty="0" smtClean="0"/>
+              <a:t> 사양과 실제 개발에 사용할 부품 및 모터</a:t>
+            </a:r>
+            <a:r>
+              <a:rPr lang="en-US" altLang="ko-KR" baseline="0" dirty="0" smtClean="0"/>
+              <a:t>, </a:t>
+            </a:r>
+            <a:r>
+              <a:rPr lang="ko-KR" altLang="en-US" baseline="0" dirty="0" smtClean="0"/>
+              <a:t>스위치</a:t>
+            </a:r>
+            <a:r>
+              <a:rPr lang="en-US" altLang="ko-KR" baseline="0" dirty="0" smtClean="0"/>
+              <a:t>, </a:t>
+            </a:r>
+            <a:r>
+              <a:rPr lang="ko-KR" altLang="en-US" baseline="0" dirty="0" err="1" smtClean="0"/>
+              <a:t>엔코더</a:t>
+            </a:r>
+            <a:r>
+              <a:rPr lang="ko-KR" altLang="en-US" baseline="0" dirty="0" smtClean="0"/>
+              <a:t> 사양도 포함됩니다</a:t>
+            </a:r>
+            <a:r>
+              <a:rPr lang="en-US" altLang="ko-KR" baseline="0" dirty="0" smtClean="0"/>
+              <a:t>.</a:t>
+            </a:r>
+          </a:p>
+          <a:p>
+            <a:r>
+              <a:rPr lang="en-US" altLang="ko-KR" baseline="0" dirty="0" smtClean="0"/>
+              <a:t>PCB</a:t>
+            </a:r>
+            <a:r>
+              <a:rPr lang="ko-KR" altLang="en-US" baseline="0" dirty="0" smtClean="0"/>
+              <a:t>를 </a:t>
+            </a:r>
+            <a:r>
+              <a:rPr lang="ko-KR" altLang="en-US" baseline="0" dirty="0" err="1" smtClean="0"/>
+              <a:t>만들때는</a:t>
+            </a:r>
+            <a:r>
+              <a:rPr lang="ko-KR" altLang="en-US" baseline="0" dirty="0" smtClean="0"/>
+              <a:t> 기구와 협의해서 대략적인 사이즈를 정하고 </a:t>
+            </a:r>
+            <a:r>
+              <a:rPr lang="en-US" altLang="ko-KR" baseline="0" dirty="0" smtClean="0"/>
+              <a:t>PCB </a:t>
+            </a:r>
+            <a:r>
+              <a:rPr lang="ko-KR" altLang="en-US" baseline="0" dirty="0" smtClean="0"/>
+              <a:t>설계가 끝나면 정확한 치수도 포함되어야 합니다</a:t>
             </a:r>
             <a:r>
               <a:rPr lang="en-US" altLang="ko-KR" baseline="0" dirty="0" smtClean="0"/>
@@ -1779,15 +1576,15 @@
             </a:r>
             <a:r>
               <a:rPr lang="ko-KR" altLang="en-US" baseline="0" dirty="0" smtClean="0"/>
-              <a:t>문서 작성자 의식의 흐름대로 작성을 해놔서 똑같은 데이터시트를 </a:t>
+              <a:t>부품 </a:t>
             </a:r>
             <a:r>
               <a:rPr lang="ko-KR" altLang="en-US" baseline="0" dirty="0" err="1" smtClean="0"/>
-              <a:t>두세개</a:t>
-            </a:r>
-            <a:r>
-              <a:rPr lang="ko-KR" altLang="en-US" baseline="0" dirty="0" smtClean="0"/>
-              <a:t> 열어놓고 봐야 그나마 조금 이해가 될 정돕니다</a:t>
+              <a:t>실장후</a:t>
+            </a:r>
+            <a:r>
+              <a:rPr lang="ko-KR" altLang="en-US" baseline="0" dirty="0" smtClean="0"/>
+              <a:t> 보드의 두께도 중요한 내용입니다</a:t>
             </a:r>
             <a:r>
               <a:rPr lang="en-US" altLang="ko-KR" baseline="0" dirty="0" smtClean="0"/>
@@ -1797,81 +1594,129 @@
           <a:p>
             <a:r>
               <a:rPr lang="ko-KR" altLang="en-US" baseline="0" dirty="0" smtClean="0"/>
-              <a:t> </a:t>
-            </a:r>
+              <a:t>저는 이런 </a:t>
+            </a:r>
+            <a:r>
+              <a:rPr lang="ko-KR" altLang="en-US" baseline="0" dirty="0" err="1" smtClean="0"/>
+              <a:t>스펙을</a:t>
+            </a:r>
+            <a:r>
+              <a:rPr lang="ko-KR" altLang="en-US" baseline="0" dirty="0" smtClean="0"/>
+              <a:t> 포함한 프로젝트 문서를 만들어서 개발하면서 문서를 계속 갱신합니다</a:t>
+            </a:r>
+            <a:r>
+              <a:rPr lang="en-US" altLang="ko-KR" baseline="0" dirty="0" smtClean="0"/>
+              <a:t>. </a:t>
+            </a:r>
+            <a:r>
+              <a:rPr lang="ko-KR" altLang="en-US" baseline="0" dirty="0" smtClean="0"/>
+              <a:t>발생한 문제점</a:t>
+            </a:r>
+            <a:r>
+              <a:rPr lang="en-US" altLang="ko-KR" baseline="0" dirty="0" smtClean="0"/>
+              <a:t>, </a:t>
+            </a:r>
+            <a:r>
+              <a:rPr lang="ko-KR" altLang="en-US" baseline="0" dirty="0" smtClean="0"/>
+              <a:t>앞으로 </a:t>
+            </a:r>
+            <a:r>
+              <a:rPr lang="ko-KR" altLang="en-US" baseline="0" dirty="0" err="1" smtClean="0"/>
+              <a:t>해야할</a:t>
+            </a:r>
+            <a:r>
+              <a:rPr lang="ko-KR" altLang="en-US" baseline="0" dirty="0" smtClean="0"/>
+              <a:t> 일</a:t>
+            </a:r>
+            <a:r>
+              <a:rPr lang="en-US" altLang="ko-KR" baseline="0" dirty="0" smtClean="0"/>
+              <a:t>, </a:t>
+            </a:r>
+            <a:r>
+              <a:rPr lang="ko-KR" altLang="en-US" baseline="0" dirty="0" smtClean="0"/>
+              <a:t>일정관리 등등의 내용을 모두 집어넣죠</a:t>
+            </a:r>
+            <a:r>
+              <a:rPr lang="en-US" altLang="ko-KR" baseline="0" dirty="0" smtClean="0"/>
+              <a:t>.</a:t>
+            </a:r>
+          </a:p>
+          <a:p>
+            <a:r>
+              <a:rPr lang="ko-KR" altLang="en-US" baseline="0" dirty="0" smtClean="0"/>
+              <a:t>그리고 프로젝트 종료 후 </a:t>
+            </a:r>
+            <a:r>
+              <a:rPr lang="ko-KR" altLang="en-US" baseline="0" dirty="0" err="1" smtClean="0"/>
+              <a:t>개선해야할</a:t>
+            </a:r>
+            <a:r>
+              <a:rPr lang="ko-KR" altLang="en-US" baseline="0" dirty="0" smtClean="0"/>
+              <a:t> 점</a:t>
+            </a:r>
+            <a:r>
+              <a:rPr lang="en-US" altLang="ko-KR" baseline="0" dirty="0" smtClean="0"/>
+              <a:t>, </a:t>
+            </a:r>
+            <a:r>
+              <a:rPr lang="ko-KR" altLang="en-US" baseline="0" dirty="0" smtClean="0"/>
+              <a:t>사용하지 말아야 할 부품</a:t>
+            </a:r>
+            <a:r>
+              <a:rPr lang="en-US" altLang="ko-KR" baseline="0" dirty="0" smtClean="0"/>
+              <a:t>, </a:t>
+            </a:r>
+            <a:r>
+              <a:rPr lang="ko-KR" altLang="en-US" baseline="0" dirty="0" smtClean="0"/>
+              <a:t>외주 업체에 대한 내용 등등을 기입해 둡니다</a:t>
+            </a:r>
+            <a:r>
+              <a:rPr lang="en-US" altLang="ko-KR" baseline="0" dirty="0" smtClean="0"/>
+              <a:t>.</a:t>
+            </a:r>
+          </a:p>
+          <a:p>
+            <a:r>
+              <a:rPr lang="ko-KR" altLang="en-US" baseline="0" dirty="0" smtClean="0"/>
+              <a:t>분명 이 일이 끝나고 얼마 뒤 다시 재검토할 일이 생깁니다</a:t>
+            </a:r>
+            <a:r>
+              <a:rPr lang="en-US" altLang="ko-KR" baseline="0" dirty="0" smtClean="0"/>
+              <a:t>. </a:t>
+            </a:r>
+            <a:r>
+              <a:rPr lang="ko-KR" altLang="en-US" baseline="0" dirty="0" smtClean="0"/>
+              <a:t>그때 이 문서가 굉장히 중요합니다</a:t>
+            </a:r>
+            <a:r>
+              <a:rPr lang="en-US" altLang="ko-KR" baseline="0" dirty="0" smtClean="0"/>
+              <a:t>. </a:t>
+            </a:r>
+            <a:r>
+              <a:rPr lang="ko-KR" altLang="en-US" baseline="0" dirty="0" smtClean="0"/>
+              <a:t>문서작업 열심히 하셔야 합니다</a:t>
+            </a:r>
+            <a:r>
+              <a:rPr lang="en-US" altLang="ko-KR" baseline="0" dirty="0" smtClean="0"/>
+              <a:t>.</a:t>
+            </a:r>
+          </a:p>
+          <a:p>
             <a:endParaRPr lang="en-US" altLang="ko-KR" baseline="0" dirty="0" smtClean="0"/>
           </a:p>
           <a:p>
-            <a:r>
-              <a:rPr lang="ko-KR" altLang="en-US" baseline="0" dirty="0" smtClean="0"/>
-              <a:t>주로 사용하는 모터드라이버 벤더가 </a:t>
-            </a:r>
-            <a:r>
-              <a:rPr lang="en-US" altLang="ko-KR" baseline="0" dirty="0" smtClean="0"/>
-              <a:t>TI, </a:t>
-            </a:r>
-            <a:r>
-              <a:rPr lang="ko-KR" altLang="en-US" baseline="0" dirty="0" smtClean="0"/>
-              <a:t>알레그로</a:t>
-            </a:r>
-            <a:r>
-              <a:rPr lang="en-US" altLang="ko-KR" baseline="0" dirty="0" smtClean="0"/>
-              <a:t>, ST </a:t>
-            </a:r>
-            <a:r>
-              <a:rPr lang="ko-KR" altLang="en-US" baseline="0" dirty="0" smtClean="0"/>
-              <a:t>등등인데 </a:t>
-            </a:r>
-            <a:r>
-              <a:rPr lang="ko-KR" altLang="en-US" baseline="0" dirty="0" err="1" smtClean="0"/>
-              <a:t>성능면에서</a:t>
-            </a:r>
-            <a:r>
-              <a:rPr lang="ko-KR" altLang="en-US" baseline="0" dirty="0" smtClean="0"/>
-              <a:t> </a:t>
-            </a:r>
-            <a:r>
-              <a:rPr lang="ko-KR" altLang="en-US" baseline="0" dirty="0" err="1" smtClean="0"/>
-              <a:t>트라이나믹이</a:t>
-            </a:r>
-            <a:r>
-              <a:rPr lang="ko-KR" altLang="en-US" baseline="0" dirty="0" smtClean="0"/>
-              <a:t> 강점이 있습니다</a:t>
-            </a:r>
-            <a:r>
-              <a:rPr lang="en-US" altLang="ko-KR" baseline="0" dirty="0" smtClean="0"/>
-              <a:t>. </a:t>
-            </a:r>
-          </a:p>
-          <a:p>
-            <a:r>
-              <a:rPr lang="ko-KR" altLang="en-US" baseline="0" dirty="0" smtClean="0"/>
-              <a:t>대신 문서가 부실하다</a:t>
-            </a:r>
-            <a:r>
-              <a:rPr lang="en-US" altLang="ko-KR" baseline="0" dirty="0" smtClean="0"/>
-              <a:t>….</a:t>
-            </a:r>
-            <a:r>
-              <a:rPr lang="ko-KR" altLang="en-US" baseline="0" dirty="0" smtClean="0"/>
-              <a:t>문서 읽어보고 실제 이게 </a:t>
-            </a:r>
-            <a:r>
-              <a:rPr lang="ko-KR" altLang="en-US" baseline="0" dirty="0" err="1" smtClean="0"/>
-              <a:t>먼뜻인지</a:t>
-            </a:r>
-            <a:r>
-              <a:rPr lang="ko-KR" altLang="en-US" baseline="0" dirty="0" smtClean="0"/>
-              <a:t> 돌려보면서 하나하나 </a:t>
-            </a:r>
-            <a:r>
-              <a:rPr lang="ko-KR" altLang="en-US" baseline="0" dirty="0" err="1" smtClean="0"/>
-              <a:t>확인해봐야됩니다</a:t>
-            </a:r>
-            <a:r>
-              <a:rPr lang="en-US" altLang="ko-KR" baseline="0" dirty="0" smtClean="0"/>
-              <a:t>.</a:t>
-            </a:r>
+            <a:endParaRPr lang="en-US" altLang="ko-KR" baseline="0" dirty="0" smtClean="0"/>
+          </a:p>
+          <a:p>
+            <a:endParaRPr lang="en-US" altLang="ko-KR" baseline="0" dirty="0" smtClean="0"/>
+          </a:p>
+          <a:p>
+            <a:endParaRPr lang="en-US" altLang="ko-KR" baseline="0" dirty="0" smtClean="0"/>
+          </a:p>
+          <a:p>
+            <a:endParaRPr lang="en-US" altLang="ko-KR" baseline="0" dirty="0" smtClean="0"/>
+          </a:p>
+          <a:p>
             <a:endParaRPr lang="en-US" altLang="ko-KR" baseline="0" dirty="0" smtClean="0"/>
           </a:p>
           <a:p>
@@ -1941,7 +1786,12 @@
             <p:ph type="sldImg"/>
           </p:nvPr>
         </p:nvSpPr>
-        <p:spPr/>
+        <p:spPr>
+          <a:xfrm>
+            <a:off x="381000" y="685800"/>
+            <a:ext cx="6096000" cy="3429000"/>
+          </a:xfrm>
+        </p:spPr>
       </p:sp>
       <p:sp>
         <p:nvSpPr>
@@ -1960,7 +1810,543 @@
           </a:bodyPr>
           <a:lstStyle/>
           <a:p>
+            <a:r>
+              <a:rPr lang="ko-KR" altLang="en-US" baseline="0" dirty="0" smtClean="0"/>
+              <a:t>회로설계는 </a:t>
+            </a:r>
+            <a:r>
+              <a:rPr lang="en-US" altLang="ko-KR" baseline="0" dirty="0" err="1" smtClean="0"/>
+              <a:t>orcad</a:t>
+            </a:r>
+            <a:r>
+              <a:rPr lang="ko-KR" altLang="en-US" baseline="0" dirty="0" smtClean="0"/>
+              <a:t>를 사용하겠습니다</a:t>
+            </a:r>
+            <a:r>
+              <a:rPr lang="en-US" altLang="ko-KR" baseline="0" dirty="0" smtClean="0"/>
+              <a:t>. </a:t>
+            </a:r>
+            <a:r>
+              <a:rPr lang="ko-KR" altLang="en-US" baseline="0" dirty="0" smtClean="0"/>
+              <a:t>솔직히 툴이 머든 크게 상관없습니다</a:t>
+            </a:r>
+            <a:r>
+              <a:rPr lang="en-US" altLang="ko-KR" baseline="0" dirty="0" smtClean="0"/>
+              <a:t>. </a:t>
+            </a:r>
+            <a:r>
+              <a:rPr lang="ko-KR" altLang="en-US" baseline="0" dirty="0" smtClean="0"/>
+              <a:t>작업흐름은 거의 동일합니다</a:t>
+            </a:r>
+            <a:r>
+              <a:rPr lang="en-US" altLang="ko-KR" baseline="0" dirty="0" smtClean="0"/>
+              <a:t>.</a:t>
+            </a:r>
+          </a:p>
+          <a:p>
             <a:endParaRPr lang="en-US" altLang="ko-KR" baseline="0" dirty="0" smtClean="0"/>
+          </a:p>
+          <a:p>
+            <a:r>
+              <a:rPr lang="ko-KR" altLang="en-US" baseline="0" dirty="0" smtClean="0"/>
+              <a:t>보통 </a:t>
+            </a:r>
+            <a:r>
+              <a:rPr lang="ko-KR" altLang="en-US" baseline="0" dirty="0" err="1" smtClean="0"/>
+              <a:t>회로설계시</a:t>
+            </a:r>
+            <a:r>
+              <a:rPr lang="ko-KR" altLang="en-US" baseline="0" dirty="0" smtClean="0"/>
+              <a:t> 내장 라이브러리의 부품만으로 설계하지 않습니다</a:t>
+            </a:r>
+            <a:r>
+              <a:rPr lang="en-US" altLang="ko-KR" baseline="0" dirty="0" smtClean="0"/>
+              <a:t>. </a:t>
+            </a:r>
+            <a:r>
+              <a:rPr lang="en-US" altLang="ko-KR" baseline="0" dirty="0" err="1" smtClean="0"/>
+              <a:t>Orcad</a:t>
+            </a:r>
+            <a:r>
+              <a:rPr lang="ko-KR" altLang="en-US" baseline="0" dirty="0" smtClean="0"/>
+              <a:t>는 내장 라이브러리가 굉장히 풍부하지만 저는 </a:t>
+            </a:r>
+            <a:r>
+              <a:rPr lang="en-US" altLang="ko-KR" baseline="0" dirty="0" smtClean="0"/>
+              <a:t>RLC</a:t>
+            </a:r>
+            <a:r>
+              <a:rPr lang="ko-KR" altLang="en-US" baseline="0" dirty="0" smtClean="0"/>
+              <a:t>를 제외하면 거의 사용하지 않습니다</a:t>
+            </a:r>
+            <a:r>
+              <a:rPr lang="en-US" altLang="ko-KR" baseline="0" dirty="0" smtClean="0"/>
+              <a:t>.</a:t>
+            </a:r>
+          </a:p>
+          <a:p>
+            <a:r>
+              <a:rPr lang="ko-KR" altLang="en-US" baseline="0" dirty="0" smtClean="0"/>
+              <a:t>대부분 새로 그리죠</a:t>
+            </a:r>
+            <a:r>
+              <a:rPr lang="en-US" altLang="ko-KR" baseline="0" dirty="0" smtClean="0"/>
+              <a:t>. </a:t>
+            </a:r>
+            <a:r>
+              <a:rPr lang="ko-KR" altLang="en-US" baseline="0" dirty="0" err="1" smtClean="0"/>
+              <a:t>중요한건</a:t>
+            </a:r>
+            <a:r>
+              <a:rPr lang="ko-KR" altLang="en-US" baseline="0" dirty="0" smtClean="0"/>
+              <a:t> </a:t>
+            </a:r>
+            <a:r>
+              <a:rPr lang="en-US" altLang="ko-KR" baseline="0" dirty="0" smtClean="0"/>
+              <a:t>PCB </a:t>
+            </a:r>
+            <a:r>
+              <a:rPr lang="ko-KR" altLang="en-US" baseline="0" dirty="0" smtClean="0"/>
+              <a:t>부품도 같이 </a:t>
+            </a:r>
+            <a:r>
+              <a:rPr lang="ko-KR" altLang="en-US" baseline="0" dirty="0" err="1" smtClean="0"/>
+              <a:t>그리는겁니다</a:t>
+            </a:r>
+            <a:r>
+              <a:rPr lang="en-US" altLang="ko-KR" baseline="0" dirty="0" smtClean="0"/>
+              <a:t>. </a:t>
+            </a:r>
+            <a:r>
+              <a:rPr lang="ko-KR" altLang="en-US" baseline="0" dirty="0" smtClean="0"/>
+              <a:t>회로 부품의 </a:t>
+            </a:r>
+            <a:r>
+              <a:rPr lang="ko-KR" altLang="en-US" baseline="0" dirty="0" err="1" smtClean="0"/>
+              <a:t>핀번호와</a:t>
+            </a:r>
+            <a:r>
+              <a:rPr lang="ko-KR" altLang="en-US" baseline="0" dirty="0" smtClean="0"/>
+              <a:t> </a:t>
+            </a:r>
+            <a:r>
+              <a:rPr lang="en-US" altLang="ko-KR" baseline="0" dirty="0" smtClean="0"/>
+              <a:t>PCB </a:t>
+            </a:r>
+            <a:r>
+              <a:rPr lang="ko-KR" altLang="en-US" baseline="0" dirty="0" err="1" smtClean="0"/>
+              <a:t>데칼의</a:t>
+            </a:r>
+            <a:r>
+              <a:rPr lang="ko-KR" altLang="en-US" baseline="0" dirty="0" smtClean="0"/>
+              <a:t> </a:t>
+            </a:r>
+            <a:r>
+              <a:rPr lang="ko-KR" altLang="en-US" baseline="0" dirty="0" err="1" smtClean="0"/>
+              <a:t>핀번호를</a:t>
+            </a:r>
+            <a:r>
+              <a:rPr lang="ko-KR" altLang="en-US" baseline="0" dirty="0" smtClean="0"/>
+              <a:t> 일치시키기 위해서죠</a:t>
+            </a:r>
+            <a:r>
+              <a:rPr lang="en-US" altLang="ko-KR" baseline="0" dirty="0" smtClean="0"/>
+              <a:t>.</a:t>
+            </a:r>
+          </a:p>
+          <a:p>
+            <a:r>
+              <a:rPr lang="ko-KR" altLang="en-US" baseline="0" dirty="0" smtClean="0"/>
+              <a:t>회로 </a:t>
+            </a:r>
+            <a:r>
+              <a:rPr lang="ko-KR" altLang="en-US" baseline="0" dirty="0" err="1" smtClean="0"/>
+              <a:t>설계시</a:t>
+            </a:r>
+            <a:r>
+              <a:rPr lang="ko-KR" altLang="en-US" baseline="0" dirty="0" smtClean="0"/>
+              <a:t> 부품 그리는 작업만 하루 이틀 정도 합니다</a:t>
+            </a:r>
+            <a:r>
+              <a:rPr lang="en-US" altLang="ko-KR" baseline="0" dirty="0" smtClean="0"/>
+              <a:t>. </a:t>
+            </a:r>
+            <a:r>
+              <a:rPr lang="ko-KR" altLang="en-US" baseline="0" dirty="0" smtClean="0"/>
+              <a:t>다행히 이 강좌에 쓰는 </a:t>
+            </a:r>
+            <a:r>
+              <a:rPr lang="ko-KR" altLang="en-US" baseline="0" dirty="0" err="1" smtClean="0"/>
+              <a:t>푸품은</a:t>
+            </a:r>
+            <a:r>
+              <a:rPr lang="ko-KR" altLang="en-US" baseline="0" dirty="0" smtClean="0"/>
+              <a:t> </a:t>
+            </a:r>
+            <a:r>
+              <a:rPr lang="ko-KR" altLang="en-US" baseline="0" dirty="0" err="1" smtClean="0"/>
+              <a:t>핀수가</a:t>
+            </a:r>
+            <a:r>
+              <a:rPr lang="ko-KR" altLang="en-US" baseline="0" dirty="0" smtClean="0"/>
+              <a:t> 그리 많지 않아서 금방 끝납니다만 만일 아니라면 굉장히 힘든 작업입니다</a:t>
+            </a:r>
+            <a:r>
+              <a:rPr lang="en-US" altLang="ko-KR" baseline="0" dirty="0" smtClean="0"/>
+              <a:t>.</a:t>
+            </a:r>
+          </a:p>
+          <a:p>
+            <a:r>
+              <a:rPr lang="ko-KR" altLang="en-US" baseline="0" dirty="0" smtClean="0"/>
+              <a:t>그리고 설계 경력이 쌓일수록 이런 라이브러리가 계속 누적이 됩니다</a:t>
+            </a:r>
+            <a:r>
+              <a:rPr lang="en-US" altLang="ko-KR" baseline="0" dirty="0" smtClean="0"/>
+              <a:t>. </a:t>
+            </a:r>
+            <a:r>
+              <a:rPr lang="ko-KR" altLang="en-US" baseline="0" dirty="0" smtClean="0"/>
+              <a:t>그리고 보통 쓰는 부품을 계속 쓰지 제품마다 다른 부품을 쓰는 경우는 거의 없습니다</a:t>
+            </a:r>
+            <a:r>
+              <a:rPr lang="en-US" altLang="ko-KR" baseline="0" dirty="0" smtClean="0"/>
+              <a:t>.</a:t>
+            </a:r>
+          </a:p>
+          <a:p>
+            <a:r>
+              <a:rPr lang="ko-KR" altLang="en-US" baseline="0" dirty="0" smtClean="0"/>
+              <a:t>잘 만들어 놓으면 두고두고 </a:t>
+            </a:r>
+            <a:r>
+              <a:rPr lang="ko-KR" altLang="en-US" baseline="0" dirty="0" err="1" smtClean="0"/>
+              <a:t>쓸수</a:t>
+            </a:r>
+            <a:r>
+              <a:rPr lang="ko-KR" altLang="en-US" baseline="0" dirty="0" smtClean="0"/>
+              <a:t> 있으니 라이브러리 작업은 잘 해두시기 바랍니다</a:t>
+            </a:r>
+            <a:r>
+              <a:rPr lang="en-US" altLang="ko-KR" baseline="0" dirty="0" smtClean="0"/>
+              <a:t>.</a:t>
+            </a:r>
+          </a:p>
+          <a:p>
+            <a:endParaRPr lang="en-US" altLang="ko-KR" baseline="0" dirty="0" smtClean="0"/>
+          </a:p>
+          <a:p>
+            <a:r>
+              <a:rPr lang="ko-KR" altLang="en-US" baseline="0" dirty="0" smtClean="0"/>
+              <a:t>회로 </a:t>
+            </a:r>
+            <a:r>
+              <a:rPr lang="ko-KR" altLang="en-US" baseline="0" dirty="0" err="1" smtClean="0"/>
+              <a:t>설계시</a:t>
+            </a:r>
+            <a:r>
+              <a:rPr lang="ko-KR" altLang="en-US" baseline="0" dirty="0" smtClean="0"/>
+              <a:t> 부품 배치 다이어그램을 미리 그려두십쇼</a:t>
+            </a:r>
+            <a:r>
+              <a:rPr lang="en-US" altLang="ko-KR" baseline="0" dirty="0" smtClean="0"/>
+              <a:t>. </a:t>
+            </a:r>
+            <a:r>
+              <a:rPr lang="ko-KR" altLang="en-US" baseline="0" dirty="0" smtClean="0"/>
+              <a:t>적어도 </a:t>
+            </a:r>
+            <a:r>
+              <a:rPr lang="en-US" altLang="ko-KR" baseline="0" dirty="0" smtClean="0"/>
+              <a:t>MCU </a:t>
+            </a:r>
+            <a:r>
+              <a:rPr lang="ko-KR" altLang="en-US" baseline="0" dirty="0" smtClean="0"/>
+              <a:t>핀 할당 시 배선 꼬임을 줄일 수 있습니다</a:t>
+            </a:r>
+            <a:r>
+              <a:rPr lang="en-US" altLang="ko-KR" baseline="0" dirty="0" smtClean="0"/>
+              <a:t>.</a:t>
+            </a:r>
+          </a:p>
+          <a:p>
+            <a:r>
+              <a:rPr lang="ko-KR" altLang="en-US" baseline="0" dirty="0" smtClean="0"/>
+              <a:t>직접 </a:t>
+            </a:r>
+            <a:r>
+              <a:rPr lang="ko-KR" altLang="en-US" baseline="0" dirty="0" err="1" smtClean="0"/>
+              <a:t>아트웍을</a:t>
+            </a:r>
+            <a:r>
+              <a:rPr lang="ko-KR" altLang="en-US" baseline="0" dirty="0" smtClean="0"/>
+              <a:t> 하지 않는 경우라도 나는 </a:t>
+            </a:r>
+            <a:r>
+              <a:rPr lang="ko-KR" altLang="en-US" baseline="0" dirty="0" err="1" smtClean="0"/>
+              <a:t>이런식의</a:t>
+            </a:r>
+            <a:r>
+              <a:rPr lang="ko-KR" altLang="en-US" baseline="0" dirty="0" smtClean="0"/>
+              <a:t> 보드 구성을 염두에 두고 회로설계를 했다고 </a:t>
+            </a:r>
+            <a:r>
+              <a:rPr lang="en-US" altLang="ko-KR" baseline="0" dirty="0" smtClean="0"/>
+              <a:t>PCB </a:t>
+            </a:r>
+            <a:r>
+              <a:rPr lang="ko-KR" altLang="en-US" baseline="0" dirty="0" smtClean="0"/>
+              <a:t>설계하시는 분께 전달이 가능하니까요</a:t>
+            </a:r>
+            <a:endParaRPr lang="en-US" altLang="ko-KR" baseline="0" dirty="0" smtClean="0"/>
+          </a:p>
+          <a:p>
+            <a:endParaRPr lang="en-US" altLang="ko-KR" baseline="0" dirty="0" smtClean="0"/>
+          </a:p>
+          <a:p>
+            <a:r>
+              <a:rPr lang="ko-KR" altLang="en-US" baseline="0" dirty="0" smtClean="0"/>
+              <a:t>실제 회로를 </a:t>
+            </a:r>
+            <a:r>
+              <a:rPr lang="ko-KR" altLang="en-US" baseline="0" dirty="0" err="1" smtClean="0"/>
+              <a:t>그릴때는</a:t>
+            </a:r>
+            <a:r>
+              <a:rPr lang="ko-KR" altLang="en-US" baseline="0" dirty="0" smtClean="0"/>
+              <a:t> 입력 처리 출력 순으로 </a:t>
+            </a:r>
+            <a:r>
+              <a:rPr lang="ko-KR" altLang="en-US" baseline="0" dirty="0" err="1" smtClean="0"/>
+              <a:t>회로도를</a:t>
+            </a:r>
+            <a:r>
+              <a:rPr lang="ko-KR" altLang="en-US" baseline="0" dirty="0" smtClean="0"/>
+              <a:t> 그리면 됩니다</a:t>
+            </a:r>
+            <a:endParaRPr lang="en-US" altLang="ko-KR" baseline="0" dirty="0" smtClean="0"/>
+          </a:p>
+          <a:p>
+            <a:r>
+              <a:rPr lang="ko-KR" altLang="en-US" baseline="0" dirty="0" smtClean="0"/>
+              <a:t>입력은 전원입력을 의미하고 </a:t>
+            </a:r>
+            <a:r>
+              <a:rPr lang="en-US" altLang="ko-KR" baseline="0" dirty="0" smtClean="0"/>
+              <a:t>DCDC</a:t>
+            </a:r>
+            <a:r>
+              <a:rPr lang="ko-KR" altLang="en-US" baseline="0" dirty="0" smtClean="0"/>
+              <a:t>도 포함됩니다</a:t>
+            </a:r>
+            <a:r>
+              <a:rPr lang="en-US" altLang="ko-KR" baseline="0" dirty="0" smtClean="0"/>
+              <a:t>. </a:t>
+            </a:r>
+            <a:r>
+              <a:rPr lang="ko-KR" altLang="en-US" baseline="0" dirty="0" smtClean="0"/>
+              <a:t>처리는 메인 </a:t>
+            </a:r>
+            <a:r>
+              <a:rPr lang="en-US" altLang="ko-KR" baseline="0" dirty="0" smtClean="0"/>
+              <a:t>IC</a:t>
+            </a:r>
+            <a:r>
+              <a:rPr lang="ko-KR" altLang="en-US" baseline="0" dirty="0" smtClean="0"/>
+              <a:t>들의 회로를 의미합니다</a:t>
+            </a:r>
+            <a:r>
+              <a:rPr lang="en-US" altLang="ko-KR" baseline="0" dirty="0" smtClean="0"/>
+              <a:t>. </a:t>
+            </a:r>
+            <a:r>
+              <a:rPr lang="ko-KR" altLang="en-US" baseline="0" dirty="0" smtClean="0"/>
+              <a:t>여기선 </a:t>
+            </a:r>
+            <a:r>
+              <a:rPr lang="en-US" altLang="ko-KR" baseline="0" dirty="0" smtClean="0"/>
+              <a:t>MCU</a:t>
+            </a:r>
+            <a:r>
+              <a:rPr lang="ko-KR" altLang="en-US" baseline="0" dirty="0" smtClean="0"/>
+              <a:t>와 모터 드라이버를 뜻합니다</a:t>
+            </a:r>
+            <a:r>
+              <a:rPr lang="en-US" altLang="ko-KR" baseline="0" dirty="0" smtClean="0"/>
+              <a:t>.</a:t>
+            </a:r>
+          </a:p>
+          <a:p>
+            <a:r>
+              <a:rPr lang="ko-KR" altLang="en-US" baseline="0" dirty="0" smtClean="0"/>
+              <a:t>출력은 커넥터죠</a:t>
+            </a:r>
+            <a:r>
+              <a:rPr lang="en-US" altLang="ko-KR" baseline="0" dirty="0" smtClean="0"/>
+              <a:t>. </a:t>
+            </a:r>
+            <a:r>
+              <a:rPr lang="en-US" altLang="ko-KR" baseline="0" dirty="0" err="1" smtClean="0"/>
+              <a:t>Gpout</a:t>
+            </a:r>
+            <a:r>
+              <a:rPr lang="en-US" altLang="ko-KR" baseline="0" dirty="0" smtClean="0"/>
+              <a:t>, </a:t>
+            </a:r>
+            <a:r>
+              <a:rPr lang="ko-KR" altLang="en-US" baseline="0" dirty="0" err="1" smtClean="0"/>
+              <a:t>센서등등입니다</a:t>
+            </a:r>
+            <a:r>
+              <a:rPr lang="en-US" altLang="ko-KR" baseline="0" dirty="0" smtClean="0"/>
+              <a:t>.</a:t>
+            </a:r>
+          </a:p>
+          <a:p>
+            <a:r>
+              <a:rPr lang="ko-KR" altLang="en-US" baseline="0" dirty="0" smtClean="0"/>
+              <a:t>예전 같은 부서 사람의 </a:t>
+            </a:r>
+            <a:r>
+              <a:rPr lang="ko-KR" altLang="en-US" baseline="0" dirty="0" err="1" smtClean="0"/>
+              <a:t>회로도를</a:t>
+            </a:r>
+            <a:r>
+              <a:rPr lang="ko-KR" altLang="en-US" baseline="0" dirty="0" smtClean="0"/>
+              <a:t> 본적이 있는데</a:t>
+            </a:r>
+            <a:r>
+              <a:rPr lang="en-US" altLang="ko-KR" baseline="0" dirty="0" smtClean="0"/>
+              <a:t>, </a:t>
+            </a:r>
+            <a:r>
+              <a:rPr lang="ko-KR" altLang="en-US" baseline="0" dirty="0" err="1" smtClean="0"/>
+              <a:t>그친구는</a:t>
+            </a:r>
+            <a:r>
+              <a:rPr lang="ko-KR" altLang="en-US" baseline="0" dirty="0" smtClean="0"/>
+              <a:t> </a:t>
+            </a:r>
+            <a:r>
+              <a:rPr lang="ko-KR" altLang="en-US" baseline="0" dirty="0" err="1" smtClean="0"/>
+              <a:t>회로도를</a:t>
+            </a:r>
+            <a:r>
+              <a:rPr lang="ko-KR" altLang="en-US" baseline="0" dirty="0" smtClean="0"/>
+              <a:t> </a:t>
+            </a:r>
+            <a:r>
+              <a:rPr lang="ko-KR" altLang="en-US" baseline="0" dirty="0" err="1" smtClean="0"/>
+              <a:t>여러장으로</a:t>
+            </a:r>
+            <a:r>
+              <a:rPr lang="ko-KR" altLang="en-US" baseline="0" dirty="0" smtClean="0"/>
+              <a:t> 나누지 않고 </a:t>
+            </a:r>
+            <a:r>
+              <a:rPr lang="ko-KR" altLang="en-US" baseline="0" dirty="0" err="1" smtClean="0"/>
+              <a:t>한장으로</a:t>
+            </a:r>
+            <a:r>
+              <a:rPr lang="ko-KR" altLang="en-US" baseline="0" dirty="0" smtClean="0"/>
+              <a:t> 그리더군요</a:t>
+            </a:r>
+            <a:r>
+              <a:rPr lang="en-US" altLang="ko-KR" baseline="0" dirty="0" smtClean="0"/>
+              <a:t>.</a:t>
+            </a:r>
+          </a:p>
+          <a:p>
+            <a:r>
+              <a:rPr lang="ko-KR" altLang="en-US" baseline="0" dirty="0" smtClean="0"/>
+              <a:t>회로 </a:t>
+            </a:r>
+            <a:r>
+              <a:rPr lang="ko-KR" altLang="en-US" baseline="0" dirty="0" err="1" smtClean="0"/>
+              <a:t>리뷰하는데</a:t>
+            </a:r>
+            <a:r>
+              <a:rPr lang="ko-KR" altLang="en-US" baseline="0" dirty="0" smtClean="0"/>
+              <a:t> 포기했습니다</a:t>
+            </a:r>
+            <a:r>
+              <a:rPr lang="en-US" altLang="ko-KR" baseline="0" dirty="0" smtClean="0"/>
+              <a:t>. </a:t>
+            </a:r>
+            <a:r>
+              <a:rPr lang="ko-KR" altLang="en-US" baseline="0" dirty="0" smtClean="0"/>
+              <a:t>도무지 어디서부터 어떻게 </a:t>
+            </a:r>
+            <a:r>
+              <a:rPr lang="ko-KR" altLang="en-US" baseline="0" dirty="0" err="1" smtClean="0"/>
+              <a:t>봐야하는지</a:t>
+            </a:r>
+            <a:r>
+              <a:rPr lang="ko-KR" altLang="en-US" baseline="0" dirty="0" smtClean="0"/>
+              <a:t> 흐름이 보이질 않더군요</a:t>
+            </a:r>
+            <a:r>
+              <a:rPr lang="en-US" altLang="ko-KR" baseline="0" dirty="0" smtClean="0"/>
+              <a:t>.</a:t>
+            </a:r>
+          </a:p>
+          <a:p>
+            <a:r>
+              <a:rPr lang="ko-KR" altLang="en-US" baseline="0" dirty="0" smtClean="0"/>
+              <a:t>입력</a:t>
+            </a:r>
+            <a:r>
+              <a:rPr lang="en-US" altLang="ko-KR" baseline="0" dirty="0" smtClean="0"/>
+              <a:t>, </a:t>
+            </a:r>
+            <a:r>
+              <a:rPr lang="ko-KR" altLang="en-US" baseline="0" dirty="0" smtClean="0"/>
+              <a:t>처리</a:t>
+            </a:r>
+            <a:r>
+              <a:rPr lang="en-US" altLang="ko-KR" baseline="0" dirty="0" smtClean="0"/>
+              <a:t>, </a:t>
+            </a:r>
+            <a:r>
+              <a:rPr lang="ko-KR" altLang="en-US" baseline="0" dirty="0" smtClean="0"/>
+              <a:t>출력 순으로 회로 페이지를 따로 분리해서 만드시기 바랍니다</a:t>
+            </a:r>
+            <a:r>
+              <a:rPr lang="en-US" altLang="ko-KR" baseline="0" dirty="0" smtClean="0"/>
+              <a:t>. </a:t>
+            </a:r>
+            <a:r>
+              <a:rPr lang="ko-KR" altLang="en-US" baseline="0" dirty="0" smtClean="0"/>
+              <a:t>초보를 벗어나는 요소 중 하나입니다</a:t>
+            </a:r>
+            <a:r>
+              <a:rPr lang="en-US" altLang="ko-KR" baseline="0" dirty="0" smtClean="0"/>
+              <a:t>. </a:t>
+            </a:r>
+            <a:r>
+              <a:rPr lang="ko-KR" altLang="en-US" baseline="0" dirty="0" smtClean="0"/>
+              <a:t>읽기 쉬운 문서</a:t>
+            </a:r>
+            <a:r>
+              <a:rPr lang="en-US" altLang="ko-KR" baseline="0" dirty="0" smtClean="0"/>
+              <a:t>(</a:t>
+            </a:r>
+            <a:r>
+              <a:rPr lang="ko-KR" altLang="en-US" baseline="0" dirty="0" smtClean="0"/>
+              <a:t>회로도도 문섭니다</a:t>
+            </a:r>
+            <a:r>
+              <a:rPr lang="en-US" altLang="ko-KR" baseline="0" dirty="0" smtClean="0"/>
+              <a:t>)</a:t>
+            </a:r>
+            <a:r>
+              <a:rPr lang="ko-KR" altLang="en-US" baseline="0" dirty="0" smtClean="0"/>
+              <a:t>를 간결히 작성해야 합니다</a:t>
+            </a:r>
+            <a:r>
+              <a:rPr lang="en-US" altLang="ko-KR" baseline="0" dirty="0" smtClean="0"/>
+              <a:t>.</a:t>
+            </a:r>
           </a:p>
           <a:p>
             <a:endParaRPr lang="en-US" altLang="ko-KR" baseline="0" dirty="0" smtClean="0"/>
@@ -2026,7 +2412,12 @@
             <p:ph type="sldImg"/>
           </p:nvPr>
         </p:nvSpPr>
-        <p:spPr/>
+        <p:spPr>
+          <a:xfrm>
+            <a:off x="381000" y="685800"/>
+            <a:ext cx="6096000" cy="3429000"/>
+          </a:xfrm>
+        </p:spPr>
       </p:sp>
       <p:sp>
         <p:nvSpPr>
@@ -2044,6 +2435,310 @@
             <a:normAutofit/>
           </a:bodyPr>
           <a:lstStyle/>
+          <a:p>
+            <a:r>
+              <a:rPr lang="ko-KR" altLang="en-US" baseline="0" dirty="0" smtClean="0"/>
+              <a:t>회로 설계가 끝나고 </a:t>
+            </a:r>
+            <a:r>
+              <a:rPr lang="ko-KR" altLang="en-US" baseline="0" dirty="0" err="1" smtClean="0"/>
+              <a:t>아트웍에</a:t>
+            </a:r>
+            <a:r>
+              <a:rPr lang="ko-KR" altLang="en-US" baseline="0" dirty="0" smtClean="0"/>
+              <a:t> 대한 내용입니다</a:t>
+            </a:r>
+            <a:r>
+              <a:rPr lang="en-US" altLang="ko-KR" baseline="0" dirty="0" smtClean="0"/>
+              <a:t>.</a:t>
+            </a:r>
+          </a:p>
+          <a:p>
+            <a:r>
+              <a:rPr lang="ko-KR" altLang="en-US" baseline="0" dirty="0" err="1" smtClean="0"/>
+              <a:t>넷리스트</a:t>
+            </a:r>
+            <a:r>
+              <a:rPr lang="ko-KR" altLang="en-US" baseline="0" dirty="0" smtClean="0"/>
+              <a:t> </a:t>
+            </a:r>
+            <a:r>
+              <a:rPr lang="ko-KR" altLang="en-US" baseline="0" dirty="0" err="1" smtClean="0"/>
+              <a:t>임포트해서</a:t>
+            </a:r>
+            <a:r>
+              <a:rPr lang="ko-KR" altLang="en-US" baseline="0" dirty="0" smtClean="0"/>
+              <a:t> 부품 배치 후 배선하면 작업은 끝입니다</a:t>
+            </a:r>
+            <a:r>
+              <a:rPr lang="en-US" altLang="ko-KR" baseline="0" dirty="0" smtClean="0"/>
+              <a:t>. </a:t>
+            </a:r>
+            <a:r>
+              <a:rPr lang="ko-KR" altLang="en-US" baseline="0" dirty="0" smtClean="0"/>
+              <a:t>간단하죠</a:t>
+            </a:r>
+            <a:r>
+              <a:rPr lang="en-US" altLang="ko-KR" baseline="0" dirty="0" smtClean="0"/>
+              <a:t>.</a:t>
+            </a:r>
+          </a:p>
+          <a:p>
+            <a:endParaRPr lang="en-US" altLang="ko-KR" baseline="0" dirty="0" smtClean="0"/>
+          </a:p>
+          <a:p>
+            <a:r>
+              <a:rPr lang="ko-KR" altLang="en-US" baseline="0" dirty="0" smtClean="0"/>
+              <a:t>실제로 </a:t>
+            </a:r>
+            <a:r>
+              <a:rPr lang="en-US" altLang="ko-KR" baseline="0" dirty="0" smtClean="0"/>
+              <a:t>PCB</a:t>
+            </a:r>
+            <a:r>
+              <a:rPr lang="ko-KR" altLang="en-US" baseline="0" dirty="0" smtClean="0"/>
+              <a:t>를 </a:t>
+            </a:r>
+            <a:r>
+              <a:rPr lang="ko-KR" altLang="en-US" baseline="0" dirty="0" err="1" smtClean="0"/>
+              <a:t>설계할때는</a:t>
+            </a:r>
+            <a:r>
+              <a:rPr lang="ko-KR" altLang="en-US" baseline="0" dirty="0" smtClean="0"/>
+              <a:t> </a:t>
+            </a:r>
+            <a:r>
+              <a:rPr lang="ko-KR" altLang="en-US" baseline="0" dirty="0" err="1" smtClean="0"/>
+              <a:t>심시티하는</a:t>
+            </a:r>
+            <a:r>
+              <a:rPr lang="ko-KR" altLang="en-US" baseline="0" dirty="0" smtClean="0"/>
+              <a:t> 기분으로 </a:t>
+            </a:r>
+            <a:r>
+              <a:rPr lang="ko-KR" altLang="en-US" baseline="0" dirty="0" err="1" smtClean="0"/>
+              <a:t>작업해야합니다</a:t>
+            </a:r>
+            <a:r>
+              <a:rPr lang="en-US" altLang="ko-KR" baseline="0" dirty="0" smtClean="0"/>
+              <a:t>.</a:t>
+            </a:r>
+          </a:p>
+          <a:p>
+            <a:r>
+              <a:rPr lang="ko-KR" altLang="en-US" baseline="0" dirty="0" smtClean="0"/>
+              <a:t>전류의 흐름을 </a:t>
+            </a:r>
+            <a:r>
+              <a:rPr lang="ko-KR" altLang="en-US" baseline="0" dirty="0" err="1" smtClean="0"/>
+              <a:t>원할히</a:t>
+            </a:r>
+            <a:r>
+              <a:rPr lang="ko-KR" altLang="en-US" baseline="0" dirty="0" smtClean="0"/>
+              <a:t> </a:t>
+            </a:r>
+            <a:r>
+              <a:rPr lang="ko-KR" altLang="en-US" baseline="0" dirty="0" err="1" smtClean="0"/>
+              <a:t>해준다는게</a:t>
+            </a:r>
+            <a:r>
+              <a:rPr lang="ko-KR" altLang="en-US" baseline="0" dirty="0" smtClean="0"/>
+              <a:t> 기본입니다</a:t>
+            </a:r>
+            <a:r>
+              <a:rPr lang="en-US" altLang="ko-KR" baseline="0" dirty="0" smtClean="0"/>
+              <a:t>.</a:t>
+            </a:r>
+          </a:p>
+          <a:p>
+            <a:r>
+              <a:rPr lang="en-US" altLang="ko-KR" baseline="0" dirty="0" smtClean="0"/>
+              <a:t>PCB </a:t>
+            </a:r>
+            <a:r>
+              <a:rPr lang="ko-KR" altLang="en-US" baseline="0" dirty="0" smtClean="0"/>
+              <a:t>설계 규칙이 이걸 베이스로 </a:t>
+            </a:r>
+            <a:r>
+              <a:rPr lang="ko-KR" altLang="en-US" baseline="0" dirty="0" err="1" smtClean="0"/>
+              <a:t>만들어진겁니다</a:t>
+            </a:r>
+            <a:r>
+              <a:rPr lang="en-US" altLang="ko-KR" baseline="0" dirty="0" smtClean="0"/>
+              <a:t>. </a:t>
+            </a:r>
+            <a:r>
+              <a:rPr lang="ko-KR" altLang="en-US" baseline="0" dirty="0" err="1" smtClean="0"/>
+              <a:t>어떤사람은</a:t>
+            </a:r>
+            <a:r>
+              <a:rPr lang="ko-KR" altLang="en-US" baseline="0" dirty="0" smtClean="0"/>
+              <a:t> 물의 흐름을 비유하기도 합니다</a:t>
+            </a:r>
+            <a:r>
+              <a:rPr lang="en-US" altLang="ko-KR" baseline="0" dirty="0" smtClean="0"/>
+              <a:t>.</a:t>
+            </a:r>
+          </a:p>
+          <a:p>
+            <a:r>
+              <a:rPr lang="ko-KR" altLang="en-US" baseline="0" dirty="0" smtClean="0"/>
+              <a:t>모터 드라이버는 전류 드라이버의 일종입니다</a:t>
+            </a:r>
+            <a:r>
+              <a:rPr lang="en-US" altLang="ko-KR" baseline="0" dirty="0" smtClean="0"/>
+              <a:t>. </a:t>
+            </a:r>
+            <a:r>
+              <a:rPr lang="ko-KR" altLang="en-US" baseline="0" dirty="0" smtClean="0"/>
+              <a:t>전류의 흐름이 과격하고 용량도 크죠</a:t>
+            </a:r>
+            <a:r>
+              <a:rPr lang="en-US" altLang="ko-KR" baseline="0" dirty="0" smtClean="0"/>
+              <a:t>.</a:t>
+            </a:r>
+          </a:p>
+          <a:p>
+            <a:r>
+              <a:rPr lang="en-US" altLang="ko-KR" baseline="0" dirty="0" smtClean="0"/>
+              <a:t>FET</a:t>
+            </a:r>
+            <a:r>
+              <a:rPr lang="ko-KR" altLang="en-US" baseline="0" dirty="0" smtClean="0"/>
+              <a:t>가 전류 흐름을 만들어내는 부분은 디지털 신호부와 격리되어야 안정적인 구성이 됩니다</a:t>
+            </a:r>
+            <a:r>
+              <a:rPr lang="en-US" altLang="ko-KR" baseline="0" dirty="0" smtClean="0"/>
+              <a:t>. </a:t>
+            </a:r>
+            <a:r>
+              <a:rPr lang="ko-KR" altLang="en-US" baseline="0" dirty="0" smtClean="0"/>
+              <a:t>배선은 크게 휘어지지 않아야 합니다</a:t>
+            </a:r>
+            <a:r>
+              <a:rPr lang="en-US" altLang="ko-KR" baseline="0" dirty="0" smtClean="0"/>
+              <a:t>.</a:t>
+            </a:r>
+          </a:p>
+          <a:p>
+            <a:r>
+              <a:rPr lang="ko-KR" altLang="en-US" baseline="0" dirty="0" smtClean="0"/>
+              <a:t>그리고 </a:t>
+            </a:r>
+            <a:r>
+              <a:rPr lang="en-US" altLang="ko-KR" baseline="0" dirty="0" smtClean="0"/>
+              <a:t>PCB </a:t>
+            </a:r>
+            <a:r>
+              <a:rPr lang="ko-KR" altLang="en-US" baseline="0" dirty="0" smtClean="0"/>
+              <a:t>구조는 기본이 </a:t>
+            </a:r>
+            <a:r>
+              <a:rPr lang="en-US" altLang="ko-KR" baseline="0" dirty="0" smtClean="0"/>
+              <a:t>4</a:t>
+            </a:r>
+            <a:r>
+              <a:rPr lang="ko-KR" altLang="en-US" baseline="0" dirty="0" err="1" smtClean="0"/>
+              <a:t>레이어로</a:t>
+            </a:r>
+            <a:r>
+              <a:rPr lang="ko-KR" altLang="en-US" baseline="0" dirty="0" smtClean="0"/>
+              <a:t> 설계됩니다</a:t>
+            </a:r>
+            <a:r>
+              <a:rPr lang="en-US" altLang="ko-KR" baseline="0" dirty="0" smtClean="0"/>
+              <a:t>. </a:t>
+            </a:r>
+            <a:r>
+              <a:rPr lang="ko-KR" altLang="en-US" baseline="0" dirty="0" smtClean="0"/>
+              <a:t>탑</a:t>
+            </a:r>
+            <a:r>
+              <a:rPr lang="en-US" altLang="ko-KR" baseline="0" dirty="0" smtClean="0"/>
+              <a:t>, </a:t>
+            </a:r>
+            <a:r>
+              <a:rPr lang="ko-KR" altLang="en-US" baseline="0" dirty="0" err="1" smtClean="0"/>
+              <a:t>바텀레이어</a:t>
+            </a:r>
+            <a:r>
+              <a:rPr lang="ko-KR" altLang="en-US" baseline="0" dirty="0" smtClean="0"/>
+              <a:t> 외에 전원과 그라운드 </a:t>
+            </a:r>
+            <a:r>
+              <a:rPr lang="ko-KR" altLang="en-US" baseline="0" dirty="0" err="1" smtClean="0"/>
+              <a:t>레이어가</a:t>
+            </a:r>
+            <a:r>
+              <a:rPr lang="ko-KR" altLang="en-US" baseline="0" dirty="0" smtClean="0"/>
+              <a:t> 있어야만 합니다</a:t>
+            </a:r>
+            <a:r>
+              <a:rPr lang="en-US" altLang="ko-KR" baseline="0" dirty="0" smtClean="0"/>
+              <a:t>.</a:t>
+            </a:r>
+          </a:p>
+          <a:p>
+            <a:endParaRPr lang="en-US" altLang="ko-KR" baseline="0" dirty="0" smtClean="0"/>
+          </a:p>
+          <a:p>
+            <a:r>
+              <a:rPr lang="ko-KR" altLang="en-US" baseline="0" dirty="0" smtClean="0"/>
+              <a:t>설계가 끝나면 </a:t>
+            </a:r>
+            <a:r>
+              <a:rPr lang="ko-KR" altLang="en-US" baseline="0" dirty="0" err="1" smtClean="0"/>
+              <a:t>거버를</a:t>
+            </a:r>
+            <a:r>
+              <a:rPr lang="ko-KR" altLang="en-US" baseline="0" dirty="0" smtClean="0"/>
+              <a:t> 출력해서 </a:t>
+            </a:r>
+            <a:r>
+              <a:rPr lang="en-US" altLang="ko-KR" baseline="0" dirty="0" smtClean="0"/>
+              <a:t>PCB </a:t>
+            </a:r>
+            <a:r>
+              <a:rPr lang="ko-KR" altLang="en-US" baseline="0" dirty="0" smtClean="0"/>
+              <a:t>업체로 </a:t>
+            </a:r>
+            <a:r>
+              <a:rPr lang="ko-KR" altLang="en-US" baseline="0" dirty="0" err="1" smtClean="0"/>
+              <a:t>보낸후</a:t>
+            </a:r>
+            <a:r>
+              <a:rPr lang="ko-KR" altLang="en-US" baseline="0" dirty="0" smtClean="0"/>
+              <a:t> 부품을 구매합니다</a:t>
+            </a:r>
+            <a:r>
+              <a:rPr lang="en-US" altLang="ko-KR" baseline="0" dirty="0" smtClean="0"/>
+              <a:t>. SMT </a:t>
+            </a:r>
+            <a:r>
+              <a:rPr lang="ko-KR" altLang="en-US" baseline="0" dirty="0" smtClean="0"/>
+              <a:t>해서 완성된 보드를 받을 수 있습니다</a:t>
+            </a:r>
+            <a:r>
+              <a:rPr lang="en-US" altLang="ko-KR" baseline="0" dirty="0" smtClean="0"/>
+              <a:t>. </a:t>
+            </a:r>
+          </a:p>
+          <a:p>
+            <a:endParaRPr lang="en-US" altLang="ko-KR" baseline="0" dirty="0" smtClean="0"/>
+          </a:p>
+          <a:p>
+            <a:r>
+              <a:rPr lang="ko-KR" altLang="en-US" baseline="0" dirty="0" smtClean="0"/>
+              <a:t>여기까지가 하드웨어 설곕니다</a:t>
+            </a:r>
+            <a:r>
+              <a:rPr lang="en-US" altLang="ko-KR" baseline="0" dirty="0" smtClean="0"/>
+              <a:t>.</a:t>
+            </a:r>
+          </a:p>
+          <a:p>
+            <a:endParaRPr lang="en-US" altLang="ko-KR" baseline="0" dirty="0" smtClean="0"/>
+          </a:p>
           <a:p>
             <a:endParaRPr lang="en-US" altLang="ko-KR" baseline="0" dirty="0" smtClean="0"/>
           </a:p>
@@ -2111,7 +2806,12 @@
             <p:ph type="sldImg"/>
           </p:nvPr>
         </p:nvSpPr>
-        <p:spPr/>
+        <p:spPr>
+          <a:xfrm>
+            <a:off x="381000" y="685800"/>
+            <a:ext cx="6096000" cy="3429000"/>
+          </a:xfrm>
+        </p:spPr>
       </p:sp>
       <p:sp>
         <p:nvSpPr>
@@ -2130,7 +2830,128 @@
           </a:bodyPr>
           <a:lstStyle/>
           <a:p>
-            <a:endParaRPr lang="en-US" altLang="ko-KR" baseline="0" dirty="0" smtClean="0"/>
+            <a:r>
+              <a:rPr lang="en-US" altLang="ko-KR" baseline="0" dirty="0" smtClean="0"/>
+              <a:t>Stm32</a:t>
+            </a:r>
+            <a:r>
+              <a:rPr lang="ko-KR" altLang="en-US" baseline="0" dirty="0" smtClean="0"/>
+              <a:t>는 큐브</a:t>
+            </a:r>
+            <a:r>
+              <a:rPr lang="en-US" altLang="ko-KR" baseline="0" dirty="0" err="1" smtClean="0"/>
+              <a:t>mx</a:t>
+            </a:r>
+            <a:r>
+              <a:rPr lang="ko-KR" altLang="en-US" baseline="0" dirty="0" smtClean="0"/>
+              <a:t>라는 툴을 사용해서 </a:t>
+            </a:r>
+            <a:r>
+              <a:rPr lang="en-US" altLang="ko-KR" baseline="0" dirty="0" err="1" smtClean="0"/>
+              <a:t>mcu</a:t>
+            </a:r>
+            <a:r>
+              <a:rPr lang="en-US" altLang="ko-KR" baseline="0" dirty="0" smtClean="0"/>
+              <a:t> </a:t>
+            </a:r>
+            <a:r>
+              <a:rPr lang="ko-KR" altLang="en-US" baseline="0" dirty="0" err="1" smtClean="0"/>
+              <a:t>세팅을</a:t>
+            </a:r>
+            <a:r>
+              <a:rPr lang="ko-KR" altLang="en-US" baseline="0" dirty="0" smtClean="0"/>
+              <a:t> 할 수 있습니다</a:t>
+            </a:r>
+            <a:r>
+              <a:rPr lang="en-US" altLang="ko-KR" baseline="0" dirty="0" smtClean="0"/>
+              <a:t>. </a:t>
+            </a:r>
+            <a:r>
+              <a:rPr lang="ko-KR" altLang="en-US" baseline="0" dirty="0" smtClean="0"/>
+              <a:t>게다가 소스도 출력해주죠</a:t>
+            </a:r>
+            <a:r>
+              <a:rPr lang="en-US" altLang="ko-KR" baseline="0" dirty="0" smtClean="0"/>
+              <a:t>.</a:t>
+            </a:r>
+          </a:p>
+          <a:p>
+            <a:r>
+              <a:rPr lang="ko-KR" altLang="en-US" baseline="0" dirty="0" smtClean="0"/>
+              <a:t>컴파일러는 </a:t>
+            </a:r>
+            <a:r>
+              <a:rPr lang="en-US" altLang="ko-KR" baseline="0" dirty="0" smtClean="0"/>
+              <a:t>sw4stm32</a:t>
+            </a:r>
+            <a:r>
+              <a:rPr lang="ko-KR" altLang="en-US" baseline="0" dirty="0" smtClean="0"/>
+              <a:t>라는 툴을 사용할겁니다</a:t>
+            </a:r>
+            <a:r>
+              <a:rPr lang="en-US" altLang="ko-KR" baseline="0" dirty="0" smtClean="0"/>
+              <a:t>. </a:t>
+            </a:r>
+            <a:r>
+              <a:rPr lang="ko-KR" altLang="en-US" baseline="0" dirty="0" smtClean="0"/>
+              <a:t>공짜고 용량 제한도 없습니다</a:t>
+            </a:r>
+            <a:r>
+              <a:rPr lang="en-US" altLang="ko-KR" baseline="0" dirty="0" smtClean="0"/>
+              <a:t>.</a:t>
+            </a:r>
+          </a:p>
+          <a:p>
+            <a:r>
+              <a:rPr lang="ko-KR" altLang="en-US" baseline="0" dirty="0" err="1" smtClean="0"/>
+              <a:t>펌웨어는</a:t>
+            </a:r>
+            <a:r>
+              <a:rPr lang="ko-KR" altLang="en-US" baseline="0" dirty="0" smtClean="0"/>
+              <a:t> 호스트와 통신하는 부분과 모터 드라이버를 제어하는 부분 </a:t>
+            </a:r>
+            <a:r>
+              <a:rPr lang="ko-KR" altLang="en-US" baseline="0" dirty="0" err="1" smtClean="0"/>
+              <a:t>두가지만</a:t>
+            </a:r>
+            <a:r>
+              <a:rPr lang="ko-KR" altLang="en-US" baseline="0" dirty="0" smtClean="0"/>
+              <a:t> 만들면 됩니다</a:t>
+            </a:r>
+            <a:r>
+              <a:rPr lang="en-US" altLang="ko-KR" baseline="0" dirty="0" smtClean="0"/>
+              <a:t>.</a:t>
+            </a:r>
+          </a:p>
+          <a:p>
+            <a:r>
+              <a:rPr lang="en-US" altLang="ko-KR" baseline="0" dirty="0" smtClean="0"/>
+              <a:t>GUI</a:t>
+            </a:r>
+            <a:r>
+              <a:rPr lang="ko-KR" altLang="en-US" baseline="0" dirty="0" smtClean="0"/>
+              <a:t>와의 통신프로토콜을 설계하고 </a:t>
+            </a:r>
+            <a:r>
+              <a:rPr lang="en-US" altLang="ko-KR" baseline="0" dirty="0" smtClean="0"/>
+              <a:t>tmc5160</a:t>
+            </a:r>
+            <a:r>
+              <a:rPr lang="ko-KR" altLang="en-US" baseline="0" dirty="0" smtClean="0"/>
+              <a:t>을 </a:t>
+            </a:r>
+            <a:r>
+              <a:rPr lang="en-US" altLang="ko-KR" baseline="0" dirty="0" smtClean="0"/>
+              <a:t>SPI</a:t>
+            </a:r>
+            <a:r>
+              <a:rPr lang="ko-KR" altLang="en-US" baseline="0" dirty="0" smtClean="0"/>
+              <a:t>로 제어하는걸 해보겠습니다</a:t>
+            </a:r>
+            <a:r>
+              <a:rPr lang="en-US" altLang="ko-KR" baseline="0" dirty="0" smtClean="0"/>
+              <a:t>.</a:t>
+            </a:r>
           </a:p>
           <a:p>
             <a:endParaRPr lang="en-US" altLang="ko-KR" baseline="0" dirty="0" smtClean="0"/>
@@ -2196,7 +3017,12 @@
             <p:ph type="sldImg"/>
           </p:nvPr>
         </p:nvSpPr>
-        <p:spPr/>
+        <p:spPr>
+          <a:xfrm>
+            <a:off x="381000" y="685800"/>
+            <a:ext cx="6096000" cy="3429000"/>
+          </a:xfrm>
+        </p:spPr>
       </p:sp>
       <p:sp>
         <p:nvSpPr>
@@ -2215,10 +3041,64 @@
           </a:bodyPr>
           <a:lstStyle/>
           <a:p>
-            <a:endParaRPr lang="en-US" altLang="ko-KR" baseline="0" dirty="0" smtClean="0"/>
-          </a:p>
-          <a:p>
-            <a:endParaRPr lang="en-US" altLang="ko-KR" baseline="0" dirty="0" smtClean="0"/>
+            <a:r>
+              <a:rPr lang="en-US" altLang="ko-KR" baseline="0" dirty="0" smtClean="0"/>
+              <a:t>GUI</a:t>
+            </a:r>
+            <a:r>
+              <a:rPr lang="ko-KR" altLang="en-US" baseline="0" dirty="0" smtClean="0"/>
+              <a:t>는 파이썬 </a:t>
+            </a:r>
+            <a:r>
+              <a:rPr lang="en-US" altLang="ko-KR" baseline="0" dirty="0" err="1" smtClean="0"/>
+              <a:t>kivy</a:t>
+            </a:r>
+            <a:r>
+              <a:rPr lang="ko-KR" altLang="en-US" baseline="0" dirty="0" smtClean="0"/>
+              <a:t>를 사용합니다</a:t>
+            </a:r>
+            <a:r>
+              <a:rPr lang="en-US" altLang="ko-KR" baseline="0" dirty="0" smtClean="0"/>
+              <a:t>.</a:t>
+            </a:r>
+          </a:p>
+          <a:p>
+            <a:r>
+              <a:rPr lang="ko-KR" altLang="en-US" baseline="0" dirty="0" smtClean="0"/>
+              <a:t>시리얼로 간단한 명령 송수신하는데 적격이죠</a:t>
+            </a:r>
+            <a:r>
+              <a:rPr lang="en-US" altLang="ko-KR" baseline="0" dirty="0" smtClean="0"/>
+              <a:t>.</a:t>
+            </a:r>
+          </a:p>
+          <a:p>
+            <a:r>
+              <a:rPr lang="ko-KR" altLang="en-US" baseline="0" dirty="0" err="1" smtClean="0"/>
+              <a:t>파이썬은</a:t>
+            </a:r>
+            <a:r>
+              <a:rPr lang="ko-KR" altLang="en-US" baseline="0" dirty="0" smtClean="0"/>
+              <a:t> 문법이 쉬워서 누구라도 </a:t>
+            </a:r>
+            <a:r>
+              <a:rPr lang="ko-KR" altLang="en-US" baseline="0" dirty="0" err="1" smtClean="0"/>
+              <a:t>사용가능합니다</a:t>
+            </a:r>
+            <a:r>
+              <a:rPr lang="en-US" altLang="ko-KR" baseline="0" dirty="0" smtClean="0"/>
+              <a:t>.</a:t>
+            </a:r>
+          </a:p>
+          <a:p>
+            <a:r>
+              <a:rPr lang="ko-KR" altLang="en-US" baseline="0" dirty="0" smtClean="0"/>
+              <a:t>간단한 윈도우 창 생성부터 시리얼 통신까지 하나하나 만들어봅시다</a:t>
+            </a:r>
+            <a:r>
+              <a:rPr lang="en-US" altLang="ko-KR" baseline="0" dirty="0" smtClean="0"/>
+              <a:t>.</a:t>
+            </a:r>
           </a:p>
         </p:txBody>
       </p:sp>
@@ -2281,7 +3161,12 @@
             <p:ph type="sldImg"/>
           </p:nvPr>
         </p:nvSpPr>
-        <p:spPr/>
+        <p:spPr>
+          <a:xfrm>
+            <a:off x="381000" y="685800"/>
+            <a:ext cx="6096000" cy="3429000"/>
+          </a:xfrm>
+        </p:spPr>
       </p:sp>
       <p:sp>
         <p:nvSpPr>
@@ -2300,10 +3185,80 @@
           </a:bodyPr>
           <a:lstStyle/>
           <a:p>
+            <a:r>
+              <a:rPr lang="ko-KR" altLang="en-US" baseline="0" dirty="0" smtClean="0"/>
+              <a:t>하드웨어와 소프트웨어가 완성되면 모터를 돌려야죠</a:t>
+            </a:r>
+            <a:r>
+              <a:rPr lang="en-US" altLang="ko-KR" baseline="0" dirty="0" smtClean="0"/>
+              <a:t>.</a:t>
+            </a:r>
+          </a:p>
+          <a:p>
+            <a:r>
+              <a:rPr lang="ko-KR" altLang="en-US" baseline="0" dirty="0" smtClean="0"/>
+              <a:t>모터 </a:t>
+            </a:r>
+            <a:r>
+              <a:rPr lang="ko-KR" altLang="en-US" baseline="0" dirty="0" err="1" smtClean="0"/>
+              <a:t>스펙에</a:t>
+            </a:r>
+            <a:r>
+              <a:rPr lang="ko-KR" altLang="en-US" baseline="0" dirty="0" smtClean="0"/>
+              <a:t> 따라 </a:t>
+            </a:r>
+            <a:r>
+              <a:rPr lang="en-US" altLang="ko-KR" baseline="0" dirty="0" smtClean="0"/>
+              <a:t>tmc5160 </a:t>
+            </a:r>
+            <a:r>
+              <a:rPr lang="ko-KR" altLang="en-US" baseline="0" dirty="0" smtClean="0"/>
+              <a:t>레지스터를 설정하고 실제로 돌려봅시다</a:t>
+            </a:r>
+            <a:r>
+              <a:rPr lang="en-US" altLang="ko-KR" baseline="0" dirty="0" smtClean="0"/>
+              <a:t>. </a:t>
+            </a:r>
+            <a:r>
+              <a:rPr lang="ko-KR" altLang="en-US" baseline="0" dirty="0" err="1" smtClean="0"/>
+              <a:t>엔코더와</a:t>
+            </a:r>
+            <a:r>
+              <a:rPr lang="ko-KR" altLang="en-US" baseline="0" dirty="0" smtClean="0"/>
+              <a:t> 스위치 동작도 확인해보고</a:t>
+            </a:r>
             <a:endParaRPr lang="en-US" altLang="ko-KR" baseline="0" dirty="0" smtClean="0"/>
           </a:p>
           <a:p>
+            <a:r>
+              <a:rPr lang="ko-KR" altLang="en-US" baseline="0" dirty="0" smtClean="0"/>
+              <a:t>홈 위치 </a:t>
+            </a:r>
+            <a:r>
+              <a:rPr lang="ko-KR" altLang="en-US" baseline="0" dirty="0" err="1" smtClean="0"/>
+              <a:t>잡는법과</a:t>
+            </a:r>
+            <a:r>
+              <a:rPr lang="ko-KR" altLang="en-US" baseline="0" dirty="0" smtClean="0"/>
+              <a:t> 반복 동작을 실시해서 실제 정확도를 확인해봅시다</a:t>
+            </a:r>
+            <a:r>
+              <a:rPr lang="en-US" altLang="ko-KR" baseline="0" dirty="0" smtClean="0"/>
+              <a:t>.</a:t>
+            </a:r>
+          </a:p>
+          <a:p>
             <a:endParaRPr lang="en-US" altLang="ko-KR" baseline="0" dirty="0" smtClean="0"/>
+          </a:p>
+          <a:p>
+            <a:r>
+              <a:rPr lang="ko-KR" altLang="en-US" baseline="0" dirty="0" smtClean="0"/>
+              <a:t>강좌는 여기까집니다</a:t>
+            </a:r>
+            <a:r>
+              <a:rPr lang="en-US" altLang="ko-KR" baseline="0" dirty="0" smtClean="0"/>
+              <a:t>.</a:t>
+            </a:r>
           </a:p>
         </p:txBody>
       </p:sp>
@@ -2368,8 +3323,8 @@
         </p:nvSpPr>
         <p:spPr>
           <a:xfrm>
-            <a:off x="685800" y="2130425"/>
-            <a:ext cx="7772400" cy="1470025"/>
+            <a:off x="685800" y="1597819"/>
+            <a:ext cx="7772400" cy="1102519"/>
           </a:xfrm>
         </p:spPr>
         <p:txBody>
@@ -2396,8 +3351,8 @@
         </p:nvSpPr>
         <p:spPr>
           <a:xfrm>
-            <a:off x="1371600" y="3886200"/>
-            <a:ext cx="6400800" cy="1752600"/>
+            <a:off x="1371600" y="2914650"/>
+            <a:ext cx="6400800" cy="1314450"/>
           </a:xfrm>
         </p:spPr>
         <p:txBody>
@@ -2521,7 +3476,7 @@
             <a:fld id="{FCF3163A-9070-4B5B-ACA3-9EA48E4BFAD7}" type="datetimeFigureOut">
               <a:rPr lang="ko-KR" altLang="en-US" smtClean="0"/>
               <a:pPr/>
-              <a:t>2018-09-13</a:t>
+              <a:t>2018-09-20</a:t>
             </a:fld>
             <a:endParaRPr lang="ko-KR" altLang="en-US"/>
           </a:p>
@@ -2688,7 +3643,7 @@
             <a:fld id="{FCF3163A-9070-4B5B-ACA3-9EA48E4BFAD7}" type="datetimeFigureOut">
               <a:rPr lang="ko-KR" altLang="en-US" smtClean="0"/>
               <a:pPr/>
-              <a:t>2018-09-13</a:t>
+              <a:t>2018-09-20</a:t>
             </a:fld>
             <a:endParaRPr lang="ko-KR" altLang="en-US"/>
           </a:p>
@@ -2774,8 +3729,8 @@
         </p:nvSpPr>
         <p:spPr>
           <a:xfrm>
-            <a:off x="6629400" y="274638"/>
-            <a:ext cx="2057400" cy="5851525"/>
+            <a:off x="6629400" y="205979"/>
+            <a:ext cx="2057400" cy="4388644"/>
           </a:xfrm>
         </p:spPr>
         <p:txBody>
@@ -2802,8 +3757,8 @@
         </p:nvSpPr>
         <p:spPr>
           <a:xfrm>
-            <a:off x="457200" y="274638"/>
-            <a:ext cx="6019800" cy="5851525"/>
+            <a:off x="457200" y="205979"/>
+            <a:ext cx="6019800" cy="4388644"/>
           </a:xfrm>
         </p:spPr>
         <p:txBody>
@@ -2865,7 +3820,7 @@
             <a:fld id="{FCF3163A-9070-4B5B-ACA3-9EA48E4BFAD7}" type="datetimeFigureOut">
               <a:rPr lang="ko-KR" altLang="en-US" smtClean="0"/>
               <a:pPr/>
-              <a:t>2018-09-13</a:t>
+              <a:t>2018-09-20</a:t>
             </a:fld>
             <a:endParaRPr lang="ko-KR" altLang="en-US"/>
           </a:p>
@@ -3032,7 +3987,7 @@
             <a:fld id="{FCF3163A-9070-4B5B-ACA3-9EA48E4BFAD7}" type="datetimeFigureOut">
               <a:rPr lang="ko-KR" altLang="en-US" smtClean="0"/>
               <a:pPr/>
-              <a:t>2018-09-13</a:t>
+              <a:t>2018-09-20</a:t>
             </a:fld>
             <a:endParaRPr lang="ko-KR" altLang="en-US"/>
           </a:p>
@@ -3118,8 +4073,8 @@
         </p:nvSpPr>
         <p:spPr>
           <a:xfrm>
-            <a:off x="722313" y="4406900"/>
-            <a:ext cx="7772400" cy="1362075"/>
+            <a:off x="722313" y="3305176"/>
+            <a:ext cx="7772400" cy="1021556"/>
           </a:xfrm>
         </p:spPr>
         <p:txBody>
@@ -3150,8 +4105,8 @@
         </p:nvSpPr>
         <p:spPr>
           <a:xfrm>
-            <a:off x="722313" y="2906713"/>
-            <a:ext cx="7772400" cy="1500187"/>
+            <a:off x="722313" y="2180035"/>
+            <a:ext cx="7772400" cy="1125140"/>
           </a:xfrm>
         </p:spPr>
         <p:txBody>
@@ -3275,7 +4230,7 @@
             <a:fld id="{FCF3163A-9070-4B5B-ACA3-9EA48E4BFAD7}" type="datetimeFigureOut">
               <a:rPr lang="ko-KR" altLang="en-US" smtClean="0"/>
               <a:pPr/>
-              <a:t>2018-09-13</a:t>
+              <a:t>2018-09-20</a:t>
             </a:fld>
             <a:endParaRPr lang="ko-KR" altLang="en-US"/>
           </a:p>
@@ -3384,8 +4339,8 @@
         </p:nvSpPr>
         <p:spPr>
           <a:xfrm>
-            <a:off x="457200" y="1600200"/>
-            <a:ext cx="4038600" cy="4525963"/>
+            <a:off x="457200" y="1200151"/>
+            <a:ext cx="4038600" cy="3394472"/>
           </a:xfrm>
         </p:spPr>
         <p:txBody>
@@ -3469,8 +4424,8 @@
         </p:nvSpPr>
         <p:spPr>
           <a:xfrm>
-            <a:off x="4648200" y="1600200"/>
-            <a:ext cx="4038600" cy="4525963"/>
+            <a:off x="4648200" y="1200151"/>
+            <a:ext cx="4038600" cy="3394472"/>
           </a:xfrm>
         </p:spPr>
         <p:txBody>
@@ -3560,7 +4515,7 @@
             <a:fld id="{FCF3163A-9070-4B5B-ACA3-9EA48E4BFAD7}" type="datetimeFigureOut">
               <a:rPr lang="ko-KR" altLang="en-US" smtClean="0"/>
               <a:pPr/>
-              <a:t>2018-09-13</a:t>
+              <a:t>2018-09-20</a:t>
             </a:fld>
             <a:endParaRPr lang="ko-KR" altLang="en-US"/>
           </a:p>
@@ -3673,8 +4628,8 @@
         </p:nvSpPr>
         <p:spPr>
           <a:xfrm>
-            <a:off x="457200" y="1535113"/>
-            <a:ext cx="4040188" cy="639762"/>
+            <a:off x="457200" y="1151335"/>
+            <a:ext cx="4040188" cy="479822"/>
           </a:xfrm>
         </p:spPr>
         <p:txBody>
@@ -3738,8 +4693,8 @@
         </p:nvSpPr>
         <p:spPr>
           <a:xfrm>
-            <a:off x="457200" y="2174875"/>
-            <a:ext cx="4040188" cy="3951288"/>
+            <a:off x="457200" y="1631156"/>
+            <a:ext cx="4040188" cy="2963466"/>
           </a:xfrm>
         </p:spPr>
         <p:txBody>
@@ -3823,8 +4778,8 @@
         </p:nvSpPr>
         <p:spPr>
           <a:xfrm>
-            <a:off x="4645025" y="1535113"/>
-            <a:ext cx="4041775" cy="639762"/>
+            <a:off x="4645026" y="1151335"/>
+            <a:ext cx="4041775" cy="479822"/>
           </a:xfrm>
         </p:spPr>
         <p:txBody>
@@ -3888,8 +4843,8 @@
         </p:nvSpPr>
         <p:spPr>
           <a:xfrm>
-            <a:off x="4645025" y="2174875"/>
-            <a:ext cx="4041775" cy="3951288"/>
+            <a:off x="4645026" y="1631156"/>
+            <a:ext cx="4041775" cy="2963466"/>
           </a:xfrm>
         </p:spPr>
         <p:txBody>
@@ -3979,7 +4934,7 @@
             <a:fld id="{FCF3163A-9070-4B5B-ACA3-9EA48E4BFAD7}" type="datetimeFigureOut">
               <a:rPr lang="ko-KR" altLang="en-US" smtClean="0"/>
               <a:pPr/>
-              <a:t>2018-09-13</a:t>
+              <a:t>2018-09-20</a:t>
             </a:fld>
             <a:endParaRPr lang="ko-KR" altLang="en-US"/>
           </a:p>
@@ -4094,7 +5049,7 @@
             <a:fld id="{FCF3163A-9070-4B5B-ACA3-9EA48E4BFAD7}" type="datetimeFigureOut">
               <a:rPr lang="ko-KR" altLang="en-US" smtClean="0"/>
               <a:pPr/>
-              <a:t>2018-09-13</a:t>
+              <a:t>2018-09-20</a:t>
             </a:fld>
             <a:endParaRPr lang="ko-KR" altLang="en-US"/>
           </a:p>
@@ -4186,7 +5141,7 @@
             <a:fld id="{FCF3163A-9070-4B5B-ACA3-9EA48E4BFAD7}" type="datetimeFigureOut">
               <a:rPr lang="ko-KR" altLang="en-US" smtClean="0"/>
               <a:pPr/>
-              <a:t>2018-09-13</a:t>
+              <a:t>2018-09-20</a:t>
             </a:fld>
             <a:endParaRPr lang="ko-KR" altLang="en-US"/>
           </a:p>
@@ -4272,8 +5227,8 @@
         </p:nvSpPr>
         <p:spPr>
           <a:xfrm>
-            <a:off x="457200" y="273050"/>
-            <a:ext cx="3008313" cy="1162050"/>
+            <a:off x="457201" y="204787"/>
+            <a:ext cx="3008313" cy="871538"/>
           </a:xfrm>
         </p:spPr>
         <p:txBody>
@@ -4304,8 +5259,8 @@
         </p:nvSpPr>
         <p:spPr>
           <a:xfrm>
-            <a:off x="3575050" y="273050"/>
-            <a:ext cx="5111750" cy="5853113"/>
+            <a:off x="3575050" y="204788"/>
+            <a:ext cx="5111750" cy="4389835"/>
           </a:xfrm>
         </p:spPr>
         <p:txBody>
@@ -4389,8 +5344,8 @@
         </p:nvSpPr>
         <p:spPr>
           <a:xfrm>
-            <a:off x="457200" y="1435100"/>
-            <a:ext cx="3008313" cy="4691063"/>
+            <a:off x="457201" y="1076326"/>
+            <a:ext cx="3008313" cy="3518297"/>
           </a:xfrm>
         </p:spPr>
         <p:txBody>
@@ -4460,7 +5415,7 @@
             <a:fld id="{FCF3163A-9070-4B5B-ACA3-9EA48E4BFAD7}" type="datetimeFigureOut">
               <a:rPr lang="ko-KR" altLang="en-US" smtClean="0"/>
               <a:pPr/>
-              <a:t>2018-09-13</a:t>
+              <a:t>2018-09-20</a:t>
             </a:fld>
             <a:endParaRPr lang="ko-KR" altLang="en-US"/>
           </a:p>
@@ -4546,8 +5501,8 @@
         </p:nvSpPr>
         <p:spPr>
           <a:xfrm>
-            <a:off x="1792288" y="4800600"/>
-            <a:ext cx="5486400" cy="566738"/>
+            <a:off x="1792288" y="3600450"/>
+            <a:ext cx="5486400" cy="425054"/>
           </a:xfrm>
         </p:spPr>
         <p:txBody>
@@ -4578,8 +5533,8 @@
         </p:nvSpPr>
         <p:spPr>
           <a:xfrm>
-            <a:off x="1792288" y="612775"/>
-            <a:ext cx="5486400" cy="4114800"/>
+            <a:off x="1792288" y="459581"/>
+            <a:ext cx="5486400" cy="3086100"/>
           </a:xfrm>
         </p:spPr>
         <p:txBody>
@@ -4639,8 +5594,8 @@
         </p:nvSpPr>
         <p:spPr>
           <a:xfrm>
-            <a:off x="1792288" y="5367338"/>
-            <a:ext cx="5486400" cy="804862"/>
+            <a:off x="1792288" y="4025503"/>
+            <a:ext cx="5486400" cy="603647"/>
           </a:xfrm>
         </p:spPr>
         <p:txBody>
@@ -4710,7 +5665,7 @@
             <a:fld id="{FCF3163A-9070-4B5B-ACA3-9EA48E4BFAD7}" type="datetimeFigureOut">
               <a:rPr lang="ko-KR" altLang="en-US" smtClean="0"/>
               <a:pPr/>
-              <a:t>2018-09-13</a:t>
+              <a:t>2018-09-20</a:t>
             </a:fld>
             <a:endParaRPr lang="ko-KR" altLang="en-US"/>
           </a:p>
@@ -4801,8 +5756,8 @@
         </p:nvSpPr>
         <p:spPr>
           <a:xfrm>
-            <a:off x="457200" y="274638"/>
-            <a:ext cx="8229600" cy="1143000"/>
+            <a:off x="457200" y="205979"/>
+            <a:ext cx="8229600" cy="857250"/>
           </a:xfrm>
           <a:prstGeom prst="rect">
             <a:avLst/>
@@ -4834,8 +5789,8 @@
         </p:nvSpPr>
         <p:spPr>
           <a:xfrm>
-            <a:off x="457200" y="1600200"/>
-            <a:ext cx="8229600" cy="4525963"/>
+            <a:off x="457200" y="1200151"/>
+            <a:ext cx="8229600" cy="3394472"/>
           </a:xfrm>
           <a:prstGeom prst="rect">
             <a:avLst/>
@@ -4896,8 +5851,8 @@
         </p:nvSpPr>
         <p:spPr>
           <a:xfrm>
-            <a:off x="457200" y="6356350"/>
-            <a:ext cx="2133600" cy="365125"/>
+            <a:off x="457200" y="4767263"/>
+            <a:ext cx="2133600" cy="273844"/>
           </a:xfrm>
           <a:prstGeom prst="rect">
             <a:avLst/>
@@ -4920,7 +5875,7 @@
             <a:fld id="{FCF3163A-9070-4B5B-ACA3-9EA48E4BFAD7}" type="datetimeFigureOut">
               <a:rPr lang="ko-KR" altLang="en-US" smtClean="0"/>
               <a:pPr/>
-              <a:t>2018-09-13</a:t>
+              <a:t>2018-09-20</a:t>
             </a:fld>
             <a:endParaRPr lang="ko-KR" altLang="en-US"/>
           </a:p>
@@ -4938,8 +5893,8 @@
         </p:nvSpPr>
         <p:spPr>
           <a:xfrm>
-            <a:off x="3124200" y="6356350"/>
-            <a:ext cx="2895600" cy="365125"/>
+            <a:off x="3124200" y="4767263"/>
+            <a:ext cx="2895600" cy="273844"/>
           </a:xfrm>
           <a:prstGeom prst="rect">
             <a:avLst/>
@@ -4975,8 +5930,8 @@
         </p:nvSpPr>
         <p:spPr>
           <a:xfrm>
-            <a:off x="6553200" y="6356350"/>
-            <a:ext cx="2133600" cy="365125"/>
+            <a:off x="6553200" y="4767263"/>
+            <a:ext cx="2133600" cy="273844"/>
           </a:xfrm>
           <a:prstGeom prst="rect">
             <a:avLst/>
@@ -5007,7 +5962,7 @@
       </p:sp>
     </p:spTree>
   </p:cSld>
-  <p:clrMap bg1="lt1" tx1="dk1" bg2="lt2" tx2="dk2" accent1="accent1" accent2="accent2" accent3="accent3" accent4="accent4" accent5="accent5" accent6="accent6" hlink="hlink" folHlink="folHlink"/>
+  <p:clrMap bg1="dk1" tx1="lt1" bg2="dk2" tx2="lt2" accent1="accent1" accent2="accent2" accent3="accent3" accent4="accent4" accent5="accent5" accent6="accent6" hlink="hlink" folHlink="folHlink"/>
   <p:sldLayoutIdLst>
     <p:sldLayoutId id="2147483649" r:id="rId1"/>
     <p:sldLayoutId id="2147483650" r:id="rId2"/>
@@ -5298,38 +6253,69 @@
             <a:spLocks noGrp="1"/>
           </p:cNvSpPr>
           <p:nvPr>
-            <p:ph type="ctrTitle"/>
+            <p:ph type="title"/>
           </p:nvPr>
         </p:nvSpPr>
         <p:spPr>
           <a:xfrm>
-            <a:off x="179512" y="116632"/>
-            <a:ext cx="7772400" cy="965969"/>
+            <a:off x="-612576" y="1066428"/>
+            <a:ext cx="8229600" cy="857250"/>
           </a:xfrm>
         </p:spPr>
         <p:txBody>
           <a:bodyPr/>
           <a:lstStyle/>
           <a:p>
-            <a:pPr algn="l"/>
-            <a:r>
-              <a:rPr lang="en-US" altLang="ko-KR" dirty="0" smtClean="0"/>
-              <a:t>STM32 with TMC5160</a:t>
+            <a:r>
+              <a:rPr lang="ko-KR" altLang="en-US" dirty="0" smtClean="0"/>
+              <a:t>모터 제어 시스템 개발</a:t>
             </a:r>
             <a:endParaRPr lang="ko-KR" altLang="en-US" dirty="0"/>
           </a:p>
         </p:txBody>
       </p:sp>
-      <p:sp>
-        <p:nvSpPr>
-          <p:cNvPr id="4" name="TextBox 3"/>
+      <p:pic>
+        <p:nvPicPr>
+          <p:cNvPr id="1026" name="Picture 2"/>
+          <p:cNvPicPr>
+            <a:picLocks noChangeAspect="1" noChangeArrowheads="1"/>
+          </p:cNvPicPr>
+          <p:nvPr/>
+        </p:nvPicPr>
+        <p:blipFill>
+          <a:blip r:embed="rId3" cstate="print"/>
+          <a:srcRect/>
+          <a:stretch>
+            <a:fillRect/>
+          </a:stretch>
+        </p:blipFill>
+        <p:spPr bwMode="auto">
+          <a:xfrm>
+            <a:off x="179512" y="4587974"/>
+            <a:ext cx="1549483" cy="393898"/>
+          </a:xfrm>
+          <a:prstGeom prst="rect">
+            <a:avLst/>
+          </a:prstGeom>
+          <a:noFill/>
+          <a:ln w="9525">
+            <a:noFill/>
+            <a:miter lim="800000"/>
+            <a:headEnd/>
+            <a:tailEnd/>
+          </a:ln>
+        </p:spPr>
+      </p:pic>
+      <p:sp>
+        <p:nvSpPr>
+          <p:cNvPr id="5" name="TextBox 4"/>
           <p:cNvSpPr txBox="1"/>
           <p:nvPr/>
         </p:nvSpPr>
         <p:spPr>
           <a:xfrm>
-            <a:off x="251520" y="1340768"/>
-            <a:ext cx="7344816" cy="400110"/>
+            <a:off x="1187624" y="2717507"/>
+            <a:ext cx="4501008" cy="646331"/>
           </a:xfrm>
           <a:prstGeom prst="rect">
             <a:avLst/>
@@ -5342,103 +6328,70 @@
           </a:bodyPr>
           <a:lstStyle/>
           <a:p>
-            <a:r>
-              <a:rPr lang="en-US" altLang="ko-KR" sz="2000" dirty="0" smtClean="0"/>
-              <a:t> 1. </a:t>
-            </a:r>
-            <a:r>
-              <a:rPr lang="ko-KR" altLang="en-US" sz="2000" dirty="0" smtClean="0"/>
-              <a:t>회로 설계 및 </a:t>
-            </a:r>
-            <a:r>
-              <a:rPr lang="en-US" altLang="ko-KR" sz="2000" dirty="0" smtClean="0"/>
-              <a:t>artwork</a:t>
-            </a:r>
-            <a:endParaRPr lang="ko-KR" altLang="en-US" sz="2000" dirty="0"/>
-          </a:p>
-        </p:txBody>
-      </p:sp>
-      <p:sp>
-        <p:nvSpPr>
-          <p:cNvPr id="5" name="TextBox 4"/>
-          <p:cNvSpPr txBox="1"/>
-          <p:nvPr/>
-        </p:nvSpPr>
-        <p:spPr>
-          <a:xfrm>
-            <a:off x="251520" y="1887215"/>
-            <a:ext cx="7344816" cy="400110"/>
-          </a:xfrm>
-          <a:prstGeom prst="rect">
-            <a:avLst/>
-          </a:prstGeom>
-          <a:noFill/>
-        </p:spPr>
-        <p:txBody>
-          <a:bodyPr wrap="square" rtlCol="0">
-            <a:spAutoFit/>
-          </a:bodyPr>
-          <a:lstStyle/>
-          <a:p>
-            <a:r>
-              <a:rPr lang="en-US" altLang="ko-KR" sz="2000" dirty="0" smtClean="0"/>
-              <a:t> 2. </a:t>
-            </a:r>
-            <a:r>
-              <a:rPr lang="ko-KR" altLang="en-US" sz="2000" dirty="0" err="1" smtClean="0"/>
-              <a:t>펌웨어</a:t>
-            </a:r>
-            <a:r>
-              <a:rPr lang="ko-KR" altLang="en-US" sz="2000" dirty="0"/>
-              <a:t> </a:t>
-            </a:r>
-            <a:r>
-              <a:rPr lang="ko-KR" altLang="en-US" sz="2000" dirty="0" smtClean="0"/>
-              <a:t>및 호스트 </a:t>
-            </a:r>
-            <a:r>
-              <a:rPr lang="en-US" altLang="ko-KR" sz="2000" dirty="0" smtClean="0"/>
-              <a:t>GUI </a:t>
-            </a:r>
-            <a:r>
-              <a:rPr lang="ko-KR" altLang="en-US" sz="2000" dirty="0" smtClean="0"/>
-              <a:t>설계</a:t>
-            </a:r>
-            <a:endParaRPr lang="ko-KR" altLang="en-US" sz="2000" dirty="0"/>
-          </a:p>
-        </p:txBody>
-      </p:sp>
-      <p:sp>
-        <p:nvSpPr>
-          <p:cNvPr id="6" name="TextBox 5"/>
-          <p:cNvSpPr txBox="1"/>
-          <p:nvPr/>
-        </p:nvSpPr>
-        <p:spPr>
-          <a:xfrm>
-            <a:off x="251520" y="2420888"/>
-            <a:ext cx="7344816" cy="400110"/>
-          </a:xfrm>
-          <a:prstGeom prst="rect">
-            <a:avLst/>
-          </a:prstGeom>
-          <a:noFill/>
-        </p:spPr>
-        <p:txBody>
-          <a:bodyPr wrap="square" rtlCol="0">
-            <a:spAutoFit/>
-          </a:bodyPr>
-          <a:lstStyle/>
-          <a:p>
-            <a:r>
-              <a:rPr lang="en-US" altLang="ko-KR" sz="2000" dirty="0" smtClean="0"/>
-              <a:t> 3. TMC5160 </a:t>
-            </a:r>
-            <a:r>
-              <a:rPr lang="ko-KR" altLang="en-US" sz="2000" dirty="0" smtClean="0"/>
-              <a:t>모터 드라이버 설정 및 모터 구동</a:t>
-            </a:r>
-            <a:endParaRPr lang="ko-KR" altLang="en-US" sz="2000" dirty="0"/>
+            <a:pPr algn="ctr"/>
+            <a:r>
+              <a:rPr lang="ko-KR" altLang="en-US" dirty="0" smtClean="0">
+                <a:solidFill>
+                  <a:schemeClr val="bg2">
+                    <a:lumMod val="60000"/>
+                    <a:lumOff val="40000"/>
+                  </a:schemeClr>
+                </a:solidFill>
+              </a:rPr>
+              <a:t>강사 </a:t>
+            </a:r>
+            <a:r>
+              <a:rPr lang="en-US" altLang="ko-KR" dirty="0" smtClean="0">
+                <a:solidFill>
+                  <a:schemeClr val="bg2">
+                    <a:lumMod val="60000"/>
+                    <a:lumOff val="40000"/>
+                  </a:schemeClr>
+                </a:solidFill>
+              </a:rPr>
+              <a:t>: </a:t>
+            </a:r>
+            <a:r>
+              <a:rPr lang="ko-KR" altLang="en-US" dirty="0" smtClean="0">
+                <a:solidFill>
+                  <a:schemeClr val="bg2">
+                    <a:lumMod val="60000"/>
+                    <a:lumOff val="40000"/>
+                  </a:schemeClr>
+                </a:solidFill>
+              </a:rPr>
+              <a:t>조정빈 </a:t>
+            </a:r>
+            <a:endParaRPr lang="en-US" altLang="ko-KR" dirty="0" smtClean="0">
+              <a:solidFill>
+                <a:schemeClr val="bg2">
+                  <a:lumMod val="60000"/>
+                  <a:lumOff val="40000"/>
+                </a:schemeClr>
+              </a:solidFill>
+            </a:endParaRPr>
+          </a:p>
+          <a:p>
+            <a:pPr algn="ctr"/>
+            <a:r>
+              <a:rPr lang="en-US" altLang="ko-KR" dirty="0" smtClean="0">
+                <a:solidFill>
+                  <a:schemeClr val="bg2">
+                    <a:lumMod val="60000"/>
+                    <a:lumOff val="40000"/>
+                  </a:schemeClr>
+                </a:solidFill>
+              </a:rPr>
+              <a:t>e-mail : groundzeroplace@gmail.com</a:t>
+            </a:r>
+            <a:endParaRPr lang="ko-KR" altLang="en-US" dirty="0">
+              <a:solidFill>
+                <a:schemeClr val="bg2">
+                  <a:lumMod val="60000"/>
+                  <a:lumOff val="40000"/>
+                </a:schemeClr>
+              </a:solidFill>
+            </a:endParaRPr>
           </a:p>
         </p:txBody>
       </p:sp>
@@ -5479,22 +6432,20 @@
         </p:nvSpPr>
         <p:spPr>
           <a:xfrm>
-            <a:off x="179512" y="116632"/>
-            <a:ext cx="7772400" cy="965969"/>
+            <a:off x="400000" y="371440"/>
+            <a:ext cx="7772400" cy="724477"/>
           </a:xfrm>
         </p:spPr>
         <p:txBody>
-          <a:bodyPr/>
+          <a:bodyPr>
+            <a:normAutofit fontScale="90000"/>
+          </a:bodyPr>
           <a:lstStyle/>
           <a:p>
             <a:pPr algn="l"/>
             <a:r>
-              <a:rPr lang="ko-KR" altLang="en-US" dirty="0" smtClean="0"/>
-              <a:t>사용할 </a:t>
-            </a:r>
-            <a:r>
               <a:rPr lang="en-US" altLang="ko-KR" dirty="0" smtClean="0"/>
-              <a:t>tools</a:t>
+              <a:t>STM32 with TMC5160</a:t>
             </a:r>
             <a:endParaRPr lang="ko-KR" altLang="en-US" dirty="0"/>
           </a:p>
@@ -5508,7 +6459,7 @@
         </p:nvSpPr>
         <p:spPr>
           <a:xfrm>
-            <a:off x="251520" y="1340768"/>
+            <a:off x="472008" y="1289542"/>
             <a:ext cx="7344816" cy="400110"/>
           </a:xfrm>
           <a:prstGeom prst="rect">
@@ -5528,15 +6479,11 @@
             </a:r>
             <a:r>
               <a:rPr lang="ko-KR" altLang="en-US" sz="2000" dirty="0" smtClean="0"/>
-              <a:t>회로 설계 </a:t>
-            </a:r>
-            <a:r>
-              <a:rPr lang="en-US" altLang="ko-KR" sz="2000" dirty="0" err="1" smtClean="0"/>
-              <a:t>OrCAD</a:t>
+              <a:t>회로 설계 및 </a:t>
             </a:r>
             <a:r>
               <a:rPr lang="en-US" altLang="ko-KR" sz="2000" dirty="0" smtClean="0"/>
-              <a:t> Capture</a:t>
+              <a:t>artwork</a:t>
             </a:r>
             <a:endParaRPr lang="ko-KR" altLang="en-US" sz="2000" dirty="0"/>
           </a:p>
@@ -5550,7 +6497,7 @@
         </p:nvSpPr>
         <p:spPr>
           <a:xfrm>
-            <a:off x="251520" y="1887215"/>
+            <a:off x="472008" y="1699377"/>
             <a:ext cx="7344816" cy="400110"/>
           </a:xfrm>
           <a:prstGeom prst="rect">
@@ -5570,15 +6517,23 @@
             </a:r>
             <a:r>
               <a:rPr lang="ko-KR" altLang="en-US" sz="2000" dirty="0" err="1" smtClean="0"/>
-              <a:t>아트웍</a:t>
+              <a:t>펌웨어</a:t>
+            </a:r>
+            <a:r>
+              <a:rPr lang="ko-KR" altLang="en-US" sz="2000" dirty="0"/>
+              <a:t> </a:t>
             </a:r>
             <a:r>
               <a:rPr lang="ko-KR" altLang="en-US" sz="2000" dirty="0" smtClean="0"/>
-              <a:t> </a:t>
+              <a:t>및 호스트 </a:t>
             </a:r>
             <a:r>
               <a:rPr lang="en-US" altLang="ko-KR" sz="2000" dirty="0" smtClean="0"/>
-              <a:t>PADS Layout</a:t>
+              <a:t>GUI </a:t>
+            </a:r>
+            <a:r>
+              <a:rPr lang="ko-KR" altLang="en-US" sz="2000" dirty="0" smtClean="0"/>
+              <a:t>설계</a:t>
             </a:r>
             <a:endParaRPr lang="ko-KR" altLang="en-US" sz="2000" dirty="0"/>
           </a:p>
@@ -5592,7 +6547,7 @@
         </p:nvSpPr>
         <p:spPr>
           <a:xfrm>
-            <a:off x="251520" y="2420888"/>
+            <a:off x="472008" y="2099632"/>
             <a:ext cx="7344816" cy="400110"/>
           </a:xfrm>
           <a:prstGeom prst="rect">
@@ -5608,33 +6563,57 @@
           <a:p>
             <a:r>
               <a:rPr lang="en-US" altLang="ko-KR" sz="2000" dirty="0" smtClean="0"/>
-              <a:t> 3. </a:t>
-            </a:r>
-            <a:r>
-              <a:rPr lang="ko-KR" altLang="en-US" sz="2000" dirty="0" err="1" smtClean="0"/>
-              <a:t>펌웨어</a:t>
+              <a:t> 3. TMC5160 </a:t>
             </a:r>
             <a:r>
               <a:rPr lang="ko-KR" altLang="en-US" sz="2000" dirty="0" smtClean="0"/>
-              <a:t> </a:t>
-            </a:r>
-            <a:r>
-              <a:rPr lang="en-US" altLang="ko-KR" sz="2000" dirty="0" smtClean="0"/>
-              <a:t>System Workbench for STM32</a:t>
+              <a:t>모터 드라이버 설정 및 모터 구동</a:t>
             </a:r>
             <a:endParaRPr lang="ko-KR" altLang="en-US" sz="2000" dirty="0"/>
           </a:p>
         </p:txBody>
       </p:sp>
-      <p:sp>
-        <p:nvSpPr>
-          <p:cNvPr id="7" name="TextBox 6"/>
+      <p:pic>
+        <p:nvPicPr>
+          <p:cNvPr id="7" name="Picture 2"/>
+          <p:cNvPicPr>
+            <a:picLocks noChangeAspect="1" noChangeArrowheads="1"/>
+          </p:cNvPicPr>
+          <p:nvPr/>
+        </p:nvPicPr>
+        <p:blipFill>
+          <a:blip r:embed="rId3" cstate="print"/>
+          <a:srcRect/>
+          <a:stretch>
+            <a:fillRect/>
+          </a:stretch>
+        </p:blipFill>
+        <p:spPr bwMode="auto">
+          <a:xfrm>
+            <a:off x="179512" y="4587974"/>
+            <a:ext cx="1549483" cy="393898"/>
+          </a:xfrm>
+          <a:prstGeom prst="rect">
+            <a:avLst/>
+          </a:prstGeom>
+          <a:noFill/>
+          <a:ln w="9525">
+            <a:noFill/>
+            <a:miter lim="800000"/>
+            <a:headEnd/>
+            <a:tailEnd/>
+          </a:ln>
+        </p:spPr>
+      </p:pic>
+      <p:sp>
+        <p:nvSpPr>
+          <p:cNvPr id="8" name="TextBox 7"/>
           <p:cNvSpPr txBox="1"/>
           <p:nvPr/>
         </p:nvSpPr>
         <p:spPr>
           <a:xfrm>
-            <a:off x="251520" y="2996952"/>
+            <a:off x="467544" y="2499742"/>
             <a:ext cx="7344816" cy="400110"/>
           </a:xfrm>
           <a:prstGeom prst="rect">
@@ -5650,31 +6629,11 @@
           <a:p>
             <a:r>
               <a:rPr lang="en-US" altLang="ko-KR" sz="2000" dirty="0" smtClean="0"/>
-              <a:t> </a:t>
-            </a:r>
-            <a:r>
-              <a:rPr lang="en-US" altLang="ko-KR" sz="2000" dirty="0" smtClean="0"/>
-              <a:t>4. </a:t>
+              <a:t> 4. </a:t>
             </a:r>
             <a:r>
               <a:rPr lang="ko-KR" altLang="en-US" sz="2000" dirty="0" smtClean="0"/>
-              <a:t>호스트 </a:t>
-            </a:r>
-            <a:r>
-              <a:rPr lang="en-US" altLang="ko-KR" sz="2000" dirty="0" smtClean="0"/>
-              <a:t>GUI </a:t>
-            </a:r>
-            <a:r>
-              <a:rPr lang="ko-KR" altLang="en-US" sz="2000" dirty="0" err="1" smtClean="0"/>
-              <a:t>파이썬</a:t>
-            </a:r>
-            <a:r>
-              <a:rPr lang="ko-KR" altLang="en-US" sz="2000" dirty="0" smtClean="0"/>
-              <a:t> </a:t>
-            </a:r>
-            <a:r>
-              <a:rPr lang="en-US" altLang="ko-KR" sz="2000" dirty="0" err="1" smtClean="0"/>
-              <a:t>Kivy</a:t>
+              <a:t>강좌의 내용 및 대상</a:t>
             </a:r>
             <a:endParaRPr lang="ko-KR" altLang="en-US" sz="2000" dirty="0"/>
           </a:p>
@@ -5685,6 +6644,13 @@
   <p:clrMapOvr>
     <a:masterClrMapping/>
   </p:clrMapOvr>
+  <p:timing>
+    <p:tnLst>
+      <p:par>
+        <p:cTn id="1" dur="indefinite" restart="never" nodeType="tmRoot"/>
+      </p:par>
+    </p:tnLst>
+  </p:timing>
 </p:sld>
 </file>
 
@@ -5717,104 +6683,3063 @@
         </p:nvSpPr>
         <p:spPr>
           <a:xfrm>
-            <a:off x="179512" y="116632"/>
-            <a:ext cx="7772400" cy="965969"/>
+            <a:off x="472008" y="339502"/>
+            <a:ext cx="7772400" cy="724477"/>
           </a:xfrm>
         </p:spPr>
         <p:txBody>
-          <a:bodyPr/>
+          <a:bodyPr>
+            <a:normAutofit fontScale="90000"/>
+          </a:bodyPr>
           <a:lstStyle/>
           <a:p>
             <a:pPr algn="l"/>
             <a:r>
               <a:rPr lang="ko-KR" altLang="en-US" dirty="0" smtClean="0"/>
-              <a:t>사용할 </a:t>
-            </a:r>
-            <a:r>
-              <a:rPr lang="en-US" altLang="ko-KR" dirty="0" smtClean="0"/>
-              <a:t>ICs</a:t>
+              <a:t>설계에 앞서</a:t>
             </a:r>
             <a:endParaRPr lang="ko-KR" altLang="en-US" dirty="0"/>
           </a:p>
         </p:txBody>
       </p:sp>
-      <p:sp>
-        <p:nvSpPr>
-          <p:cNvPr id="4" name="TextBox 3"/>
-          <p:cNvSpPr txBox="1"/>
+      <p:pic>
+        <p:nvPicPr>
+          <p:cNvPr id="8" name="Picture 2"/>
+          <p:cNvPicPr>
+            <a:picLocks noChangeAspect="1" noChangeArrowheads="1"/>
+          </p:cNvPicPr>
           <p:nvPr/>
-        </p:nvSpPr>
-        <p:spPr>
+        </p:nvPicPr>
+        <p:blipFill>
+          <a:blip r:embed="rId3" cstate="print"/>
+          <a:srcRect/>
+          <a:stretch>
+            <a:fillRect/>
+          </a:stretch>
+        </p:blipFill>
+        <p:spPr bwMode="auto">
           <a:xfrm>
-            <a:off x="251520" y="1340768"/>
-            <a:ext cx="7344816" cy="400110"/>
+            <a:off x="179512" y="4587974"/>
+            <a:ext cx="1549483" cy="393898"/>
           </a:xfrm>
           <a:prstGeom prst="rect">
             <a:avLst/>
           </a:prstGeom>
           <a:noFill/>
+          <a:ln w="9525">
+            <a:noFill/>
+            <a:miter lim="800000"/>
+            <a:headEnd/>
+            <a:tailEnd/>
+          </a:ln>
         </p:spPr>
-        <p:txBody>
-          <a:bodyPr wrap="square" rtlCol="0">
-            <a:spAutoFit/>
-          </a:bodyPr>
-          <a:lstStyle/>
-          <a:p>
-            <a:r>
-              <a:rPr lang="en-US" altLang="ko-KR" sz="2000" dirty="0" smtClean="0"/>
-              <a:t> 1. </a:t>
-            </a:r>
-            <a:r>
-              <a:rPr lang="en-US" altLang="ko-KR" sz="2000" dirty="0" smtClean="0"/>
-              <a:t>MCU : STM32F103RCT6</a:t>
-            </a:r>
-            <a:endParaRPr lang="ko-KR" altLang="en-US" sz="2000" dirty="0"/>
-          </a:p>
-        </p:txBody>
-      </p:sp>
-      <p:sp>
-        <p:nvSpPr>
-          <p:cNvPr id="5" name="TextBox 4"/>
-          <p:cNvSpPr txBox="1"/>
+      </p:pic>
+      <p:grpSp>
+        <p:nvGrpSpPr>
+          <p:cNvPr id="26" name="그룹 25"/>
+          <p:cNvGrpSpPr/>
           <p:nvPr/>
-        </p:nvSpPr>
-        <p:spPr>
+        </p:nvGrpSpPr>
+        <p:grpSpPr>
           <a:xfrm>
-            <a:off x="251520" y="1887215"/>
-            <a:ext cx="7344816" cy="400110"/>
+            <a:off x="107504" y="1203598"/>
+            <a:ext cx="5760640" cy="3240360"/>
+            <a:chOff x="947957" y="1059582"/>
+            <a:chExt cx="6986107" cy="3960440"/>
           </a:xfrm>
-          <a:prstGeom prst="rect">
-            <a:avLst/>
-          </a:prstGeom>
-          <a:noFill/>
-        </p:spPr>
-        <p:txBody>
-          <a:bodyPr wrap="square" rtlCol="0">
-            <a:spAutoFit/>
-          </a:bodyPr>
-          <a:lstStyle/>
-          <a:p>
-            <a:r>
-              <a:rPr lang="en-US" altLang="ko-KR" sz="2000" dirty="0" smtClean="0"/>
-              <a:t> 2. </a:t>
-            </a:r>
-            <a:r>
-              <a:rPr lang="ko-KR" altLang="en-US" sz="2000" dirty="0" smtClean="0"/>
-              <a:t>모터드라이버 </a:t>
-            </a:r>
-            <a:r>
-              <a:rPr lang="en-US" altLang="ko-KR" sz="2000" dirty="0" smtClean="0"/>
-              <a:t>: TMC5160</a:t>
-            </a:r>
-            <a:endParaRPr lang="ko-KR" altLang="en-US" sz="2000" dirty="0"/>
-          </a:p>
-        </p:txBody>
-      </p:sp>
+        </p:grpSpPr>
+        <p:sp>
+          <p:nvSpPr>
+            <p:cNvPr id="9" name="오른쪽 화살표 8"/>
+            <p:cNvSpPr/>
+            <p:nvPr/>
+          </p:nvSpPr>
+          <p:spPr>
+            <a:xfrm>
+              <a:off x="947957" y="1203598"/>
+              <a:ext cx="982059" cy="432048"/>
+            </a:xfrm>
+            <a:prstGeom prst="rightArrow">
+              <a:avLst/>
+            </a:prstGeom>
+            <a:solidFill>
+              <a:srgbClr val="0070C0"/>
+            </a:solidFill>
+            <a:ln>
+              <a:solidFill>
+                <a:srgbClr val="0070C0"/>
+              </a:solidFill>
+            </a:ln>
+          </p:spPr>
+          <p:style>
+            <a:lnRef idx="2">
+              <a:schemeClr val="accent1">
+                <a:shade val="50000"/>
+              </a:schemeClr>
+            </a:lnRef>
+            <a:fillRef idx="1">
+              <a:schemeClr val="accent1"/>
+            </a:fillRef>
+            <a:effectRef idx="0">
+              <a:schemeClr val="accent1"/>
+            </a:effectRef>
+            <a:fontRef idx="minor">
+              <a:schemeClr val="lt1"/>
+            </a:fontRef>
+          </p:style>
+          <p:txBody>
+            <a:bodyPr rtlCol="0" anchor="ctr"/>
+            <a:lstStyle>
+              <a:defPPr>
+                <a:defRPr lang="ko-KR"/>
+              </a:defPPr>
+              <a:lvl1pPr algn="l" rtl="0" eaLnBrk="0" fontAlgn="base" hangingPunct="0">
+                <a:spcBef>
+                  <a:spcPct val="0"/>
+                </a:spcBef>
+                <a:spcAft>
+                  <a:spcPct val="0"/>
+                </a:spcAft>
+                <a:defRPr kumimoji="1" kern="1200">
+                  <a:solidFill>
+                    <a:schemeClr val="lt1"/>
+                  </a:solidFill>
+                  <a:latin typeface="+mn-lt"/>
+                  <a:ea typeface="+mn-ea"/>
+                  <a:cs typeface="+mn-cs"/>
+                </a:defRPr>
+              </a:lvl1pPr>
+              <a:lvl2pPr marL="457200" algn="l" rtl="0" eaLnBrk="0" fontAlgn="base" hangingPunct="0">
+                <a:spcBef>
+                  <a:spcPct val="0"/>
+                </a:spcBef>
+                <a:spcAft>
+                  <a:spcPct val="0"/>
+                </a:spcAft>
+                <a:defRPr kumimoji="1" kern="1200">
+                  <a:solidFill>
+                    <a:schemeClr val="lt1"/>
+                  </a:solidFill>
+                  <a:latin typeface="+mn-lt"/>
+                  <a:ea typeface="+mn-ea"/>
+                  <a:cs typeface="+mn-cs"/>
+                </a:defRPr>
+              </a:lvl2pPr>
+              <a:lvl3pPr marL="914400" algn="l" rtl="0" eaLnBrk="0" fontAlgn="base" hangingPunct="0">
+                <a:spcBef>
+                  <a:spcPct val="0"/>
+                </a:spcBef>
+                <a:spcAft>
+                  <a:spcPct val="0"/>
+                </a:spcAft>
+                <a:defRPr kumimoji="1" kern="1200">
+                  <a:solidFill>
+                    <a:schemeClr val="lt1"/>
+                  </a:solidFill>
+                  <a:latin typeface="+mn-lt"/>
+                  <a:ea typeface="+mn-ea"/>
+                  <a:cs typeface="+mn-cs"/>
+                </a:defRPr>
+              </a:lvl3pPr>
+              <a:lvl4pPr marL="1371600" algn="l" rtl="0" eaLnBrk="0" fontAlgn="base" hangingPunct="0">
+                <a:spcBef>
+                  <a:spcPct val="0"/>
+                </a:spcBef>
+                <a:spcAft>
+                  <a:spcPct val="0"/>
+                </a:spcAft>
+                <a:defRPr kumimoji="1" kern="1200">
+                  <a:solidFill>
+                    <a:schemeClr val="lt1"/>
+                  </a:solidFill>
+                  <a:latin typeface="+mn-lt"/>
+                  <a:ea typeface="+mn-ea"/>
+                  <a:cs typeface="+mn-cs"/>
+                </a:defRPr>
+              </a:lvl4pPr>
+              <a:lvl5pPr marL="1828800" algn="l" rtl="0" eaLnBrk="0" fontAlgn="base" hangingPunct="0">
+                <a:spcBef>
+                  <a:spcPct val="0"/>
+                </a:spcBef>
+                <a:spcAft>
+                  <a:spcPct val="0"/>
+                </a:spcAft>
+                <a:defRPr kumimoji="1" kern="1200">
+                  <a:solidFill>
+                    <a:schemeClr val="lt1"/>
+                  </a:solidFill>
+                  <a:latin typeface="+mn-lt"/>
+                  <a:ea typeface="+mn-ea"/>
+                  <a:cs typeface="+mn-cs"/>
+                </a:defRPr>
+              </a:lvl5pPr>
+              <a:lvl6pPr marL="2286000" algn="l" defTabSz="914400" rtl="0" eaLnBrk="1" latinLnBrk="1" hangingPunct="1">
+                <a:defRPr kumimoji="1" kern="1200">
+                  <a:solidFill>
+                    <a:schemeClr val="lt1"/>
+                  </a:solidFill>
+                  <a:latin typeface="+mn-lt"/>
+                  <a:ea typeface="+mn-ea"/>
+                  <a:cs typeface="+mn-cs"/>
+                </a:defRPr>
+              </a:lvl6pPr>
+              <a:lvl7pPr marL="2743200" algn="l" defTabSz="914400" rtl="0" eaLnBrk="1" latinLnBrk="1" hangingPunct="1">
+                <a:defRPr kumimoji="1" kern="1200">
+                  <a:solidFill>
+                    <a:schemeClr val="lt1"/>
+                  </a:solidFill>
+                  <a:latin typeface="+mn-lt"/>
+                  <a:ea typeface="+mn-ea"/>
+                  <a:cs typeface="+mn-cs"/>
+                </a:defRPr>
+              </a:lvl7pPr>
+              <a:lvl8pPr marL="3200400" algn="l" defTabSz="914400" rtl="0" eaLnBrk="1" latinLnBrk="1" hangingPunct="1">
+                <a:defRPr kumimoji="1" kern="1200">
+                  <a:solidFill>
+                    <a:schemeClr val="lt1"/>
+                  </a:solidFill>
+                  <a:latin typeface="+mn-lt"/>
+                  <a:ea typeface="+mn-ea"/>
+                  <a:cs typeface="+mn-cs"/>
+                </a:defRPr>
+              </a:lvl8pPr>
+              <a:lvl9pPr marL="3657600" algn="l" defTabSz="914400" rtl="0" eaLnBrk="1" latinLnBrk="1" hangingPunct="1">
+                <a:defRPr kumimoji="1" kern="1200">
+                  <a:solidFill>
+                    <a:schemeClr val="lt1"/>
+                  </a:solidFill>
+                  <a:latin typeface="+mn-lt"/>
+                  <a:ea typeface="+mn-ea"/>
+                  <a:cs typeface="+mn-cs"/>
+                </a:defRPr>
+              </a:lvl9pPr>
+            </a:lstStyle>
+            <a:p>
+              <a:pPr algn="ctr"/>
+              <a:r>
+                <a:rPr lang="en-US" altLang="ko-KR" sz="1000" dirty="0" smtClean="0"/>
+                <a:t>24V IN</a:t>
+              </a:r>
+              <a:endParaRPr lang="ko-KR" altLang="en-US" sz="1000" dirty="0"/>
+            </a:p>
+          </p:txBody>
+        </p:sp>
+        <p:sp>
+          <p:nvSpPr>
+            <p:cNvPr id="10" name="모서리가 둥근 직사각형 9"/>
+            <p:cNvSpPr/>
+            <p:nvPr/>
+          </p:nvSpPr>
+          <p:spPr>
+            <a:xfrm>
+              <a:off x="2029408" y="1239602"/>
+              <a:ext cx="1584176" cy="410344"/>
+            </a:xfrm>
+            <a:prstGeom prst="roundRect">
+              <a:avLst/>
+            </a:prstGeom>
+            <a:solidFill>
+              <a:srgbClr val="0070C0"/>
+            </a:solidFill>
+            <a:ln>
+              <a:solidFill>
+                <a:srgbClr val="0070C0"/>
+              </a:solidFill>
+            </a:ln>
+          </p:spPr>
+          <p:style>
+            <a:lnRef idx="2">
+              <a:schemeClr val="accent1">
+                <a:shade val="50000"/>
+              </a:schemeClr>
+            </a:lnRef>
+            <a:fillRef idx="1">
+              <a:schemeClr val="accent1"/>
+            </a:fillRef>
+            <a:effectRef idx="0">
+              <a:schemeClr val="accent1"/>
+            </a:effectRef>
+            <a:fontRef idx="minor">
+              <a:schemeClr val="lt1"/>
+            </a:fontRef>
+          </p:style>
+          <p:txBody>
+            <a:bodyPr rtlCol="0" anchor="ctr"/>
+            <a:lstStyle>
+              <a:defPPr>
+                <a:defRPr lang="ko-KR"/>
+              </a:defPPr>
+              <a:lvl1pPr algn="l" rtl="0" eaLnBrk="0" fontAlgn="base" hangingPunct="0">
+                <a:spcBef>
+                  <a:spcPct val="0"/>
+                </a:spcBef>
+                <a:spcAft>
+                  <a:spcPct val="0"/>
+                </a:spcAft>
+                <a:defRPr kumimoji="1" kern="1200">
+                  <a:solidFill>
+                    <a:schemeClr val="lt1"/>
+                  </a:solidFill>
+                  <a:latin typeface="+mn-lt"/>
+                  <a:ea typeface="+mn-ea"/>
+                  <a:cs typeface="+mn-cs"/>
+                </a:defRPr>
+              </a:lvl1pPr>
+              <a:lvl2pPr marL="457200" algn="l" rtl="0" eaLnBrk="0" fontAlgn="base" hangingPunct="0">
+                <a:spcBef>
+                  <a:spcPct val="0"/>
+                </a:spcBef>
+                <a:spcAft>
+                  <a:spcPct val="0"/>
+                </a:spcAft>
+                <a:defRPr kumimoji="1" kern="1200">
+                  <a:solidFill>
+                    <a:schemeClr val="lt1"/>
+                  </a:solidFill>
+                  <a:latin typeface="+mn-lt"/>
+                  <a:ea typeface="+mn-ea"/>
+                  <a:cs typeface="+mn-cs"/>
+                </a:defRPr>
+              </a:lvl2pPr>
+              <a:lvl3pPr marL="914400" algn="l" rtl="0" eaLnBrk="0" fontAlgn="base" hangingPunct="0">
+                <a:spcBef>
+                  <a:spcPct val="0"/>
+                </a:spcBef>
+                <a:spcAft>
+                  <a:spcPct val="0"/>
+                </a:spcAft>
+                <a:defRPr kumimoji="1" kern="1200">
+                  <a:solidFill>
+                    <a:schemeClr val="lt1"/>
+                  </a:solidFill>
+                  <a:latin typeface="+mn-lt"/>
+                  <a:ea typeface="+mn-ea"/>
+                  <a:cs typeface="+mn-cs"/>
+                </a:defRPr>
+              </a:lvl3pPr>
+              <a:lvl4pPr marL="1371600" algn="l" rtl="0" eaLnBrk="0" fontAlgn="base" hangingPunct="0">
+                <a:spcBef>
+                  <a:spcPct val="0"/>
+                </a:spcBef>
+                <a:spcAft>
+                  <a:spcPct val="0"/>
+                </a:spcAft>
+                <a:defRPr kumimoji="1" kern="1200">
+                  <a:solidFill>
+                    <a:schemeClr val="lt1"/>
+                  </a:solidFill>
+                  <a:latin typeface="+mn-lt"/>
+                  <a:ea typeface="+mn-ea"/>
+                  <a:cs typeface="+mn-cs"/>
+                </a:defRPr>
+              </a:lvl4pPr>
+              <a:lvl5pPr marL="1828800" algn="l" rtl="0" eaLnBrk="0" fontAlgn="base" hangingPunct="0">
+                <a:spcBef>
+                  <a:spcPct val="0"/>
+                </a:spcBef>
+                <a:spcAft>
+                  <a:spcPct val="0"/>
+                </a:spcAft>
+                <a:defRPr kumimoji="1" kern="1200">
+                  <a:solidFill>
+                    <a:schemeClr val="lt1"/>
+                  </a:solidFill>
+                  <a:latin typeface="+mn-lt"/>
+                  <a:ea typeface="+mn-ea"/>
+                  <a:cs typeface="+mn-cs"/>
+                </a:defRPr>
+              </a:lvl5pPr>
+              <a:lvl6pPr marL="2286000" algn="l" defTabSz="914400" rtl="0" eaLnBrk="1" latinLnBrk="1" hangingPunct="1">
+                <a:defRPr kumimoji="1" kern="1200">
+                  <a:solidFill>
+                    <a:schemeClr val="lt1"/>
+                  </a:solidFill>
+                  <a:latin typeface="+mn-lt"/>
+                  <a:ea typeface="+mn-ea"/>
+                  <a:cs typeface="+mn-cs"/>
+                </a:defRPr>
+              </a:lvl6pPr>
+              <a:lvl7pPr marL="2743200" algn="l" defTabSz="914400" rtl="0" eaLnBrk="1" latinLnBrk="1" hangingPunct="1">
+                <a:defRPr kumimoji="1" kern="1200">
+                  <a:solidFill>
+                    <a:schemeClr val="lt1"/>
+                  </a:solidFill>
+                  <a:latin typeface="+mn-lt"/>
+                  <a:ea typeface="+mn-ea"/>
+                  <a:cs typeface="+mn-cs"/>
+                </a:defRPr>
+              </a:lvl7pPr>
+              <a:lvl8pPr marL="3200400" algn="l" defTabSz="914400" rtl="0" eaLnBrk="1" latinLnBrk="1" hangingPunct="1">
+                <a:defRPr kumimoji="1" kern="1200">
+                  <a:solidFill>
+                    <a:schemeClr val="lt1"/>
+                  </a:solidFill>
+                  <a:latin typeface="+mn-lt"/>
+                  <a:ea typeface="+mn-ea"/>
+                  <a:cs typeface="+mn-cs"/>
+                </a:defRPr>
+              </a:lvl8pPr>
+              <a:lvl9pPr marL="3657600" algn="l" defTabSz="914400" rtl="0" eaLnBrk="1" latinLnBrk="1" hangingPunct="1">
+                <a:defRPr kumimoji="1" kern="1200">
+                  <a:solidFill>
+                    <a:schemeClr val="lt1"/>
+                  </a:solidFill>
+                  <a:latin typeface="+mn-lt"/>
+                  <a:ea typeface="+mn-ea"/>
+                  <a:cs typeface="+mn-cs"/>
+                </a:defRPr>
+              </a:lvl9pPr>
+            </a:lstStyle>
+            <a:p>
+              <a:pPr algn="ctr"/>
+              <a:r>
+                <a:rPr lang="en-US" altLang="ko-KR" sz="1000" dirty="0" smtClean="0"/>
+                <a:t>Regulator &amp; LDO</a:t>
+              </a:r>
+            </a:p>
+            <a:p>
+              <a:pPr algn="ctr"/>
+              <a:r>
+                <a:rPr lang="en-US" altLang="ko-KR" sz="1000" dirty="0" smtClean="0"/>
+                <a:t>5V, 3.3V</a:t>
+              </a:r>
+              <a:endParaRPr lang="ko-KR" altLang="en-US" sz="1000" dirty="0"/>
+            </a:p>
+          </p:txBody>
+        </p:sp>
+        <p:sp>
+          <p:nvSpPr>
+            <p:cNvPr id="11" name="모서리가 둥근 직사각형 10"/>
+            <p:cNvSpPr/>
+            <p:nvPr/>
+          </p:nvSpPr>
+          <p:spPr>
+            <a:xfrm>
+              <a:off x="3973624" y="1167594"/>
+              <a:ext cx="1584176" cy="1512168"/>
+            </a:xfrm>
+            <a:prstGeom prst="roundRect">
+              <a:avLst/>
+            </a:prstGeom>
+            <a:solidFill>
+              <a:srgbClr val="0070C0"/>
+            </a:solidFill>
+            <a:ln>
+              <a:solidFill>
+                <a:srgbClr val="0070C0"/>
+              </a:solidFill>
+            </a:ln>
+          </p:spPr>
+          <p:style>
+            <a:lnRef idx="2">
+              <a:schemeClr val="accent1">
+                <a:shade val="50000"/>
+              </a:schemeClr>
+            </a:lnRef>
+            <a:fillRef idx="1">
+              <a:schemeClr val="accent1"/>
+            </a:fillRef>
+            <a:effectRef idx="0">
+              <a:schemeClr val="accent1"/>
+            </a:effectRef>
+            <a:fontRef idx="minor">
+              <a:schemeClr val="lt1"/>
+            </a:fontRef>
+          </p:style>
+          <p:txBody>
+            <a:bodyPr rtlCol="0" anchor="ctr"/>
+            <a:lstStyle>
+              <a:defPPr>
+                <a:defRPr lang="ko-KR"/>
+              </a:defPPr>
+              <a:lvl1pPr algn="l" rtl="0" eaLnBrk="0" fontAlgn="base" hangingPunct="0">
+                <a:spcBef>
+                  <a:spcPct val="0"/>
+                </a:spcBef>
+                <a:spcAft>
+                  <a:spcPct val="0"/>
+                </a:spcAft>
+                <a:defRPr kumimoji="1" kern="1200">
+                  <a:solidFill>
+                    <a:schemeClr val="lt1"/>
+                  </a:solidFill>
+                  <a:latin typeface="+mn-lt"/>
+                  <a:ea typeface="+mn-ea"/>
+                  <a:cs typeface="+mn-cs"/>
+                </a:defRPr>
+              </a:lvl1pPr>
+              <a:lvl2pPr marL="457200" algn="l" rtl="0" eaLnBrk="0" fontAlgn="base" hangingPunct="0">
+                <a:spcBef>
+                  <a:spcPct val="0"/>
+                </a:spcBef>
+                <a:spcAft>
+                  <a:spcPct val="0"/>
+                </a:spcAft>
+                <a:defRPr kumimoji="1" kern="1200">
+                  <a:solidFill>
+                    <a:schemeClr val="lt1"/>
+                  </a:solidFill>
+                  <a:latin typeface="+mn-lt"/>
+                  <a:ea typeface="+mn-ea"/>
+                  <a:cs typeface="+mn-cs"/>
+                </a:defRPr>
+              </a:lvl2pPr>
+              <a:lvl3pPr marL="914400" algn="l" rtl="0" eaLnBrk="0" fontAlgn="base" hangingPunct="0">
+                <a:spcBef>
+                  <a:spcPct val="0"/>
+                </a:spcBef>
+                <a:spcAft>
+                  <a:spcPct val="0"/>
+                </a:spcAft>
+                <a:defRPr kumimoji="1" kern="1200">
+                  <a:solidFill>
+                    <a:schemeClr val="lt1"/>
+                  </a:solidFill>
+                  <a:latin typeface="+mn-lt"/>
+                  <a:ea typeface="+mn-ea"/>
+                  <a:cs typeface="+mn-cs"/>
+                </a:defRPr>
+              </a:lvl3pPr>
+              <a:lvl4pPr marL="1371600" algn="l" rtl="0" eaLnBrk="0" fontAlgn="base" hangingPunct="0">
+                <a:spcBef>
+                  <a:spcPct val="0"/>
+                </a:spcBef>
+                <a:spcAft>
+                  <a:spcPct val="0"/>
+                </a:spcAft>
+                <a:defRPr kumimoji="1" kern="1200">
+                  <a:solidFill>
+                    <a:schemeClr val="lt1"/>
+                  </a:solidFill>
+                  <a:latin typeface="+mn-lt"/>
+                  <a:ea typeface="+mn-ea"/>
+                  <a:cs typeface="+mn-cs"/>
+                </a:defRPr>
+              </a:lvl4pPr>
+              <a:lvl5pPr marL="1828800" algn="l" rtl="0" eaLnBrk="0" fontAlgn="base" hangingPunct="0">
+                <a:spcBef>
+                  <a:spcPct val="0"/>
+                </a:spcBef>
+                <a:spcAft>
+                  <a:spcPct val="0"/>
+                </a:spcAft>
+                <a:defRPr kumimoji="1" kern="1200">
+                  <a:solidFill>
+                    <a:schemeClr val="lt1"/>
+                  </a:solidFill>
+                  <a:latin typeface="+mn-lt"/>
+                  <a:ea typeface="+mn-ea"/>
+                  <a:cs typeface="+mn-cs"/>
+                </a:defRPr>
+              </a:lvl5pPr>
+              <a:lvl6pPr marL="2286000" algn="l" defTabSz="914400" rtl="0" eaLnBrk="1" latinLnBrk="1" hangingPunct="1">
+                <a:defRPr kumimoji="1" kern="1200">
+                  <a:solidFill>
+                    <a:schemeClr val="lt1"/>
+                  </a:solidFill>
+                  <a:latin typeface="+mn-lt"/>
+                  <a:ea typeface="+mn-ea"/>
+                  <a:cs typeface="+mn-cs"/>
+                </a:defRPr>
+              </a:lvl6pPr>
+              <a:lvl7pPr marL="2743200" algn="l" defTabSz="914400" rtl="0" eaLnBrk="1" latinLnBrk="1" hangingPunct="1">
+                <a:defRPr kumimoji="1" kern="1200">
+                  <a:solidFill>
+                    <a:schemeClr val="lt1"/>
+                  </a:solidFill>
+                  <a:latin typeface="+mn-lt"/>
+                  <a:ea typeface="+mn-ea"/>
+                  <a:cs typeface="+mn-cs"/>
+                </a:defRPr>
+              </a:lvl7pPr>
+              <a:lvl8pPr marL="3200400" algn="l" defTabSz="914400" rtl="0" eaLnBrk="1" latinLnBrk="1" hangingPunct="1">
+                <a:defRPr kumimoji="1" kern="1200">
+                  <a:solidFill>
+                    <a:schemeClr val="lt1"/>
+                  </a:solidFill>
+                  <a:latin typeface="+mn-lt"/>
+                  <a:ea typeface="+mn-ea"/>
+                  <a:cs typeface="+mn-cs"/>
+                </a:defRPr>
+              </a:lvl8pPr>
+              <a:lvl9pPr marL="3657600" algn="l" defTabSz="914400" rtl="0" eaLnBrk="1" latinLnBrk="1" hangingPunct="1">
+                <a:defRPr kumimoji="1" kern="1200">
+                  <a:solidFill>
+                    <a:schemeClr val="lt1"/>
+                  </a:solidFill>
+                  <a:latin typeface="+mn-lt"/>
+                  <a:ea typeface="+mn-ea"/>
+                  <a:cs typeface="+mn-cs"/>
+                </a:defRPr>
+              </a:lvl9pPr>
+            </a:lstStyle>
+            <a:p>
+              <a:pPr algn="ctr"/>
+              <a:r>
+                <a:rPr lang="en-US" altLang="ko-KR" sz="1200" dirty="0" smtClean="0"/>
+                <a:t>STM32F103</a:t>
+              </a:r>
+            </a:p>
+          </p:txBody>
+        </p:sp>
+        <p:sp>
+          <p:nvSpPr>
+            <p:cNvPr id="12" name="모서리가 둥근 직사각형 11"/>
+            <p:cNvSpPr/>
+            <p:nvPr/>
+          </p:nvSpPr>
+          <p:spPr>
+            <a:xfrm>
+              <a:off x="5917840" y="1635646"/>
+              <a:ext cx="1872208" cy="288032"/>
+            </a:xfrm>
+            <a:prstGeom prst="roundRect">
+              <a:avLst/>
+            </a:prstGeom>
+            <a:solidFill>
+              <a:srgbClr val="0070C0"/>
+            </a:solidFill>
+            <a:ln>
+              <a:solidFill>
+                <a:srgbClr val="0070C0"/>
+              </a:solidFill>
+            </a:ln>
+          </p:spPr>
+          <p:style>
+            <a:lnRef idx="2">
+              <a:schemeClr val="accent1">
+                <a:shade val="50000"/>
+              </a:schemeClr>
+            </a:lnRef>
+            <a:fillRef idx="1">
+              <a:schemeClr val="accent1"/>
+            </a:fillRef>
+            <a:effectRef idx="0">
+              <a:schemeClr val="accent1"/>
+            </a:effectRef>
+            <a:fontRef idx="minor">
+              <a:schemeClr val="lt1"/>
+            </a:fontRef>
+          </p:style>
+          <p:txBody>
+            <a:bodyPr rtlCol="0" anchor="ctr"/>
+            <a:lstStyle>
+              <a:defPPr>
+                <a:defRPr lang="ko-KR"/>
+              </a:defPPr>
+              <a:lvl1pPr algn="l" rtl="0" eaLnBrk="0" fontAlgn="base" hangingPunct="0">
+                <a:spcBef>
+                  <a:spcPct val="0"/>
+                </a:spcBef>
+                <a:spcAft>
+                  <a:spcPct val="0"/>
+                </a:spcAft>
+                <a:defRPr kumimoji="1" kern="1200">
+                  <a:solidFill>
+                    <a:schemeClr val="lt1"/>
+                  </a:solidFill>
+                  <a:latin typeface="+mn-lt"/>
+                  <a:ea typeface="+mn-ea"/>
+                  <a:cs typeface="+mn-cs"/>
+                </a:defRPr>
+              </a:lvl1pPr>
+              <a:lvl2pPr marL="457200" algn="l" rtl="0" eaLnBrk="0" fontAlgn="base" hangingPunct="0">
+                <a:spcBef>
+                  <a:spcPct val="0"/>
+                </a:spcBef>
+                <a:spcAft>
+                  <a:spcPct val="0"/>
+                </a:spcAft>
+                <a:defRPr kumimoji="1" kern="1200">
+                  <a:solidFill>
+                    <a:schemeClr val="lt1"/>
+                  </a:solidFill>
+                  <a:latin typeface="+mn-lt"/>
+                  <a:ea typeface="+mn-ea"/>
+                  <a:cs typeface="+mn-cs"/>
+                </a:defRPr>
+              </a:lvl2pPr>
+              <a:lvl3pPr marL="914400" algn="l" rtl="0" eaLnBrk="0" fontAlgn="base" hangingPunct="0">
+                <a:spcBef>
+                  <a:spcPct val="0"/>
+                </a:spcBef>
+                <a:spcAft>
+                  <a:spcPct val="0"/>
+                </a:spcAft>
+                <a:defRPr kumimoji="1" kern="1200">
+                  <a:solidFill>
+                    <a:schemeClr val="lt1"/>
+                  </a:solidFill>
+                  <a:latin typeface="+mn-lt"/>
+                  <a:ea typeface="+mn-ea"/>
+                  <a:cs typeface="+mn-cs"/>
+                </a:defRPr>
+              </a:lvl3pPr>
+              <a:lvl4pPr marL="1371600" algn="l" rtl="0" eaLnBrk="0" fontAlgn="base" hangingPunct="0">
+                <a:spcBef>
+                  <a:spcPct val="0"/>
+                </a:spcBef>
+                <a:spcAft>
+                  <a:spcPct val="0"/>
+                </a:spcAft>
+                <a:defRPr kumimoji="1" kern="1200">
+                  <a:solidFill>
+                    <a:schemeClr val="lt1"/>
+                  </a:solidFill>
+                  <a:latin typeface="+mn-lt"/>
+                  <a:ea typeface="+mn-ea"/>
+                  <a:cs typeface="+mn-cs"/>
+                </a:defRPr>
+              </a:lvl4pPr>
+              <a:lvl5pPr marL="1828800" algn="l" rtl="0" eaLnBrk="0" fontAlgn="base" hangingPunct="0">
+                <a:spcBef>
+                  <a:spcPct val="0"/>
+                </a:spcBef>
+                <a:spcAft>
+                  <a:spcPct val="0"/>
+                </a:spcAft>
+                <a:defRPr kumimoji="1" kern="1200">
+                  <a:solidFill>
+                    <a:schemeClr val="lt1"/>
+                  </a:solidFill>
+                  <a:latin typeface="+mn-lt"/>
+                  <a:ea typeface="+mn-ea"/>
+                  <a:cs typeface="+mn-cs"/>
+                </a:defRPr>
+              </a:lvl5pPr>
+              <a:lvl6pPr marL="2286000" algn="l" defTabSz="914400" rtl="0" eaLnBrk="1" latinLnBrk="1" hangingPunct="1">
+                <a:defRPr kumimoji="1" kern="1200">
+                  <a:solidFill>
+                    <a:schemeClr val="lt1"/>
+                  </a:solidFill>
+                  <a:latin typeface="+mn-lt"/>
+                  <a:ea typeface="+mn-ea"/>
+                  <a:cs typeface="+mn-cs"/>
+                </a:defRPr>
+              </a:lvl6pPr>
+              <a:lvl7pPr marL="2743200" algn="l" defTabSz="914400" rtl="0" eaLnBrk="1" latinLnBrk="1" hangingPunct="1">
+                <a:defRPr kumimoji="1" kern="1200">
+                  <a:solidFill>
+                    <a:schemeClr val="lt1"/>
+                  </a:solidFill>
+                  <a:latin typeface="+mn-lt"/>
+                  <a:ea typeface="+mn-ea"/>
+                  <a:cs typeface="+mn-cs"/>
+                </a:defRPr>
+              </a:lvl7pPr>
+              <a:lvl8pPr marL="3200400" algn="l" defTabSz="914400" rtl="0" eaLnBrk="1" latinLnBrk="1" hangingPunct="1">
+                <a:defRPr kumimoji="1" kern="1200">
+                  <a:solidFill>
+                    <a:schemeClr val="lt1"/>
+                  </a:solidFill>
+                  <a:latin typeface="+mn-lt"/>
+                  <a:ea typeface="+mn-ea"/>
+                  <a:cs typeface="+mn-cs"/>
+                </a:defRPr>
+              </a:lvl8pPr>
+              <a:lvl9pPr marL="3657600" algn="l" defTabSz="914400" rtl="0" eaLnBrk="1" latinLnBrk="1" hangingPunct="1">
+                <a:defRPr kumimoji="1" kern="1200">
+                  <a:solidFill>
+                    <a:schemeClr val="lt1"/>
+                  </a:solidFill>
+                  <a:latin typeface="+mn-lt"/>
+                  <a:ea typeface="+mn-ea"/>
+                  <a:cs typeface="+mn-cs"/>
+                </a:defRPr>
+              </a:lvl9pPr>
+            </a:lstStyle>
+            <a:p>
+              <a:pPr algn="ctr"/>
+              <a:r>
+                <a:rPr lang="en-US" altLang="ko-KR" sz="1200" dirty="0" smtClean="0"/>
+                <a:t>Sensor IN x4</a:t>
+              </a:r>
+              <a:endParaRPr lang="ko-KR" altLang="en-US" sz="1200" dirty="0"/>
+            </a:p>
+          </p:txBody>
+        </p:sp>
+        <p:sp>
+          <p:nvSpPr>
+            <p:cNvPr id="13" name="모서리가 둥근 직사각형 12"/>
+            <p:cNvSpPr/>
+            <p:nvPr/>
+          </p:nvSpPr>
+          <p:spPr>
+            <a:xfrm>
+              <a:off x="5917840" y="1995686"/>
+              <a:ext cx="1872208" cy="288032"/>
+            </a:xfrm>
+            <a:prstGeom prst="roundRect">
+              <a:avLst/>
+            </a:prstGeom>
+            <a:solidFill>
+              <a:srgbClr val="0070C0"/>
+            </a:solidFill>
+            <a:ln>
+              <a:solidFill>
+                <a:srgbClr val="0070C0"/>
+              </a:solidFill>
+            </a:ln>
+          </p:spPr>
+          <p:style>
+            <a:lnRef idx="2">
+              <a:schemeClr val="accent1">
+                <a:shade val="50000"/>
+              </a:schemeClr>
+            </a:lnRef>
+            <a:fillRef idx="1">
+              <a:schemeClr val="accent1"/>
+            </a:fillRef>
+            <a:effectRef idx="0">
+              <a:schemeClr val="accent1"/>
+            </a:effectRef>
+            <a:fontRef idx="minor">
+              <a:schemeClr val="lt1"/>
+            </a:fontRef>
+          </p:style>
+          <p:txBody>
+            <a:bodyPr rtlCol="0" anchor="ctr"/>
+            <a:lstStyle>
+              <a:defPPr>
+                <a:defRPr lang="ko-KR"/>
+              </a:defPPr>
+              <a:lvl1pPr algn="l" rtl="0" eaLnBrk="0" fontAlgn="base" hangingPunct="0">
+                <a:spcBef>
+                  <a:spcPct val="0"/>
+                </a:spcBef>
+                <a:spcAft>
+                  <a:spcPct val="0"/>
+                </a:spcAft>
+                <a:defRPr kumimoji="1" kern="1200">
+                  <a:solidFill>
+                    <a:schemeClr val="lt1"/>
+                  </a:solidFill>
+                  <a:latin typeface="+mn-lt"/>
+                  <a:ea typeface="+mn-ea"/>
+                  <a:cs typeface="+mn-cs"/>
+                </a:defRPr>
+              </a:lvl1pPr>
+              <a:lvl2pPr marL="457200" algn="l" rtl="0" eaLnBrk="0" fontAlgn="base" hangingPunct="0">
+                <a:spcBef>
+                  <a:spcPct val="0"/>
+                </a:spcBef>
+                <a:spcAft>
+                  <a:spcPct val="0"/>
+                </a:spcAft>
+                <a:defRPr kumimoji="1" kern="1200">
+                  <a:solidFill>
+                    <a:schemeClr val="lt1"/>
+                  </a:solidFill>
+                  <a:latin typeface="+mn-lt"/>
+                  <a:ea typeface="+mn-ea"/>
+                  <a:cs typeface="+mn-cs"/>
+                </a:defRPr>
+              </a:lvl2pPr>
+              <a:lvl3pPr marL="914400" algn="l" rtl="0" eaLnBrk="0" fontAlgn="base" hangingPunct="0">
+                <a:spcBef>
+                  <a:spcPct val="0"/>
+                </a:spcBef>
+                <a:spcAft>
+                  <a:spcPct val="0"/>
+                </a:spcAft>
+                <a:defRPr kumimoji="1" kern="1200">
+                  <a:solidFill>
+                    <a:schemeClr val="lt1"/>
+                  </a:solidFill>
+                  <a:latin typeface="+mn-lt"/>
+                  <a:ea typeface="+mn-ea"/>
+                  <a:cs typeface="+mn-cs"/>
+                </a:defRPr>
+              </a:lvl3pPr>
+              <a:lvl4pPr marL="1371600" algn="l" rtl="0" eaLnBrk="0" fontAlgn="base" hangingPunct="0">
+                <a:spcBef>
+                  <a:spcPct val="0"/>
+                </a:spcBef>
+                <a:spcAft>
+                  <a:spcPct val="0"/>
+                </a:spcAft>
+                <a:defRPr kumimoji="1" kern="1200">
+                  <a:solidFill>
+                    <a:schemeClr val="lt1"/>
+                  </a:solidFill>
+                  <a:latin typeface="+mn-lt"/>
+                  <a:ea typeface="+mn-ea"/>
+                  <a:cs typeface="+mn-cs"/>
+                </a:defRPr>
+              </a:lvl4pPr>
+              <a:lvl5pPr marL="1828800" algn="l" rtl="0" eaLnBrk="0" fontAlgn="base" hangingPunct="0">
+                <a:spcBef>
+                  <a:spcPct val="0"/>
+                </a:spcBef>
+                <a:spcAft>
+                  <a:spcPct val="0"/>
+                </a:spcAft>
+                <a:defRPr kumimoji="1" kern="1200">
+                  <a:solidFill>
+                    <a:schemeClr val="lt1"/>
+                  </a:solidFill>
+                  <a:latin typeface="+mn-lt"/>
+                  <a:ea typeface="+mn-ea"/>
+                  <a:cs typeface="+mn-cs"/>
+                </a:defRPr>
+              </a:lvl5pPr>
+              <a:lvl6pPr marL="2286000" algn="l" defTabSz="914400" rtl="0" eaLnBrk="1" latinLnBrk="1" hangingPunct="1">
+                <a:defRPr kumimoji="1" kern="1200">
+                  <a:solidFill>
+                    <a:schemeClr val="lt1"/>
+                  </a:solidFill>
+                  <a:latin typeface="+mn-lt"/>
+                  <a:ea typeface="+mn-ea"/>
+                  <a:cs typeface="+mn-cs"/>
+                </a:defRPr>
+              </a:lvl6pPr>
+              <a:lvl7pPr marL="2743200" algn="l" defTabSz="914400" rtl="0" eaLnBrk="1" latinLnBrk="1" hangingPunct="1">
+                <a:defRPr kumimoji="1" kern="1200">
+                  <a:solidFill>
+                    <a:schemeClr val="lt1"/>
+                  </a:solidFill>
+                  <a:latin typeface="+mn-lt"/>
+                  <a:ea typeface="+mn-ea"/>
+                  <a:cs typeface="+mn-cs"/>
+                </a:defRPr>
+              </a:lvl7pPr>
+              <a:lvl8pPr marL="3200400" algn="l" defTabSz="914400" rtl="0" eaLnBrk="1" latinLnBrk="1" hangingPunct="1">
+                <a:defRPr kumimoji="1" kern="1200">
+                  <a:solidFill>
+                    <a:schemeClr val="lt1"/>
+                  </a:solidFill>
+                  <a:latin typeface="+mn-lt"/>
+                  <a:ea typeface="+mn-ea"/>
+                  <a:cs typeface="+mn-cs"/>
+                </a:defRPr>
+              </a:lvl8pPr>
+              <a:lvl9pPr marL="3657600" algn="l" defTabSz="914400" rtl="0" eaLnBrk="1" latinLnBrk="1" hangingPunct="1">
+                <a:defRPr kumimoji="1" kern="1200">
+                  <a:solidFill>
+                    <a:schemeClr val="lt1"/>
+                  </a:solidFill>
+                  <a:latin typeface="+mn-lt"/>
+                  <a:ea typeface="+mn-ea"/>
+                  <a:cs typeface="+mn-cs"/>
+                </a:defRPr>
+              </a:lvl9pPr>
+            </a:lstStyle>
+            <a:p>
+              <a:pPr algn="ctr"/>
+              <a:r>
+                <a:rPr lang="en-US" altLang="ko-KR" sz="1200" dirty="0" smtClean="0"/>
+                <a:t>GPO x2</a:t>
+              </a:r>
+              <a:endParaRPr lang="ko-KR" altLang="en-US" sz="1200" dirty="0"/>
+            </a:p>
+          </p:txBody>
+        </p:sp>
+        <p:sp>
+          <p:nvSpPr>
+            <p:cNvPr id="14" name="모서리가 둥근 직사각형 13"/>
+            <p:cNvSpPr/>
+            <p:nvPr/>
+          </p:nvSpPr>
+          <p:spPr>
+            <a:xfrm>
+              <a:off x="2029408" y="1743658"/>
+              <a:ext cx="1584176" cy="288032"/>
+            </a:xfrm>
+            <a:prstGeom prst="roundRect">
+              <a:avLst/>
+            </a:prstGeom>
+            <a:solidFill>
+              <a:srgbClr val="0070C0"/>
+            </a:solidFill>
+            <a:ln>
+              <a:solidFill>
+                <a:srgbClr val="0070C0"/>
+              </a:solidFill>
+            </a:ln>
+          </p:spPr>
+          <p:style>
+            <a:lnRef idx="2">
+              <a:schemeClr val="accent1">
+                <a:shade val="50000"/>
+              </a:schemeClr>
+            </a:lnRef>
+            <a:fillRef idx="1">
+              <a:schemeClr val="accent1"/>
+            </a:fillRef>
+            <a:effectRef idx="0">
+              <a:schemeClr val="accent1"/>
+            </a:effectRef>
+            <a:fontRef idx="minor">
+              <a:schemeClr val="lt1"/>
+            </a:fontRef>
+          </p:style>
+          <p:txBody>
+            <a:bodyPr rtlCol="0" anchor="ctr"/>
+            <a:lstStyle>
+              <a:defPPr>
+                <a:defRPr lang="ko-KR"/>
+              </a:defPPr>
+              <a:lvl1pPr algn="l" rtl="0" eaLnBrk="0" fontAlgn="base" hangingPunct="0">
+                <a:spcBef>
+                  <a:spcPct val="0"/>
+                </a:spcBef>
+                <a:spcAft>
+                  <a:spcPct val="0"/>
+                </a:spcAft>
+                <a:defRPr kumimoji="1" kern="1200">
+                  <a:solidFill>
+                    <a:schemeClr val="lt1"/>
+                  </a:solidFill>
+                  <a:latin typeface="+mn-lt"/>
+                  <a:ea typeface="+mn-ea"/>
+                  <a:cs typeface="+mn-cs"/>
+                </a:defRPr>
+              </a:lvl1pPr>
+              <a:lvl2pPr marL="457200" algn="l" rtl="0" eaLnBrk="0" fontAlgn="base" hangingPunct="0">
+                <a:spcBef>
+                  <a:spcPct val="0"/>
+                </a:spcBef>
+                <a:spcAft>
+                  <a:spcPct val="0"/>
+                </a:spcAft>
+                <a:defRPr kumimoji="1" kern="1200">
+                  <a:solidFill>
+                    <a:schemeClr val="lt1"/>
+                  </a:solidFill>
+                  <a:latin typeface="+mn-lt"/>
+                  <a:ea typeface="+mn-ea"/>
+                  <a:cs typeface="+mn-cs"/>
+                </a:defRPr>
+              </a:lvl2pPr>
+              <a:lvl3pPr marL="914400" algn="l" rtl="0" eaLnBrk="0" fontAlgn="base" hangingPunct="0">
+                <a:spcBef>
+                  <a:spcPct val="0"/>
+                </a:spcBef>
+                <a:spcAft>
+                  <a:spcPct val="0"/>
+                </a:spcAft>
+                <a:defRPr kumimoji="1" kern="1200">
+                  <a:solidFill>
+                    <a:schemeClr val="lt1"/>
+                  </a:solidFill>
+                  <a:latin typeface="+mn-lt"/>
+                  <a:ea typeface="+mn-ea"/>
+                  <a:cs typeface="+mn-cs"/>
+                </a:defRPr>
+              </a:lvl3pPr>
+              <a:lvl4pPr marL="1371600" algn="l" rtl="0" eaLnBrk="0" fontAlgn="base" hangingPunct="0">
+                <a:spcBef>
+                  <a:spcPct val="0"/>
+                </a:spcBef>
+                <a:spcAft>
+                  <a:spcPct val="0"/>
+                </a:spcAft>
+                <a:defRPr kumimoji="1" kern="1200">
+                  <a:solidFill>
+                    <a:schemeClr val="lt1"/>
+                  </a:solidFill>
+                  <a:latin typeface="+mn-lt"/>
+                  <a:ea typeface="+mn-ea"/>
+                  <a:cs typeface="+mn-cs"/>
+                </a:defRPr>
+              </a:lvl4pPr>
+              <a:lvl5pPr marL="1828800" algn="l" rtl="0" eaLnBrk="0" fontAlgn="base" hangingPunct="0">
+                <a:spcBef>
+                  <a:spcPct val="0"/>
+                </a:spcBef>
+                <a:spcAft>
+                  <a:spcPct val="0"/>
+                </a:spcAft>
+                <a:defRPr kumimoji="1" kern="1200">
+                  <a:solidFill>
+                    <a:schemeClr val="lt1"/>
+                  </a:solidFill>
+                  <a:latin typeface="+mn-lt"/>
+                  <a:ea typeface="+mn-ea"/>
+                  <a:cs typeface="+mn-cs"/>
+                </a:defRPr>
+              </a:lvl5pPr>
+              <a:lvl6pPr marL="2286000" algn="l" defTabSz="914400" rtl="0" eaLnBrk="1" latinLnBrk="1" hangingPunct="1">
+                <a:defRPr kumimoji="1" kern="1200">
+                  <a:solidFill>
+                    <a:schemeClr val="lt1"/>
+                  </a:solidFill>
+                  <a:latin typeface="+mn-lt"/>
+                  <a:ea typeface="+mn-ea"/>
+                  <a:cs typeface="+mn-cs"/>
+                </a:defRPr>
+              </a:lvl6pPr>
+              <a:lvl7pPr marL="2743200" algn="l" defTabSz="914400" rtl="0" eaLnBrk="1" latinLnBrk="1" hangingPunct="1">
+                <a:defRPr kumimoji="1" kern="1200">
+                  <a:solidFill>
+                    <a:schemeClr val="lt1"/>
+                  </a:solidFill>
+                  <a:latin typeface="+mn-lt"/>
+                  <a:ea typeface="+mn-ea"/>
+                  <a:cs typeface="+mn-cs"/>
+                </a:defRPr>
+              </a:lvl7pPr>
+              <a:lvl8pPr marL="3200400" algn="l" defTabSz="914400" rtl="0" eaLnBrk="1" latinLnBrk="1" hangingPunct="1">
+                <a:defRPr kumimoji="1" kern="1200">
+                  <a:solidFill>
+                    <a:schemeClr val="lt1"/>
+                  </a:solidFill>
+                  <a:latin typeface="+mn-lt"/>
+                  <a:ea typeface="+mn-ea"/>
+                  <a:cs typeface="+mn-cs"/>
+                </a:defRPr>
+              </a:lvl8pPr>
+              <a:lvl9pPr marL="3657600" algn="l" defTabSz="914400" rtl="0" eaLnBrk="1" latinLnBrk="1" hangingPunct="1">
+                <a:defRPr kumimoji="1" kern="1200">
+                  <a:solidFill>
+                    <a:schemeClr val="lt1"/>
+                  </a:solidFill>
+                  <a:latin typeface="+mn-lt"/>
+                  <a:ea typeface="+mn-ea"/>
+                  <a:cs typeface="+mn-cs"/>
+                </a:defRPr>
+              </a:lvl9pPr>
+            </a:lstStyle>
+            <a:p>
+              <a:pPr algn="ctr"/>
+              <a:r>
+                <a:rPr lang="en-US" altLang="ko-KR" sz="1000" dirty="0" smtClean="0"/>
+                <a:t>Status LEDs x4</a:t>
+              </a:r>
+              <a:endParaRPr lang="ko-KR" altLang="en-US" sz="1000" dirty="0"/>
+            </a:p>
+          </p:txBody>
+        </p:sp>
+        <p:sp>
+          <p:nvSpPr>
+            <p:cNvPr id="15" name="모서리가 둥근 직사각형 14"/>
+            <p:cNvSpPr/>
+            <p:nvPr/>
+          </p:nvSpPr>
+          <p:spPr>
+            <a:xfrm>
+              <a:off x="5917840" y="1167594"/>
+              <a:ext cx="1872208" cy="396044"/>
+            </a:xfrm>
+            <a:prstGeom prst="roundRect">
+              <a:avLst/>
+            </a:prstGeom>
+            <a:solidFill>
+              <a:srgbClr val="0070C0"/>
+            </a:solidFill>
+            <a:ln>
+              <a:solidFill>
+                <a:srgbClr val="0070C0"/>
+              </a:solidFill>
+            </a:ln>
+          </p:spPr>
+          <p:style>
+            <a:lnRef idx="2">
+              <a:schemeClr val="accent1">
+                <a:shade val="50000"/>
+              </a:schemeClr>
+            </a:lnRef>
+            <a:fillRef idx="1">
+              <a:schemeClr val="accent1"/>
+            </a:fillRef>
+            <a:effectRef idx="0">
+              <a:schemeClr val="accent1"/>
+            </a:effectRef>
+            <a:fontRef idx="minor">
+              <a:schemeClr val="lt1"/>
+            </a:fontRef>
+          </p:style>
+          <p:txBody>
+            <a:bodyPr rtlCol="0" anchor="ctr"/>
+            <a:lstStyle>
+              <a:defPPr>
+                <a:defRPr lang="ko-KR"/>
+              </a:defPPr>
+              <a:lvl1pPr algn="l" rtl="0" eaLnBrk="0" fontAlgn="base" hangingPunct="0">
+                <a:spcBef>
+                  <a:spcPct val="0"/>
+                </a:spcBef>
+                <a:spcAft>
+                  <a:spcPct val="0"/>
+                </a:spcAft>
+                <a:defRPr kumimoji="1" kern="1200">
+                  <a:solidFill>
+                    <a:schemeClr val="lt1"/>
+                  </a:solidFill>
+                  <a:latin typeface="+mn-lt"/>
+                  <a:ea typeface="+mn-ea"/>
+                  <a:cs typeface="+mn-cs"/>
+                </a:defRPr>
+              </a:lvl1pPr>
+              <a:lvl2pPr marL="457200" algn="l" rtl="0" eaLnBrk="0" fontAlgn="base" hangingPunct="0">
+                <a:spcBef>
+                  <a:spcPct val="0"/>
+                </a:spcBef>
+                <a:spcAft>
+                  <a:spcPct val="0"/>
+                </a:spcAft>
+                <a:defRPr kumimoji="1" kern="1200">
+                  <a:solidFill>
+                    <a:schemeClr val="lt1"/>
+                  </a:solidFill>
+                  <a:latin typeface="+mn-lt"/>
+                  <a:ea typeface="+mn-ea"/>
+                  <a:cs typeface="+mn-cs"/>
+                </a:defRPr>
+              </a:lvl2pPr>
+              <a:lvl3pPr marL="914400" algn="l" rtl="0" eaLnBrk="0" fontAlgn="base" hangingPunct="0">
+                <a:spcBef>
+                  <a:spcPct val="0"/>
+                </a:spcBef>
+                <a:spcAft>
+                  <a:spcPct val="0"/>
+                </a:spcAft>
+                <a:defRPr kumimoji="1" kern="1200">
+                  <a:solidFill>
+                    <a:schemeClr val="lt1"/>
+                  </a:solidFill>
+                  <a:latin typeface="+mn-lt"/>
+                  <a:ea typeface="+mn-ea"/>
+                  <a:cs typeface="+mn-cs"/>
+                </a:defRPr>
+              </a:lvl3pPr>
+              <a:lvl4pPr marL="1371600" algn="l" rtl="0" eaLnBrk="0" fontAlgn="base" hangingPunct="0">
+                <a:spcBef>
+                  <a:spcPct val="0"/>
+                </a:spcBef>
+                <a:spcAft>
+                  <a:spcPct val="0"/>
+                </a:spcAft>
+                <a:defRPr kumimoji="1" kern="1200">
+                  <a:solidFill>
+                    <a:schemeClr val="lt1"/>
+                  </a:solidFill>
+                  <a:latin typeface="+mn-lt"/>
+                  <a:ea typeface="+mn-ea"/>
+                  <a:cs typeface="+mn-cs"/>
+                </a:defRPr>
+              </a:lvl4pPr>
+              <a:lvl5pPr marL="1828800" algn="l" rtl="0" eaLnBrk="0" fontAlgn="base" hangingPunct="0">
+                <a:spcBef>
+                  <a:spcPct val="0"/>
+                </a:spcBef>
+                <a:spcAft>
+                  <a:spcPct val="0"/>
+                </a:spcAft>
+                <a:defRPr kumimoji="1" kern="1200">
+                  <a:solidFill>
+                    <a:schemeClr val="lt1"/>
+                  </a:solidFill>
+                  <a:latin typeface="+mn-lt"/>
+                  <a:ea typeface="+mn-ea"/>
+                  <a:cs typeface="+mn-cs"/>
+                </a:defRPr>
+              </a:lvl5pPr>
+              <a:lvl6pPr marL="2286000" algn="l" defTabSz="914400" rtl="0" eaLnBrk="1" latinLnBrk="1" hangingPunct="1">
+                <a:defRPr kumimoji="1" kern="1200">
+                  <a:solidFill>
+                    <a:schemeClr val="lt1"/>
+                  </a:solidFill>
+                  <a:latin typeface="+mn-lt"/>
+                  <a:ea typeface="+mn-ea"/>
+                  <a:cs typeface="+mn-cs"/>
+                </a:defRPr>
+              </a:lvl6pPr>
+              <a:lvl7pPr marL="2743200" algn="l" defTabSz="914400" rtl="0" eaLnBrk="1" latinLnBrk="1" hangingPunct="1">
+                <a:defRPr kumimoji="1" kern="1200">
+                  <a:solidFill>
+                    <a:schemeClr val="lt1"/>
+                  </a:solidFill>
+                  <a:latin typeface="+mn-lt"/>
+                  <a:ea typeface="+mn-ea"/>
+                  <a:cs typeface="+mn-cs"/>
+                </a:defRPr>
+              </a:lvl7pPr>
+              <a:lvl8pPr marL="3200400" algn="l" defTabSz="914400" rtl="0" eaLnBrk="1" latinLnBrk="1" hangingPunct="1">
+                <a:defRPr kumimoji="1" kern="1200">
+                  <a:solidFill>
+                    <a:schemeClr val="lt1"/>
+                  </a:solidFill>
+                  <a:latin typeface="+mn-lt"/>
+                  <a:ea typeface="+mn-ea"/>
+                  <a:cs typeface="+mn-cs"/>
+                </a:defRPr>
+              </a:lvl8pPr>
+              <a:lvl9pPr marL="3657600" algn="l" defTabSz="914400" rtl="0" eaLnBrk="1" latinLnBrk="1" hangingPunct="1">
+                <a:defRPr kumimoji="1" kern="1200">
+                  <a:solidFill>
+                    <a:schemeClr val="lt1"/>
+                  </a:solidFill>
+                  <a:latin typeface="+mn-lt"/>
+                  <a:ea typeface="+mn-ea"/>
+                  <a:cs typeface="+mn-cs"/>
+                </a:defRPr>
+              </a:lvl9pPr>
+            </a:lstStyle>
+            <a:p>
+              <a:pPr algn="ctr"/>
+              <a:r>
+                <a:rPr lang="en-US" altLang="ko-KR" sz="1200" dirty="0" smtClean="0"/>
+                <a:t>UART x2(FT232 </a:t>
+              </a:r>
+            </a:p>
+            <a:p>
+              <a:pPr algn="ctr"/>
+              <a:r>
+                <a:rPr lang="en-US" altLang="ko-KR" sz="1200" dirty="0" smtClean="0"/>
+                <a:t>and isolated 485)</a:t>
+              </a:r>
+              <a:endParaRPr lang="ko-KR" altLang="en-US" sz="1200" dirty="0"/>
+            </a:p>
+          </p:txBody>
+        </p:sp>
+        <p:sp>
+          <p:nvSpPr>
+            <p:cNvPr id="16" name="모서리가 둥근 직사각형 15"/>
+            <p:cNvSpPr/>
+            <p:nvPr/>
+          </p:nvSpPr>
+          <p:spPr>
+            <a:xfrm>
+              <a:off x="3973624" y="3471850"/>
+              <a:ext cx="1584176" cy="432048"/>
+            </a:xfrm>
+            <a:prstGeom prst="roundRect">
+              <a:avLst/>
+            </a:prstGeom>
+            <a:solidFill>
+              <a:srgbClr val="0070C0"/>
+            </a:solidFill>
+            <a:ln>
+              <a:solidFill>
+                <a:srgbClr val="0070C0"/>
+              </a:solidFill>
+            </a:ln>
+          </p:spPr>
+          <p:style>
+            <a:lnRef idx="2">
+              <a:schemeClr val="accent1">
+                <a:shade val="50000"/>
+              </a:schemeClr>
+            </a:lnRef>
+            <a:fillRef idx="1">
+              <a:schemeClr val="accent1"/>
+            </a:fillRef>
+            <a:effectRef idx="0">
+              <a:schemeClr val="accent1"/>
+            </a:effectRef>
+            <a:fontRef idx="minor">
+              <a:schemeClr val="lt1"/>
+            </a:fontRef>
+          </p:style>
+          <p:txBody>
+            <a:bodyPr rtlCol="0" anchor="ctr"/>
+            <a:lstStyle>
+              <a:defPPr>
+                <a:defRPr lang="ko-KR"/>
+              </a:defPPr>
+              <a:lvl1pPr algn="l" rtl="0" eaLnBrk="0" fontAlgn="base" hangingPunct="0">
+                <a:spcBef>
+                  <a:spcPct val="0"/>
+                </a:spcBef>
+                <a:spcAft>
+                  <a:spcPct val="0"/>
+                </a:spcAft>
+                <a:defRPr kumimoji="1" kern="1200">
+                  <a:solidFill>
+                    <a:schemeClr val="lt1"/>
+                  </a:solidFill>
+                  <a:latin typeface="+mn-lt"/>
+                  <a:ea typeface="+mn-ea"/>
+                  <a:cs typeface="+mn-cs"/>
+                </a:defRPr>
+              </a:lvl1pPr>
+              <a:lvl2pPr marL="457200" algn="l" rtl="0" eaLnBrk="0" fontAlgn="base" hangingPunct="0">
+                <a:spcBef>
+                  <a:spcPct val="0"/>
+                </a:spcBef>
+                <a:spcAft>
+                  <a:spcPct val="0"/>
+                </a:spcAft>
+                <a:defRPr kumimoji="1" kern="1200">
+                  <a:solidFill>
+                    <a:schemeClr val="lt1"/>
+                  </a:solidFill>
+                  <a:latin typeface="+mn-lt"/>
+                  <a:ea typeface="+mn-ea"/>
+                  <a:cs typeface="+mn-cs"/>
+                </a:defRPr>
+              </a:lvl2pPr>
+              <a:lvl3pPr marL="914400" algn="l" rtl="0" eaLnBrk="0" fontAlgn="base" hangingPunct="0">
+                <a:spcBef>
+                  <a:spcPct val="0"/>
+                </a:spcBef>
+                <a:spcAft>
+                  <a:spcPct val="0"/>
+                </a:spcAft>
+                <a:defRPr kumimoji="1" kern="1200">
+                  <a:solidFill>
+                    <a:schemeClr val="lt1"/>
+                  </a:solidFill>
+                  <a:latin typeface="+mn-lt"/>
+                  <a:ea typeface="+mn-ea"/>
+                  <a:cs typeface="+mn-cs"/>
+                </a:defRPr>
+              </a:lvl3pPr>
+              <a:lvl4pPr marL="1371600" algn="l" rtl="0" eaLnBrk="0" fontAlgn="base" hangingPunct="0">
+                <a:spcBef>
+                  <a:spcPct val="0"/>
+                </a:spcBef>
+                <a:spcAft>
+                  <a:spcPct val="0"/>
+                </a:spcAft>
+                <a:defRPr kumimoji="1" kern="1200">
+                  <a:solidFill>
+                    <a:schemeClr val="lt1"/>
+                  </a:solidFill>
+                  <a:latin typeface="+mn-lt"/>
+                  <a:ea typeface="+mn-ea"/>
+                  <a:cs typeface="+mn-cs"/>
+                </a:defRPr>
+              </a:lvl4pPr>
+              <a:lvl5pPr marL="1828800" algn="l" rtl="0" eaLnBrk="0" fontAlgn="base" hangingPunct="0">
+                <a:spcBef>
+                  <a:spcPct val="0"/>
+                </a:spcBef>
+                <a:spcAft>
+                  <a:spcPct val="0"/>
+                </a:spcAft>
+                <a:defRPr kumimoji="1" kern="1200">
+                  <a:solidFill>
+                    <a:schemeClr val="lt1"/>
+                  </a:solidFill>
+                  <a:latin typeface="+mn-lt"/>
+                  <a:ea typeface="+mn-ea"/>
+                  <a:cs typeface="+mn-cs"/>
+                </a:defRPr>
+              </a:lvl5pPr>
+              <a:lvl6pPr marL="2286000" algn="l" defTabSz="914400" rtl="0" eaLnBrk="1" latinLnBrk="1" hangingPunct="1">
+                <a:defRPr kumimoji="1" kern="1200">
+                  <a:solidFill>
+                    <a:schemeClr val="lt1"/>
+                  </a:solidFill>
+                  <a:latin typeface="+mn-lt"/>
+                  <a:ea typeface="+mn-ea"/>
+                  <a:cs typeface="+mn-cs"/>
+                </a:defRPr>
+              </a:lvl6pPr>
+              <a:lvl7pPr marL="2743200" algn="l" defTabSz="914400" rtl="0" eaLnBrk="1" latinLnBrk="1" hangingPunct="1">
+                <a:defRPr kumimoji="1" kern="1200">
+                  <a:solidFill>
+                    <a:schemeClr val="lt1"/>
+                  </a:solidFill>
+                  <a:latin typeface="+mn-lt"/>
+                  <a:ea typeface="+mn-ea"/>
+                  <a:cs typeface="+mn-cs"/>
+                </a:defRPr>
+              </a:lvl7pPr>
+              <a:lvl8pPr marL="3200400" algn="l" defTabSz="914400" rtl="0" eaLnBrk="1" latinLnBrk="1" hangingPunct="1">
+                <a:defRPr kumimoji="1" kern="1200">
+                  <a:solidFill>
+                    <a:schemeClr val="lt1"/>
+                  </a:solidFill>
+                  <a:latin typeface="+mn-lt"/>
+                  <a:ea typeface="+mn-ea"/>
+                  <a:cs typeface="+mn-cs"/>
+                </a:defRPr>
+              </a:lvl8pPr>
+              <a:lvl9pPr marL="3657600" algn="l" defTabSz="914400" rtl="0" eaLnBrk="1" latinLnBrk="1" hangingPunct="1">
+                <a:defRPr kumimoji="1" kern="1200">
+                  <a:solidFill>
+                    <a:schemeClr val="lt1"/>
+                  </a:solidFill>
+                  <a:latin typeface="+mn-lt"/>
+                  <a:ea typeface="+mn-ea"/>
+                  <a:cs typeface="+mn-cs"/>
+                </a:defRPr>
+              </a:lvl9pPr>
+            </a:lstStyle>
+            <a:p>
+              <a:pPr algn="ctr"/>
+              <a:r>
+                <a:rPr lang="en-US" altLang="ko-KR" sz="1200" dirty="0" smtClean="0"/>
+                <a:t>TMC5160-TA</a:t>
+              </a:r>
+            </a:p>
+            <a:p>
+              <a:pPr algn="ctr"/>
+              <a:r>
+                <a:rPr lang="en-US" altLang="ko-KR" sz="1200" dirty="0" smtClean="0"/>
+                <a:t>TQFP-EP48</a:t>
+              </a:r>
+              <a:endParaRPr lang="ko-KR" altLang="en-US" sz="1200" dirty="0"/>
+            </a:p>
+          </p:txBody>
+        </p:sp>
+        <p:sp>
+          <p:nvSpPr>
+            <p:cNvPr id="17" name="위쪽/아래쪽 화살표 16"/>
+            <p:cNvSpPr/>
+            <p:nvPr/>
+          </p:nvSpPr>
+          <p:spPr>
+            <a:xfrm>
+              <a:off x="4549688" y="2751770"/>
+              <a:ext cx="484632" cy="648072"/>
+            </a:xfrm>
+            <a:prstGeom prst="upDownArrow">
+              <a:avLst/>
+            </a:prstGeom>
+            <a:solidFill>
+              <a:srgbClr val="0070C0"/>
+            </a:solidFill>
+            <a:ln>
+              <a:solidFill>
+                <a:srgbClr val="0070C0"/>
+              </a:solidFill>
+            </a:ln>
+          </p:spPr>
+          <p:style>
+            <a:lnRef idx="2">
+              <a:schemeClr val="accent1">
+                <a:shade val="50000"/>
+              </a:schemeClr>
+            </a:lnRef>
+            <a:fillRef idx="1">
+              <a:schemeClr val="accent1"/>
+            </a:fillRef>
+            <a:effectRef idx="0">
+              <a:schemeClr val="accent1"/>
+            </a:effectRef>
+            <a:fontRef idx="minor">
+              <a:schemeClr val="lt1"/>
+            </a:fontRef>
+          </p:style>
+          <p:txBody>
+            <a:bodyPr rtlCol="0" anchor="ctr"/>
+            <a:lstStyle>
+              <a:defPPr>
+                <a:defRPr lang="ko-KR"/>
+              </a:defPPr>
+              <a:lvl1pPr algn="l" rtl="0" eaLnBrk="0" fontAlgn="base" hangingPunct="0">
+                <a:spcBef>
+                  <a:spcPct val="0"/>
+                </a:spcBef>
+                <a:spcAft>
+                  <a:spcPct val="0"/>
+                </a:spcAft>
+                <a:defRPr kumimoji="1" kern="1200">
+                  <a:solidFill>
+                    <a:schemeClr val="lt1"/>
+                  </a:solidFill>
+                  <a:latin typeface="+mn-lt"/>
+                  <a:ea typeface="+mn-ea"/>
+                  <a:cs typeface="+mn-cs"/>
+                </a:defRPr>
+              </a:lvl1pPr>
+              <a:lvl2pPr marL="457200" algn="l" rtl="0" eaLnBrk="0" fontAlgn="base" hangingPunct="0">
+                <a:spcBef>
+                  <a:spcPct val="0"/>
+                </a:spcBef>
+                <a:spcAft>
+                  <a:spcPct val="0"/>
+                </a:spcAft>
+                <a:defRPr kumimoji="1" kern="1200">
+                  <a:solidFill>
+                    <a:schemeClr val="lt1"/>
+                  </a:solidFill>
+                  <a:latin typeface="+mn-lt"/>
+                  <a:ea typeface="+mn-ea"/>
+                  <a:cs typeface="+mn-cs"/>
+                </a:defRPr>
+              </a:lvl2pPr>
+              <a:lvl3pPr marL="914400" algn="l" rtl="0" eaLnBrk="0" fontAlgn="base" hangingPunct="0">
+                <a:spcBef>
+                  <a:spcPct val="0"/>
+                </a:spcBef>
+                <a:spcAft>
+                  <a:spcPct val="0"/>
+                </a:spcAft>
+                <a:defRPr kumimoji="1" kern="1200">
+                  <a:solidFill>
+                    <a:schemeClr val="lt1"/>
+                  </a:solidFill>
+                  <a:latin typeface="+mn-lt"/>
+                  <a:ea typeface="+mn-ea"/>
+                  <a:cs typeface="+mn-cs"/>
+                </a:defRPr>
+              </a:lvl3pPr>
+              <a:lvl4pPr marL="1371600" algn="l" rtl="0" eaLnBrk="0" fontAlgn="base" hangingPunct="0">
+                <a:spcBef>
+                  <a:spcPct val="0"/>
+                </a:spcBef>
+                <a:spcAft>
+                  <a:spcPct val="0"/>
+                </a:spcAft>
+                <a:defRPr kumimoji="1" kern="1200">
+                  <a:solidFill>
+                    <a:schemeClr val="lt1"/>
+                  </a:solidFill>
+                  <a:latin typeface="+mn-lt"/>
+                  <a:ea typeface="+mn-ea"/>
+                  <a:cs typeface="+mn-cs"/>
+                </a:defRPr>
+              </a:lvl4pPr>
+              <a:lvl5pPr marL="1828800" algn="l" rtl="0" eaLnBrk="0" fontAlgn="base" hangingPunct="0">
+                <a:spcBef>
+                  <a:spcPct val="0"/>
+                </a:spcBef>
+                <a:spcAft>
+                  <a:spcPct val="0"/>
+                </a:spcAft>
+                <a:defRPr kumimoji="1" kern="1200">
+                  <a:solidFill>
+                    <a:schemeClr val="lt1"/>
+                  </a:solidFill>
+                  <a:latin typeface="+mn-lt"/>
+                  <a:ea typeface="+mn-ea"/>
+                  <a:cs typeface="+mn-cs"/>
+                </a:defRPr>
+              </a:lvl5pPr>
+              <a:lvl6pPr marL="2286000" algn="l" defTabSz="914400" rtl="0" eaLnBrk="1" latinLnBrk="1" hangingPunct="1">
+                <a:defRPr kumimoji="1" kern="1200">
+                  <a:solidFill>
+                    <a:schemeClr val="lt1"/>
+                  </a:solidFill>
+                  <a:latin typeface="+mn-lt"/>
+                  <a:ea typeface="+mn-ea"/>
+                  <a:cs typeface="+mn-cs"/>
+                </a:defRPr>
+              </a:lvl6pPr>
+              <a:lvl7pPr marL="2743200" algn="l" defTabSz="914400" rtl="0" eaLnBrk="1" latinLnBrk="1" hangingPunct="1">
+                <a:defRPr kumimoji="1" kern="1200">
+                  <a:solidFill>
+                    <a:schemeClr val="lt1"/>
+                  </a:solidFill>
+                  <a:latin typeface="+mn-lt"/>
+                  <a:ea typeface="+mn-ea"/>
+                  <a:cs typeface="+mn-cs"/>
+                </a:defRPr>
+              </a:lvl7pPr>
+              <a:lvl8pPr marL="3200400" algn="l" defTabSz="914400" rtl="0" eaLnBrk="1" latinLnBrk="1" hangingPunct="1">
+                <a:defRPr kumimoji="1" kern="1200">
+                  <a:solidFill>
+                    <a:schemeClr val="lt1"/>
+                  </a:solidFill>
+                  <a:latin typeface="+mn-lt"/>
+                  <a:ea typeface="+mn-ea"/>
+                  <a:cs typeface="+mn-cs"/>
+                </a:defRPr>
+              </a:lvl8pPr>
+              <a:lvl9pPr marL="3657600" algn="l" defTabSz="914400" rtl="0" eaLnBrk="1" latinLnBrk="1" hangingPunct="1">
+                <a:defRPr kumimoji="1" kern="1200">
+                  <a:solidFill>
+                    <a:schemeClr val="lt1"/>
+                  </a:solidFill>
+                  <a:latin typeface="+mn-lt"/>
+                  <a:ea typeface="+mn-ea"/>
+                  <a:cs typeface="+mn-cs"/>
+                </a:defRPr>
+              </a:lvl9pPr>
+            </a:lstStyle>
+            <a:p>
+              <a:pPr algn="ctr"/>
+              <a:endParaRPr lang="ko-KR" altLang="en-US"/>
+            </a:p>
+          </p:txBody>
+        </p:sp>
+        <p:sp>
+          <p:nvSpPr>
+            <p:cNvPr id="18" name="TextBox 22"/>
+            <p:cNvSpPr txBox="1"/>
+            <p:nvPr/>
+          </p:nvSpPr>
+          <p:spPr>
+            <a:xfrm>
+              <a:off x="4872784" y="2932647"/>
+              <a:ext cx="1656184" cy="300937"/>
+            </a:xfrm>
+            <a:prstGeom prst="rect">
+              <a:avLst/>
+            </a:prstGeom>
+            <a:noFill/>
+          </p:spPr>
+          <p:txBody>
+            <a:bodyPr wrap="square" rtlCol="0">
+              <a:spAutoFit/>
+            </a:bodyPr>
+            <a:lstStyle>
+              <a:defPPr>
+                <a:defRPr lang="ko-KR"/>
+              </a:defPPr>
+              <a:lvl1pPr algn="l" rtl="0" eaLnBrk="0" fontAlgn="base" hangingPunct="0">
+                <a:spcBef>
+                  <a:spcPct val="0"/>
+                </a:spcBef>
+                <a:spcAft>
+                  <a:spcPct val="0"/>
+                </a:spcAft>
+                <a:defRPr kumimoji="1" kern="1200">
+                  <a:solidFill>
+                    <a:schemeClr val="tx1"/>
+                  </a:solidFill>
+                  <a:latin typeface="굴림" pitchFamily="50" charset="-127"/>
+                  <a:ea typeface="굴림" pitchFamily="50" charset="-127"/>
+                  <a:cs typeface="+mn-cs"/>
+                </a:defRPr>
+              </a:lvl1pPr>
+              <a:lvl2pPr marL="457200" algn="l" rtl="0" eaLnBrk="0" fontAlgn="base" hangingPunct="0">
+                <a:spcBef>
+                  <a:spcPct val="0"/>
+                </a:spcBef>
+                <a:spcAft>
+                  <a:spcPct val="0"/>
+                </a:spcAft>
+                <a:defRPr kumimoji="1" kern="1200">
+                  <a:solidFill>
+                    <a:schemeClr val="tx1"/>
+                  </a:solidFill>
+                  <a:latin typeface="굴림" pitchFamily="50" charset="-127"/>
+                  <a:ea typeface="굴림" pitchFamily="50" charset="-127"/>
+                  <a:cs typeface="+mn-cs"/>
+                </a:defRPr>
+              </a:lvl2pPr>
+              <a:lvl3pPr marL="914400" algn="l" rtl="0" eaLnBrk="0" fontAlgn="base" hangingPunct="0">
+                <a:spcBef>
+                  <a:spcPct val="0"/>
+                </a:spcBef>
+                <a:spcAft>
+                  <a:spcPct val="0"/>
+                </a:spcAft>
+                <a:defRPr kumimoji="1" kern="1200">
+                  <a:solidFill>
+                    <a:schemeClr val="tx1"/>
+                  </a:solidFill>
+                  <a:latin typeface="굴림" pitchFamily="50" charset="-127"/>
+                  <a:ea typeface="굴림" pitchFamily="50" charset="-127"/>
+                  <a:cs typeface="+mn-cs"/>
+                </a:defRPr>
+              </a:lvl3pPr>
+              <a:lvl4pPr marL="1371600" algn="l" rtl="0" eaLnBrk="0" fontAlgn="base" hangingPunct="0">
+                <a:spcBef>
+                  <a:spcPct val="0"/>
+                </a:spcBef>
+                <a:spcAft>
+                  <a:spcPct val="0"/>
+                </a:spcAft>
+                <a:defRPr kumimoji="1" kern="1200">
+                  <a:solidFill>
+                    <a:schemeClr val="tx1"/>
+                  </a:solidFill>
+                  <a:latin typeface="굴림" pitchFamily="50" charset="-127"/>
+                  <a:ea typeface="굴림" pitchFamily="50" charset="-127"/>
+                  <a:cs typeface="+mn-cs"/>
+                </a:defRPr>
+              </a:lvl4pPr>
+              <a:lvl5pPr marL="1828800" algn="l" rtl="0" eaLnBrk="0" fontAlgn="base" hangingPunct="0">
+                <a:spcBef>
+                  <a:spcPct val="0"/>
+                </a:spcBef>
+                <a:spcAft>
+                  <a:spcPct val="0"/>
+                </a:spcAft>
+                <a:defRPr kumimoji="1" kern="1200">
+                  <a:solidFill>
+                    <a:schemeClr val="tx1"/>
+                  </a:solidFill>
+                  <a:latin typeface="굴림" pitchFamily="50" charset="-127"/>
+                  <a:ea typeface="굴림" pitchFamily="50" charset="-127"/>
+                  <a:cs typeface="+mn-cs"/>
+                </a:defRPr>
+              </a:lvl5pPr>
+              <a:lvl6pPr marL="2286000" algn="l" defTabSz="914400" rtl="0" eaLnBrk="1" latinLnBrk="1" hangingPunct="1">
+                <a:defRPr kumimoji="1" kern="1200">
+                  <a:solidFill>
+                    <a:schemeClr val="tx1"/>
+                  </a:solidFill>
+                  <a:latin typeface="굴림" pitchFamily="50" charset="-127"/>
+                  <a:ea typeface="굴림" pitchFamily="50" charset="-127"/>
+                  <a:cs typeface="+mn-cs"/>
+                </a:defRPr>
+              </a:lvl6pPr>
+              <a:lvl7pPr marL="2743200" algn="l" defTabSz="914400" rtl="0" eaLnBrk="1" latinLnBrk="1" hangingPunct="1">
+                <a:defRPr kumimoji="1" kern="1200">
+                  <a:solidFill>
+                    <a:schemeClr val="tx1"/>
+                  </a:solidFill>
+                  <a:latin typeface="굴림" pitchFamily="50" charset="-127"/>
+                  <a:ea typeface="굴림" pitchFamily="50" charset="-127"/>
+                  <a:cs typeface="+mn-cs"/>
+                </a:defRPr>
+              </a:lvl7pPr>
+              <a:lvl8pPr marL="3200400" algn="l" defTabSz="914400" rtl="0" eaLnBrk="1" latinLnBrk="1" hangingPunct="1">
+                <a:defRPr kumimoji="1" kern="1200">
+                  <a:solidFill>
+                    <a:schemeClr val="tx1"/>
+                  </a:solidFill>
+                  <a:latin typeface="굴림" pitchFamily="50" charset="-127"/>
+                  <a:ea typeface="굴림" pitchFamily="50" charset="-127"/>
+                  <a:cs typeface="+mn-cs"/>
+                </a:defRPr>
+              </a:lvl8pPr>
+              <a:lvl9pPr marL="3657600" algn="l" defTabSz="914400" rtl="0" eaLnBrk="1" latinLnBrk="1" hangingPunct="1">
+                <a:defRPr kumimoji="1" kern="1200">
+                  <a:solidFill>
+                    <a:schemeClr val="tx1"/>
+                  </a:solidFill>
+                  <a:latin typeface="굴림" pitchFamily="50" charset="-127"/>
+                  <a:ea typeface="굴림" pitchFamily="50" charset="-127"/>
+                  <a:cs typeface="+mn-cs"/>
+                </a:defRPr>
+              </a:lvl9pPr>
+            </a:lstStyle>
+            <a:p>
+              <a:r>
+                <a:rPr lang="en-US" altLang="ko-KR" sz="1000" dirty="0" smtClean="0"/>
+                <a:t>SPI</a:t>
+              </a:r>
+              <a:endParaRPr lang="ko-KR" altLang="en-US" sz="1000" dirty="0"/>
+            </a:p>
+          </p:txBody>
+        </p:sp>
+        <p:sp>
+          <p:nvSpPr>
+            <p:cNvPr id="19" name="오른쪽 화살표 18"/>
+            <p:cNvSpPr/>
+            <p:nvPr/>
+          </p:nvSpPr>
+          <p:spPr>
+            <a:xfrm>
+              <a:off x="5917840" y="4443958"/>
+              <a:ext cx="1872208" cy="432048"/>
+            </a:xfrm>
+            <a:prstGeom prst="rightArrow">
+              <a:avLst/>
+            </a:prstGeom>
+            <a:solidFill>
+              <a:srgbClr val="0070C0"/>
+            </a:solidFill>
+            <a:ln>
+              <a:solidFill>
+                <a:srgbClr val="0070C0"/>
+              </a:solidFill>
+            </a:ln>
+          </p:spPr>
+          <p:style>
+            <a:lnRef idx="2">
+              <a:schemeClr val="accent1">
+                <a:shade val="50000"/>
+              </a:schemeClr>
+            </a:lnRef>
+            <a:fillRef idx="1">
+              <a:schemeClr val="accent1"/>
+            </a:fillRef>
+            <a:effectRef idx="0">
+              <a:schemeClr val="accent1"/>
+            </a:effectRef>
+            <a:fontRef idx="minor">
+              <a:schemeClr val="lt1"/>
+            </a:fontRef>
+          </p:style>
+          <p:txBody>
+            <a:bodyPr rtlCol="0" anchor="ctr"/>
+            <a:lstStyle>
+              <a:defPPr>
+                <a:defRPr lang="ko-KR"/>
+              </a:defPPr>
+              <a:lvl1pPr algn="l" rtl="0" eaLnBrk="0" fontAlgn="base" hangingPunct="0">
+                <a:spcBef>
+                  <a:spcPct val="0"/>
+                </a:spcBef>
+                <a:spcAft>
+                  <a:spcPct val="0"/>
+                </a:spcAft>
+                <a:defRPr kumimoji="1" kern="1200">
+                  <a:solidFill>
+                    <a:schemeClr val="lt1"/>
+                  </a:solidFill>
+                  <a:latin typeface="+mn-lt"/>
+                  <a:ea typeface="+mn-ea"/>
+                  <a:cs typeface="+mn-cs"/>
+                </a:defRPr>
+              </a:lvl1pPr>
+              <a:lvl2pPr marL="457200" algn="l" rtl="0" eaLnBrk="0" fontAlgn="base" hangingPunct="0">
+                <a:spcBef>
+                  <a:spcPct val="0"/>
+                </a:spcBef>
+                <a:spcAft>
+                  <a:spcPct val="0"/>
+                </a:spcAft>
+                <a:defRPr kumimoji="1" kern="1200">
+                  <a:solidFill>
+                    <a:schemeClr val="lt1"/>
+                  </a:solidFill>
+                  <a:latin typeface="+mn-lt"/>
+                  <a:ea typeface="+mn-ea"/>
+                  <a:cs typeface="+mn-cs"/>
+                </a:defRPr>
+              </a:lvl2pPr>
+              <a:lvl3pPr marL="914400" algn="l" rtl="0" eaLnBrk="0" fontAlgn="base" hangingPunct="0">
+                <a:spcBef>
+                  <a:spcPct val="0"/>
+                </a:spcBef>
+                <a:spcAft>
+                  <a:spcPct val="0"/>
+                </a:spcAft>
+                <a:defRPr kumimoji="1" kern="1200">
+                  <a:solidFill>
+                    <a:schemeClr val="lt1"/>
+                  </a:solidFill>
+                  <a:latin typeface="+mn-lt"/>
+                  <a:ea typeface="+mn-ea"/>
+                  <a:cs typeface="+mn-cs"/>
+                </a:defRPr>
+              </a:lvl3pPr>
+              <a:lvl4pPr marL="1371600" algn="l" rtl="0" eaLnBrk="0" fontAlgn="base" hangingPunct="0">
+                <a:spcBef>
+                  <a:spcPct val="0"/>
+                </a:spcBef>
+                <a:spcAft>
+                  <a:spcPct val="0"/>
+                </a:spcAft>
+                <a:defRPr kumimoji="1" kern="1200">
+                  <a:solidFill>
+                    <a:schemeClr val="lt1"/>
+                  </a:solidFill>
+                  <a:latin typeface="+mn-lt"/>
+                  <a:ea typeface="+mn-ea"/>
+                  <a:cs typeface="+mn-cs"/>
+                </a:defRPr>
+              </a:lvl4pPr>
+              <a:lvl5pPr marL="1828800" algn="l" rtl="0" eaLnBrk="0" fontAlgn="base" hangingPunct="0">
+                <a:spcBef>
+                  <a:spcPct val="0"/>
+                </a:spcBef>
+                <a:spcAft>
+                  <a:spcPct val="0"/>
+                </a:spcAft>
+                <a:defRPr kumimoji="1" kern="1200">
+                  <a:solidFill>
+                    <a:schemeClr val="lt1"/>
+                  </a:solidFill>
+                  <a:latin typeface="+mn-lt"/>
+                  <a:ea typeface="+mn-ea"/>
+                  <a:cs typeface="+mn-cs"/>
+                </a:defRPr>
+              </a:lvl5pPr>
+              <a:lvl6pPr marL="2286000" algn="l" defTabSz="914400" rtl="0" eaLnBrk="1" latinLnBrk="1" hangingPunct="1">
+                <a:defRPr kumimoji="1" kern="1200">
+                  <a:solidFill>
+                    <a:schemeClr val="lt1"/>
+                  </a:solidFill>
+                  <a:latin typeface="+mn-lt"/>
+                  <a:ea typeface="+mn-ea"/>
+                  <a:cs typeface="+mn-cs"/>
+                </a:defRPr>
+              </a:lvl6pPr>
+              <a:lvl7pPr marL="2743200" algn="l" defTabSz="914400" rtl="0" eaLnBrk="1" latinLnBrk="1" hangingPunct="1">
+                <a:defRPr kumimoji="1" kern="1200">
+                  <a:solidFill>
+                    <a:schemeClr val="lt1"/>
+                  </a:solidFill>
+                  <a:latin typeface="+mn-lt"/>
+                  <a:ea typeface="+mn-ea"/>
+                  <a:cs typeface="+mn-cs"/>
+                </a:defRPr>
+              </a:lvl7pPr>
+              <a:lvl8pPr marL="3200400" algn="l" defTabSz="914400" rtl="0" eaLnBrk="1" latinLnBrk="1" hangingPunct="1">
+                <a:defRPr kumimoji="1" kern="1200">
+                  <a:solidFill>
+                    <a:schemeClr val="lt1"/>
+                  </a:solidFill>
+                  <a:latin typeface="+mn-lt"/>
+                  <a:ea typeface="+mn-ea"/>
+                  <a:cs typeface="+mn-cs"/>
+                </a:defRPr>
+              </a:lvl8pPr>
+              <a:lvl9pPr marL="3657600" algn="l" defTabSz="914400" rtl="0" eaLnBrk="1" latinLnBrk="1" hangingPunct="1">
+                <a:defRPr kumimoji="1" kern="1200">
+                  <a:solidFill>
+                    <a:schemeClr val="lt1"/>
+                  </a:solidFill>
+                  <a:latin typeface="+mn-lt"/>
+                  <a:ea typeface="+mn-ea"/>
+                  <a:cs typeface="+mn-cs"/>
+                </a:defRPr>
+              </a:lvl9pPr>
+            </a:lstStyle>
+            <a:p>
+              <a:pPr algn="ctr"/>
+              <a:r>
+                <a:rPr lang="en-US" altLang="ko-KR" sz="1200" dirty="0" smtClean="0"/>
+                <a:t>A. /A, B, /B</a:t>
+              </a:r>
+              <a:endParaRPr lang="ko-KR" altLang="en-US" sz="1200" dirty="0"/>
+            </a:p>
+          </p:txBody>
+        </p:sp>
+        <p:sp>
+          <p:nvSpPr>
+            <p:cNvPr id="20" name="모서리가 둥근 직사각형 19"/>
+            <p:cNvSpPr/>
+            <p:nvPr/>
+          </p:nvSpPr>
+          <p:spPr>
+            <a:xfrm>
+              <a:off x="5917840" y="2355726"/>
+              <a:ext cx="1872208" cy="288032"/>
+            </a:xfrm>
+            <a:prstGeom prst="roundRect">
+              <a:avLst/>
+            </a:prstGeom>
+            <a:solidFill>
+              <a:srgbClr val="0070C0"/>
+            </a:solidFill>
+            <a:ln>
+              <a:solidFill>
+                <a:srgbClr val="0070C0"/>
+              </a:solidFill>
+            </a:ln>
+          </p:spPr>
+          <p:style>
+            <a:lnRef idx="2">
+              <a:schemeClr val="accent1">
+                <a:shade val="50000"/>
+              </a:schemeClr>
+            </a:lnRef>
+            <a:fillRef idx="1">
+              <a:schemeClr val="accent1"/>
+            </a:fillRef>
+            <a:effectRef idx="0">
+              <a:schemeClr val="accent1"/>
+            </a:effectRef>
+            <a:fontRef idx="minor">
+              <a:schemeClr val="lt1"/>
+            </a:fontRef>
+          </p:style>
+          <p:txBody>
+            <a:bodyPr rtlCol="0" anchor="ctr"/>
+            <a:lstStyle>
+              <a:defPPr>
+                <a:defRPr lang="ko-KR"/>
+              </a:defPPr>
+              <a:lvl1pPr algn="l" rtl="0" eaLnBrk="0" fontAlgn="base" hangingPunct="0">
+                <a:spcBef>
+                  <a:spcPct val="0"/>
+                </a:spcBef>
+                <a:spcAft>
+                  <a:spcPct val="0"/>
+                </a:spcAft>
+                <a:defRPr kumimoji="1" kern="1200">
+                  <a:solidFill>
+                    <a:schemeClr val="lt1"/>
+                  </a:solidFill>
+                  <a:latin typeface="+mn-lt"/>
+                  <a:ea typeface="+mn-ea"/>
+                  <a:cs typeface="+mn-cs"/>
+                </a:defRPr>
+              </a:lvl1pPr>
+              <a:lvl2pPr marL="457200" algn="l" rtl="0" eaLnBrk="0" fontAlgn="base" hangingPunct="0">
+                <a:spcBef>
+                  <a:spcPct val="0"/>
+                </a:spcBef>
+                <a:spcAft>
+                  <a:spcPct val="0"/>
+                </a:spcAft>
+                <a:defRPr kumimoji="1" kern="1200">
+                  <a:solidFill>
+                    <a:schemeClr val="lt1"/>
+                  </a:solidFill>
+                  <a:latin typeface="+mn-lt"/>
+                  <a:ea typeface="+mn-ea"/>
+                  <a:cs typeface="+mn-cs"/>
+                </a:defRPr>
+              </a:lvl2pPr>
+              <a:lvl3pPr marL="914400" algn="l" rtl="0" eaLnBrk="0" fontAlgn="base" hangingPunct="0">
+                <a:spcBef>
+                  <a:spcPct val="0"/>
+                </a:spcBef>
+                <a:spcAft>
+                  <a:spcPct val="0"/>
+                </a:spcAft>
+                <a:defRPr kumimoji="1" kern="1200">
+                  <a:solidFill>
+                    <a:schemeClr val="lt1"/>
+                  </a:solidFill>
+                  <a:latin typeface="+mn-lt"/>
+                  <a:ea typeface="+mn-ea"/>
+                  <a:cs typeface="+mn-cs"/>
+                </a:defRPr>
+              </a:lvl3pPr>
+              <a:lvl4pPr marL="1371600" algn="l" rtl="0" eaLnBrk="0" fontAlgn="base" hangingPunct="0">
+                <a:spcBef>
+                  <a:spcPct val="0"/>
+                </a:spcBef>
+                <a:spcAft>
+                  <a:spcPct val="0"/>
+                </a:spcAft>
+                <a:defRPr kumimoji="1" kern="1200">
+                  <a:solidFill>
+                    <a:schemeClr val="lt1"/>
+                  </a:solidFill>
+                  <a:latin typeface="+mn-lt"/>
+                  <a:ea typeface="+mn-ea"/>
+                  <a:cs typeface="+mn-cs"/>
+                </a:defRPr>
+              </a:lvl4pPr>
+              <a:lvl5pPr marL="1828800" algn="l" rtl="0" eaLnBrk="0" fontAlgn="base" hangingPunct="0">
+                <a:spcBef>
+                  <a:spcPct val="0"/>
+                </a:spcBef>
+                <a:spcAft>
+                  <a:spcPct val="0"/>
+                </a:spcAft>
+                <a:defRPr kumimoji="1" kern="1200">
+                  <a:solidFill>
+                    <a:schemeClr val="lt1"/>
+                  </a:solidFill>
+                  <a:latin typeface="+mn-lt"/>
+                  <a:ea typeface="+mn-ea"/>
+                  <a:cs typeface="+mn-cs"/>
+                </a:defRPr>
+              </a:lvl5pPr>
+              <a:lvl6pPr marL="2286000" algn="l" defTabSz="914400" rtl="0" eaLnBrk="1" latinLnBrk="1" hangingPunct="1">
+                <a:defRPr kumimoji="1" kern="1200">
+                  <a:solidFill>
+                    <a:schemeClr val="lt1"/>
+                  </a:solidFill>
+                  <a:latin typeface="+mn-lt"/>
+                  <a:ea typeface="+mn-ea"/>
+                  <a:cs typeface="+mn-cs"/>
+                </a:defRPr>
+              </a:lvl6pPr>
+              <a:lvl7pPr marL="2743200" algn="l" defTabSz="914400" rtl="0" eaLnBrk="1" latinLnBrk="1" hangingPunct="1">
+                <a:defRPr kumimoji="1" kern="1200">
+                  <a:solidFill>
+                    <a:schemeClr val="lt1"/>
+                  </a:solidFill>
+                  <a:latin typeface="+mn-lt"/>
+                  <a:ea typeface="+mn-ea"/>
+                  <a:cs typeface="+mn-cs"/>
+                </a:defRPr>
+              </a:lvl7pPr>
+              <a:lvl8pPr marL="3200400" algn="l" defTabSz="914400" rtl="0" eaLnBrk="1" latinLnBrk="1" hangingPunct="1">
+                <a:defRPr kumimoji="1" kern="1200">
+                  <a:solidFill>
+                    <a:schemeClr val="lt1"/>
+                  </a:solidFill>
+                  <a:latin typeface="+mn-lt"/>
+                  <a:ea typeface="+mn-ea"/>
+                  <a:cs typeface="+mn-cs"/>
+                </a:defRPr>
+              </a:lvl8pPr>
+              <a:lvl9pPr marL="3657600" algn="l" defTabSz="914400" rtl="0" eaLnBrk="1" latinLnBrk="1" hangingPunct="1">
+                <a:defRPr kumimoji="1" kern="1200">
+                  <a:solidFill>
+                    <a:schemeClr val="lt1"/>
+                  </a:solidFill>
+                  <a:latin typeface="+mn-lt"/>
+                  <a:ea typeface="+mn-ea"/>
+                  <a:cs typeface="+mn-cs"/>
+                </a:defRPr>
+              </a:lvl9pPr>
+            </a:lstStyle>
+            <a:p>
+              <a:pPr algn="ctr"/>
+              <a:r>
+                <a:rPr lang="en-US" altLang="ko-KR" sz="1200" dirty="0" smtClean="0"/>
+                <a:t>FRAM</a:t>
+              </a:r>
+              <a:endParaRPr lang="ko-KR" altLang="en-US" sz="1200" dirty="0"/>
+            </a:p>
+          </p:txBody>
+        </p:sp>
+        <p:sp>
+          <p:nvSpPr>
+            <p:cNvPr id="21" name="모서리가 둥근 직사각형 20"/>
+            <p:cNvSpPr/>
+            <p:nvPr/>
+          </p:nvSpPr>
+          <p:spPr>
+            <a:xfrm>
+              <a:off x="3973624" y="4083918"/>
+              <a:ext cx="1584176" cy="432048"/>
+            </a:xfrm>
+            <a:prstGeom prst="roundRect">
+              <a:avLst/>
+            </a:prstGeom>
+            <a:solidFill>
+              <a:srgbClr val="0070C0"/>
+            </a:solidFill>
+            <a:ln>
+              <a:solidFill>
+                <a:srgbClr val="0070C0"/>
+              </a:solidFill>
+            </a:ln>
+          </p:spPr>
+          <p:style>
+            <a:lnRef idx="2">
+              <a:schemeClr val="accent1">
+                <a:shade val="50000"/>
+              </a:schemeClr>
+            </a:lnRef>
+            <a:fillRef idx="1">
+              <a:schemeClr val="accent1"/>
+            </a:fillRef>
+            <a:effectRef idx="0">
+              <a:schemeClr val="accent1"/>
+            </a:effectRef>
+            <a:fontRef idx="minor">
+              <a:schemeClr val="lt1"/>
+            </a:fontRef>
+          </p:style>
+          <p:txBody>
+            <a:bodyPr rtlCol="0" anchor="ctr"/>
+            <a:lstStyle>
+              <a:defPPr>
+                <a:defRPr lang="ko-KR"/>
+              </a:defPPr>
+              <a:lvl1pPr algn="l" rtl="0" eaLnBrk="0" fontAlgn="base" hangingPunct="0">
+                <a:spcBef>
+                  <a:spcPct val="0"/>
+                </a:spcBef>
+                <a:spcAft>
+                  <a:spcPct val="0"/>
+                </a:spcAft>
+                <a:defRPr kumimoji="1" kern="1200">
+                  <a:solidFill>
+                    <a:schemeClr val="lt1"/>
+                  </a:solidFill>
+                  <a:latin typeface="+mn-lt"/>
+                  <a:ea typeface="+mn-ea"/>
+                  <a:cs typeface="+mn-cs"/>
+                </a:defRPr>
+              </a:lvl1pPr>
+              <a:lvl2pPr marL="457200" algn="l" rtl="0" eaLnBrk="0" fontAlgn="base" hangingPunct="0">
+                <a:spcBef>
+                  <a:spcPct val="0"/>
+                </a:spcBef>
+                <a:spcAft>
+                  <a:spcPct val="0"/>
+                </a:spcAft>
+                <a:defRPr kumimoji="1" kern="1200">
+                  <a:solidFill>
+                    <a:schemeClr val="lt1"/>
+                  </a:solidFill>
+                  <a:latin typeface="+mn-lt"/>
+                  <a:ea typeface="+mn-ea"/>
+                  <a:cs typeface="+mn-cs"/>
+                </a:defRPr>
+              </a:lvl2pPr>
+              <a:lvl3pPr marL="914400" algn="l" rtl="0" eaLnBrk="0" fontAlgn="base" hangingPunct="0">
+                <a:spcBef>
+                  <a:spcPct val="0"/>
+                </a:spcBef>
+                <a:spcAft>
+                  <a:spcPct val="0"/>
+                </a:spcAft>
+                <a:defRPr kumimoji="1" kern="1200">
+                  <a:solidFill>
+                    <a:schemeClr val="lt1"/>
+                  </a:solidFill>
+                  <a:latin typeface="+mn-lt"/>
+                  <a:ea typeface="+mn-ea"/>
+                  <a:cs typeface="+mn-cs"/>
+                </a:defRPr>
+              </a:lvl3pPr>
+              <a:lvl4pPr marL="1371600" algn="l" rtl="0" eaLnBrk="0" fontAlgn="base" hangingPunct="0">
+                <a:spcBef>
+                  <a:spcPct val="0"/>
+                </a:spcBef>
+                <a:spcAft>
+                  <a:spcPct val="0"/>
+                </a:spcAft>
+                <a:defRPr kumimoji="1" kern="1200">
+                  <a:solidFill>
+                    <a:schemeClr val="lt1"/>
+                  </a:solidFill>
+                  <a:latin typeface="+mn-lt"/>
+                  <a:ea typeface="+mn-ea"/>
+                  <a:cs typeface="+mn-cs"/>
+                </a:defRPr>
+              </a:lvl4pPr>
+              <a:lvl5pPr marL="1828800" algn="l" rtl="0" eaLnBrk="0" fontAlgn="base" hangingPunct="0">
+                <a:spcBef>
+                  <a:spcPct val="0"/>
+                </a:spcBef>
+                <a:spcAft>
+                  <a:spcPct val="0"/>
+                </a:spcAft>
+                <a:defRPr kumimoji="1" kern="1200">
+                  <a:solidFill>
+                    <a:schemeClr val="lt1"/>
+                  </a:solidFill>
+                  <a:latin typeface="+mn-lt"/>
+                  <a:ea typeface="+mn-ea"/>
+                  <a:cs typeface="+mn-cs"/>
+                </a:defRPr>
+              </a:lvl5pPr>
+              <a:lvl6pPr marL="2286000" algn="l" defTabSz="914400" rtl="0" eaLnBrk="1" latinLnBrk="1" hangingPunct="1">
+                <a:defRPr kumimoji="1" kern="1200">
+                  <a:solidFill>
+                    <a:schemeClr val="lt1"/>
+                  </a:solidFill>
+                  <a:latin typeface="+mn-lt"/>
+                  <a:ea typeface="+mn-ea"/>
+                  <a:cs typeface="+mn-cs"/>
+                </a:defRPr>
+              </a:lvl6pPr>
+              <a:lvl7pPr marL="2743200" algn="l" defTabSz="914400" rtl="0" eaLnBrk="1" latinLnBrk="1" hangingPunct="1">
+                <a:defRPr kumimoji="1" kern="1200">
+                  <a:solidFill>
+                    <a:schemeClr val="lt1"/>
+                  </a:solidFill>
+                  <a:latin typeface="+mn-lt"/>
+                  <a:ea typeface="+mn-ea"/>
+                  <a:cs typeface="+mn-cs"/>
+                </a:defRPr>
+              </a:lvl7pPr>
+              <a:lvl8pPr marL="3200400" algn="l" defTabSz="914400" rtl="0" eaLnBrk="1" latinLnBrk="1" hangingPunct="1">
+                <a:defRPr kumimoji="1" kern="1200">
+                  <a:solidFill>
+                    <a:schemeClr val="lt1"/>
+                  </a:solidFill>
+                  <a:latin typeface="+mn-lt"/>
+                  <a:ea typeface="+mn-ea"/>
+                  <a:cs typeface="+mn-cs"/>
+                </a:defRPr>
+              </a:lvl8pPr>
+              <a:lvl9pPr marL="3657600" algn="l" defTabSz="914400" rtl="0" eaLnBrk="1" latinLnBrk="1" hangingPunct="1">
+                <a:defRPr kumimoji="1" kern="1200">
+                  <a:solidFill>
+                    <a:schemeClr val="lt1"/>
+                  </a:solidFill>
+                  <a:latin typeface="+mn-lt"/>
+                  <a:ea typeface="+mn-ea"/>
+                  <a:cs typeface="+mn-cs"/>
+                </a:defRPr>
+              </a:lvl9pPr>
+            </a:lstStyle>
+            <a:p>
+              <a:pPr algn="ctr"/>
+              <a:r>
+                <a:rPr lang="en-US" altLang="ko-KR" sz="1200" dirty="0" smtClean="0"/>
+                <a:t>Ext FET x8</a:t>
+              </a:r>
+              <a:endParaRPr lang="ko-KR" altLang="en-US" sz="1200" dirty="0"/>
+            </a:p>
+          </p:txBody>
+        </p:sp>
+        <p:sp>
+          <p:nvSpPr>
+            <p:cNvPr id="22" name="왼쪽 화살표 21"/>
+            <p:cNvSpPr/>
+            <p:nvPr/>
+          </p:nvSpPr>
+          <p:spPr>
+            <a:xfrm>
+              <a:off x="5917840" y="3507854"/>
+              <a:ext cx="1800200" cy="432048"/>
+            </a:xfrm>
+            <a:prstGeom prst="leftArrow">
+              <a:avLst/>
+            </a:prstGeom>
+            <a:solidFill>
+              <a:srgbClr val="0070C0"/>
+            </a:solidFill>
+            <a:ln>
+              <a:solidFill>
+                <a:srgbClr val="0070C0"/>
+              </a:solidFill>
+            </a:ln>
+          </p:spPr>
+          <p:style>
+            <a:lnRef idx="2">
+              <a:schemeClr val="accent1">
+                <a:shade val="50000"/>
+              </a:schemeClr>
+            </a:lnRef>
+            <a:fillRef idx="1">
+              <a:schemeClr val="accent1"/>
+            </a:fillRef>
+            <a:effectRef idx="0">
+              <a:schemeClr val="accent1"/>
+            </a:effectRef>
+            <a:fontRef idx="minor">
+              <a:schemeClr val="lt1"/>
+            </a:fontRef>
+          </p:style>
+          <p:txBody>
+            <a:bodyPr rtlCol="0" anchor="ctr"/>
+            <a:lstStyle>
+              <a:defPPr>
+                <a:defRPr lang="ko-KR"/>
+              </a:defPPr>
+              <a:lvl1pPr algn="l" rtl="0" eaLnBrk="0" fontAlgn="base" hangingPunct="0">
+                <a:spcBef>
+                  <a:spcPct val="0"/>
+                </a:spcBef>
+                <a:spcAft>
+                  <a:spcPct val="0"/>
+                </a:spcAft>
+                <a:defRPr kumimoji="1" kern="1200">
+                  <a:solidFill>
+                    <a:schemeClr val="lt1"/>
+                  </a:solidFill>
+                  <a:latin typeface="+mn-lt"/>
+                  <a:ea typeface="+mn-ea"/>
+                  <a:cs typeface="+mn-cs"/>
+                </a:defRPr>
+              </a:lvl1pPr>
+              <a:lvl2pPr marL="457200" algn="l" rtl="0" eaLnBrk="0" fontAlgn="base" hangingPunct="0">
+                <a:spcBef>
+                  <a:spcPct val="0"/>
+                </a:spcBef>
+                <a:spcAft>
+                  <a:spcPct val="0"/>
+                </a:spcAft>
+                <a:defRPr kumimoji="1" kern="1200">
+                  <a:solidFill>
+                    <a:schemeClr val="lt1"/>
+                  </a:solidFill>
+                  <a:latin typeface="+mn-lt"/>
+                  <a:ea typeface="+mn-ea"/>
+                  <a:cs typeface="+mn-cs"/>
+                </a:defRPr>
+              </a:lvl2pPr>
+              <a:lvl3pPr marL="914400" algn="l" rtl="0" eaLnBrk="0" fontAlgn="base" hangingPunct="0">
+                <a:spcBef>
+                  <a:spcPct val="0"/>
+                </a:spcBef>
+                <a:spcAft>
+                  <a:spcPct val="0"/>
+                </a:spcAft>
+                <a:defRPr kumimoji="1" kern="1200">
+                  <a:solidFill>
+                    <a:schemeClr val="lt1"/>
+                  </a:solidFill>
+                  <a:latin typeface="+mn-lt"/>
+                  <a:ea typeface="+mn-ea"/>
+                  <a:cs typeface="+mn-cs"/>
+                </a:defRPr>
+              </a:lvl3pPr>
+              <a:lvl4pPr marL="1371600" algn="l" rtl="0" eaLnBrk="0" fontAlgn="base" hangingPunct="0">
+                <a:spcBef>
+                  <a:spcPct val="0"/>
+                </a:spcBef>
+                <a:spcAft>
+                  <a:spcPct val="0"/>
+                </a:spcAft>
+                <a:defRPr kumimoji="1" kern="1200">
+                  <a:solidFill>
+                    <a:schemeClr val="lt1"/>
+                  </a:solidFill>
+                  <a:latin typeface="+mn-lt"/>
+                  <a:ea typeface="+mn-ea"/>
+                  <a:cs typeface="+mn-cs"/>
+                </a:defRPr>
+              </a:lvl4pPr>
+              <a:lvl5pPr marL="1828800" algn="l" rtl="0" eaLnBrk="0" fontAlgn="base" hangingPunct="0">
+                <a:spcBef>
+                  <a:spcPct val="0"/>
+                </a:spcBef>
+                <a:spcAft>
+                  <a:spcPct val="0"/>
+                </a:spcAft>
+                <a:defRPr kumimoji="1" kern="1200">
+                  <a:solidFill>
+                    <a:schemeClr val="lt1"/>
+                  </a:solidFill>
+                  <a:latin typeface="+mn-lt"/>
+                  <a:ea typeface="+mn-ea"/>
+                  <a:cs typeface="+mn-cs"/>
+                </a:defRPr>
+              </a:lvl5pPr>
+              <a:lvl6pPr marL="2286000" algn="l" defTabSz="914400" rtl="0" eaLnBrk="1" latinLnBrk="1" hangingPunct="1">
+                <a:defRPr kumimoji="1" kern="1200">
+                  <a:solidFill>
+                    <a:schemeClr val="lt1"/>
+                  </a:solidFill>
+                  <a:latin typeface="+mn-lt"/>
+                  <a:ea typeface="+mn-ea"/>
+                  <a:cs typeface="+mn-cs"/>
+                </a:defRPr>
+              </a:lvl6pPr>
+              <a:lvl7pPr marL="2743200" algn="l" defTabSz="914400" rtl="0" eaLnBrk="1" latinLnBrk="1" hangingPunct="1">
+                <a:defRPr kumimoji="1" kern="1200">
+                  <a:solidFill>
+                    <a:schemeClr val="lt1"/>
+                  </a:solidFill>
+                  <a:latin typeface="+mn-lt"/>
+                  <a:ea typeface="+mn-ea"/>
+                  <a:cs typeface="+mn-cs"/>
+                </a:defRPr>
+              </a:lvl7pPr>
+              <a:lvl8pPr marL="3200400" algn="l" defTabSz="914400" rtl="0" eaLnBrk="1" latinLnBrk="1" hangingPunct="1">
+                <a:defRPr kumimoji="1" kern="1200">
+                  <a:solidFill>
+                    <a:schemeClr val="lt1"/>
+                  </a:solidFill>
+                  <a:latin typeface="+mn-lt"/>
+                  <a:ea typeface="+mn-ea"/>
+                  <a:cs typeface="+mn-cs"/>
+                </a:defRPr>
+              </a:lvl8pPr>
+              <a:lvl9pPr marL="3657600" algn="l" defTabSz="914400" rtl="0" eaLnBrk="1" latinLnBrk="1" hangingPunct="1">
+                <a:defRPr kumimoji="1" kern="1200">
+                  <a:solidFill>
+                    <a:schemeClr val="lt1"/>
+                  </a:solidFill>
+                  <a:latin typeface="+mn-lt"/>
+                  <a:ea typeface="+mn-ea"/>
+                  <a:cs typeface="+mn-cs"/>
+                </a:defRPr>
+              </a:lvl9pPr>
+            </a:lstStyle>
+            <a:p>
+              <a:pPr algn="ctr"/>
+              <a:r>
+                <a:rPr lang="en-US" altLang="ko-KR" sz="1200" dirty="0" smtClean="0"/>
+                <a:t>Encoder A/B/N</a:t>
+              </a:r>
+              <a:endParaRPr lang="ko-KR" altLang="en-US" sz="1200" dirty="0"/>
+            </a:p>
+          </p:txBody>
+        </p:sp>
+        <p:sp>
+          <p:nvSpPr>
+            <p:cNvPr id="23" name="왼쪽 화살표 22"/>
+            <p:cNvSpPr/>
+            <p:nvPr/>
+          </p:nvSpPr>
+          <p:spPr>
+            <a:xfrm>
+              <a:off x="5917840" y="4011910"/>
+              <a:ext cx="1800200" cy="432048"/>
+            </a:xfrm>
+            <a:prstGeom prst="leftArrow">
+              <a:avLst/>
+            </a:prstGeom>
+            <a:solidFill>
+              <a:srgbClr val="0070C0"/>
+            </a:solidFill>
+            <a:ln>
+              <a:solidFill>
+                <a:srgbClr val="0070C0"/>
+              </a:solidFill>
+            </a:ln>
+          </p:spPr>
+          <p:style>
+            <a:lnRef idx="2">
+              <a:schemeClr val="accent1">
+                <a:shade val="50000"/>
+              </a:schemeClr>
+            </a:lnRef>
+            <a:fillRef idx="1">
+              <a:schemeClr val="accent1"/>
+            </a:fillRef>
+            <a:effectRef idx="0">
+              <a:schemeClr val="accent1"/>
+            </a:effectRef>
+            <a:fontRef idx="minor">
+              <a:schemeClr val="lt1"/>
+            </a:fontRef>
+          </p:style>
+          <p:txBody>
+            <a:bodyPr rtlCol="0" anchor="ctr"/>
+            <a:lstStyle>
+              <a:defPPr>
+                <a:defRPr lang="ko-KR"/>
+              </a:defPPr>
+              <a:lvl1pPr algn="l" rtl="0" eaLnBrk="0" fontAlgn="base" hangingPunct="0">
+                <a:spcBef>
+                  <a:spcPct val="0"/>
+                </a:spcBef>
+                <a:spcAft>
+                  <a:spcPct val="0"/>
+                </a:spcAft>
+                <a:defRPr kumimoji="1" kern="1200">
+                  <a:solidFill>
+                    <a:schemeClr val="lt1"/>
+                  </a:solidFill>
+                  <a:latin typeface="+mn-lt"/>
+                  <a:ea typeface="+mn-ea"/>
+                  <a:cs typeface="+mn-cs"/>
+                </a:defRPr>
+              </a:lvl1pPr>
+              <a:lvl2pPr marL="457200" algn="l" rtl="0" eaLnBrk="0" fontAlgn="base" hangingPunct="0">
+                <a:spcBef>
+                  <a:spcPct val="0"/>
+                </a:spcBef>
+                <a:spcAft>
+                  <a:spcPct val="0"/>
+                </a:spcAft>
+                <a:defRPr kumimoji="1" kern="1200">
+                  <a:solidFill>
+                    <a:schemeClr val="lt1"/>
+                  </a:solidFill>
+                  <a:latin typeface="+mn-lt"/>
+                  <a:ea typeface="+mn-ea"/>
+                  <a:cs typeface="+mn-cs"/>
+                </a:defRPr>
+              </a:lvl2pPr>
+              <a:lvl3pPr marL="914400" algn="l" rtl="0" eaLnBrk="0" fontAlgn="base" hangingPunct="0">
+                <a:spcBef>
+                  <a:spcPct val="0"/>
+                </a:spcBef>
+                <a:spcAft>
+                  <a:spcPct val="0"/>
+                </a:spcAft>
+                <a:defRPr kumimoji="1" kern="1200">
+                  <a:solidFill>
+                    <a:schemeClr val="lt1"/>
+                  </a:solidFill>
+                  <a:latin typeface="+mn-lt"/>
+                  <a:ea typeface="+mn-ea"/>
+                  <a:cs typeface="+mn-cs"/>
+                </a:defRPr>
+              </a:lvl3pPr>
+              <a:lvl4pPr marL="1371600" algn="l" rtl="0" eaLnBrk="0" fontAlgn="base" hangingPunct="0">
+                <a:spcBef>
+                  <a:spcPct val="0"/>
+                </a:spcBef>
+                <a:spcAft>
+                  <a:spcPct val="0"/>
+                </a:spcAft>
+                <a:defRPr kumimoji="1" kern="1200">
+                  <a:solidFill>
+                    <a:schemeClr val="lt1"/>
+                  </a:solidFill>
+                  <a:latin typeface="+mn-lt"/>
+                  <a:ea typeface="+mn-ea"/>
+                  <a:cs typeface="+mn-cs"/>
+                </a:defRPr>
+              </a:lvl4pPr>
+              <a:lvl5pPr marL="1828800" algn="l" rtl="0" eaLnBrk="0" fontAlgn="base" hangingPunct="0">
+                <a:spcBef>
+                  <a:spcPct val="0"/>
+                </a:spcBef>
+                <a:spcAft>
+                  <a:spcPct val="0"/>
+                </a:spcAft>
+                <a:defRPr kumimoji="1" kern="1200">
+                  <a:solidFill>
+                    <a:schemeClr val="lt1"/>
+                  </a:solidFill>
+                  <a:latin typeface="+mn-lt"/>
+                  <a:ea typeface="+mn-ea"/>
+                  <a:cs typeface="+mn-cs"/>
+                </a:defRPr>
+              </a:lvl5pPr>
+              <a:lvl6pPr marL="2286000" algn="l" defTabSz="914400" rtl="0" eaLnBrk="1" latinLnBrk="1" hangingPunct="1">
+                <a:defRPr kumimoji="1" kern="1200">
+                  <a:solidFill>
+                    <a:schemeClr val="lt1"/>
+                  </a:solidFill>
+                  <a:latin typeface="+mn-lt"/>
+                  <a:ea typeface="+mn-ea"/>
+                  <a:cs typeface="+mn-cs"/>
+                </a:defRPr>
+              </a:lvl6pPr>
+              <a:lvl7pPr marL="2743200" algn="l" defTabSz="914400" rtl="0" eaLnBrk="1" latinLnBrk="1" hangingPunct="1">
+                <a:defRPr kumimoji="1" kern="1200">
+                  <a:solidFill>
+                    <a:schemeClr val="lt1"/>
+                  </a:solidFill>
+                  <a:latin typeface="+mn-lt"/>
+                  <a:ea typeface="+mn-ea"/>
+                  <a:cs typeface="+mn-cs"/>
+                </a:defRPr>
+              </a:lvl7pPr>
+              <a:lvl8pPr marL="3200400" algn="l" defTabSz="914400" rtl="0" eaLnBrk="1" latinLnBrk="1" hangingPunct="1">
+                <a:defRPr kumimoji="1" kern="1200">
+                  <a:solidFill>
+                    <a:schemeClr val="lt1"/>
+                  </a:solidFill>
+                  <a:latin typeface="+mn-lt"/>
+                  <a:ea typeface="+mn-ea"/>
+                  <a:cs typeface="+mn-cs"/>
+                </a:defRPr>
+              </a:lvl8pPr>
+              <a:lvl9pPr marL="3657600" algn="l" defTabSz="914400" rtl="0" eaLnBrk="1" latinLnBrk="1" hangingPunct="1">
+                <a:defRPr kumimoji="1" kern="1200">
+                  <a:solidFill>
+                    <a:schemeClr val="lt1"/>
+                  </a:solidFill>
+                  <a:latin typeface="+mn-lt"/>
+                  <a:ea typeface="+mn-ea"/>
+                  <a:cs typeface="+mn-cs"/>
+                </a:defRPr>
+              </a:lvl9pPr>
+            </a:lstStyle>
+            <a:p>
+              <a:pPr algn="ctr"/>
+              <a:r>
+                <a:rPr lang="en-US" altLang="ko-KR" sz="1200" dirty="0" smtClean="0"/>
+                <a:t>REFR/REFL</a:t>
+              </a:r>
+              <a:endParaRPr lang="ko-KR" altLang="en-US" sz="1200" dirty="0"/>
+            </a:p>
+          </p:txBody>
+        </p:sp>
+        <p:sp>
+          <p:nvSpPr>
+            <p:cNvPr id="24" name="직사각형 23"/>
+            <p:cNvSpPr/>
+            <p:nvPr/>
+          </p:nvSpPr>
+          <p:spPr>
+            <a:xfrm>
+              <a:off x="1957400" y="1059582"/>
+              <a:ext cx="5976664" cy="3960440"/>
+            </a:xfrm>
+            <a:prstGeom prst="rect">
+              <a:avLst/>
+            </a:prstGeom>
+            <a:noFill/>
+          </p:spPr>
+          <p:style>
+            <a:lnRef idx="2">
+              <a:schemeClr val="accent1">
+                <a:shade val="50000"/>
+              </a:schemeClr>
+            </a:lnRef>
+            <a:fillRef idx="1">
+              <a:schemeClr val="accent1"/>
+            </a:fillRef>
+            <a:effectRef idx="0">
+              <a:schemeClr val="accent1"/>
+            </a:effectRef>
+            <a:fontRef idx="minor">
+              <a:schemeClr val="lt1"/>
+            </a:fontRef>
+          </p:style>
+          <p:txBody>
+            <a:bodyPr rtlCol="0" anchor="ctr"/>
+            <a:lstStyle>
+              <a:defPPr>
+                <a:defRPr lang="ko-KR"/>
+              </a:defPPr>
+              <a:lvl1pPr algn="l" rtl="0" eaLnBrk="0" fontAlgn="base" hangingPunct="0">
+                <a:spcBef>
+                  <a:spcPct val="0"/>
+                </a:spcBef>
+                <a:spcAft>
+                  <a:spcPct val="0"/>
+                </a:spcAft>
+                <a:defRPr kumimoji="1" kern="1200">
+                  <a:solidFill>
+                    <a:schemeClr val="lt1"/>
+                  </a:solidFill>
+                  <a:latin typeface="+mn-lt"/>
+                  <a:ea typeface="+mn-ea"/>
+                  <a:cs typeface="+mn-cs"/>
+                </a:defRPr>
+              </a:lvl1pPr>
+              <a:lvl2pPr marL="457200" algn="l" rtl="0" eaLnBrk="0" fontAlgn="base" hangingPunct="0">
+                <a:spcBef>
+                  <a:spcPct val="0"/>
+                </a:spcBef>
+                <a:spcAft>
+                  <a:spcPct val="0"/>
+                </a:spcAft>
+                <a:defRPr kumimoji="1" kern="1200">
+                  <a:solidFill>
+                    <a:schemeClr val="lt1"/>
+                  </a:solidFill>
+                  <a:latin typeface="+mn-lt"/>
+                  <a:ea typeface="+mn-ea"/>
+                  <a:cs typeface="+mn-cs"/>
+                </a:defRPr>
+              </a:lvl2pPr>
+              <a:lvl3pPr marL="914400" algn="l" rtl="0" eaLnBrk="0" fontAlgn="base" hangingPunct="0">
+                <a:spcBef>
+                  <a:spcPct val="0"/>
+                </a:spcBef>
+                <a:spcAft>
+                  <a:spcPct val="0"/>
+                </a:spcAft>
+                <a:defRPr kumimoji="1" kern="1200">
+                  <a:solidFill>
+                    <a:schemeClr val="lt1"/>
+                  </a:solidFill>
+                  <a:latin typeface="+mn-lt"/>
+                  <a:ea typeface="+mn-ea"/>
+                  <a:cs typeface="+mn-cs"/>
+                </a:defRPr>
+              </a:lvl3pPr>
+              <a:lvl4pPr marL="1371600" algn="l" rtl="0" eaLnBrk="0" fontAlgn="base" hangingPunct="0">
+                <a:spcBef>
+                  <a:spcPct val="0"/>
+                </a:spcBef>
+                <a:spcAft>
+                  <a:spcPct val="0"/>
+                </a:spcAft>
+                <a:defRPr kumimoji="1" kern="1200">
+                  <a:solidFill>
+                    <a:schemeClr val="lt1"/>
+                  </a:solidFill>
+                  <a:latin typeface="+mn-lt"/>
+                  <a:ea typeface="+mn-ea"/>
+                  <a:cs typeface="+mn-cs"/>
+                </a:defRPr>
+              </a:lvl4pPr>
+              <a:lvl5pPr marL="1828800" algn="l" rtl="0" eaLnBrk="0" fontAlgn="base" hangingPunct="0">
+                <a:spcBef>
+                  <a:spcPct val="0"/>
+                </a:spcBef>
+                <a:spcAft>
+                  <a:spcPct val="0"/>
+                </a:spcAft>
+                <a:defRPr kumimoji="1" kern="1200">
+                  <a:solidFill>
+                    <a:schemeClr val="lt1"/>
+                  </a:solidFill>
+                  <a:latin typeface="+mn-lt"/>
+                  <a:ea typeface="+mn-ea"/>
+                  <a:cs typeface="+mn-cs"/>
+                </a:defRPr>
+              </a:lvl5pPr>
+              <a:lvl6pPr marL="2286000" algn="l" defTabSz="914400" rtl="0" eaLnBrk="1" latinLnBrk="1" hangingPunct="1">
+                <a:defRPr kumimoji="1" kern="1200">
+                  <a:solidFill>
+                    <a:schemeClr val="lt1"/>
+                  </a:solidFill>
+                  <a:latin typeface="+mn-lt"/>
+                  <a:ea typeface="+mn-ea"/>
+                  <a:cs typeface="+mn-cs"/>
+                </a:defRPr>
+              </a:lvl6pPr>
+              <a:lvl7pPr marL="2743200" algn="l" defTabSz="914400" rtl="0" eaLnBrk="1" latinLnBrk="1" hangingPunct="1">
+                <a:defRPr kumimoji="1" kern="1200">
+                  <a:solidFill>
+                    <a:schemeClr val="lt1"/>
+                  </a:solidFill>
+                  <a:latin typeface="+mn-lt"/>
+                  <a:ea typeface="+mn-ea"/>
+                  <a:cs typeface="+mn-cs"/>
+                </a:defRPr>
+              </a:lvl7pPr>
+              <a:lvl8pPr marL="3200400" algn="l" defTabSz="914400" rtl="0" eaLnBrk="1" latinLnBrk="1" hangingPunct="1">
+                <a:defRPr kumimoji="1" kern="1200">
+                  <a:solidFill>
+                    <a:schemeClr val="lt1"/>
+                  </a:solidFill>
+                  <a:latin typeface="+mn-lt"/>
+                  <a:ea typeface="+mn-ea"/>
+                  <a:cs typeface="+mn-cs"/>
+                </a:defRPr>
+              </a:lvl8pPr>
+              <a:lvl9pPr marL="3657600" algn="l" defTabSz="914400" rtl="0" eaLnBrk="1" latinLnBrk="1" hangingPunct="1">
+                <a:defRPr kumimoji="1" kern="1200">
+                  <a:solidFill>
+                    <a:schemeClr val="lt1"/>
+                  </a:solidFill>
+                  <a:latin typeface="+mn-lt"/>
+                  <a:ea typeface="+mn-ea"/>
+                  <a:cs typeface="+mn-cs"/>
+                </a:defRPr>
+              </a:lvl9pPr>
+            </a:lstStyle>
+            <a:p>
+              <a:pPr algn="ctr"/>
+              <a:endParaRPr lang="ko-KR" altLang="en-US"/>
+            </a:p>
+          </p:txBody>
+        </p:sp>
+        <p:sp>
+          <p:nvSpPr>
+            <p:cNvPr id="25" name="모서리가 둥근 직사각형 24"/>
+            <p:cNvSpPr/>
+            <p:nvPr/>
+          </p:nvSpPr>
+          <p:spPr>
+            <a:xfrm>
+              <a:off x="2029408" y="2139702"/>
+              <a:ext cx="1584176" cy="288032"/>
+            </a:xfrm>
+            <a:prstGeom prst="roundRect">
+              <a:avLst/>
+            </a:prstGeom>
+            <a:solidFill>
+              <a:srgbClr val="0070C0"/>
+            </a:solidFill>
+            <a:ln>
+              <a:solidFill>
+                <a:srgbClr val="0070C0"/>
+              </a:solidFill>
+            </a:ln>
+          </p:spPr>
+          <p:style>
+            <a:lnRef idx="2">
+              <a:schemeClr val="accent1">
+                <a:shade val="50000"/>
+              </a:schemeClr>
+            </a:lnRef>
+            <a:fillRef idx="1">
+              <a:schemeClr val="accent1"/>
+            </a:fillRef>
+            <a:effectRef idx="0">
+              <a:schemeClr val="accent1"/>
+            </a:effectRef>
+            <a:fontRef idx="minor">
+              <a:schemeClr val="lt1"/>
+            </a:fontRef>
+          </p:style>
+          <p:txBody>
+            <a:bodyPr rtlCol="0" anchor="ctr"/>
+            <a:lstStyle>
+              <a:defPPr>
+                <a:defRPr lang="ko-KR"/>
+              </a:defPPr>
+              <a:lvl1pPr algn="l" rtl="0" eaLnBrk="0" fontAlgn="base" hangingPunct="0">
+                <a:spcBef>
+                  <a:spcPct val="0"/>
+                </a:spcBef>
+                <a:spcAft>
+                  <a:spcPct val="0"/>
+                </a:spcAft>
+                <a:defRPr kumimoji="1" kern="1200">
+                  <a:solidFill>
+                    <a:schemeClr val="lt1"/>
+                  </a:solidFill>
+                  <a:latin typeface="+mn-lt"/>
+                  <a:ea typeface="+mn-ea"/>
+                  <a:cs typeface="+mn-cs"/>
+                </a:defRPr>
+              </a:lvl1pPr>
+              <a:lvl2pPr marL="457200" algn="l" rtl="0" eaLnBrk="0" fontAlgn="base" hangingPunct="0">
+                <a:spcBef>
+                  <a:spcPct val="0"/>
+                </a:spcBef>
+                <a:spcAft>
+                  <a:spcPct val="0"/>
+                </a:spcAft>
+                <a:defRPr kumimoji="1" kern="1200">
+                  <a:solidFill>
+                    <a:schemeClr val="lt1"/>
+                  </a:solidFill>
+                  <a:latin typeface="+mn-lt"/>
+                  <a:ea typeface="+mn-ea"/>
+                  <a:cs typeface="+mn-cs"/>
+                </a:defRPr>
+              </a:lvl2pPr>
+              <a:lvl3pPr marL="914400" algn="l" rtl="0" eaLnBrk="0" fontAlgn="base" hangingPunct="0">
+                <a:spcBef>
+                  <a:spcPct val="0"/>
+                </a:spcBef>
+                <a:spcAft>
+                  <a:spcPct val="0"/>
+                </a:spcAft>
+                <a:defRPr kumimoji="1" kern="1200">
+                  <a:solidFill>
+                    <a:schemeClr val="lt1"/>
+                  </a:solidFill>
+                  <a:latin typeface="+mn-lt"/>
+                  <a:ea typeface="+mn-ea"/>
+                  <a:cs typeface="+mn-cs"/>
+                </a:defRPr>
+              </a:lvl3pPr>
+              <a:lvl4pPr marL="1371600" algn="l" rtl="0" eaLnBrk="0" fontAlgn="base" hangingPunct="0">
+                <a:spcBef>
+                  <a:spcPct val="0"/>
+                </a:spcBef>
+                <a:spcAft>
+                  <a:spcPct val="0"/>
+                </a:spcAft>
+                <a:defRPr kumimoji="1" kern="1200">
+                  <a:solidFill>
+                    <a:schemeClr val="lt1"/>
+                  </a:solidFill>
+                  <a:latin typeface="+mn-lt"/>
+                  <a:ea typeface="+mn-ea"/>
+                  <a:cs typeface="+mn-cs"/>
+                </a:defRPr>
+              </a:lvl4pPr>
+              <a:lvl5pPr marL="1828800" algn="l" rtl="0" eaLnBrk="0" fontAlgn="base" hangingPunct="0">
+                <a:spcBef>
+                  <a:spcPct val="0"/>
+                </a:spcBef>
+                <a:spcAft>
+                  <a:spcPct val="0"/>
+                </a:spcAft>
+                <a:defRPr kumimoji="1" kern="1200">
+                  <a:solidFill>
+                    <a:schemeClr val="lt1"/>
+                  </a:solidFill>
+                  <a:latin typeface="+mn-lt"/>
+                  <a:ea typeface="+mn-ea"/>
+                  <a:cs typeface="+mn-cs"/>
+                </a:defRPr>
+              </a:lvl5pPr>
+              <a:lvl6pPr marL="2286000" algn="l" defTabSz="914400" rtl="0" eaLnBrk="1" latinLnBrk="1" hangingPunct="1">
+                <a:defRPr kumimoji="1" kern="1200">
+                  <a:solidFill>
+                    <a:schemeClr val="lt1"/>
+                  </a:solidFill>
+                  <a:latin typeface="+mn-lt"/>
+                  <a:ea typeface="+mn-ea"/>
+                  <a:cs typeface="+mn-cs"/>
+                </a:defRPr>
+              </a:lvl6pPr>
+              <a:lvl7pPr marL="2743200" algn="l" defTabSz="914400" rtl="0" eaLnBrk="1" latinLnBrk="1" hangingPunct="1">
+                <a:defRPr kumimoji="1" kern="1200">
+                  <a:solidFill>
+                    <a:schemeClr val="lt1"/>
+                  </a:solidFill>
+                  <a:latin typeface="+mn-lt"/>
+                  <a:ea typeface="+mn-ea"/>
+                  <a:cs typeface="+mn-cs"/>
+                </a:defRPr>
+              </a:lvl7pPr>
+              <a:lvl8pPr marL="3200400" algn="l" defTabSz="914400" rtl="0" eaLnBrk="1" latinLnBrk="1" hangingPunct="1">
+                <a:defRPr kumimoji="1" kern="1200">
+                  <a:solidFill>
+                    <a:schemeClr val="lt1"/>
+                  </a:solidFill>
+                  <a:latin typeface="+mn-lt"/>
+                  <a:ea typeface="+mn-ea"/>
+                  <a:cs typeface="+mn-cs"/>
+                </a:defRPr>
+              </a:lvl8pPr>
+              <a:lvl9pPr marL="3657600" algn="l" defTabSz="914400" rtl="0" eaLnBrk="1" latinLnBrk="1" hangingPunct="1">
+                <a:defRPr kumimoji="1" kern="1200">
+                  <a:solidFill>
+                    <a:schemeClr val="lt1"/>
+                  </a:solidFill>
+                  <a:latin typeface="+mn-lt"/>
+                  <a:ea typeface="+mn-ea"/>
+                  <a:cs typeface="+mn-cs"/>
+                </a:defRPr>
+              </a:lvl9pPr>
+            </a:lstStyle>
+            <a:p>
+              <a:pPr algn="ctr"/>
+              <a:r>
+                <a:rPr lang="en-US" altLang="ko-KR" sz="1000" dirty="0" err="1" smtClean="0"/>
+                <a:t>Addr</a:t>
+              </a:r>
+              <a:r>
+                <a:rPr lang="en-US" altLang="ko-KR" sz="1000" dirty="0" smtClean="0"/>
+                <a:t> Switch 6 bit</a:t>
+              </a:r>
+              <a:endParaRPr lang="ko-KR" altLang="en-US" sz="1000" dirty="0"/>
+            </a:p>
+          </p:txBody>
+        </p:sp>
+      </p:grpSp>
     </p:spTree>
   </p:cSld>
   <p:clrMapOvr>
     <a:masterClrMapping/>
   </p:clrMapOvr>
+  <p:timing>
+    <p:tnLst>
+      <p:par>
+        <p:cTn id="1" dur="indefinite" restart="never" nodeType="tmRoot"/>
+      </p:par>
+    </p:tnLst>
+  </p:timing>
 </p:sld>
 </file>
 
@@ -5847,12 +9772,14 @@
         </p:nvSpPr>
         <p:spPr>
           <a:xfrm>
-            <a:off x="179512" y="116632"/>
-            <a:ext cx="7772400" cy="965969"/>
+            <a:off x="611560" y="339502"/>
+            <a:ext cx="7772400" cy="724477"/>
           </a:xfrm>
         </p:spPr>
         <p:txBody>
-          <a:bodyPr/>
+          <a:bodyPr>
+            <a:normAutofit fontScale="90000"/>
+          </a:bodyPr>
           <a:lstStyle/>
           <a:p>
             <a:pPr algn="l"/>
@@ -5875,7 +9802,7 @@
         </p:nvSpPr>
         <p:spPr>
           <a:xfrm>
-            <a:off x="251520" y="1340768"/>
+            <a:off x="683568" y="1257604"/>
             <a:ext cx="7344816" cy="400110"/>
           </a:xfrm>
           <a:prstGeom prst="rect">
@@ -5909,7 +9836,7 @@
         </p:nvSpPr>
         <p:spPr>
           <a:xfrm>
-            <a:off x="251520" y="1887215"/>
+            <a:off x="683568" y="2419456"/>
             <a:ext cx="7344816" cy="400110"/>
           </a:xfrm>
           <a:prstGeom prst="rect">
@@ -5958,8 +9885,8 @@
         </p:nvSpPr>
         <p:spPr>
           <a:xfrm>
-            <a:off x="251520" y="2420888"/>
-            <a:ext cx="7344816" cy="3170099"/>
+            <a:off x="683568" y="2819712"/>
+            <a:ext cx="7344816" cy="400110"/>
           </a:xfrm>
           <a:prstGeom prst="rect">
             <a:avLst/>
@@ -6002,127 +9929,148 @@
             </a:r>
             <a:endParaRPr lang="en-US" altLang="ko-KR" sz="2000" dirty="0" smtClean="0"/>
           </a:p>
-          <a:p>
-            <a:pPr>
-              <a:lnSpc>
-                <a:spcPct val="150000"/>
-              </a:lnSpc>
-            </a:pPr>
-            <a:r>
-              <a:rPr lang="en-US" altLang="ko-KR" sz="2000" dirty="0"/>
-              <a:t> </a:t>
-            </a:r>
-            <a:r>
-              <a:rPr lang="en-US" altLang="ko-KR" sz="2000" dirty="0" smtClean="0"/>
-              <a:t>   ① </a:t>
-            </a:r>
-            <a:r>
-              <a:rPr lang="ko-KR" altLang="en-US" sz="2000" dirty="0" smtClean="0"/>
-              <a:t>전원 입력</a:t>
-            </a:r>
-            <a:endParaRPr lang="en-US" altLang="ko-KR" sz="2000" dirty="0" smtClean="0"/>
-          </a:p>
-          <a:p>
-            <a:pPr>
-              <a:lnSpc>
-                <a:spcPct val="150000"/>
-              </a:lnSpc>
-            </a:pPr>
-            <a:r>
-              <a:rPr lang="en-US" altLang="ko-KR" sz="2000" dirty="0"/>
-              <a:t> </a:t>
-            </a:r>
-            <a:r>
-              <a:rPr lang="en-US" altLang="ko-KR" sz="2000" dirty="0" smtClean="0"/>
-              <a:t>   ② MCU</a:t>
-            </a:r>
-          </a:p>
-          <a:p>
-            <a:pPr>
-              <a:lnSpc>
-                <a:spcPct val="150000"/>
-              </a:lnSpc>
-            </a:pPr>
-            <a:r>
-              <a:rPr lang="en-US" altLang="ko-KR" sz="2000" dirty="0"/>
-              <a:t> </a:t>
-            </a:r>
-            <a:r>
-              <a:rPr lang="en-US" altLang="ko-KR" sz="2000" dirty="0" smtClean="0"/>
-              <a:t>   ③ </a:t>
-            </a:r>
-            <a:r>
-              <a:rPr lang="ko-KR" altLang="en-US" sz="2000" dirty="0" smtClean="0"/>
-              <a:t>통신관련</a:t>
-            </a:r>
-            <a:endParaRPr lang="en-US" altLang="ko-KR" sz="2000" dirty="0" smtClean="0"/>
-          </a:p>
-          <a:p>
-            <a:pPr>
-              <a:lnSpc>
-                <a:spcPct val="150000"/>
-              </a:lnSpc>
-            </a:pPr>
-            <a:r>
-              <a:rPr lang="en-US" altLang="ko-KR" sz="2000" dirty="0"/>
-              <a:t> </a:t>
-            </a:r>
-            <a:r>
-              <a:rPr lang="en-US" altLang="ko-KR" sz="2000" dirty="0" smtClean="0"/>
-              <a:t>   ④ </a:t>
-            </a:r>
-            <a:r>
-              <a:rPr lang="ko-KR" altLang="en-US" sz="2000" dirty="0" smtClean="0"/>
-              <a:t>모터 드라이버</a:t>
-            </a:r>
-            <a:endParaRPr lang="en-US" altLang="ko-KR" sz="2000" dirty="0" smtClean="0"/>
-          </a:p>
-          <a:p>
-            <a:pPr>
-              <a:lnSpc>
-                <a:spcPct val="150000"/>
-              </a:lnSpc>
-            </a:pPr>
-            <a:r>
-              <a:rPr lang="en-US" altLang="ko-KR" sz="2000" dirty="0"/>
-              <a:t> </a:t>
-            </a:r>
-            <a:r>
-              <a:rPr lang="en-US" altLang="ko-KR" sz="2000" dirty="0" smtClean="0"/>
-              <a:t>   ⑤ </a:t>
-            </a:r>
-            <a:r>
-              <a:rPr lang="ko-KR" altLang="en-US" sz="2000" dirty="0" smtClean="0"/>
-              <a:t>기타 </a:t>
-            </a:r>
-            <a:r>
-              <a:rPr lang="en-US" altLang="ko-KR" sz="2000" dirty="0" smtClean="0"/>
-              <a:t>in/out</a:t>
-            </a:r>
-          </a:p>
-          <a:p>
-            <a:pPr>
-              <a:lnSpc>
-                <a:spcPct val="150000"/>
-              </a:lnSpc>
-            </a:pPr>
-            <a:r>
-              <a:rPr lang="en-US" altLang="ko-KR" sz="2000" dirty="0"/>
-              <a:t> </a:t>
-            </a:r>
-            <a:r>
-              <a:rPr lang="en-US" altLang="ko-KR" sz="2000" dirty="0" smtClean="0"/>
-              <a:t>   ⑥ </a:t>
-            </a:r>
-            <a:r>
-              <a:rPr lang="ko-KR" altLang="en-US" sz="2000" dirty="0" err="1" smtClean="0"/>
-              <a:t>고정홀</a:t>
-            </a:r>
-            <a:r>
-              <a:rPr lang="en-US" altLang="ko-KR" sz="2000" dirty="0" smtClean="0"/>
-              <a:t> </a:t>
-            </a:r>
-            <a:endParaRPr lang="ko-KR" altLang="en-US" sz="2000" dirty="0"/>
+        </p:txBody>
+      </p:sp>
+      <p:pic>
+        <p:nvPicPr>
+          <p:cNvPr id="8" name="Picture 2"/>
+          <p:cNvPicPr>
+            <a:picLocks noChangeAspect="1" noChangeArrowheads="1"/>
+          </p:cNvPicPr>
+          <p:nvPr/>
+        </p:nvPicPr>
+        <p:blipFill>
+          <a:blip r:embed="rId3" cstate="print"/>
+          <a:srcRect/>
+          <a:stretch>
+            <a:fillRect/>
+          </a:stretch>
+        </p:blipFill>
+        <p:spPr bwMode="auto">
+          <a:xfrm>
+            <a:off x="179512" y="4587974"/>
+            <a:ext cx="1549483" cy="393898"/>
+          </a:xfrm>
+          <a:prstGeom prst="rect">
+            <a:avLst/>
+          </a:prstGeom>
+          <a:noFill/>
+          <a:ln w="9525">
+            <a:noFill/>
+            <a:miter lim="800000"/>
+            <a:headEnd/>
+            <a:tailEnd/>
+          </a:ln>
+        </p:spPr>
+      </p:pic>
+      <p:sp>
+        <p:nvSpPr>
+          <p:cNvPr id="10" name="TextBox 9"/>
+          <p:cNvSpPr txBox="1"/>
+          <p:nvPr/>
+        </p:nvSpPr>
+        <p:spPr>
+          <a:xfrm>
+            <a:off x="971600" y="1635646"/>
+            <a:ext cx="7344816" cy="338554"/>
+          </a:xfrm>
+          <a:prstGeom prst="rect">
+            <a:avLst/>
+          </a:prstGeom>
+          <a:noFill/>
+        </p:spPr>
+        <p:txBody>
+          <a:bodyPr wrap="square" rtlCol="0">
+            <a:spAutoFit/>
+          </a:bodyPr>
+          <a:lstStyle/>
+          <a:p>
+            <a:r>
+              <a:rPr lang="en-US" altLang="ko-KR" sz="1600" dirty="0" smtClean="0"/>
+              <a:t>- </a:t>
+            </a:r>
+            <a:r>
+              <a:rPr lang="ko-KR" altLang="en-US" sz="1600" dirty="0" smtClean="0"/>
+              <a:t>회로 부품과 </a:t>
+            </a:r>
+            <a:r>
+              <a:rPr lang="en-US" altLang="ko-KR" sz="1600" dirty="0" smtClean="0"/>
+              <a:t>PCB </a:t>
+            </a:r>
+            <a:r>
+              <a:rPr lang="ko-KR" altLang="en-US" sz="1600" dirty="0" smtClean="0"/>
+              <a:t>부품의 핀 할당 통일</a:t>
+            </a:r>
+          </a:p>
+        </p:txBody>
+      </p:sp>
+      <p:sp>
+        <p:nvSpPr>
+          <p:cNvPr id="11" name="TextBox 10"/>
+          <p:cNvSpPr txBox="1"/>
+          <p:nvPr/>
+        </p:nvSpPr>
+        <p:spPr>
+          <a:xfrm>
+            <a:off x="971600" y="1974200"/>
+            <a:ext cx="7344816" cy="338554"/>
+          </a:xfrm>
+          <a:prstGeom prst="rect">
+            <a:avLst/>
+          </a:prstGeom>
+          <a:noFill/>
+        </p:spPr>
+        <p:txBody>
+          <a:bodyPr wrap="square" rtlCol="0">
+            <a:spAutoFit/>
+          </a:bodyPr>
+          <a:lstStyle/>
+          <a:p>
+            <a:r>
+              <a:rPr lang="en-US" altLang="ko-KR" sz="1600" dirty="0" smtClean="0"/>
+              <a:t>- </a:t>
+            </a:r>
+            <a:r>
+              <a:rPr lang="ko-KR" altLang="en-US" sz="1600" dirty="0" err="1" smtClean="0"/>
+              <a:t>써멀</a:t>
+            </a:r>
+            <a:r>
+              <a:rPr lang="ko-KR" altLang="en-US" sz="1600" dirty="0" smtClean="0"/>
+              <a:t> 패드 같은 숨어있는 핀 명시</a:t>
+            </a:r>
+          </a:p>
+        </p:txBody>
+      </p:sp>
+      <p:sp>
+        <p:nvSpPr>
+          <p:cNvPr id="13" name="TextBox 12"/>
+          <p:cNvSpPr txBox="1"/>
+          <p:nvPr/>
+        </p:nvSpPr>
+        <p:spPr>
+          <a:xfrm>
+            <a:off x="971600" y="3241308"/>
+            <a:ext cx="7344816" cy="338554"/>
+          </a:xfrm>
+          <a:prstGeom prst="rect">
+            <a:avLst/>
+          </a:prstGeom>
+          <a:noFill/>
+        </p:spPr>
+        <p:txBody>
+          <a:bodyPr wrap="square" rtlCol="0">
+            <a:spAutoFit/>
+          </a:bodyPr>
+          <a:lstStyle/>
+          <a:p>
+            <a:r>
+              <a:rPr lang="en-US" altLang="ko-KR" sz="1600" dirty="0" smtClean="0"/>
+              <a:t>- </a:t>
+            </a:r>
+            <a:r>
+              <a:rPr lang="ko-KR" altLang="en-US" sz="1600" dirty="0" smtClean="0"/>
+              <a:t>읽기 쉬운 문서 작성</a:t>
+            </a:r>
           </a:p>
         </p:txBody>
       </p:sp>
@@ -6131,6 +10079,13 @@
   <p:clrMapOvr>
     <a:masterClrMapping/>
   </p:clrMapOvr>
+  <p:timing>
+    <p:tnLst>
+      <p:par>
+        <p:cTn id="1" dur="indefinite" restart="never" nodeType="tmRoot"/>
+      </p:par>
+    </p:tnLst>
+  </p:timing>
 </p:sld>
 </file>
 
@@ -6163,12 +10118,14 @@
         </p:nvSpPr>
         <p:spPr>
           <a:xfrm>
-            <a:off x="179512" y="116632"/>
-            <a:ext cx="7772400" cy="965969"/>
+            <a:off x="544016" y="257477"/>
+            <a:ext cx="7772400" cy="724477"/>
           </a:xfrm>
         </p:spPr>
         <p:txBody>
-          <a:bodyPr/>
+          <a:bodyPr>
+            <a:normAutofit fontScale="90000"/>
+          </a:bodyPr>
           <a:lstStyle/>
           <a:p>
             <a:pPr algn="l"/>
@@ -6188,7 +10145,7 @@
         </p:nvSpPr>
         <p:spPr>
           <a:xfrm>
-            <a:off x="251520" y="1340768"/>
+            <a:off x="616024" y="1175579"/>
             <a:ext cx="7344816" cy="400110"/>
           </a:xfrm>
           <a:prstGeom prst="rect">
@@ -6238,7 +10195,7 @@
         </p:nvSpPr>
         <p:spPr>
           <a:xfrm>
-            <a:off x="251520" y="1887215"/>
+            <a:off x="616024" y="1585414"/>
             <a:ext cx="7344816" cy="400110"/>
           </a:xfrm>
           <a:prstGeom prst="rect">
@@ -6287,7 +10244,7 @@
         </p:nvSpPr>
         <p:spPr>
           <a:xfrm>
-            <a:off x="251520" y="2420888"/>
+            <a:off x="616024" y="1985669"/>
             <a:ext cx="7344816" cy="400110"/>
           </a:xfrm>
           <a:prstGeom prst="rect">
@@ -6325,7 +10282,7 @@
         </p:nvSpPr>
         <p:spPr>
           <a:xfrm>
-            <a:off x="251520" y="2956882"/>
+            <a:off x="616024" y="2819712"/>
             <a:ext cx="7344816" cy="400110"/>
           </a:xfrm>
           <a:prstGeom prst="rect">
@@ -6359,7 +10316,7 @@
         </p:nvSpPr>
         <p:spPr>
           <a:xfrm>
-            <a:off x="251520" y="5549170"/>
+            <a:off x="251520" y="4115856"/>
             <a:ext cx="7344816" cy="400110"/>
           </a:xfrm>
           <a:prstGeom prst="rect">
@@ -6398,6 +10355,71 @@
               <a:t>적용 방법</a:t>
             </a:r>
             <a:endParaRPr lang="en-US" altLang="ko-KR" sz="2000" dirty="0" smtClean="0"/>
+          </a:p>
+        </p:txBody>
+      </p:sp>
+      <p:pic>
+        <p:nvPicPr>
+          <p:cNvPr id="9" name="Picture 2"/>
+          <p:cNvPicPr>
+            <a:picLocks noChangeAspect="1" noChangeArrowheads="1"/>
+          </p:cNvPicPr>
+          <p:nvPr/>
+        </p:nvPicPr>
+        <p:blipFill>
+          <a:blip r:embed="rId3" cstate="print"/>
+          <a:srcRect/>
+          <a:stretch>
+            <a:fillRect/>
+          </a:stretch>
+        </p:blipFill>
+        <p:spPr bwMode="auto">
+          <a:xfrm>
+            <a:off x="179512" y="4587974"/>
+            <a:ext cx="1549483" cy="393898"/>
+          </a:xfrm>
+          <a:prstGeom prst="rect">
+            <a:avLst/>
+          </a:prstGeom>
+          <a:noFill/>
+          <a:ln w="9525">
+            <a:noFill/>
+            <a:miter lim="800000"/>
+            <a:headEnd/>
+            <a:tailEnd/>
+          </a:ln>
+        </p:spPr>
+      </p:pic>
+      <p:sp>
+        <p:nvSpPr>
+          <p:cNvPr id="10" name="TextBox 9"/>
+          <p:cNvSpPr txBox="1"/>
+          <p:nvPr/>
+        </p:nvSpPr>
+        <p:spPr>
+          <a:xfrm>
+            <a:off x="827584" y="2449220"/>
+            <a:ext cx="7344816" cy="338554"/>
+          </a:xfrm>
+          <a:prstGeom prst="rect">
+            <a:avLst/>
+          </a:prstGeom>
+          <a:noFill/>
+        </p:spPr>
+        <p:txBody>
+          <a:bodyPr wrap="square" rtlCol="0">
+            <a:spAutoFit/>
+          </a:bodyPr>
+          <a:lstStyle/>
+          <a:p>
+            <a:r>
+              <a:rPr lang="en-US" altLang="ko-KR" sz="1600" dirty="0" smtClean="0"/>
+              <a:t>- </a:t>
+            </a:r>
+            <a:r>
+              <a:rPr lang="ko-KR" altLang="en-US" sz="1600" dirty="0" smtClean="0"/>
+              <a:t>전류의 흐름을 고려한 부품 배치 및 배선</a:t>
+            </a:r>
           </a:p>
         </p:txBody>
       </p:sp>
@@ -6438,12 +10460,14 @@
         </p:nvSpPr>
         <p:spPr>
           <a:xfrm>
-            <a:off x="179512" y="116632"/>
-            <a:ext cx="7772400" cy="965969"/>
+            <a:off x="472008" y="257477"/>
+            <a:ext cx="7772400" cy="724477"/>
           </a:xfrm>
         </p:spPr>
         <p:txBody>
-          <a:bodyPr/>
+          <a:bodyPr>
+            <a:normAutofit fontScale="90000"/>
+          </a:bodyPr>
           <a:lstStyle/>
           <a:p>
             <a:pPr algn="l"/>
@@ -6463,7 +10487,7 @@
         </p:nvSpPr>
         <p:spPr>
           <a:xfrm>
-            <a:off x="251520" y="1340768"/>
+            <a:off x="544016" y="1175579"/>
             <a:ext cx="7344816" cy="400110"/>
           </a:xfrm>
           <a:prstGeom prst="rect">
@@ -6497,7 +10521,7 @@
         </p:nvSpPr>
         <p:spPr>
           <a:xfrm>
-            <a:off x="251520" y="1887215"/>
+            <a:off x="544016" y="1585414"/>
             <a:ext cx="7344816" cy="400110"/>
           </a:xfrm>
           <a:prstGeom prst="rect">
@@ -6539,7 +10563,7 @@
         </p:nvSpPr>
         <p:spPr>
           <a:xfrm>
-            <a:off x="251520" y="2420888"/>
+            <a:off x="544016" y="1985669"/>
             <a:ext cx="7344816" cy="400110"/>
           </a:xfrm>
           <a:prstGeom prst="rect">
@@ -6585,7 +10609,7 @@
         </p:nvSpPr>
         <p:spPr>
           <a:xfrm>
-            <a:off x="251520" y="2956882"/>
+            <a:off x="544016" y="2387664"/>
             <a:ext cx="7344816" cy="400110"/>
           </a:xfrm>
           <a:prstGeom prst="rect">
@@ -6619,6 +10643,38 @@
           </a:p>
         </p:txBody>
       </p:sp>
+      <p:pic>
+        <p:nvPicPr>
+          <p:cNvPr id="8" name="Picture 2"/>
+          <p:cNvPicPr>
+            <a:picLocks noChangeAspect="1" noChangeArrowheads="1"/>
+          </p:cNvPicPr>
+          <p:nvPr/>
+        </p:nvPicPr>
+        <p:blipFill>
+          <a:blip r:embed="rId3" cstate="print"/>
+          <a:srcRect/>
+          <a:stretch>
+            <a:fillRect/>
+          </a:stretch>
+        </p:blipFill>
+        <p:spPr bwMode="auto">
+          <a:xfrm>
+            <a:off x="179512" y="4587974"/>
+            <a:ext cx="1549483" cy="393898"/>
+          </a:xfrm>
+          <a:prstGeom prst="rect">
+            <a:avLst/>
+          </a:prstGeom>
+          <a:noFill/>
+          <a:ln w="9525">
+            <a:noFill/>
+            <a:miter lim="800000"/>
+            <a:headEnd/>
+            <a:tailEnd/>
+          </a:ln>
+        </p:spPr>
+      </p:pic>
     </p:spTree>
   </p:cSld>
   <p:clrMapOvr>
@@ -6656,12 +10712,14 @@
         </p:nvSpPr>
         <p:spPr>
           <a:xfrm>
-            <a:off x="179512" y="116632"/>
-            <a:ext cx="7772400" cy="965969"/>
+            <a:off x="472008" y="257477"/>
+            <a:ext cx="7772400" cy="724477"/>
           </a:xfrm>
         </p:spPr>
         <p:txBody>
-          <a:bodyPr/>
+          <a:bodyPr>
+            <a:normAutofit fontScale="90000"/>
+          </a:bodyPr>
           <a:lstStyle/>
           <a:p>
             <a:pPr algn="l"/>
@@ -6685,7 +10743,7 @@
         </p:nvSpPr>
         <p:spPr>
           <a:xfrm>
-            <a:off x="251520" y="1340768"/>
+            <a:off x="544016" y="1175579"/>
             <a:ext cx="7344816" cy="400110"/>
           </a:xfrm>
           <a:prstGeom prst="rect">
@@ -6735,7 +10793,7 @@
         </p:nvSpPr>
         <p:spPr>
           <a:xfrm>
-            <a:off x="251520" y="1887215"/>
+            <a:off x="544016" y="1585414"/>
             <a:ext cx="7344816" cy="400110"/>
           </a:xfrm>
           <a:prstGeom prst="rect">
@@ -6772,7 +10830,7 @@
         </p:nvSpPr>
         <p:spPr>
           <a:xfrm>
-            <a:off x="251520" y="2420888"/>
+            <a:off x="544016" y="1985669"/>
             <a:ext cx="7344816" cy="400110"/>
           </a:xfrm>
           <a:prstGeom prst="rect">
@@ -6810,7 +10868,7 @@
         </p:nvSpPr>
         <p:spPr>
           <a:xfrm>
-            <a:off x="251520" y="2956882"/>
+            <a:off x="544016" y="2387664"/>
             <a:ext cx="7344816" cy="400110"/>
           </a:xfrm>
           <a:prstGeom prst="rect">
@@ -6836,6 +10894,38 @@
           </a:p>
         </p:txBody>
       </p:sp>
+      <p:pic>
+        <p:nvPicPr>
+          <p:cNvPr id="8" name="Picture 2"/>
+          <p:cNvPicPr>
+            <a:picLocks noChangeAspect="1" noChangeArrowheads="1"/>
+          </p:cNvPicPr>
+          <p:nvPr/>
+        </p:nvPicPr>
+        <p:blipFill>
+          <a:blip r:embed="rId3" cstate="print"/>
+          <a:srcRect/>
+          <a:stretch>
+            <a:fillRect/>
+          </a:stretch>
+        </p:blipFill>
+        <p:spPr bwMode="auto">
+          <a:xfrm>
+            <a:off x="179512" y="4587974"/>
+            <a:ext cx="1549483" cy="393898"/>
+          </a:xfrm>
+          <a:prstGeom prst="rect">
+            <a:avLst/>
+          </a:prstGeom>
+          <a:noFill/>
+          <a:ln w="9525">
+            <a:noFill/>
+            <a:miter lim="800000"/>
+            <a:headEnd/>
+            <a:tailEnd/>
+          </a:ln>
+        </p:spPr>
+      </p:pic>
     </p:spTree>
   </p:cSld>
   <p:clrMapOvr>
@@ -6873,13 +10963,13 @@
         </p:nvSpPr>
         <p:spPr>
           <a:xfrm>
-            <a:off x="179512" y="116632"/>
-            <a:ext cx="7772400" cy="965969"/>
+            <a:off x="-180528" y="257477"/>
+            <a:ext cx="7772400" cy="724477"/>
           </a:xfrm>
         </p:spPr>
         <p:txBody>
           <a:bodyPr>
-            <a:normAutofit/>
+            <a:normAutofit fontScale="90000"/>
           </a:bodyPr>
           <a:lstStyle/>
           <a:p>
@@ -6903,7 +10993,7 @@
         </p:nvSpPr>
         <p:spPr>
           <a:xfrm>
-            <a:off x="251520" y="1340768"/>
+            <a:off x="539552" y="1175579"/>
             <a:ext cx="7344816" cy="400110"/>
           </a:xfrm>
           <a:prstGeom prst="rect">
@@ -6937,7 +11027,7 @@
         </p:nvSpPr>
         <p:spPr>
           <a:xfrm>
-            <a:off x="251520" y="1887215"/>
+            <a:off x="539552" y="1585414"/>
             <a:ext cx="7344816" cy="400110"/>
           </a:xfrm>
           <a:prstGeom prst="rect">
@@ -6974,7 +11064,7 @@
         </p:nvSpPr>
         <p:spPr>
           <a:xfrm>
-            <a:off x="251520" y="2420888"/>
+            <a:off x="539552" y="1985669"/>
             <a:ext cx="7344816" cy="400110"/>
           </a:xfrm>
           <a:prstGeom prst="rect">
@@ -7024,7 +11114,7 @@
         </p:nvSpPr>
         <p:spPr>
           <a:xfrm>
-            <a:off x="251520" y="2956882"/>
+            <a:off x="539552" y="2387664"/>
             <a:ext cx="7344816" cy="400110"/>
           </a:xfrm>
           <a:prstGeom prst="rect">
@@ -7050,6 +11140,38 @@
           </a:p>
         </p:txBody>
       </p:sp>
+      <p:pic>
+        <p:nvPicPr>
+          <p:cNvPr id="8" name="Picture 2"/>
+          <p:cNvPicPr>
+            <a:picLocks noChangeAspect="1" noChangeArrowheads="1"/>
+          </p:cNvPicPr>
+          <p:nvPr/>
+        </p:nvPicPr>
+        <p:blipFill>
+          <a:blip r:embed="rId3" cstate="print"/>
+          <a:srcRect/>
+          <a:stretch>
+            <a:fillRect/>
+          </a:stretch>
+        </p:blipFill>
+        <p:spPr bwMode="auto">
+          <a:xfrm>
+            <a:off x="179512" y="4587974"/>
+            <a:ext cx="1549483" cy="393898"/>
+          </a:xfrm>
+          <a:prstGeom prst="rect">
+            <a:avLst/>
+          </a:prstGeom>
+          <a:noFill/>
+          <a:ln w="9525">
+            <a:noFill/>
+            <a:miter lim="800000"/>
+            <a:headEnd/>
+            <a:tailEnd/>
+          </a:ln>
+        </p:spPr>
+      </p:pic>
     </p:spTree>
   </p:cSld>
   <p:clrMapOvr>

--- a/Project_Temporary_Main.pptx
+++ b/Project_Temporary_Main.pptx
@@ -5,7 +5,7 @@
     <p:sldMasterId id="2147483648" r:id="rId1"/>
   </p:sldMasterIdLst>
   <p:notesMasterIdLst>
-    <p:notesMasterId r:id="rId10"/>
+    <p:notesMasterId r:id="rId11"/>
   </p:notesMasterIdLst>
   <p:sldIdLst>
     <p:sldId id="262" r:id="rId2"/>
@@ -16,6 +16,7 @@
     <p:sldId id="259" r:id="rId7"/>
     <p:sldId id="260" r:id="rId8"/>
     <p:sldId id="261" r:id="rId9"/>
+    <p:sldId id="264" r:id="rId10"/>
   </p:sldIdLst>
   <p:sldSz cx="9144000" cy="5143500" type="screen16x9"/>
   <p:notesSz cx="6858000" cy="9144000"/>
@@ -200,7 +201,7 @@
             <a:fld id="{1174F625-E849-4316-A88C-54418483E07F}" type="datetimeFigureOut">
               <a:rPr lang="ko-KR" altLang="en-US" smtClean="0"/>
               <a:pPr/>
-              <a:t>2018-09-20</a:t>
+              <a:t>2018-10-12</a:t>
             </a:fld>
             <a:endParaRPr lang="ko-KR" altLang="en-US"/>
           </a:p>
@@ -371,7 +372,7 @@
     </p:spTree>
     <p:extLst>
       <p:ext uri="{BB962C8B-B14F-4D97-AF65-F5344CB8AC3E}">
-        <p14:creationId xmlns:p14="http://schemas.microsoft.com/office/powerpoint/2010/main" val="1592552469"/>
+        <p14:creationId xmlns:p14="http://schemas.microsoft.com/office/powerpoint/2010/main" xmlns="" val="1592552469"/>
       </p:ext>
     </p:extLst>
   </p:cSld>
@@ -3294,6 +3295,166 @@
 </p:notes>
 </file>
 
+<file path=ppt/notesSlides/notesSlide9.xml><?xml version="1.0" encoding="utf-8"?>
+<p:notes xmlns:a="http://schemas.openxmlformats.org/drawingml/2006/main" xmlns:r="http://schemas.openxmlformats.org/officeDocument/2006/relationships" xmlns:p="http://schemas.openxmlformats.org/presentationml/2006/main">
+  <p:cSld>
+    <p:spTree>
+      <p:nvGrpSpPr>
+        <p:cNvPr id="1" name=""/>
+        <p:cNvGrpSpPr/>
+        <p:nvPr/>
+      </p:nvGrpSpPr>
+      <p:grpSpPr>
+        <a:xfrm>
+          <a:off x="0" y="0"/>
+          <a:ext cx="0" cy="0"/>
+          <a:chOff x="0" y="0"/>
+          <a:chExt cx="0" cy="0"/>
+        </a:xfrm>
+      </p:grpSpPr>
+      <p:sp>
+        <p:nvSpPr>
+          <p:cNvPr id="2" name="슬라이드 이미지 개체 틀 1"/>
+          <p:cNvSpPr>
+            <a:spLocks noGrp="1" noRot="1" noChangeAspect="1"/>
+          </p:cNvSpPr>
+          <p:nvPr>
+            <p:ph type="sldImg"/>
+          </p:nvPr>
+        </p:nvSpPr>
+        <p:spPr>
+          <a:xfrm>
+            <a:off x="381000" y="685800"/>
+            <a:ext cx="6096000" cy="3429000"/>
+          </a:xfrm>
+        </p:spPr>
+      </p:sp>
+      <p:sp>
+        <p:nvSpPr>
+          <p:cNvPr id="3" name="슬라이드 노트 개체 틀 2"/>
+          <p:cNvSpPr>
+            <a:spLocks noGrp="1"/>
+          </p:cNvSpPr>
+          <p:nvPr>
+            <p:ph type="body" idx="1"/>
+          </p:nvPr>
+        </p:nvSpPr>
+        <p:spPr/>
+        <p:txBody>
+          <a:bodyPr>
+            <a:normAutofit/>
+          </a:bodyPr>
+          <a:lstStyle/>
+          <a:p>
+            <a:r>
+              <a:rPr lang="ko-KR" altLang="en-US" baseline="0" dirty="0" smtClean="0"/>
+              <a:t>하드웨어와 소프트웨어가 완성되면 모터를 돌려야죠</a:t>
+            </a:r>
+            <a:r>
+              <a:rPr lang="en-US" altLang="ko-KR" baseline="0" dirty="0" smtClean="0"/>
+              <a:t>.</a:t>
+            </a:r>
+          </a:p>
+          <a:p>
+            <a:r>
+              <a:rPr lang="ko-KR" altLang="en-US" baseline="0" dirty="0" smtClean="0"/>
+              <a:t>모터 </a:t>
+            </a:r>
+            <a:r>
+              <a:rPr lang="ko-KR" altLang="en-US" baseline="0" dirty="0" err="1" smtClean="0"/>
+              <a:t>스펙에</a:t>
+            </a:r>
+            <a:r>
+              <a:rPr lang="ko-KR" altLang="en-US" baseline="0" dirty="0" smtClean="0"/>
+              <a:t> 따라 </a:t>
+            </a:r>
+            <a:r>
+              <a:rPr lang="en-US" altLang="ko-KR" baseline="0" dirty="0" smtClean="0"/>
+              <a:t>tmc5160 </a:t>
+            </a:r>
+            <a:r>
+              <a:rPr lang="ko-KR" altLang="en-US" baseline="0" dirty="0" smtClean="0"/>
+              <a:t>레지스터를 설정하고 실제로 돌려봅시다</a:t>
+            </a:r>
+            <a:r>
+              <a:rPr lang="en-US" altLang="ko-KR" baseline="0" dirty="0" smtClean="0"/>
+              <a:t>. </a:t>
+            </a:r>
+            <a:r>
+              <a:rPr lang="ko-KR" altLang="en-US" baseline="0" dirty="0" err="1" smtClean="0"/>
+              <a:t>엔코더와</a:t>
+            </a:r>
+            <a:r>
+              <a:rPr lang="ko-KR" altLang="en-US" baseline="0" dirty="0" smtClean="0"/>
+              <a:t> 스위치 동작도 확인해보고</a:t>
+            </a:r>
+            <a:endParaRPr lang="en-US" altLang="ko-KR" baseline="0" dirty="0" smtClean="0"/>
+          </a:p>
+          <a:p>
+            <a:r>
+              <a:rPr lang="ko-KR" altLang="en-US" baseline="0" dirty="0" smtClean="0"/>
+              <a:t>홈 위치 </a:t>
+            </a:r>
+            <a:r>
+              <a:rPr lang="ko-KR" altLang="en-US" baseline="0" dirty="0" err="1" smtClean="0"/>
+              <a:t>잡는법과</a:t>
+            </a:r>
+            <a:r>
+              <a:rPr lang="ko-KR" altLang="en-US" baseline="0" dirty="0" smtClean="0"/>
+              <a:t> 반복 동작을 실시해서 실제 정확도를 확인해봅시다</a:t>
+            </a:r>
+            <a:r>
+              <a:rPr lang="en-US" altLang="ko-KR" baseline="0" dirty="0" smtClean="0"/>
+              <a:t>.</a:t>
+            </a:r>
+          </a:p>
+          <a:p>
+            <a:endParaRPr lang="en-US" altLang="ko-KR" baseline="0" dirty="0" smtClean="0"/>
+          </a:p>
+          <a:p>
+            <a:r>
+              <a:rPr lang="ko-KR" altLang="en-US" baseline="0" dirty="0" smtClean="0"/>
+              <a:t>강좌는 여기까집니다</a:t>
+            </a:r>
+            <a:r>
+              <a:rPr lang="en-US" altLang="ko-KR" baseline="0" dirty="0" smtClean="0"/>
+              <a:t>.</a:t>
+            </a:r>
+          </a:p>
+        </p:txBody>
+      </p:sp>
+      <p:sp>
+        <p:nvSpPr>
+          <p:cNvPr id="4" name="슬라이드 번호 개체 틀 3"/>
+          <p:cNvSpPr>
+            <a:spLocks noGrp="1"/>
+          </p:cNvSpPr>
+          <p:nvPr>
+            <p:ph type="sldNum" sz="quarter" idx="10"/>
+          </p:nvPr>
+        </p:nvSpPr>
+        <p:spPr/>
+        <p:txBody>
+          <a:bodyPr/>
+          <a:lstStyle/>
+          <a:p>
+            <a:fld id="{092C3094-8DD0-4479-8CD3-F8F173D534BE}" type="slidenum">
+              <a:rPr lang="ko-KR" altLang="en-US" smtClean="0"/>
+              <a:pPr/>
+              <a:t>9</a:t>
+            </a:fld>
+            <a:endParaRPr lang="ko-KR" altLang="en-US"/>
+          </a:p>
+        </p:txBody>
+      </p:sp>
+    </p:spTree>
+  </p:cSld>
+  <p:clrMapOvr>
+    <a:masterClrMapping/>
+  </p:clrMapOvr>
+</p:notes>
+</file>
+
 <file path=ppt/slideLayouts/slideLayout1.xml><?xml version="1.0" encoding="utf-8"?>
 <p:sldLayout xmlns:a="http://schemas.openxmlformats.org/drawingml/2006/main" xmlns:r="http://schemas.openxmlformats.org/officeDocument/2006/relationships" xmlns:p="http://schemas.openxmlformats.org/presentationml/2006/main" type="title" preserve="1">
   <p:cSld name="제목 슬라이드">
@@ -3476,7 +3637,7 @@
             <a:fld id="{FCF3163A-9070-4B5B-ACA3-9EA48E4BFAD7}" type="datetimeFigureOut">
               <a:rPr lang="ko-KR" altLang="en-US" smtClean="0"/>
               <a:pPr/>
-              <a:t>2018-09-20</a:t>
+              <a:t>2018-10-12</a:t>
             </a:fld>
             <a:endParaRPr lang="ko-KR" altLang="en-US"/>
           </a:p>
@@ -3643,7 +3804,7 @@
             <a:fld id="{FCF3163A-9070-4B5B-ACA3-9EA48E4BFAD7}" type="datetimeFigureOut">
               <a:rPr lang="ko-KR" altLang="en-US" smtClean="0"/>
               <a:pPr/>
-              <a:t>2018-09-20</a:t>
+              <a:t>2018-10-12</a:t>
             </a:fld>
             <a:endParaRPr lang="ko-KR" altLang="en-US"/>
           </a:p>
@@ -3820,7 +3981,7 @@
             <a:fld id="{FCF3163A-9070-4B5B-ACA3-9EA48E4BFAD7}" type="datetimeFigureOut">
               <a:rPr lang="ko-KR" altLang="en-US" smtClean="0"/>
               <a:pPr/>
-              <a:t>2018-09-20</a:t>
+              <a:t>2018-10-12</a:t>
             </a:fld>
             <a:endParaRPr lang="ko-KR" altLang="en-US"/>
           </a:p>
@@ -3987,7 +4148,7 @@
             <a:fld id="{FCF3163A-9070-4B5B-ACA3-9EA48E4BFAD7}" type="datetimeFigureOut">
               <a:rPr lang="ko-KR" altLang="en-US" smtClean="0"/>
               <a:pPr/>
-              <a:t>2018-09-20</a:t>
+              <a:t>2018-10-12</a:t>
             </a:fld>
             <a:endParaRPr lang="ko-KR" altLang="en-US"/>
           </a:p>
@@ -4230,7 +4391,7 @@
             <a:fld id="{FCF3163A-9070-4B5B-ACA3-9EA48E4BFAD7}" type="datetimeFigureOut">
               <a:rPr lang="ko-KR" altLang="en-US" smtClean="0"/>
               <a:pPr/>
-              <a:t>2018-09-20</a:t>
+              <a:t>2018-10-12</a:t>
             </a:fld>
             <a:endParaRPr lang="ko-KR" altLang="en-US"/>
           </a:p>
@@ -4515,7 +4676,7 @@
             <a:fld id="{FCF3163A-9070-4B5B-ACA3-9EA48E4BFAD7}" type="datetimeFigureOut">
               <a:rPr lang="ko-KR" altLang="en-US" smtClean="0"/>
               <a:pPr/>
-              <a:t>2018-09-20</a:t>
+              <a:t>2018-10-12</a:t>
             </a:fld>
             <a:endParaRPr lang="ko-KR" altLang="en-US"/>
           </a:p>
@@ -4934,7 +5095,7 @@
             <a:fld id="{FCF3163A-9070-4B5B-ACA3-9EA48E4BFAD7}" type="datetimeFigureOut">
               <a:rPr lang="ko-KR" altLang="en-US" smtClean="0"/>
               <a:pPr/>
-              <a:t>2018-09-20</a:t>
+              <a:t>2018-10-12</a:t>
             </a:fld>
             <a:endParaRPr lang="ko-KR" altLang="en-US"/>
           </a:p>
@@ -5049,7 +5210,7 @@
             <a:fld id="{FCF3163A-9070-4B5B-ACA3-9EA48E4BFAD7}" type="datetimeFigureOut">
               <a:rPr lang="ko-KR" altLang="en-US" smtClean="0"/>
               <a:pPr/>
-              <a:t>2018-09-20</a:t>
+              <a:t>2018-10-12</a:t>
             </a:fld>
             <a:endParaRPr lang="ko-KR" altLang="en-US"/>
           </a:p>
@@ -5141,7 +5302,7 @@
             <a:fld id="{FCF3163A-9070-4B5B-ACA3-9EA48E4BFAD7}" type="datetimeFigureOut">
               <a:rPr lang="ko-KR" altLang="en-US" smtClean="0"/>
               <a:pPr/>
-              <a:t>2018-09-20</a:t>
+              <a:t>2018-10-12</a:t>
             </a:fld>
             <a:endParaRPr lang="ko-KR" altLang="en-US"/>
           </a:p>
@@ -5415,7 +5576,7 @@
             <a:fld id="{FCF3163A-9070-4B5B-ACA3-9EA48E4BFAD7}" type="datetimeFigureOut">
               <a:rPr lang="ko-KR" altLang="en-US" smtClean="0"/>
               <a:pPr/>
-              <a:t>2018-09-20</a:t>
+              <a:t>2018-10-12</a:t>
             </a:fld>
             <a:endParaRPr lang="ko-KR" altLang="en-US"/>
           </a:p>
@@ -5665,7 +5826,7 @@
             <a:fld id="{FCF3163A-9070-4B5B-ACA3-9EA48E4BFAD7}" type="datetimeFigureOut">
               <a:rPr lang="ko-KR" altLang="en-US" smtClean="0"/>
               <a:pPr/>
-              <a:t>2018-09-20</a:t>
+              <a:t>2018-10-12</a:t>
             </a:fld>
             <a:endParaRPr lang="ko-KR" altLang="en-US"/>
           </a:p>
@@ -5875,7 +6036,7 @@
             <a:fld id="{FCF3163A-9070-4B5B-ACA3-9EA48E4BFAD7}" type="datetimeFigureOut">
               <a:rPr lang="ko-KR" altLang="en-US" smtClean="0"/>
               <a:pPr/>
-              <a:t>2018-09-20</a:t>
+              <a:t>2018-10-12</a:t>
             </a:fld>
             <a:endParaRPr lang="ko-KR" altLang="en-US"/>
           </a:p>
@@ -11172,6 +11333,2641 @@
           </a:ln>
         </p:spPr>
       </p:pic>
+    </p:spTree>
+  </p:cSld>
+  <p:clrMapOvr>
+    <a:masterClrMapping/>
+  </p:clrMapOvr>
+</p:sld>
+</file>
+
+<file path=ppt/slides/slide9.xml><?xml version="1.0" encoding="utf-8"?>
+<p:sld xmlns:a="http://schemas.openxmlformats.org/drawingml/2006/main" xmlns:r="http://schemas.openxmlformats.org/officeDocument/2006/relationships" xmlns:p="http://schemas.openxmlformats.org/presentationml/2006/main">
+  <p:cSld>
+    <p:spTree>
+      <p:nvGrpSpPr>
+        <p:cNvPr id="1" name=""/>
+        <p:cNvGrpSpPr/>
+        <p:nvPr/>
+      </p:nvGrpSpPr>
+      <p:grpSpPr>
+        <a:xfrm>
+          <a:off x="0" y="0"/>
+          <a:ext cx="0" cy="0"/>
+          <a:chOff x="0" y="0"/>
+          <a:chExt cx="0" cy="0"/>
+        </a:xfrm>
+      </p:grpSpPr>
+      <p:pic>
+        <p:nvPicPr>
+          <p:cNvPr id="8" name="Picture 2"/>
+          <p:cNvPicPr>
+            <a:picLocks noChangeAspect="1" noChangeArrowheads="1"/>
+          </p:cNvPicPr>
+          <p:nvPr/>
+        </p:nvPicPr>
+        <p:blipFill>
+          <a:blip r:embed="rId3" cstate="print"/>
+          <a:srcRect/>
+          <a:stretch>
+            <a:fillRect/>
+          </a:stretch>
+        </p:blipFill>
+        <p:spPr bwMode="auto">
+          <a:xfrm>
+            <a:off x="179512" y="4587974"/>
+            <a:ext cx="1549483" cy="393898"/>
+          </a:xfrm>
+          <a:prstGeom prst="rect">
+            <a:avLst/>
+          </a:prstGeom>
+          <a:noFill/>
+          <a:ln w="9525">
+            <a:noFill/>
+            <a:miter lim="800000"/>
+            <a:headEnd/>
+            <a:tailEnd/>
+          </a:ln>
+        </p:spPr>
+      </p:pic>
+      <p:sp>
+        <p:nvSpPr>
+          <p:cNvPr id="10" name="제목 1"/>
+          <p:cNvSpPr>
+            <a:spLocks noGrp="1"/>
+          </p:cNvSpPr>
+          <p:nvPr/>
+        </p:nvSpPr>
+        <p:spPr>
+          <a:xfrm>
+            <a:off x="-180528" y="267494"/>
+            <a:ext cx="7772400" cy="724477"/>
+          </a:xfrm>
+          <a:prstGeom prst="rect">
+            <a:avLst/>
+          </a:prstGeom>
+        </p:spPr>
+        <p:txBody>
+          <a:bodyPr vert="horz" lIns="91440" tIns="45720" rIns="91440" bIns="45720" rtlCol="0" anchor="ctr">
+            <a:normAutofit fontScale="97500" lnSpcReduction="10000"/>
+          </a:bodyPr>
+          <a:lstStyle>
+            <a:lvl1pPr algn="ctr" defTabSz="914400" rtl="0" eaLnBrk="1" latinLnBrk="1" hangingPunct="1">
+              <a:spcBef>
+                <a:spcPct val="0"/>
+              </a:spcBef>
+              <a:buNone/>
+              <a:defRPr sz="4400" kern="1200">
+                <a:solidFill>
+                  <a:schemeClr val="tx1"/>
+                </a:solidFill>
+                <a:latin typeface="+mj-lt"/>
+                <a:ea typeface="+mj-ea"/>
+                <a:cs typeface="+mj-cs"/>
+              </a:defRPr>
+            </a:lvl1pPr>
+          </a:lstStyle>
+          <a:p>
+            <a:r>
+              <a:rPr lang="en-US" altLang="ko-KR" dirty="0" smtClean="0"/>
+              <a:t>Agenda</a:t>
+            </a:r>
+            <a:endParaRPr lang="ko-KR" altLang="en-US" dirty="0"/>
+          </a:p>
+        </p:txBody>
+      </p:sp>
+      <p:sp>
+        <p:nvSpPr>
+          <p:cNvPr id="11" name="TextBox 8"/>
+          <p:cNvSpPr txBox="1"/>
+          <p:nvPr/>
+        </p:nvSpPr>
+        <p:spPr>
+          <a:xfrm>
+            <a:off x="395536" y="1255426"/>
+            <a:ext cx="7344816" cy="246221"/>
+          </a:xfrm>
+          <a:prstGeom prst="rect">
+            <a:avLst/>
+          </a:prstGeom>
+          <a:noFill/>
+        </p:spPr>
+        <p:txBody>
+          <a:bodyPr wrap="square" rtlCol="0">
+            <a:spAutoFit/>
+          </a:bodyPr>
+          <a:lstStyle>
+            <a:defPPr>
+              <a:defRPr lang="ko-KR"/>
+            </a:defPPr>
+            <a:lvl1pPr marL="0" algn="l" defTabSz="914400" rtl="0" eaLnBrk="1" latinLnBrk="1" hangingPunct="1">
+              <a:defRPr sz="1800" kern="1200">
+                <a:solidFill>
+                  <a:schemeClr val="tx1"/>
+                </a:solidFill>
+                <a:latin typeface="+mn-lt"/>
+                <a:ea typeface="+mn-ea"/>
+                <a:cs typeface="+mn-cs"/>
+              </a:defRPr>
+            </a:lvl1pPr>
+            <a:lvl2pPr marL="457200" algn="l" defTabSz="914400" rtl="0" eaLnBrk="1" latinLnBrk="1" hangingPunct="1">
+              <a:defRPr sz="1800" kern="1200">
+                <a:solidFill>
+                  <a:schemeClr val="tx1"/>
+                </a:solidFill>
+                <a:latin typeface="+mn-lt"/>
+                <a:ea typeface="+mn-ea"/>
+                <a:cs typeface="+mn-cs"/>
+              </a:defRPr>
+            </a:lvl2pPr>
+            <a:lvl3pPr marL="914400" algn="l" defTabSz="914400" rtl="0" eaLnBrk="1" latinLnBrk="1" hangingPunct="1">
+              <a:defRPr sz="1800" kern="1200">
+                <a:solidFill>
+                  <a:schemeClr val="tx1"/>
+                </a:solidFill>
+                <a:latin typeface="+mn-lt"/>
+                <a:ea typeface="+mn-ea"/>
+                <a:cs typeface="+mn-cs"/>
+              </a:defRPr>
+            </a:lvl3pPr>
+            <a:lvl4pPr marL="1371600" algn="l" defTabSz="914400" rtl="0" eaLnBrk="1" latinLnBrk="1" hangingPunct="1">
+              <a:defRPr sz="1800" kern="1200">
+                <a:solidFill>
+                  <a:schemeClr val="tx1"/>
+                </a:solidFill>
+                <a:latin typeface="+mn-lt"/>
+                <a:ea typeface="+mn-ea"/>
+                <a:cs typeface="+mn-cs"/>
+              </a:defRPr>
+            </a:lvl4pPr>
+            <a:lvl5pPr marL="1828800" algn="l" defTabSz="914400" rtl="0" eaLnBrk="1" latinLnBrk="1" hangingPunct="1">
+              <a:defRPr sz="1800" kern="1200">
+                <a:solidFill>
+                  <a:schemeClr val="tx1"/>
+                </a:solidFill>
+                <a:latin typeface="+mn-lt"/>
+                <a:ea typeface="+mn-ea"/>
+                <a:cs typeface="+mn-cs"/>
+              </a:defRPr>
+            </a:lvl5pPr>
+            <a:lvl6pPr marL="2286000" algn="l" defTabSz="914400" rtl="0" eaLnBrk="1" latinLnBrk="1" hangingPunct="1">
+              <a:defRPr sz="1800" kern="1200">
+                <a:solidFill>
+                  <a:schemeClr val="tx1"/>
+                </a:solidFill>
+                <a:latin typeface="+mn-lt"/>
+                <a:ea typeface="+mn-ea"/>
+                <a:cs typeface="+mn-cs"/>
+              </a:defRPr>
+            </a:lvl6pPr>
+            <a:lvl7pPr marL="2743200" algn="l" defTabSz="914400" rtl="0" eaLnBrk="1" latinLnBrk="1" hangingPunct="1">
+              <a:defRPr sz="1800" kern="1200">
+                <a:solidFill>
+                  <a:schemeClr val="tx1"/>
+                </a:solidFill>
+                <a:latin typeface="+mn-lt"/>
+                <a:ea typeface="+mn-ea"/>
+                <a:cs typeface="+mn-cs"/>
+              </a:defRPr>
+            </a:lvl7pPr>
+            <a:lvl8pPr marL="3200400" algn="l" defTabSz="914400" rtl="0" eaLnBrk="1" latinLnBrk="1" hangingPunct="1">
+              <a:defRPr sz="1800" kern="1200">
+                <a:solidFill>
+                  <a:schemeClr val="tx1"/>
+                </a:solidFill>
+                <a:latin typeface="+mn-lt"/>
+                <a:ea typeface="+mn-ea"/>
+                <a:cs typeface="+mn-cs"/>
+              </a:defRPr>
+            </a:lvl8pPr>
+            <a:lvl9pPr marL="3657600" algn="l" defTabSz="914400" rtl="0" eaLnBrk="1" latinLnBrk="1" hangingPunct="1">
+              <a:defRPr sz="1800" kern="1200">
+                <a:solidFill>
+                  <a:schemeClr val="tx1"/>
+                </a:solidFill>
+                <a:latin typeface="+mn-lt"/>
+                <a:ea typeface="+mn-ea"/>
+                <a:cs typeface="+mn-cs"/>
+              </a:defRPr>
+            </a:lvl9pPr>
+          </a:lstStyle>
+          <a:p>
+            <a:r>
+              <a:rPr lang="en-US" altLang="ko-KR" sz="1000" dirty="0" smtClean="0"/>
+              <a:t>1. </a:t>
+            </a:r>
+            <a:r>
+              <a:rPr lang="ko-KR" altLang="en-US" sz="1000" dirty="0" smtClean="0"/>
+              <a:t>파트 라이브러리 설계</a:t>
+            </a:r>
+            <a:endParaRPr lang="ko-KR" altLang="en-US" sz="1000" dirty="0"/>
+          </a:p>
+        </p:txBody>
+      </p:sp>
+      <p:sp>
+        <p:nvSpPr>
+          <p:cNvPr id="12" name="TextBox 9"/>
+          <p:cNvSpPr txBox="1"/>
+          <p:nvPr/>
+        </p:nvSpPr>
+        <p:spPr>
+          <a:xfrm>
+            <a:off x="395536" y="1471450"/>
+            <a:ext cx="7344816" cy="246221"/>
+          </a:xfrm>
+          <a:prstGeom prst="rect">
+            <a:avLst/>
+          </a:prstGeom>
+          <a:noFill/>
+        </p:spPr>
+        <p:txBody>
+          <a:bodyPr wrap="square" rtlCol="0">
+            <a:spAutoFit/>
+          </a:bodyPr>
+          <a:lstStyle>
+            <a:defPPr>
+              <a:defRPr lang="ko-KR"/>
+            </a:defPPr>
+            <a:lvl1pPr marL="0" algn="l" defTabSz="914400" rtl="0" eaLnBrk="1" latinLnBrk="1" hangingPunct="1">
+              <a:defRPr sz="1800" kern="1200">
+                <a:solidFill>
+                  <a:schemeClr val="tx1"/>
+                </a:solidFill>
+                <a:latin typeface="+mn-lt"/>
+                <a:ea typeface="+mn-ea"/>
+                <a:cs typeface="+mn-cs"/>
+              </a:defRPr>
+            </a:lvl1pPr>
+            <a:lvl2pPr marL="457200" algn="l" defTabSz="914400" rtl="0" eaLnBrk="1" latinLnBrk="1" hangingPunct="1">
+              <a:defRPr sz="1800" kern="1200">
+                <a:solidFill>
+                  <a:schemeClr val="tx1"/>
+                </a:solidFill>
+                <a:latin typeface="+mn-lt"/>
+                <a:ea typeface="+mn-ea"/>
+                <a:cs typeface="+mn-cs"/>
+              </a:defRPr>
+            </a:lvl2pPr>
+            <a:lvl3pPr marL="914400" algn="l" defTabSz="914400" rtl="0" eaLnBrk="1" latinLnBrk="1" hangingPunct="1">
+              <a:defRPr sz="1800" kern="1200">
+                <a:solidFill>
+                  <a:schemeClr val="tx1"/>
+                </a:solidFill>
+                <a:latin typeface="+mn-lt"/>
+                <a:ea typeface="+mn-ea"/>
+                <a:cs typeface="+mn-cs"/>
+              </a:defRPr>
+            </a:lvl3pPr>
+            <a:lvl4pPr marL="1371600" algn="l" defTabSz="914400" rtl="0" eaLnBrk="1" latinLnBrk="1" hangingPunct="1">
+              <a:defRPr sz="1800" kern="1200">
+                <a:solidFill>
+                  <a:schemeClr val="tx1"/>
+                </a:solidFill>
+                <a:latin typeface="+mn-lt"/>
+                <a:ea typeface="+mn-ea"/>
+                <a:cs typeface="+mn-cs"/>
+              </a:defRPr>
+            </a:lvl4pPr>
+            <a:lvl5pPr marL="1828800" algn="l" defTabSz="914400" rtl="0" eaLnBrk="1" latinLnBrk="1" hangingPunct="1">
+              <a:defRPr sz="1800" kern="1200">
+                <a:solidFill>
+                  <a:schemeClr val="tx1"/>
+                </a:solidFill>
+                <a:latin typeface="+mn-lt"/>
+                <a:ea typeface="+mn-ea"/>
+                <a:cs typeface="+mn-cs"/>
+              </a:defRPr>
+            </a:lvl5pPr>
+            <a:lvl6pPr marL="2286000" algn="l" defTabSz="914400" rtl="0" eaLnBrk="1" latinLnBrk="1" hangingPunct="1">
+              <a:defRPr sz="1800" kern="1200">
+                <a:solidFill>
+                  <a:schemeClr val="tx1"/>
+                </a:solidFill>
+                <a:latin typeface="+mn-lt"/>
+                <a:ea typeface="+mn-ea"/>
+                <a:cs typeface="+mn-cs"/>
+              </a:defRPr>
+            </a:lvl6pPr>
+            <a:lvl7pPr marL="2743200" algn="l" defTabSz="914400" rtl="0" eaLnBrk="1" latinLnBrk="1" hangingPunct="1">
+              <a:defRPr sz="1800" kern="1200">
+                <a:solidFill>
+                  <a:schemeClr val="tx1"/>
+                </a:solidFill>
+                <a:latin typeface="+mn-lt"/>
+                <a:ea typeface="+mn-ea"/>
+                <a:cs typeface="+mn-cs"/>
+              </a:defRPr>
+            </a:lvl7pPr>
+            <a:lvl8pPr marL="3200400" algn="l" defTabSz="914400" rtl="0" eaLnBrk="1" latinLnBrk="1" hangingPunct="1">
+              <a:defRPr sz="1800" kern="1200">
+                <a:solidFill>
+                  <a:schemeClr val="tx1"/>
+                </a:solidFill>
+                <a:latin typeface="+mn-lt"/>
+                <a:ea typeface="+mn-ea"/>
+                <a:cs typeface="+mn-cs"/>
+              </a:defRPr>
+            </a:lvl8pPr>
+            <a:lvl9pPr marL="3657600" algn="l" defTabSz="914400" rtl="0" eaLnBrk="1" latinLnBrk="1" hangingPunct="1">
+              <a:defRPr sz="1800" kern="1200">
+                <a:solidFill>
+                  <a:schemeClr val="tx1"/>
+                </a:solidFill>
+                <a:latin typeface="+mn-lt"/>
+                <a:ea typeface="+mn-ea"/>
+                <a:cs typeface="+mn-cs"/>
+              </a:defRPr>
+            </a:lvl9pPr>
+          </a:lstStyle>
+          <a:p>
+            <a:r>
+              <a:rPr lang="en-US" altLang="ko-KR" sz="1000" dirty="0"/>
+              <a:t>2</a:t>
+            </a:r>
+            <a:r>
+              <a:rPr lang="en-US" altLang="ko-KR" sz="1000" dirty="0" smtClean="0"/>
+              <a:t>. </a:t>
+            </a:r>
+            <a:r>
+              <a:rPr lang="ko-KR" altLang="en-US" sz="1000" dirty="0" smtClean="0"/>
+              <a:t>회로 부품</a:t>
+            </a:r>
+            <a:r>
+              <a:rPr lang="en-US" altLang="ko-KR" sz="1000" dirty="0" smtClean="0"/>
+              <a:t> </a:t>
+            </a:r>
+            <a:r>
+              <a:rPr lang="ko-KR" altLang="en-US" sz="1000" dirty="0" smtClean="0"/>
+              <a:t>배치 다이어그램 그리기 </a:t>
+            </a:r>
+          </a:p>
+        </p:txBody>
+      </p:sp>
+      <p:sp>
+        <p:nvSpPr>
+          <p:cNvPr id="13" name="TextBox 10"/>
+          <p:cNvSpPr txBox="1"/>
+          <p:nvPr/>
+        </p:nvSpPr>
+        <p:spPr>
+          <a:xfrm>
+            <a:off x="395536" y="1687474"/>
+            <a:ext cx="7344816" cy="246221"/>
+          </a:xfrm>
+          <a:prstGeom prst="rect">
+            <a:avLst/>
+          </a:prstGeom>
+          <a:noFill/>
+        </p:spPr>
+        <p:txBody>
+          <a:bodyPr wrap="square" rtlCol="0">
+            <a:spAutoFit/>
+          </a:bodyPr>
+          <a:lstStyle>
+            <a:defPPr>
+              <a:defRPr lang="ko-KR"/>
+            </a:defPPr>
+            <a:lvl1pPr marL="0" algn="l" defTabSz="914400" rtl="0" eaLnBrk="1" latinLnBrk="1" hangingPunct="1">
+              <a:defRPr sz="1800" kern="1200">
+                <a:solidFill>
+                  <a:schemeClr val="tx1"/>
+                </a:solidFill>
+                <a:latin typeface="+mn-lt"/>
+                <a:ea typeface="+mn-ea"/>
+                <a:cs typeface="+mn-cs"/>
+              </a:defRPr>
+            </a:lvl1pPr>
+            <a:lvl2pPr marL="457200" algn="l" defTabSz="914400" rtl="0" eaLnBrk="1" latinLnBrk="1" hangingPunct="1">
+              <a:defRPr sz="1800" kern="1200">
+                <a:solidFill>
+                  <a:schemeClr val="tx1"/>
+                </a:solidFill>
+                <a:latin typeface="+mn-lt"/>
+                <a:ea typeface="+mn-ea"/>
+                <a:cs typeface="+mn-cs"/>
+              </a:defRPr>
+            </a:lvl2pPr>
+            <a:lvl3pPr marL="914400" algn="l" defTabSz="914400" rtl="0" eaLnBrk="1" latinLnBrk="1" hangingPunct="1">
+              <a:defRPr sz="1800" kern="1200">
+                <a:solidFill>
+                  <a:schemeClr val="tx1"/>
+                </a:solidFill>
+                <a:latin typeface="+mn-lt"/>
+                <a:ea typeface="+mn-ea"/>
+                <a:cs typeface="+mn-cs"/>
+              </a:defRPr>
+            </a:lvl3pPr>
+            <a:lvl4pPr marL="1371600" algn="l" defTabSz="914400" rtl="0" eaLnBrk="1" latinLnBrk="1" hangingPunct="1">
+              <a:defRPr sz="1800" kern="1200">
+                <a:solidFill>
+                  <a:schemeClr val="tx1"/>
+                </a:solidFill>
+                <a:latin typeface="+mn-lt"/>
+                <a:ea typeface="+mn-ea"/>
+                <a:cs typeface="+mn-cs"/>
+              </a:defRPr>
+            </a:lvl4pPr>
+            <a:lvl5pPr marL="1828800" algn="l" defTabSz="914400" rtl="0" eaLnBrk="1" latinLnBrk="1" hangingPunct="1">
+              <a:defRPr sz="1800" kern="1200">
+                <a:solidFill>
+                  <a:schemeClr val="tx1"/>
+                </a:solidFill>
+                <a:latin typeface="+mn-lt"/>
+                <a:ea typeface="+mn-ea"/>
+                <a:cs typeface="+mn-cs"/>
+              </a:defRPr>
+            </a:lvl5pPr>
+            <a:lvl6pPr marL="2286000" algn="l" defTabSz="914400" rtl="0" eaLnBrk="1" latinLnBrk="1" hangingPunct="1">
+              <a:defRPr sz="1800" kern="1200">
+                <a:solidFill>
+                  <a:schemeClr val="tx1"/>
+                </a:solidFill>
+                <a:latin typeface="+mn-lt"/>
+                <a:ea typeface="+mn-ea"/>
+                <a:cs typeface="+mn-cs"/>
+              </a:defRPr>
+            </a:lvl6pPr>
+            <a:lvl7pPr marL="2743200" algn="l" defTabSz="914400" rtl="0" eaLnBrk="1" latinLnBrk="1" hangingPunct="1">
+              <a:defRPr sz="1800" kern="1200">
+                <a:solidFill>
+                  <a:schemeClr val="tx1"/>
+                </a:solidFill>
+                <a:latin typeface="+mn-lt"/>
+                <a:ea typeface="+mn-ea"/>
+                <a:cs typeface="+mn-cs"/>
+              </a:defRPr>
+            </a:lvl7pPr>
+            <a:lvl8pPr marL="3200400" algn="l" defTabSz="914400" rtl="0" eaLnBrk="1" latinLnBrk="1" hangingPunct="1">
+              <a:defRPr sz="1800" kern="1200">
+                <a:solidFill>
+                  <a:schemeClr val="tx1"/>
+                </a:solidFill>
+                <a:latin typeface="+mn-lt"/>
+                <a:ea typeface="+mn-ea"/>
+                <a:cs typeface="+mn-cs"/>
+              </a:defRPr>
+            </a:lvl8pPr>
+            <a:lvl9pPr marL="3657600" algn="l" defTabSz="914400" rtl="0" eaLnBrk="1" latinLnBrk="1" hangingPunct="1">
+              <a:defRPr sz="1800" kern="1200">
+                <a:solidFill>
+                  <a:schemeClr val="tx1"/>
+                </a:solidFill>
+                <a:latin typeface="+mn-lt"/>
+                <a:ea typeface="+mn-ea"/>
+                <a:cs typeface="+mn-cs"/>
+              </a:defRPr>
+            </a:lvl9pPr>
+          </a:lstStyle>
+          <a:p>
+            <a:r>
+              <a:rPr lang="en-US" altLang="ko-KR" sz="1000" dirty="0"/>
+              <a:t>3</a:t>
+            </a:r>
+            <a:r>
+              <a:rPr lang="en-US" altLang="ko-KR" sz="1000" dirty="0" smtClean="0"/>
+              <a:t>. </a:t>
+            </a:r>
+            <a:r>
+              <a:rPr lang="ko-KR" altLang="en-US" sz="1000" dirty="0" smtClean="0"/>
+              <a:t>입력</a:t>
+            </a:r>
+            <a:r>
+              <a:rPr lang="en-US" altLang="ko-KR" sz="1000" dirty="0" smtClean="0"/>
+              <a:t>-&gt; </a:t>
+            </a:r>
+            <a:r>
+              <a:rPr lang="ko-KR" altLang="en-US" sz="1000" dirty="0" smtClean="0"/>
+              <a:t>처리 </a:t>
+            </a:r>
+            <a:r>
+              <a:rPr lang="en-US" altLang="ko-KR" sz="1000" dirty="0" smtClean="0"/>
+              <a:t>-&gt; </a:t>
+            </a:r>
+            <a:r>
+              <a:rPr lang="ko-KR" altLang="en-US" sz="1000" dirty="0" smtClean="0"/>
+              <a:t>출력 순으로 회로도 그리기</a:t>
+            </a:r>
+            <a:endParaRPr lang="en-US" altLang="ko-KR" sz="1000" dirty="0" smtClean="0"/>
+          </a:p>
+        </p:txBody>
+      </p:sp>
+      <p:sp>
+        <p:nvSpPr>
+          <p:cNvPr id="14" name="TextBox 14"/>
+          <p:cNvSpPr txBox="1"/>
+          <p:nvPr/>
+        </p:nvSpPr>
+        <p:spPr>
+          <a:xfrm>
+            <a:off x="395536" y="1903498"/>
+            <a:ext cx="7344816" cy="246221"/>
+          </a:xfrm>
+          <a:prstGeom prst="rect">
+            <a:avLst/>
+          </a:prstGeom>
+          <a:noFill/>
+        </p:spPr>
+        <p:txBody>
+          <a:bodyPr wrap="square" rtlCol="0">
+            <a:spAutoFit/>
+          </a:bodyPr>
+          <a:lstStyle>
+            <a:defPPr>
+              <a:defRPr lang="ko-KR"/>
+            </a:defPPr>
+            <a:lvl1pPr marL="0" algn="l" defTabSz="914400" rtl="0" eaLnBrk="1" latinLnBrk="1" hangingPunct="1">
+              <a:defRPr sz="1800" kern="1200">
+                <a:solidFill>
+                  <a:schemeClr val="tx1"/>
+                </a:solidFill>
+                <a:latin typeface="+mn-lt"/>
+                <a:ea typeface="+mn-ea"/>
+                <a:cs typeface="+mn-cs"/>
+              </a:defRPr>
+            </a:lvl1pPr>
+            <a:lvl2pPr marL="457200" algn="l" defTabSz="914400" rtl="0" eaLnBrk="1" latinLnBrk="1" hangingPunct="1">
+              <a:defRPr sz="1800" kern="1200">
+                <a:solidFill>
+                  <a:schemeClr val="tx1"/>
+                </a:solidFill>
+                <a:latin typeface="+mn-lt"/>
+                <a:ea typeface="+mn-ea"/>
+                <a:cs typeface="+mn-cs"/>
+              </a:defRPr>
+            </a:lvl2pPr>
+            <a:lvl3pPr marL="914400" algn="l" defTabSz="914400" rtl="0" eaLnBrk="1" latinLnBrk="1" hangingPunct="1">
+              <a:defRPr sz="1800" kern="1200">
+                <a:solidFill>
+                  <a:schemeClr val="tx1"/>
+                </a:solidFill>
+                <a:latin typeface="+mn-lt"/>
+                <a:ea typeface="+mn-ea"/>
+                <a:cs typeface="+mn-cs"/>
+              </a:defRPr>
+            </a:lvl3pPr>
+            <a:lvl4pPr marL="1371600" algn="l" defTabSz="914400" rtl="0" eaLnBrk="1" latinLnBrk="1" hangingPunct="1">
+              <a:defRPr sz="1800" kern="1200">
+                <a:solidFill>
+                  <a:schemeClr val="tx1"/>
+                </a:solidFill>
+                <a:latin typeface="+mn-lt"/>
+                <a:ea typeface="+mn-ea"/>
+                <a:cs typeface="+mn-cs"/>
+              </a:defRPr>
+            </a:lvl4pPr>
+            <a:lvl5pPr marL="1828800" algn="l" defTabSz="914400" rtl="0" eaLnBrk="1" latinLnBrk="1" hangingPunct="1">
+              <a:defRPr sz="1800" kern="1200">
+                <a:solidFill>
+                  <a:schemeClr val="tx1"/>
+                </a:solidFill>
+                <a:latin typeface="+mn-lt"/>
+                <a:ea typeface="+mn-ea"/>
+                <a:cs typeface="+mn-cs"/>
+              </a:defRPr>
+            </a:lvl5pPr>
+            <a:lvl6pPr marL="2286000" algn="l" defTabSz="914400" rtl="0" eaLnBrk="1" latinLnBrk="1" hangingPunct="1">
+              <a:defRPr sz="1800" kern="1200">
+                <a:solidFill>
+                  <a:schemeClr val="tx1"/>
+                </a:solidFill>
+                <a:latin typeface="+mn-lt"/>
+                <a:ea typeface="+mn-ea"/>
+                <a:cs typeface="+mn-cs"/>
+              </a:defRPr>
+            </a:lvl6pPr>
+            <a:lvl7pPr marL="2743200" algn="l" defTabSz="914400" rtl="0" eaLnBrk="1" latinLnBrk="1" hangingPunct="1">
+              <a:defRPr sz="1800" kern="1200">
+                <a:solidFill>
+                  <a:schemeClr val="tx1"/>
+                </a:solidFill>
+                <a:latin typeface="+mn-lt"/>
+                <a:ea typeface="+mn-ea"/>
+                <a:cs typeface="+mn-cs"/>
+              </a:defRPr>
+            </a:lvl7pPr>
+            <a:lvl8pPr marL="3200400" algn="l" defTabSz="914400" rtl="0" eaLnBrk="1" latinLnBrk="1" hangingPunct="1">
+              <a:defRPr sz="1800" kern="1200">
+                <a:solidFill>
+                  <a:schemeClr val="tx1"/>
+                </a:solidFill>
+                <a:latin typeface="+mn-lt"/>
+                <a:ea typeface="+mn-ea"/>
+                <a:cs typeface="+mn-cs"/>
+              </a:defRPr>
+            </a:lvl8pPr>
+            <a:lvl9pPr marL="3657600" algn="l" defTabSz="914400" rtl="0" eaLnBrk="1" latinLnBrk="1" hangingPunct="1">
+              <a:defRPr sz="1800" kern="1200">
+                <a:solidFill>
+                  <a:schemeClr val="tx1"/>
+                </a:solidFill>
+                <a:latin typeface="+mn-lt"/>
+                <a:ea typeface="+mn-ea"/>
+                <a:cs typeface="+mn-cs"/>
+              </a:defRPr>
+            </a:lvl9pPr>
+          </a:lstStyle>
+          <a:p>
+            <a:r>
+              <a:rPr lang="en-US" altLang="ko-KR" sz="1000" dirty="0" smtClean="0"/>
+              <a:t>4. </a:t>
+            </a:r>
+            <a:r>
+              <a:rPr lang="en-US" altLang="ko-KR" sz="1000" dirty="0" err="1" smtClean="0"/>
+              <a:t>Netlist</a:t>
+            </a:r>
+            <a:r>
+              <a:rPr lang="en-US" altLang="ko-KR" sz="1000" dirty="0" smtClean="0"/>
+              <a:t> </a:t>
+            </a:r>
+            <a:r>
+              <a:rPr lang="ko-KR" altLang="en-US" sz="1000" dirty="0" smtClean="0"/>
+              <a:t>변환 및 </a:t>
+            </a:r>
+            <a:r>
+              <a:rPr lang="en-US" altLang="ko-KR" sz="1000" dirty="0" err="1" smtClean="0"/>
+              <a:t>asc</a:t>
+            </a:r>
+            <a:r>
+              <a:rPr lang="en-US" altLang="ko-KR" sz="1000" dirty="0" smtClean="0"/>
+              <a:t> import</a:t>
+            </a:r>
+            <a:endParaRPr lang="ko-KR" altLang="en-US" sz="1000" dirty="0"/>
+          </a:p>
+        </p:txBody>
+      </p:sp>
+      <p:sp>
+        <p:nvSpPr>
+          <p:cNvPr id="15" name="TextBox 15"/>
+          <p:cNvSpPr txBox="1"/>
+          <p:nvPr/>
+        </p:nvSpPr>
+        <p:spPr>
+          <a:xfrm>
+            <a:off x="395536" y="2119522"/>
+            <a:ext cx="7344816" cy="246221"/>
+          </a:xfrm>
+          <a:prstGeom prst="rect">
+            <a:avLst/>
+          </a:prstGeom>
+          <a:noFill/>
+        </p:spPr>
+        <p:txBody>
+          <a:bodyPr wrap="square" rtlCol="0">
+            <a:spAutoFit/>
+          </a:bodyPr>
+          <a:lstStyle>
+            <a:defPPr>
+              <a:defRPr lang="ko-KR"/>
+            </a:defPPr>
+            <a:lvl1pPr marL="0" algn="l" defTabSz="914400" rtl="0" eaLnBrk="1" latinLnBrk="1" hangingPunct="1">
+              <a:defRPr sz="1800" kern="1200">
+                <a:solidFill>
+                  <a:schemeClr val="tx1"/>
+                </a:solidFill>
+                <a:latin typeface="+mn-lt"/>
+                <a:ea typeface="+mn-ea"/>
+                <a:cs typeface="+mn-cs"/>
+              </a:defRPr>
+            </a:lvl1pPr>
+            <a:lvl2pPr marL="457200" algn="l" defTabSz="914400" rtl="0" eaLnBrk="1" latinLnBrk="1" hangingPunct="1">
+              <a:defRPr sz="1800" kern="1200">
+                <a:solidFill>
+                  <a:schemeClr val="tx1"/>
+                </a:solidFill>
+                <a:latin typeface="+mn-lt"/>
+                <a:ea typeface="+mn-ea"/>
+                <a:cs typeface="+mn-cs"/>
+              </a:defRPr>
+            </a:lvl2pPr>
+            <a:lvl3pPr marL="914400" algn="l" defTabSz="914400" rtl="0" eaLnBrk="1" latinLnBrk="1" hangingPunct="1">
+              <a:defRPr sz="1800" kern="1200">
+                <a:solidFill>
+                  <a:schemeClr val="tx1"/>
+                </a:solidFill>
+                <a:latin typeface="+mn-lt"/>
+                <a:ea typeface="+mn-ea"/>
+                <a:cs typeface="+mn-cs"/>
+              </a:defRPr>
+            </a:lvl3pPr>
+            <a:lvl4pPr marL="1371600" algn="l" defTabSz="914400" rtl="0" eaLnBrk="1" latinLnBrk="1" hangingPunct="1">
+              <a:defRPr sz="1800" kern="1200">
+                <a:solidFill>
+                  <a:schemeClr val="tx1"/>
+                </a:solidFill>
+                <a:latin typeface="+mn-lt"/>
+                <a:ea typeface="+mn-ea"/>
+                <a:cs typeface="+mn-cs"/>
+              </a:defRPr>
+            </a:lvl4pPr>
+            <a:lvl5pPr marL="1828800" algn="l" defTabSz="914400" rtl="0" eaLnBrk="1" latinLnBrk="1" hangingPunct="1">
+              <a:defRPr sz="1800" kern="1200">
+                <a:solidFill>
+                  <a:schemeClr val="tx1"/>
+                </a:solidFill>
+                <a:latin typeface="+mn-lt"/>
+                <a:ea typeface="+mn-ea"/>
+                <a:cs typeface="+mn-cs"/>
+              </a:defRPr>
+            </a:lvl5pPr>
+            <a:lvl6pPr marL="2286000" algn="l" defTabSz="914400" rtl="0" eaLnBrk="1" latinLnBrk="1" hangingPunct="1">
+              <a:defRPr sz="1800" kern="1200">
+                <a:solidFill>
+                  <a:schemeClr val="tx1"/>
+                </a:solidFill>
+                <a:latin typeface="+mn-lt"/>
+                <a:ea typeface="+mn-ea"/>
+                <a:cs typeface="+mn-cs"/>
+              </a:defRPr>
+            </a:lvl6pPr>
+            <a:lvl7pPr marL="2743200" algn="l" defTabSz="914400" rtl="0" eaLnBrk="1" latinLnBrk="1" hangingPunct="1">
+              <a:defRPr sz="1800" kern="1200">
+                <a:solidFill>
+                  <a:schemeClr val="tx1"/>
+                </a:solidFill>
+                <a:latin typeface="+mn-lt"/>
+                <a:ea typeface="+mn-ea"/>
+                <a:cs typeface="+mn-cs"/>
+              </a:defRPr>
+            </a:lvl7pPr>
+            <a:lvl8pPr marL="3200400" algn="l" defTabSz="914400" rtl="0" eaLnBrk="1" latinLnBrk="1" hangingPunct="1">
+              <a:defRPr sz="1800" kern="1200">
+                <a:solidFill>
+                  <a:schemeClr val="tx1"/>
+                </a:solidFill>
+                <a:latin typeface="+mn-lt"/>
+                <a:ea typeface="+mn-ea"/>
+                <a:cs typeface="+mn-cs"/>
+              </a:defRPr>
+            </a:lvl8pPr>
+            <a:lvl9pPr marL="3657600" algn="l" defTabSz="914400" rtl="0" eaLnBrk="1" latinLnBrk="1" hangingPunct="1">
+              <a:defRPr sz="1800" kern="1200">
+                <a:solidFill>
+                  <a:schemeClr val="tx1"/>
+                </a:solidFill>
+                <a:latin typeface="+mn-lt"/>
+                <a:ea typeface="+mn-ea"/>
+                <a:cs typeface="+mn-cs"/>
+              </a:defRPr>
+            </a:lvl9pPr>
+          </a:lstStyle>
+          <a:p>
+            <a:r>
+              <a:rPr lang="en-US" altLang="ko-KR" sz="1000" dirty="0" smtClean="0"/>
+              <a:t>5. PCB </a:t>
+            </a:r>
+            <a:r>
+              <a:rPr lang="ko-KR" altLang="en-US" sz="1000" dirty="0" smtClean="0"/>
+              <a:t>부품</a:t>
+            </a:r>
+            <a:r>
+              <a:rPr lang="en-US" altLang="ko-KR" sz="1000" dirty="0" smtClean="0"/>
+              <a:t> </a:t>
+            </a:r>
+            <a:r>
+              <a:rPr lang="ko-KR" altLang="en-US" sz="1000" dirty="0" smtClean="0"/>
+              <a:t>배치 및 보드 사이즈 결정</a:t>
+            </a:r>
+          </a:p>
+        </p:txBody>
+      </p:sp>
+      <p:sp>
+        <p:nvSpPr>
+          <p:cNvPr id="16" name="TextBox 16"/>
+          <p:cNvSpPr txBox="1"/>
+          <p:nvPr/>
+        </p:nvSpPr>
+        <p:spPr>
+          <a:xfrm>
+            <a:off x="395536" y="2335546"/>
+            <a:ext cx="7344816" cy="246221"/>
+          </a:xfrm>
+          <a:prstGeom prst="rect">
+            <a:avLst/>
+          </a:prstGeom>
+          <a:noFill/>
+        </p:spPr>
+        <p:txBody>
+          <a:bodyPr wrap="square" rtlCol="0">
+            <a:spAutoFit/>
+          </a:bodyPr>
+          <a:lstStyle>
+            <a:defPPr>
+              <a:defRPr lang="ko-KR"/>
+            </a:defPPr>
+            <a:lvl1pPr marL="0" algn="l" defTabSz="914400" rtl="0" eaLnBrk="1" latinLnBrk="1" hangingPunct="1">
+              <a:defRPr sz="1800" kern="1200">
+                <a:solidFill>
+                  <a:schemeClr val="tx1"/>
+                </a:solidFill>
+                <a:latin typeface="+mn-lt"/>
+                <a:ea typeface="+mn-ea"/>
+                <a:cs typeface="+mn-cs"/>
+              </a:defRPr>
+            </a:lvl1pPr>
+            <a:lvl2pPr marL="457200" algn="l" defTabSz="914400" rtl="0" eaLnBrk="1" latinLnBrk="1" hangingPunct="1">
+              <a:defRPr sz="1800" kern="1200">
+                <a:solidFill>
+                  <a:schemeClr val="tx1"/>
+                </a:solidFill>
+                <a:latin typeface="+mn-lt"/>
+                <a:ea typeface="+mn-ea"/>
+                <a:cs typeface="+mn-cs"/>
+              </a:defRPr>
+            </a:lvl2pPr>
+            <a:lvl3pPr marL="914400" algn="l" defTabSz="914400" rtl="0" eaLnBrk="1" latinLnBrk="1" hangingPunct="1">
+              <a:defRPr sz="1800" kern="1200">
+                <a:solidFill>
+                  <a:schemeClr val="tx1"/>
+                </a:solidFill>
+                <a:latin typeface="+mn-lt"/>
+                <a:ea typeface="+mn-ea"/>
+                <a:cs typeface="+mn-cs"/>
+              </a:defRPr>
+            </a:lvl3pPr>
+            <a:lvl4pPr marL="1371600" algn="l" defTabSz="914400" rtl="0" eaLnBrk="1" latinLnBrk="1" hangingPunct="1">
+              <a:defRPr sz="1800" kern="1200">
+                <a:solidFill>
+                  <a:schemeClr val="tx1"/>
+                </a:solidFill>
+                <a:latin typeface="+mn-lt"/>
+                <a:ea typeface="+mn-ea"/>
+                <a:cs typeface="+mn-cs"/>
+              </a:defRPr>
+            </a:lvl4pPr>
+            <a:lvl5pPr marL="1828800" algn="l" defTabSz="914400" rtl="0" eaLnBrk="1" latinLnBrk="1" hangingPunct="1">
+              <a:defRPr sz="1800" kern="1200">
+                <a:solidFill>
+                  <a:schemeClr val="tx1"/>
+                </a:solidFill>
+                <a:latin typeface="+mn-lt"/>
+                <a:ea typeface="+mn-ea"/>
+                <a:cs typeface="+mn-cs"/>
+              </a:defRPr>
+            </a:lvl5pPr>
+            <a:lvl6pPr marL="2286000" algn="l" defTabSz="914400" rtl="0" eaLnBrk="1" latinLnBrk="1" hangingPunct="1">
+              <a:defRPr sz="1800" kern="1200">
+                <a:solidFill>
+                  <a:schemeClr val="tx1"/>
+                </a:solidFill>
+                <a:latin typeface="+mn-lt"/>
+                <a:ea typeface="+mn-ea"/>
+                <a:cs typeface="+mn-cs"/>
+              </a:defRPr>
+            </a:lvl6pPr>
+            <a:lvl7pPr marL="2743200" algn="l" defTabSz="914400" rtl="0" eaLnBrk="1" latinLnBrk="1" hangingPunct="1">
+              <a:defRPr sz="1800" kern="1200">
+                <a:solidFill>
+                  <a:schemeClr val="tx1"/>
+                </a:solidFill>
+                <a:latin typeface="+mn-lt"/>
+                <a:ea typeface="+mn-ea"/>
+                <a:cs typeface="+mn-cs"/>
+              </a:defRPr>
+            </a:lvl7pPr>
+            <a:lvl8pPr marL="3200400" algn="l" defTabSz="914400" rtl="0" eaLnBrk="1" latinLnBrk="1" hangingPunct="1">
+              <a:defRPr sz="1800" kern="1200">
+                <a:solidFill>
+                  <a:schemeClr val="tx1"/>
+                </a:solidFill>
+                <a:latin typeface="+mn-lt"/>
+                <a:ea typeface="+mn-ea"/>
+                <a:cs typeface="+mn-cs"/>
+              </a:defRPr>
+            </a:lvl8pPr>
+            <a:lvl9pPr marL="3657600" algn="l" defTabSz="914400" rtl="0" eaLnBrk="1" latinLnBrk="1" hangingPunct="1">
+              <a:defRPr sz="1800" kern="1200">
+                <a:solidFill>
+                  <a:schemeClr val="tx1"/>
+                </a:solidFill>
+                <a:latin typeface="+mn-lt"/>
+                <a:ea typeface="+mn-ea"/>
+                <a:cs typeface="+mn-cs"/>
+              </a:defRPr>
+            </a:lvl9pPr>
+          </a:lstStyle>
+          <a:p>
+            <a:r>
+              <a:rPr lang="en-US" altLang="ko-KR" sz="1000" dirty="0" smtClean="0"/>
+              <a:t>6. PCB </a:t>
+            </a:r>
+            <a:r>
+              <a:rPr lang="ko-KR" altLang="en-US" sz="1000" dirty="0" smtClean="0"/>
+              <a:t>설계 규칙에 따라 설계 진행</a:t>
+            </a:r>
+            <a:endParaRPr lang="en-US" altLang="ko-KR" sz="1000" dirty="0" smtClean="0"/>
+          </a:p>
+        </p:txBody>
+      </p:sp>
+      <p:sp>
+        <p:nvSpPr>
+          <p:cNvPr id="17" name="TextBox 17"/>
+          <p:cNvSpPr txBox="1"/>
+          <p:nvPr/>
+        </p:nvSpPr>
+        <p:spPr>
+          <a:xfrm>
+            <a:off x="395536" y="2551570"/>
+            <a:ext cx="7344816" cy="246221"/>
+          </a:xfrm>
+          <a:prstGeom prst="rect">
+            <a:avLst/>
+          </a:prstGeom>
+          <a:noFill/>
+        </p:spPr>
+        <p:txBody>
+          <a:bodyPr wrap="square" rtlCol="0">
+            <a:spAutoFit/>
+          </a:bodyPr>
+          <a:lstStyle>
+            <a:defPPr>
+              <a:defRPr lang="ko-KR"/>
+            </a:defPPr>
+            <a:lvl1pPr marL="0" algn="l" defTabSz="914400" rtl="0" eaLnBrk="1" latinLnBrk="1" hangingPunct="1">
+              <a:defRPr sz="1800" kern="1200">
+                <a:solidFill>
+                  <a:schemeClr val="tx1"/>
+                </a:solidFill>
+                <a:latin typeface="+mn-lt"/>
+                <a:ea typeface="+mn-ea"/>
+                <a:cs typeface="+mn-cs"/>
+              </a:defRPr>
+            </a:lvl1pPr>
+            <a:lvl2pPr marL="457200" algn="l" defTabSz="914400" rtl="0" eaLnBrk="1" latinLnBrk="1" hangingPunct="1">
+              <a:defRPr sz="1800" kern="1200">
+                <a:solidFill>
+                  <a:schemeClr val="tx1"/>
+                </a:solidFill>
+                <a:latin typeface="+mn-lt"/>
+                <a:ea typeface="+mn-ea"/>
+                <a:cs typeface="+mn-cs"/>
+              </a:defRPr>
+            </a:lvl2pPr>
+            <a:lvl3pPr marL="914400" algn="l" defTabSz="914400" rtl="0" eaLnBrk="1" latinLnBrk="1" hangingPunct="1">
+              <a:defRPr sz="1800" kern="1200">
+                <a:solidFill>
+                  <a:schemeClr val="tx1"/>
+                </a:solidFill>
+                <a:latin typeface="+mn-lt"/>
+                <a:ea typeface="+mn-ea"/>
+                <a:cs typeface="+mn-cs"/>
+              </a:defRPr>
+            </a:lvl3pPr>
+            <a:lvl4pPr marL="1371600" algn="l" defTabSz="914400" rtl="0" eaLnBrk="1" latinLnBrk="1" hangingPunct="1">
+              <a:defRPr sz="1800" kern="1200">
+                <a:solidFill>
+                  <a:schemeClr val="tx1"/>
+                </a:solidFill>
+                <a:latin typeface="+mn-lt"/>
+                <a:ea typeface="+mn-ea"/>
+                <a:cs typeface="+mn-cs"/>
+              </a:defRPr>
+            </a:lvl4pPr>
+            <a:lvl5pPr marL="1828800" algn="l" defTabSz="914400" rtl="0" eaLnBrk="1" latinLnBrk="1" hangingPunct="1">
+              <a:defRPr sz="1800" kern="1200">
+                <a:solidFill>
+                  <a:schemeClr val="tx1"/>
+                </a:solidFill>
+                <a:latin typeface="+mn-lt"/>
+                <a:ea typeface="+mn-ea"/>
+                <a:cs typeface="+mn-cs"/>
+              </a:defRPr>
+            </a:lvl5pPr>
+            <a:lvl6pPr marL="2286000" algn="l" defTabSz="914400" rtl="0" eaLnBrk="1" latinLnBrk="1" hangingPunct="1">
+              <a:defRPr sz="1800" kern="1200">
+                <a:solidFill>
+                  <a:schemeClr val="tx1"/>
+                </a:solidFill>
+                <a:latin typeface="+mn-lt"/>
+                <a:ea typeface="+mn-ea"/>
+                <a:cs typeface="+mn-cs"/>
+              </a:defRPr>
+            </a:lvl6pPr>
+            <a:lvl7pPr marL="2743200" algn="l" defTabSz="914400" rtl="0" eaLnBrk="1" latinLnBrk="1" hangingPunct="1">
+              <a:defRPr sz="1800" kern="1200">
+                <a:solidFill>
+                  <a:schemeClr val="tx1"/>
+                </a:solidFill>
+                <a:latin typeface="+mn-lt"/>
+                <a:ea typeface="+mn-ea"/>
+                <a:cs typeface="+mn-cs"/>
+              </a:defRPr>
+            </a:lvl7pPr>
+            <a:lvl8pPr marL="3200400" algn="l" defTabSz="914400" rtl="0" eaLnBrk="1" latinLnBrk="1" hangingPunct="1">
+              <a:defRPr sz="1800" kern="1200">
+                <a:solidFill>
+                  <a:schemeClr val="tx1"/>
+                </a:solidFill>
+                <a:latin typeface="+mn-lt"/>
+                <a:ea typeface="+mn-ea"/>
+                <a:cs typeface="+mn-cs"/>
+              </a:defRPr>
+            </a:lvl8pPr>
+            <a:lvl9pPr marL="3657600" algn="l" defTabSz="914400" rtl="0" eaLnBrk="1" latinLnBrk="1" hangingPunct="1">
+              <a:defRPr sz="1800" kern="1200">
+                <a:solidFill>
+                  <a:schemeClr val="tx1"/>
+                </a:solidFill>
+                <a:latin typeface="+mn-lt"/>
+                <a:ea typeface="+mn-ea"/>
+                <a:cs typeface="+mn-cs"/>
+              </a:defRPr>
+            </a:lvl9pPr>
+          </a:lstStyle>
+          <a:p>
+            <a:r>
+              <a:rPr lang="en-US" altLang="ko-KR" sz="1000" dirty="0" smtClean="0"/>
+              <a:t>7. Gerber </a:t>
+            </a:r>
+            <a:r>
+              <a:rPr lang="ko-KR" altLang="en-US" sz="1000" dirty="0" smtClean="0"/>
+              <a:t>출력</a:t>
+            </a:r>
+            <a:endParaRPr lang="en-US" altLang="ko-KR" sz="1000" dirty="0" smtClean="0"/>
+          </a:p>
+        </p:txBody>
+      </p:sp>
+      <p:sp>
+        <p:nvSpPr>
+          <p:cNvPr id="18" name="TextBox 19"/>
+          <p:cNvSpPr txBox="1"/>
+          <p:nvPr/>
+        </p:nvSpPr>
+        <p:spPr>
+          <a:xfrm>
+            <a:off x="395536" y="2767594"/>
+            <a:ext cx="7344816" cy="246221"/>
+          </a:xfrm>
+          <a:prstGeom prst="rect">
+            <a:avLst/>
+          </a:prstGeom>
+          <a:noFill/>
+        </p:spPr>
+        <p:txBody>
+          <a:bodyPr wrap="square" rtlCol="0">
+            <a:spAutoFit/>
+          </a:bodyPr>
+          <a:lstStyle>
+            <a:defPPr>
+              <a:defRPr lang="ko-KR"/>
+            </a:defPPr>
+            <a:lvl1pPr marL="0" algn="l" defTabSz="914400" rtl="0" eaLnBrk="1" latinLnBrk="1" hangingPunct="1">
+              <a:defRPr sz="1800" kern="1200">
+                <a:solidFill>
+                  <a:schemeClr val="tx1"/>
+                </a:solidFill>
+                <a:latin typeface="+mn-lt"/>
+                <a:ea typeface="+mn-ea"/>
+                <a:cs typeface="+mn-cs"/>
+              </a:defRPr>
+            </a:lvl1pPr>
+            <a:lvl2pPr marL="457200" algn="l" defTabSz="914400" rtl="0" eaLnBrk="1" latinLnBrk="1" hangingPunct="1">
+              <a:defRPr sz="1800" kern="1200">
+                <a:solidFill>
+                  <a:schemeClr val="tx1"/>
+                </a:solidFill>
+                <a:latin typeface="+mn-lt"/>
+                <a:ea typeface="+mn-ea"/>
+                <a:cs typeface="+mn-cs"/>
+              </a:defRPr>
+            </a:lvl2pPr>
+            <a:lvl3pPr marL="914400" algn="l" defTabSz="914400" rtl="0" eaLnBrk="1" latinLnBrk="1" hangingPunct="1">
+              <a:defRPr sz="1800" kern="1200">
+                <a:solidFill>
+                  <a:schemeClr val="tx1"/>
+                </a:solidFill>
+                <a:latin typeface="+mn-lt"/>
+                <a:ea typeface="+mn-ea"/>
+                <a:cs typeface="+mn-cs"/>
+              </a:defRPr>
+            </a:lvl3pPr>
+            <a:lvl4pPr marL="1371600" algn="l" defTabSz="914400" rtl="0" eaLnBrk="1" latinLnBrk="1" hangingPunct="1">
+              <a:defRPr sz="1800" kern="1200">
+                <a:solidFill>
+                  <a:schemeClr val="tx1"/>
+                </a:solidFill>
+                <a:latin typeface="+mn-lt"/>
+                <a:ea typeface="+mn-ea"/>
+                <a:cs typeface="+mn-cs"/>
+              </a:defRPr>
+            </a:lvl4pPr>
+            <a:lvl5pPr marL="1828800" algn="l" defTabSz="914400" rtl="0" eaLnBrk="1" latinLnBrk="1" hangingPunct="1">
+              <a:defRPr sz="1800" kern="1200">
+                <a:solidFill>
+                  <a:schemeClr val="tx1"/>
+                </a:solidFill>
+                <a:latin typeface="+mn-lt"/>
+                <a:ea typeface="+mn-ea"/>
+                <a:cs typeface="+mn-cs"/>
+              </a:defRPr>
+            </a:lvl5pPr>
+            <a:lvl6pPr marL="2286000" algn="l" defTabSz="914400" rtl="0" eaLnBrk="1" latinLnBrk="1" hangingPunct="1">
+              <a:defRPr sz="1800" kern="1200">
+                <a:solidFill>
+                  <a:schemeClr val="tx1"/>
+                </a:solidFill>
+                <a:latin typeface="+mn-lt"/>
+                <a:ea typeface="+mn-ea"/>
+                <a:cs typeface="+mn-cs"/>
+              </a:defRPr>
+            </a:lvl6pPr>
+            <a:lvl7pPr marL="2743200" algn="l" defTabSz="914400" rtl="0" eaLnBrk="1" latinLnBrk="1" hangingPunct="1">
+              <a:defRPr sz="1800" kern="1200">
+                <a:solidFill>
+                  <a:schemeClr val="tx1"/>
+                </a:solidFill>
+                <a:latin typeface="+mn-lt"/>
+                <a:ea typeface="+mn-ea"/>
+                <a:cs typeface="+mn-cs"/>
+              </a:defRPr>
+            </a:lvl7pPr>
+            <a:lvl8pPr marL="3200400" algn="l" defTabSz="914400" rtl="0" eaLnBrk="1" latinLnBrk="1" hangingPunct="1">
+              <a:defRPr sz="1800" kern="1200">
+                <a:solidFill>
+                  <a:schemeClr val="tx1"/>
+                </a:solidFill>
+                <a:latin typeface="+mn-lt"/>
+                <a:ea typeface="+mn-ea"/>
+                <a:cs typeface="+mn-cs"/>
+              </a:defRPr>
+            </a:lvl8pPr>
+            <a:lvl9pPr marL="3657600" algn="l" defTabSz="914400" rtl="0" eaLnBrk="1" latinLnBrk="1" hangingPunct="1">
+              <a:defRPr sz="1800" kern="1200">
+                <a:solidFill>
+                  <a:schemeClr val="tx1"/>
+                </a:solidFill>
+                <a:latin typeface="+mn-lt"/>
+                <a:ea typeface="+mn-ea"/>
+                <a:cs typeface="+mn-cs"/>
+              </a:defRPr>
+            </a:lvl9pPr>
+          </a:lstStyle>
+          <a:p>
+            <a:r>
+              <a:rPr lang="en-US" altLang="ko-KR" sz="1000" dirty="0" smtClean="0"/>
+              <a:t>8. STM32Cube </a:t>
+            </a:r>
+            <a:r>
+              <a:rPr lang="ko-KR" altLang="en-US" sz="1000" dirty="0" smtClean="0"/>
+              <a:t>설정 및 소스 출력</a:t>
+            </a:r>
+            <a:endParaRPr lang="ko-KR" altLang="en-US" sz="1000" dirty="0"/>
+          </a:p>
+        </p:txBody>
+      </p:sp>
+      <p:sp>
+        <p:nvSpPr>
+          <p:cNvPr id="19" name="TextBox 20"/>
+          <p:cNvSpPr txBox="1"/>
+          <p:nvPr/>
+        </p:nvSpPr>
+        <p:spPr>
+          <a:xfrm>
+            <a:off x="395536" y="2983618"/>
+            <a:ext cx="7344816" cy="246221"/>
+          </a:xfrm>
+          <a:prstGeom prst="rect">
+            <a:avLst/>
+          </a:prstGeom>
+          <a:noFill/>
+        </p:spPr>
+        <p:txBody>
+          <a:bodyPr wrap="square" rtlCol="0">
+            <a:spAutoFit/>
+          </a:bodyPr>
+          <a:lstStyle>
+            <a:defPPr>
+              <a:defRPr lang="ko-KR"/>
+            </a:defPPr>
+            <a:lvl1pPr marL="0" algn="l" defTabSz="914400" rtl="0" eaLnBrk="1" latinLnBrk="1" hangingPunct="1">
+              <a:defRPr sz="1800" kern="1200">
+                <a:solidFill>
+                  <a:schemeClr val="tx1"/>
+                </a:solidFill>
+                <a:latin typeface="+mn-lt"/>
+                <a:ea typeface="+mn-ea"/>
+                <a:cs typeface="+mn-cs"/>
+              </a:defRPr>
+            </a:lvl1pPr>
+            <a:lvl2pPr marL="457200" algn="l" defTabSz="914400" rtl="0" eaLnBrk="1" latinLnBrk="1" hangingPunct="1">
+              <a:defRPr sz="1800" kern="1200">
+                <a:solidFill>
+                  <a:schemeClr val="tx1"/>
+                </a:solidFill>
+                <a:latin typeface="+mn-lt"/>
+                <a:ea typeface="+mn-ea"/>
+                <a:cs typeface="+mn-cs"/>
+              </a:defRPr>
+            </a:lvl2pPr>
+            <a:lvl3pPr marL="914400" algn="l" defTabSz="914400" rtl="0" eaLnBrk="1" latinLnBrk="1" hangingPunct="1">
+              <a:defRPr sz="1800" kern="1200">
+                <a:solidFill>
+                  <a:schemeClr val="tx1"/>
+                </a:solidFill>
+                <a:latin typeface="+mn-lt"/>
+                <a:ea typeface="+mn-ea"/>
+                <a:cs typeface="+mn-cs"/>
+              </a:defRPr>
+            </a:lvl3pPr>
+            <a:lvl4pPr marL="1371600" algn="l" defTabSz="914400" rtl="0" eaLnBrk="1" latinLnBrk="1" hangingPunct="1">
+              <a:defRPr sz="1800" kern="1200">
+                <a:solidFill>
+                  <a:schemeClr val="tx1"/>
+                </a:solidFill>
+                <a:latin typeface="+mn-lt"/>
+                <a:ea typeface="+mn-ea"/>
+                <a:cs typeface="+mn-cs"/>
+              </a:defRPr>
+            </a:lvl4pPr>
+            <a:lvl5pPr marL="1828800" algn="l" defTabSz="914400" rtl="0" eaLnBrk="1" latinLnBrk="1" hangingPunct="1">
+              <a:defRPr sz="1800" kern="1200">
+                <a:solidFill>
+                  <a:schemeClr val="tx1"/>
+                </a:solidFill>
+                <a:latin typeface="+mn-lt"/>
+                <a:ea typeface="+mn-ea"/>
+                <a:cs typeface="+mn-cs"/>
+              </a:defRPr>
+            </a:lvl5pPr>
+            <a:lvl6pPr marL="2286000" algn="l" defTabSz="914400" rtl="0" eaLnBrk="1" latinLnBrk="1" hangingPunct="1">
+              <a:defRPr sz="1800" kern="1200">
+                <a:solidFill>
+                  <a:schemeClr val="tx1"/>
+                </a:solidFill>
+                <a:latin typeface="+mn-lt"/>
+                <a:ea typeface="+mn-ea"/>
+                <a:cs typeface="+mn-cs"/>
+              </a:defRPr>
+            </a:lvl6pPr>
+            <a:lvl7pPr marL="2743200" algn="l" defTabSz="914400" rtl="0" eaLnBrk="1" latinLnBrk="1" hangingPunct="1">
+              <a:defRPr sz="1800" kern="1200">
+                <a:solidFill>
+                  <a:schemeClr val="tx1"/>
+                </a:solidFill>
+                <a:latin typeface="+mn-lt"/>
+                <a:ea typeface="+mn-ea"/>
+                <a:cs typeface="+mn-cs"/>
+              </a:defRPr>
+            </a:lvl7pPr>
+            <a:lvl8pPr marL="3200400" algn="l" defTabSz="914400" rtl="0" eaLnBrk="1" latinLnBrk="1" hangingPunct="1">
+              <a:defRPr sz="1800" kern="1200">
+                <a:solidFill>
+                  <a:schemeClr val="tx1"/>
+                </a:solidFill>
+                <a:latin typeface="+mn-lt"/>
+                <a:ea typeface="+mn-ea"/>
+                <a:cs typeface="+mn-cs"/>
+              </a:defRPr>
+            </a:lvl8pPr>
+            <a:lvl9pPr marL="3657600" algn="l" defTabSz="914400" rtl="0" eaLnBrk="1" latinLnBrk="1" hangingPunct="1">
+              <a:defRPr sz="1800" kern="1200">
+                <a:solidFill>
+                  <a:schemeClr val="tx1"/>
+                </a:solidFill>
+                <a:latin typeface="+mn-lt"/>
+                <a:ea typeface="+mn-ea"/>
+                <a:cs typeface="+mn-cs"/>
+              </a:defRPr>
+            </a:lvl9pPr>
+          </a:lstStyle>
+          <a:p>
+            <a:r>
+              <a:rPr lang="en-US" altLang="ko-KR" sz="1000" dirty="0" smtClean="0"/>
+              <a:t>9. UART </a:t>
+            </a:r>
+            <a:r>
+              <a:rPr lang="ko-KR" altLang="en-US" sz="1000" dirty="0" smtClean="0"/>
+              <a:t>통신 프로토콜 설계</a:t>
+            </a:r>
+            <a:r>
+              <a:rPr lang="en-US" altLang="ko-KR" sz="1000" dirty="0" smtClean="0"/>
+              <a:t>(with GUI)</a:t>
+            </a:r>
+            <a:endParaRPr lang="ko-KR" altLang="en-US" sz="1000" dirty="0" smtClean="0"/>
+          </a:p>
+        </p:txBody>
+      </p:sp>
+      <p:sp>
+        <p:nvSpPr>
+          <p:cNvPr id="20" name="TextBox 21"/>
+          <p:cNvSpPr txBox="1"/>
+          <p:nvPr/>
+        </p:nvSpPr>
+        <p:spPr>
+          <a:xfrm>
+            <a:off x="395536" y="3199642"/>
+            <a:ext cx="7344816" cy="246221"/>
+          </a:xfrm>
+          <a:prstGeom prst="rect">
+            <a:avLst/>
+          </a:prstGeom>
+          <a:noFill/>
+        </p:spPr>
+        <p:txBody>
+          <a:bodyPr wrap="square" rtlCol="0">
+            <a:spAutoFit/>
+          </a:bodyPr>
+          <a:lstStyle>
+            <a:defPPr>
+              <a:defRPr lang="ko-KR"/>
+            </a:defPPr>
+            <a:lvl1pPr marL="0" algn="l" defTabSz="914400" rtl="0" eaLnBrk="1" latinLnBrk="1" hangingPunct="1">
+              <a:defRPr sz="1800" kern="1200">
+                <a:solidFill>
+                  <a:schemeClr val="tx1"/>
+                </a:solidFill>
+                <a:latin typeface="+mn-lt"/>
+                <a:ea typeface="+mn-ea"/>
+                <a:cs typeface="+mn-cs"/>
+              </a:defRPr>
+            </a:lvl1pPr>
+            <a:lvl2pPr marL="457200" algn="l" defTabSz="914400" rtl="0" eaLnBrk="1" latinLnBrk="1" hangingPunct="1">
+              <a:defRPr sz="1800" kern="1200">
+                <a:solidFill>
+                  <a:schemeClr val="tx1"/>
+                </a:solidFill>
+                <a:latin typeface="+mn-lt"/>
+                <a:ea typeface="+mn-ea"/>
+                <a:cs typeface="+mn-cs"/>
+              </a:defRPr>
+            </a:lvl2pPr>
+            <a:lvl3pPr marL="914400" algn="l" defTabSz="914400" rtl="0" eaLnBrk="1" latinLnBrk="1" hangingPunct="1">
+              <a:defRPr sz="1800" kern="1200">
+                <a:solidFill>
+                  <a:schemeClr val="tx1"/>
+                </a:solidFill>
+                <a:latin typeface="+mn-lt"/>
+                <a:ea typeface="+mn-ea"/>
+                <a:cs typeface="+mn-cs"/>
+              </a:defRPr>
+            </a:lvl3pPr>
+            <a:lvl4pPr marL="1371600" algn="l" defTabSz="914400" rtl="0" eaLnBrk="1" latinLnBrk="1" hangingPunct="1">
+              <a:defRPr sz="1800" kern="1200">
+                <a:solidFill>
+                  <a:schemeClr val="tx1"/>
+                </a:solidFill>
+                <a:latin typeface="+mn-lt"/>
+                <a:ea typeface="+mn-ea"/>
+                <a:cs typeface="+mn-cs"/>
+              </a:defRPr>
+            </a:lvl4pPr>
+            <a:lvl5pPr marL="1828800" algn="l" defTabSz="914400" rtl="0" eaLnBrk="1" latinLnBrk="1" hangingPunct="1">
+              <a:defRPr sz="1800" kern="1200">
+                <a:solidFill>
+                  <a:schemeClr val="tx1"/>
+                </a:solidFill>
+                <a:latin typeface="+mn-lt"/>
+                <a:ea typeface="+mn-ea"/>
+                <a:cs typeface="+mn-cs"/>
+              </a:defRPr>
+            </a:lvl5pPr>
+            <a:lvl6pPr marL="2286000" algn="l" defTabSz="914400" rtl="0" eaLnBrk="1" latinLnBrk="1" hangingPunct="1">
+              <a:defRPr sz="1800" kern="1200">
+                <a:solidFill>
+                  <a:schemeClr val="tx1"/>
+                </a:solidFill>
+                <a:latin typeface="+mn-lt"/>
+                <a:ea typeface="+mn-ea"/>
+                <a:cs typeface="+mn-cs"/>
+              </a:defRPr>
+            </a:lvl6pPr>
+            <a:lvl7pPr marL="2743200" algn="l" defTabSz="914400" rtl="0" eaLnBrk="1" latinLnBrk="1" hangingPunct="1">
+              <a:defRPr sz="1800" kern="1200">
+                <a:solidFill>
+                  <a:schemeClr val="tx1"/>
+                </a:solidFill>
+                <a:latin typeface="+mn-lt"/>
+                <a:ea typeface="+mn-ea"/>
+                <a:cs typeface="+mn-cs"/>
+              </a:defRPr>
+            </a:lvl7pPr>
+            <a:lvl8pPr marL="3200400" algn="l" defTabSz="914400" rtl="0" eaLnBrk="1" latinLnBrk="1" hangingPunct="1">
+              <a:defRPr sz="1800" kern="1200">
+                <a:solidFill>
+                  <a:schemeClr val="tx1"/>
+                </a:solidFill>
+                <a:latin typeface="+mn-lt"/>
+                <a:ea typeface="+mn-ea"/>
+                <a:cs typeface="+mn-cs"/>
+              </a:defRPr>
+            </a:lvl8pPr>
+            <a:lvl9pPr marL="3657600" algn="l" defTabSz="914400" rtl="0" eaLnBrk="1" latinLnBrk="1" hangingPunct="1">
+              <a:defRPr sz="1800" kern="1200">
+                <a:solidFill>
+                  <a:schemeClr val="tx1"/>
+                </a:solidFill>
+                <a:latin typeface="+mn-lt"/>
+                <a:ea typeface="+mn-ea"/>
+                <a:cs typeface="+mn-cs"/>
+              </a:defRPr>
+            </a:lvl9pPr>
+          </a:lstStyle>
+          <a:p>
+            <a:r>
+              <a:rPr lang="en-US" altLang="ko-KR" sz="1000" dirty="0" smtClean="0"/>
+              <a:t>10. </a:t>
+            </a:r>
+            <a:r>
+              <a:rPr lang="ko-KR" altLang="en-US" sz="1000" dirty="0" smtClean="0"/>
+              <a:t>모터드라이버 통신 </a:t>
+            </a:r>
+            <a:r>
+              <a:rPr lang="en-US" altLang="ko-KR" sz="1000" dirty="0" smtClean="0"/>
+              <a:t>SPI </a:t>
+            </a:r>
+            <a:r>
+              <a:rPr lang="ko-KR" altLang="en-US" sz="1000" dirty="0" smtClean="0"/>
+              <a:t>설계</a:t>
+            </a:r>
+            <a:endParaRPr lang="en-US" altLang="ko-KR" sz="1000" dirty="0" smtClean="0"/>
+          </a:p>
+        </p:txBody>
+      </p:sp>
+      <p:sp>
+        <p:nvSpPr>
+          <p:cNvPr id="21" name="TextBox 22"/>
+          <p:cNvSpPr txBox="1"/>
+          <p:nvPr/>
+        </p:nvSpPr>
+        <p:spPr>
+          <a:xfrm>
+            <a:off x="395536" y="3415666"/>
+            <a:ext cx="7344816" cy="246221"/>
+          </a:xfrm>
+          <a:prstGeom prst="rect">
+            <a:avLst/>
+          </a:prstGeom>
+          <a:noFill/>
+        </p:spPr>
+        <p:txBody>
+          <a:bodyPr wrap="square" rtlCol="0">
+            <a:spAutoFit/>
+          </a:bodyPr>
+          <a:lstStyle>
+            <a:defPPr>
+              <a:defRPr lang="ko-KR"/>
+            </a:defPPr>
+            <a:lvl1pPr marL="0" algn="l" defTabSz="914400" rtl="0" eaLnBrk="1" latinLnBrk="1" hangingPunct="1">
+              <a:defRPr sz="1800" kern="1200">
+                <a:solidFill>
+                  <a:schemeClr val="tx1"/>
+                </a:solidFill>
+                <a:latin typeface="+mn-lt"/>
+                <a:ea typeface="+mn-ea"/>
+                <a:cs typeface="+mn-cs"/>
+              </a:defRPr>
+            </a:lvl1pPr>
+            <a:lvl2pPr marL="457200" algn="l" defTabSz="914400" rtl="0" eaLnBrk="1" latinLnBrk="1" hangingPunct="1">
+              <a:defRPr sz="1800" kern="1200">
+                <a:solidFill>
+                  <a:schemeClr val="tx1"/>
+                </a:solidFill>
+                <a:latin typeface="+mn-lt"/>
+                <a:ea typeface="+mn-ea"/>
+                <a:cs typeface="+mn-cs"/>
+              </a:defRPr>
+            </a:lvl2pPr>
+            <a:lvl3pPr marL="914400" algn="l" defTabSz="914400" rtl="0" eaLnBrk="1" latinLnBrk="1" hangingPunct="1">
+              <a:defRPr sz="1800" kern="1200">
+                <a:solidFill>
+                  <a:schemeClr val="tx1"/>
+                </a:solidFill>
+                <a:latin typeface="+mn-lt"/>
+                <a:ea typeface="+mn-ea"/>
+                <a:cs typeface="+mn-cs"/>
+              </a:defRPr>
+            </a:lvl3pPr>
+            <a:lvl4pPr marL="1371600" algn="l" defTabSz="914400" rtl="0" eaLnBrk="1" latinLnBrk="1" hangingPunct="1">
+              <a:defRPr sz="1800" kern="1200">
+                <a:solidFill>
+                  <a:schemeClr val="tx1"/>
+                </a:solidFill>
+                <a:latin typeface="+mn-lt"/>
+                <a:ea typeface="+mn-ea"/>
+                <a:cs typeface="+mn-cs"/>
+              </a:defRPr>
+            </a:lvl4pPr>
+            <a:lvl5pPr marL="1828800" algn="l" defTabSz="914400" rtl="0" eaLnBrk="1" latinLnBrk="1" hangingPunct="1">
+              <a:defRPr sz="1800" kern="1200">
+                <a:solidFill>
+                  <a:schemeClr val="tx1"/>
+                </a:solidFill>
+                <a:latin typeface="+mn-lt"/>
+                <a:ea typeface="+mn-ea"/>
+                <a:cs typeface="+mn-cs"/>
+              </a:defRPr>
+            </a:lvl5pPr>
+            <a:lvl6pPr marL="2286000" algn="l" defTabSz="914400" rtl="0" eaLnBrk="1" latinLnBrk="1" hangingPunct="1">
+              <a:defRPr sz="1800" kern="1200">
+                <a:solidFill>
+                  <a:schemeClr val="tx1"/>
+                </a:solidFill>
+                <a:latin typeface="+mn-lt"/>
+                <a:ea typeface="+mn-ea"/>
+                <a:cs typeface="+mn-cs"/>
+              </a:defRPr>
+            </a:lvl6pPr>
+            <a:lvl7pPr marL="2743200" algn="l" defTabSz="914400" rtl="0" eaLnBrk="1" latinLnBrk="1" hangingPunct="1">
+              <a:defRPr sz="1800" kern="1200">
+                <a:solidFill>
+                  <a:schemeClr val="tx1"/>
+                </a:solidFill>
+                <a:latin typeface="+mn-lt"/>
+                <a:ea typeface="+mn-ea"/>
+                <a:cs typeface="+mn-cs"/>
+              </a:defRPr>
+            </a:lvl7pPr>
+            <a:lvl8pPr marL="3200400" algn="l" defTabSz="914400" rtl="0" eaLnBrk="1" latinLnBrk="1" hangingPunct="1">
+              <a:defRPr sz="1800" kern="1200">
+                <a:solidFill>
+                  <a:schemeClr val="tx1"/>
+                </a:solidFill>
+                <a:latin typeface="+mn-lt"/>
+                <a:ea typeface="+mn-ea"/>
+                <a:cs typeface="+mn-cs"/>
+              </a:defRPr>
+            </a:lvl8pPr>
+            <a:lvl9pPr marL="3657600" algn="l" defTabSz="914400" rtl="0" eaLnBrk="1" latinLnBrk="1" hangingPunct="1">
+              <a:defRPr sz="1800" kern="1200">
+                <a:solidFill>
+                  <a:schemeClr val="tx1"/>
+                </a:solidFill>
+                <a:latin typeface="+mn-lt"/>
+                <a:ea typeface="+mn-ea"/>
+                <a:cs typeface="+mn-cs"/>
+              </a:defRPr>
+            </a:lvl9pPr>
+          </a:lstStyle>
+          <a:p>
+            <a:r>
+              <a:rPr lang="en-US" altLang="ko-KR" sz="1000" dirty="0" smtClean="0"/>
+              <a:t>11. </a:t>
+            </a:r>
+            <a:r>
+              <a:rPr lang="ko-KR" altLang="en-US" sz="1000" dirty="0" smtClean="0"/>
+              <a:t>기타 </a:t>
+            </a:r>
+            <a:r>
+              <a:rPr lang="en-US" altLang="ko-KR" sz="1000" dirty="0" smtClean="0"/>
+              <a:t>IO </a:t>
+            </a:r>
+            <a:r>
+              <a:rPr lang="ko-KR" altLang="en-US" sz="1000" dirty="0" smtClean="0"/>
+              <a:t>입출력 관련 설계</a:t>
+            </a:r>
+            <a:endParaRPr lang="en-US" altLang="ko-KR" sz="1000" dirty="0" smtClean="0"/>
+          </a:p>
+        </p:txBody>
+      </p:sp>
+      <p:sp>
+        <p:nvSpPr>
+          <p:cNvPr id="22" name="TextBox 23"/>
+          <p:cNvSpPr txBox="1"/>
+          <p:nvPr/>
+        </p:nvSpPr>
+        <p:spPr>
+          <a:xfrm>
+            <a:off x="3923928" y="1255426"/>
+            <a:ext cx="7344816" cy="246221"/>
+          </a:xfrm>
+          <a:prstGeom prst="rect">
+            <a:avLst/>
+          </a:prstGeom>
+          <a:noFill/>
+        </p:spPr>
+        <p:txBody>
+          <a:bodyPr wrap="square" rtlCol="0">
+            <a:spAutoFit/>
+          </a:bodyPr>
+          <a:lstStyle>
+            <a:defPPr>
+              <a:defRPr lang="ko-KR"/>
+            </a:defPPr>
+            <a:lvl1pPr marL="0" algn="l" defTabSz="914400" rtl="0" eaLnBrk="1" latinLnBrk="1" hangingPunct="1">
+              <a:defRPr sz="1800" kern="1200">
+                <a:solidFill>
+                  <a:schemeClr val="tx1"/>
+                </a:solidFill>
+                <a:latin typeface="+mn-lt"/>
+                <a:ea typeface="+mn-ea"/>
+                <a:cs typeface="+mn-cs"/>
+              </a:defRPr>
+            </a:lvl1pPr>
+            <a:lvl2pPr marL="457200" algn="l" defTabSz="914400" rtl="0" eaLnBrk="1" latinLnBrk="1" hangingPunct="1">
+              <a:defRPr sz="1800" kern="1200">
+                <a:solidFill>
+                  <a:schemeClr val="tx1"/>
+                </a:solidFill>
+                <a:latin typeface="+mn-lt"/>
+                <a:ea typeface="+mn-ea"/>
+                <a:cs typeface="+mn-cs"/>
+              </a:defRPr>
+            </a:lvl2pPr>
+            <a:lvl3pPr marL="914400" algn="l" defTabSz="914400" rtl="0" eaLnBrk="1" latinLnBrk="1" hangingPunct="1">
+              <a:defRPr sz="1800" kern="1200">
+                <a:solidFill>
+                  <a:schemeClr val="tx1"/>
+                </a:solidFill>
+                <a:latin typeface="+mn-lt"/>
+                <a:ea typeface="+mn-ea"/>
+                <a:cs typeface="+mn-cs"/>
+              </a:defRPr>
+            </a:lvl3pPr>
+            <a:lvl4pPr marL="1371600" algn="l" defTabSz="914400" rtl="0" eaLnBrk="1" latinLnBrk="1" hangingPunct="1">
+              <a:defRPr sz="1800" kern="1200">
+                <a:solidFill>
+                  <a:schemeClr val="tx1"/>
+                </a:solidFill>
+                <a:latin typeface="+mn-lt"/>
+                <a:ea typeface="+mn-ea"/>
+                <a:cs typeface="+mn-cs"/>
+              </a:defRPr>
+            </a:lvl4pPr>
+            <a:lvl5pPr marL="1828800" algn="l" defTabSz="914400" rtl="0" eaLnBrk="1" latinLnBrk="1" hangingPunct="1">
+              <a:defRPr sz="1800" kern="1200">
+                <a:solidFill>
+                  <a:schemeClr val="tx1"/>
+                </a:solidFill>
+                <a:latin typeface="+mn-lt"/>
+                <a:ea typeface="+mn-ea"/>
+                <a:cs typeface="+mn-cs"/>
+              </a:defRPr>
+            </a:lvl5pPr>
+            <a:lvl6pPr marL="2286000" algn="l" defTabSz="914400" rtl="0" eaLnBrk="1" latinLnBrk="1" hangingPunct="1">
+              <a:defRPr sz="1800" kern="1200">
+                <a:solidFill>
+                  <a:schemeClr val="tx1"/>
+                </a:solidFill>
+                <a:latin typeface="+mn-lt"/>
+                <a:ea typeface="+mn-ea"/>
+                <a:cs typeface="+mn-cs"/>
+              </a:defRPr>
+            </a:lvl6pPr>
+            <a:lvl7pPr marL="2743200" algn="l" defTabSz="914400" rtl="0" eaLnBrk="1" latinLnBrk="1" hangingPunct="1">
+              <a:defRPr sz="1800" kern="1200">
+                <a:solidFill>
+                  <a:schemeClr val="tx1"/>
+                </a:solidFill>
+                <a:latin typeface="+mn-lt"/>
+                <a:ea typeface="+mn-ea"/>
+                <a:cs typeface="+mn-cs"/>
+              </a:defRPr>
+            </a:lvl7pPr>
+            <a:lvl8pPr marL="3200400" algn="l" defTabSz="914400" rtl="0" eaLnBrk="1" latinLnBrk="1" hangingPunct="1">
+              <a:defRPr sz="1800" kern="1200">
+                <a:solidFill>
+                  <a:schemeClr val="tx1"/>
+                </a:solidFill>
+                <a:latin typeface="+mn-lt"/>
+                <a:ea typeface="+mn-ea"/>
+                <a:cs typeface="+mn-cs"/>
+              </a:defRPr>
+            </a:lvl8pPr>
+            <a:lvl9pPr marL="3657600" algn="l" defTabSz="914400" rtl="0" eaLnBrk="1" latinLnBrk="1" hangingPunct="1">
+              <a:defRPr sz="1800" kern="1200">
+                <a:solidFill>
+                  <a:schemeClr val="tx1"/>
+                </a:solidFill>
+                <a:latin typeface="+mn-lt"/>
+                <a:ea typeface="+mn-ea"/>
+                <a:cs typeface="+mn-cs"/>
+              </a:defRPr>
+            </a:lvl9pPr>
+          </a:lstStyle>
+          <a:p>
+            <a:r>
+              <a:rPr lang="en-US" altLang="ko-KR" sz="1000" dirty="0" smtClean="0"/>
+              <a:t>12. </a:t>
+            </a:r>
+            <a:r>
+              <a:rPr lang="ko-KR" altLang="en-US" sz="1000" dirty="0" err="1" smtClean="0"/>
+              <a:t>파이썬</a:t>
+            </a:r>
+            <a:r>
+              <a:rPr lang="ko-KR" altLang="en-US" sz="1000" dirty="0" smtClean="0"/>
+              <a:t> 및 </a:t>
+            </a:r>
+            <a:r>
+              <a:rPr lang="en-US" altLang="ko-KR" sz="1000" dirty="0" err="1" smtClean="0"/>
+              <a:t>kivy</a:t>
+            </a:r>
+            <a:r>
+              <a:rPr lang="en-US" altLang="ko-KR" sz="1000" dirty="0" smtClean="0"/>
+              <a:t> </a:t>
+            </a:r>
+            <a:r>
+              <a:rPr lang="ko-KR" altLang="en-US" sz="1000" dirty="0" smtClean="0"/>
+              <a:t>설치 및 설정</a:t>
+            </a:r>
+            <a:endParaRPr lang="ko-KR" altLang="en-US" sz="1000" dirty="0"/>
+          </a:p>
+        </p:txBody>
+      </p:sp>
+      <p:sp>
+        <p:nvSpPr>
+          <p:cNvPr id="23" name="TextBox 24"/>
+          <p:cNvSpPr txBox="1"/>
+          <p:nvPr/>
+        </p:nvSpPr>
+        <p:spPr>
+          <a:xfrm>
+            <a:off x="3923928" y="1471450"/>
+            <a:ext cx="7344816" cy="246221"/>
+          </a:xfrm>
+          <a:prstGeom prst="rect">
+            <a:avLst/>
+          </a:prstGeom>
+          <a:noFill/>
+        </p:spPr>
+        <p:txBody>
+          <a:bodyPr wrap="square" rtlCol="0">
+            <a:spAutoFit/>
+          </a:bodyPr>
+          <a:lstStyle>
+            <a:defPPr>
+              <a:defRPr lang="ko-KR"/>
+            </a:defPPr>
+            <a:lvl1pPr marL="0" algn="l" defTabSz="914400" rtl="0" eaLnBrk="1" latinLnBrk="1" hangingPunct="1">
+              <a:defRPr sz="1800" kern="1200">
+                <a:solidFill>
+                  <a:schemeClr val="tx1"/>
+                </a:solidFill>
+                <a:latin typeface="+mn-lt"/>
+                <a:ea typeface="+mn-ea"/>
+                <a:cs typeface="+mn-cs"/>
+              </a:defRPr>
+            </a:lvl1pPr>
+            <a:lvl2pPr marL="457200" algn="l" defTabSz="914400" rtl="0" eaLnBrk="1" latinLnBrk="1" hangingPunct="1">
+              <a:defRPr sz="1800" kern="1200">
+                <a:solidFill>
+                  <a:schemeClr val="tx1"/>
+                </a:solidFill>
+                <a:latin typeface="+mn-lt"/>
+                <a:ea typeface="+mn-ea"/>
+                <a:cs typeface="+mn-cs"/>
+              </a:defRPr>
+            </a:lvl2pPr>
+            <a:lvl3pPr marL="914400" algn="l" defTabSz="914400" rtl="0" eaLnBrk="1" latinLnBrk="1" hangingPunct="1">
+              <a:defRPr sz="1800" kern="1200">
+                <a:solidFill>
+                  <a:schemeClr val="tx1"/>
+                </a:solidFill>
+                <a:latin typeface="+mn-lt"/>
+                <a:ea typeface="+mn-ea"/>
+                <a:cs typeface="+mn-cs"/>
+              </a:defRPr>
+            </a:lvl3pPr>
+            <a:lvl4pPr marL="1371600" algn="l" defTabSz="914400" rtl="0" eaLnBrk="1" latinLnBrk="1" hangingPunct="1">
+              <a:defRPr sz="1800" kern="1200">
+                <a:solidFill>
+                  <a:schemeClr val="tx1"/>
+                </a:solidFill>
+                <a:latin typeface="+mn-lt"/>
+                <a:ea typeface="+mn-ea"/>
+                <a:cs typeface="+mn-cs"/>
+              </a:defRPr>
+            </a:lvl4pPr>
+            <a:lvl5pPr marL="1828800" algn="l" defTabSz="914400" rtl="0" eaLnBrk="1" latinLnBrk="1" hangingPunct="1">
+              <a:defRPr sz="1800" kern="1200">
+                <a:solidFill>
+                  <a:schemeClr val="tx1"/>
+                </a:solidFill>
+                <a:latin typeface="+mn-lt"/>
+                <a:ea typeface="+mn-ea"/>
+                <a:cs typeface="+mn-cs"/>
+              </a:defRPr>
+            </a:lvl5pPr>
+            <a:lvl6pPr marL="2286000" algn="l" defTabSz="914400" rtl="0" eaLnBrk="1" latinLnBrk="1" hangingPunct="1">
+              <a:defRPr sz="1800" kern="1200">
+                <a:solidFill>
+                  <a:schemeClr val="tx1"/>
+                </a:solidFill>
+                <a:latin typeface="+mn-lt"/>
+                <a:ea typeface="+mn-ea"/>
+                <a:cs typeface="+mn-cs"/>
+              </a:defRPr>
+            </a:lvl6pPr>
+            <a:lvl7pPr marL="2743200" algn="l" defTabSz="914400" rtl="0" eaLnBrk="1" latinLnBrk="1" hangingPunct="1">
+              <a:defRPr sz="1800" kern="1200">
+                <a:solidFill>
+                  <a:schemeClr val="tx1"/>
+                </a:solidFill>
+                <a:latin typeface="+mn-lt"/>
+                <a:ea typeface="+mn-ea"/>
+                <a:cs typeface="+mn-cs"/>
+              </a:defRPr>
+            </a:lvl7pPr>
+            <a:lvl8pPr marL="3200400" algn="l" defTabSz="914400" rtl="0" eaLnBrk="1" latinLnBrk="1" hangingPunct="1">
+              <a:defRPr sz="1800" kern="1200">
+                <a:solidFill>
+                  <a:schemeClr val="tx1"/>
+                </a:solidFill>
+                <a:latin typeface="+mn-lt"/>
+                <a:ea typeface="+mn-ea"/>
+                <a:cs typeface="+mn-cs"/>
+              </a:defRPr>
+            </a:lvl8pPr>
+            <a:lvl9pPr marL="3657600" algn="l" defTabSz="914400" rtl="0" eaLnBrk="1" latinLnBrk="1" hangingPunct="1">
+              <a:defRPr sz="1800" kern="1200">
+                <a:solidFill>
+                  <a:schemeClr val="tx1"/>
+                </a:solidFill>
+                <a:latin typeface="+mn-lt"/>
+                <a:ea typeface="+mn-ea"/>
+                <a:cs typeface="+mn-cs"/>
+              </a:defRPr>
+            </a:lvl9pPr>
+          </a:lstStyle>
+          <a:p>
+            <a:r>
+              <a:rPr lang="en-US" altLang="ko-KR" sz="1000" dirty="0" smtClean="0"/>
+              <a:t>13. </a:t>
+            </a:r>
+            <a:r>
+              <a:rPr lang="ko-KR" altLang="en-US" sz="1000" dirty="0" smtClean="0"/>
+              <a:t>빈 화면 출력</a:t>
+            </a:r>
+          </a:p>
+        </p:txBody>
+      </p:sp>
+      <p:sp>
+        <p:nvSpPr>
+          <p:cNvPr id="24" name="TextBox 25"/>
+          <p:cNvSpPr txBox="1"/>
+          <p:nvPr/>
+        </p:nvSpPr>
+        <p:spPr>
+          <a:xfrm>
+            <a:off x="3923928" y="1687474"/>
+            <a:ext cx="7344816" cy="246221"/>
+          </a:xfrm>
+          <a:prstGeom prst="rect">
+            <a:avLst/>
+          </a:prstGeom>
+          <a:noFill/>
+        </p:spPr>
+        <p:txBody>
+          <a:bodyPr wrap="square" rtlCol="0">
+            <a:spAutoFit/>
+          </a:bodyPr>
+          <a:lstStyle>
+            <a:defPPr>
+              <a:defRPr lang="ko-KR"/>
+            </a:defPPr>
+            <a:lvl1pPr marL="0" algn="l" defTabSz="914400" rtl="0" eaLnBrk="1" latinLnBrk="1" hangingPunct="1">
+              <a:defRPr sz="1800" kern="1200">
+                <a:solidFill>
+                  <a:schemeClr val="tx1"/>
+                </a:solidFill>
+                <a:latin typeface="+mn-lt"/>
+                <a:ea typeface="+mn-ea"/>
+                <a:cs typeface="+mn-cs"/>
+              </a:defRPr>
+            </a:lvl1pPr>
+            <a:lvl2pPr marL="457200" algn="l" defTabSz="914400" rtl="0" eaLnBrk="1" latinLnBrk="1" hangingPunct="1">
+              <a:defRPr sz="1800" kern="1200">
+                <a:solidFill>
+                  <a:schemeClr val="tx1"/>
+                </a:solidFill>
+                <a:latin typeface="+mn-lt"/>
+                <a:ea typeface="+mn-ea"/>
+                <a:cs typeface="+mn-cs"/>
+              </a:defRPr>
+            </a:lvl2pPr>
+            <a:lvl3pPr marL="914400" algn="l" defTabSz="914400" rtl="0" eaLnBrk="1" latinLnBrk="1" hangingPunct="1">
+              <a:defRPr sz="1800" kern="1200">
+                <a:solidFill>
+                  <a:schemeClr val="tx1"/>
+                </a:solidFill>
+                <a:latin typeface="+mn-lt"/>
+                <a:ea typeface="+mn-ea"/>
+                <a:cs typeface="+mn-cs"/>
+              </a:defRPr>
+            </a:lvl3pPr>
+            <a:lvl4pPr marL="1371600" algn="l" defTabSz="914400" rtl="0" eaLnBrk="1" latinLnBrk="1" hangingPunct="1">
+              <a:defRPr sz="1800" kern="1200">
+                <a:solidFill>
+                  <a:schemeClr val="tx1"/>
+                </a:solidFill>
+                <a:latin typeface="+mn-lt"/>
+                <a:ea typeface="+mn-ea"/>
+                <a:cs typeface="+mn-cs"/>
+              </a:defRPr>
+            </a:lvl4pPr>
+            <a:lvl5pPr marL="1828800" algn="l" defTabSz="914400" rtl="0" eaLnBrk="1" latinLnBrk="1" hangingPunct="1">
+              <a:defRPr sz="1800" kern="1200">
+                <a:solidFill>
+                  <a:schemeClr val="tx1"/>
+                </a:solidFill>
+                <a:latin typeface="+mn-lt"/>
+                <a:ea typeface="+mn-ea"/>
+                <a:cs typeface="+mn-cs"/>
+              </a:defRPr>
+            </a:lvl5pPr>
+            <a:lvl6pPr marL="2286000" algn="l" defTabSz="914400" rtl="0" eaLnBrk="1" latinLnBrk="1" hangingPunct="1">
+              <a:defRPr sz="1800" kern="1200">
+                <a:solidFill>
+                  <a:schemeClr val="tx1"/>
+                </a:solidFill>
+                <a:latin typeface="+mn-lt"/>
+                <a:ea typeface="+mn-ea"/>
+                <a:cs typeface="+mn-cs"/>
+              </a:defRPr>
+            </a:lvl6pPr>
+            <a:lvl7pPr marL="2743200" algn="l" defTabSz="914400" rtl="0" eaLnBrk="1" latinLnBrk="1" hangingPunct="1">
+              <a:defRPr sz="1800" kern="1200">
+                <a:solidFill>
+                  <a:schemeClr val="tx1"/>
+                </a:solidFill>
+                <a:latin typeface="+mn-lt"/>
+                <a:ea typeface="+mn-ea"/>
+                <a:cs typeface="+mn-cs"/>
+              </a:defRPr>
+            </a:lvl7pPr>
+            <a:lvl8pPr marL="3200400" algn="l" defTabSz="914400" rtl="0" eaLnBrk="1" latinLnBrk="1" hangingPunct="1">
+              <a:defRPr sz="1800" kern="1200">
+                <a:solidFill>
+                  <a:schemeClr val="tx1"/>
+                </a:solidFill>
+                <a:latin typeface="+mn-lt"/>
+                <a:ea typeface="+mn-ea"/>
+                <a:cs typeface="+mn-cs"/>
+              </a:defRPr>
+            </a:lvl8pPr>
+            <a:lvl9pPr marL="3657600" algn="l" defTabSz="914400" rtl="0" eaLnBrk="1" latinLnBrk="1" hangingPunct="1">
+              <a:defRPr sz="1800" kern="1200">
+                <a:solidFill>
+                  <a:schemeClr val="tx1"/>
+                </a:solidFill>
+                <a:latin typeface="+mn-lt"/>
+                <a:ea typeface="+mn-ea"/>
+                <a:cs typeface="+mn-cs"/>
+              </a:defRPr>
+            </a:lvl9pPr>
+          </a:lstStyle>
+          <a:p>
+            <a:r>
+              <a:rPr lang="en-US" altLang="ko-KR" sz="1000" dirty="0" smtClean="0"/>
+              <a:t>14. </a:t>
+            </a:r>
+            <a:r>
+              <a:rPr lang="ko-KR" altLang="en-US" sz="1000" dirty="0" smtClean="0"/>
+              <a:t>시리얼 통신 관련 기능 추가</a:t>
+            </a:r>
+            <a:endParaRPr lang="en-US" altLang="ko-KR" sz="1000" dirty="0" smtClean="0"/>
+          </a:p>
+        </p:txBody>
+      </p:sp>
+      <p:sp>
+        <p:nvSpPr>
+          <p:cNvPr id="25" name="TextBox 26"/>
+          <p:cNvSpPr txBox="1"/>
+          <p:nvPr/>
+        </p:nvSpPr>
+        <p:spPr>
+          <a:xfrm>
+            <a:off x="3923928" y="1903498"/>
+            <a:ext cx="7344816" cy="246221"/>
+          </a:xfrm>
+          <a:prstGeom prst="rect">
+            <a:avLst/>
+          </a:prstGeom>
+          <a:noFill/>
+        </p:spPr>
+        <p:txBody>
+          <a:bodyPr wrap="square" rtlCol="0">
+            <a:spAutoFit/>
+          </a:bodyPr>
+          <a:lstStyle>
+            <a:defPPr>
+              <a:defRPr lang="ko-KR"/>
+            </a:defPPr>
+            <a:lvl1pPr marL="0" algn="l" defTabSz="914400" rtl="0" eaLnBrk="1" latinLnBrk="1" hangingPunct="1">
+              <a:defRPr sz="1800" kern="1200">
+                <a:solidFill>
+                  <a:schemeClr val="tx1"/>
+                </a:solidFill>
+                <a:latin typeface="+mn-lt"/>
+                <a:ea typeface="+mn-ea"/>
+                <a:cs typeface="+mn-cs"/>
+              </a:defRPr>
+            </a:lvl1pPr>
+            <a:lvl2pPr marL="457200" algn="l" defTabSz="914400" rtl="0" eaLnBrk="1" latinLnBrk="1" hangingPunct="1">
+              <a:defRPr sz="1800" kern="1200">
+                <a:solidFill>
+                  <a:schemeClr val="tx1"/>
+                </a:solidFill>
+                <a:latin typeface="+mn-lt"/>
+                <a:ea typeface="+mn-ea"/>
+                <a:cs typeface="+mn-cs"/>
+              </a:defRPr>
+            </a:lvl2pPr>
+            <a:lvl3pPr marL="914400" algn="l" defTabSz="914400" rtl="0" eaLnBrk="1" latinLnBrk="1" hangingPunct="1">
+              <a:defRPr sz="1800" kern="1200">
+                <a:solidFill>
+                  <a:schemeClr val="tx1"/>
+                </a:solidFill>
+                <a:latin typeface="+mn-lt"/>
+                <a:ea typeface="+mn-ea"/>
+                <a:cs typeface="+mn-cs"/>
+              </a:defRPr>
+            </a:lvl3pPr>
+            <a:lvl4pPr marL="1371600" algn="l" defTabSz="914400" rtl="0" eaLnBrk="1" latinLnBrk="1" hangingPunct="1">
+              <a:defRPr sz="1800" kern="1200">
+                <a:solidFill>
+                  <a:schemeClr val="tx1"/>
+                </a:solidFill>
+                <a:latin typeface="+mn-lt"/>
+                <a:ea typeface="+mn-ea"/>
+                <a:cs typeface="+mn-cs"/>
+              </a:defRPr>
+            </a:lvl4pPr>
+            <a:lvl5pPr marL="1828800" algn="l" defTabSz="914400" rtl="0" eaLnBrk="1" latinLnBrk="1" hangingPunct="1">
+              <a:defRPr sz="1800" kern="1200">
+                <a:solidFill>
+                  <a:schemeClr val="tx1"/>
+                </a:solidFill>
+                <a:latin typeface="+mn-lt"/>
+                <a:ea typeface="+mn-ea"/>
+                <a:cs typeface="+mn-cs"/>
+              </a:defRPr>
+            </a:lvl5pPr>
+            <a:lvl6pPr marL="2286000" algn="l" defTabSz="914400" rtl="0" eaLnBrk="1" latinLnBrk="1" hangingPunct="1">
+              <a:defRPr sz="1800" kern="1200">
+                <a:solidFill>
+                  <a:schemeClr val="tx1"/>
+                </a:solidFill>
+                <a:latin typeface="+mn-lt"/>
+                <a:ea typeface="+mn-ea"/>
+                <a:cs typeface="+mn-cs"/>
+              </a:defRPr>
+            </a:lvl6pPr>
+            <a:lvl7pPr marL="2743200" algn="l" defTabSz="914400" rtl="0" eaLnBrk="1" latinLnBrk="1" hangingPunct="1">
+              <a:defRPr sz="1800" kern="1200">
+                <a:solidFill>
+                  <a:schemeClr val="tx1"/>
+                </a:solidFill>
+                <a:latin typeface="+mn-lt"/>
+                <a:ea typeface="+mn-ea"/>
+                <a:cs typeface="+mn-cs"/>
+              </a:defRPr>
+            </a:lvl7pPr>
+            <a:lvl8pPr marL="3200400" algn="l" defTabSz="914400" rtl="0" eaLnBrk="1" latinLnBrk="1" hangingPunct="1">
+              <a:defRPr sz="1800" kern="1200">
+                <a:solidFill>
+                  <a:schemeClr val="tx1"/>
+                </a:solidFill>
+                <a:latin typeface="+mn-lt"/>
+                <a:ea typeface="+mn-ea"/>
+                <a:cs typeface="+mn-cs"/>
+              </a:defRPr>
+            </a:lvl8pPr>
+            <a:lvl9pPr marL="3657600" algn="l" defTabSz="914400" rtl="0" eaLnBrk="1" latinLnBrk="1" hangingPunct="1">
+              <a:defRPr sz="1800" kern="1200">
+                <a:solidFill>
+                  <a:schemeClr val="tx1"/>
+                </a:solidFill>
+                <a:latin typeface="+mn-lt"/>
+                <a:ea typeface="+mn-ea"/>
+                <a:cs typeface="+mn-cs"/>
+              </a:defRPr>
+            </a:lvl9pPr>
+          </a:lstStyle>
+          <a:p>
+            <a:r>
+              <a:rPr lang="en-US" altLang="ko-KR" sz="1000" dirty="0" smtClean="0"/>
+              <a:t>15. </a:t>
+            </a:r>
+            <a:r>
+              <a:rPr lang="ko-KR" altLang="en-US" sz="1000" dirty="0" smtClean="0"/>
+              <a:t>명령어 송수신 기능 추가</a:t>
+            </a:r>
+            <a:endParaRPr lang="en-US" altLang="ko-KR" sz="1000" dirty="0" smtClean="0"/>
+          </a:p>
+        </p:txBody>
+      </p:sp>
+      <p:sp>
+        <p:nvSpPr>
+          <p:cNvPr id="26" name="TextBox 27"/>
+          <p:cNvSpPr txBox="1"/>
+          <p:nvPr/>
+        </p:nvSpPr>
+        <p:spPr>
+          <a:xfrm>
+            <a:off x="3923928" y="2119522"/>
+            <a:ext cx="7344816" cy="246221"/>
+          </a:xfrm>
+          <a:prstGeom prst="rect">
+            <a:avLst/>
+          </a:prstGeom>
+          <a:noFill/>
+        </p:spPr>
+        <p:txBody>
+          <a:bodyPr wrap="square" rtlCol="0">
+            <a:spAutoFit/>
+          </a:bodyPr>
+          <a:lstStyle>
+            <a:defPPr>
+              <a:defRPr lang="ko-KR"/>
+            </a:defPPr>
+            <a:lvl1pPr marL="0" algn="l" defTabSz="914400" rtl="0" eaLnBrk="1" latinLnBrk="1" hangingPunct="1">
+              <a:defRPr sz="1800" kern="1200">
+                <a:solidFill>
+                  <a:schemeClr val="tx1"/>
+                </a:solidFill>
+                <a:latin typeface="+mn-lt"/>
+                <a:ea typeface="+mn-ea"/>
+                <a:cs typeface="+mn-cs"/>
+              </a:defRPr>
+            </a:lvl1pPr>
+            <a:lvl2pPr marL="457200" algn="l" defTabSz="914400" rtl="0" eaLnBrk="1" latinLnBrk="1" hangingPunct="1">
+              <a:defRPr sz="1800" kern="1200">
+                <a:solidFill>
+                  <a:schemeClr val="tx1"/>
+                </a:solidFill>
+                <a:latin typeface="+mn-lt"/>
+                <a:ea typeface="+mn-ea"/>
+                <a:cs typeface="+mn-cs"/>
+              </a:defRPr>
+            </a:lvl2pPr>
+            <a:lvl3pPr marL="914400" algn="l" defTabSz="914400" rtl="0" eaLnBrk="1" latinLnBrk="1" hangingPunct="1">
+              <a:defRPr sz="1800" kern="1200">
+                <a:solidFill>
+                  <a:schemeClr val="tx1"/>
+                </a:solidFill>
+                <a:latin typeface="+mn-lt"/>
+                <a:ea typeface="+mn-ea"/>
+                <a:cs typeface="+mn-cs"/>
+              </a:defRPr>
+            </a:lvl3pPr>
+            <a:lvl4pPr marL="1371600" algn="l" defTabSz="914400" rtl="0" eaLnBrk="1" latinLnBrk="1" hangingPunct="1">
+              <a:defRPr sz="1800" kern="1200">
+                <a:solidFill>
+                  <a:schemeClr val="tx1"/>
+                </a:solidFill>
+                <a:latin typeface="+mn-lt"/>
+                <a:ea typeface="+mn-ea"/>
+                <a:cs typeface="+mn-cs"/>
+              </a:defRPr>
+            </a:lvl4pPr>
+            <a:lvl5pPr marL="1828800" algn="l" defTabSz="914400" rtl="0" eaLnBrk="1" latinLnBrk="1" hangingPunct="1">
+              <a:defRPr sz="1800" kern="1200">
+                <a:solidFill>
+                  <a:schemeClr val="tx1"/>
+                </a:solidFill>
+                <a:latin typeface="+mn-lt"/>
+                <a:ea typeface="+mn-ea"/>
+                <a:cs typeface="+mn-cs"/>
+              </a:defRPr>
+            </a:lvl5pPr>
+            <a:lvl6pPr marL="2286000" algn="l" defTabSz="914400" rtl="0" eaLnBrk="1" latinLnBrk="1" hangingPunct="1">
+              <a:defRPr sz="1800" kern="1200">
+                <a:solidFill>
+                  <a:schemeClr val="tx1"/>
+                </a:solidFill>
+                <a:latin typeface="+mn-lt"/>
+                <a:ea typeface="+mn-ea"/>
+                <a:cs typeface="+mn-cs"/>
+              </a:defRPr>
+            </a:lvl6pPr>
+            <a:lvl7pPr marL="2743200" algn="l" defTabSz="914400" rtl="0" eaLnBrk="1" latinLnBrk="1" hangingPunct="1">
+              <a:defRPr sz="1800" kern="1200">
+                <a:solidFill>
+                  <a:schemeClr val="tx1"/>
+                </a:solidFill>
+                <a:latin typeface="+mn-lt"/>
+                <a:ea typeface="+mn-ea"/>
+                <a:cs typeface="+mn-cs"/>
+              </a:defRPr>
+            </a:lvl7pPr>
+            <a:lvl8pPr marL="3200400" algn="l" defTabSz="914400" rtl="0" eaLnBrk="1" latinLnBrk="1" hangingPunct="1">
+              <a:defRPr sz="1800" kern="1200">
+                <a:solidFill>
+                  <a:schemeClr val="tx1"/>
+                </a:solidFill>
+                <a:latin typeface="+mn-lt"/>
+                <a:ea typeface="+mn-ea"/>
+                <a:cs typeface="+mn-cs"/>
+              </a:defRPr>
+            </a:lvl8pPr>
+            <a:lvl9pPr marL="3657600" algn="l" defTabSz="914400" rtl="0" eaLnBrk="1" latinLnBrk="1" hangingPunct="1">
+              <a:defRPr sz="1800" kern="1200">
+                <a:solidFill>
+                  <a:schemeClr val="tx1"/>
+                </a:solidFill>
+                <a:latin typeface="+mn-lt"/>
+                <a:ea typeface="+mn-ea"/>
+                <a:cs typeface="+mn-cs"/>
+              </a:defRPr>
+            </a:lvl9pPr>
+          </a:lstStyle>
+          <a:p>
+            <a:r>
+              <a:rPr lang="en-US" altLang="ko-KR" sz="1000" dirty="0" smtClean="0"/>
+              <a:t>16. </a:t>
+            </a:r>
+            <a:r>
+              <a:rPr lang="ko-KR" altLang="en-US" sz="1000" dirty="0" smtClean="0"/>
+              <a:t>레지스터 구조 파악</a:t>
+            </a:r>
+            <a:endParaRPr lang="ko-KR" altLang="en-US" sz="1000" dirty="0"/>
+          </a:p>
+        </p:txBody>
+      </p:sp>
+      <p:sp>
+        <p:nvSpPr>
+          <p:cNvPr id="27" name="TextBox 28"/>
+          <p:cNvSpPr txBox="1"/>
+          <p:nvPr/>
+        </p:nvSpPr>
+        <p:spPr>
+          <a:xfrm>
+            <a:off x="3923928" y="2335546"/>
+            <a:ext cx="7344816" cy="246221"/>
+          </a:xfrm>
+          <a:prstGeom prst="rect">
+            <a:avLst/>
+          </a:prstGeom>
+          <a:noFill/>
+        </p:spPr>
+        <p:txBody>
+          <a:bodyPr wrap="square" rtlCol="0">
+            <a:spAutoFit/>
+          </a:bodyPr>
+          <a:lstStyle>
+            <a:defPPr>
+              <a:defRPr lang="ko-KR"/>
+            </a:defPPr>
+            <a:lvl1pPr marL="0" algn="l" defTabSz="914400" rtl="0" eaLnBrk="1" latinLnBrk="1" hangingPunct="1">
+              <a:defRPr sz="1800" kern="1200">
+                <a:solidFill>
+                  <a:schemeClr val="tx1"/>
+                </a:solidFill>
+                <a:latin typeface="+mn-lt"/>
+                <a:ea typeface="+mn-ea"/>
+                <a:cs typeface="+mn-cs"/>
+              </a:defRPr>
+            </a:lvl1pPr>
+            <a:lvl2pPr marL="457200" algn="l" defTabSz="914400" rtl="0" eaLnBrk="1" latinLnBrk="1" hangingPunct="1">
+              <a:defRPr sz="1800" kern="1200">
+                <a:solidFill>
+                  <a:schemeClr val="tx1"/>
+                </a:solidFill>
+                <a:latin typeface="+mn-lt"/>
+                <a:ea typeface="+mn-ea"/>
+                <a:cs typeface="+mn-cs"/>
+              </a:defRPr>
+            </a:lvl2pPr>
+            <a:lvl3pPr marL="914400" algn="l" defTabSz="914400" rtl="0" eaLnBrk="1" latinLnBrk="1" hangingPunct="1">
+              <a:defRPr sz="1800" kern="1200">
+                <a:solidFill>
+                  <a:schemeClr val="tx1"/>
+                </a:solidFill>
+                <a:latin typeface="+mn-lt"/>
+                <a:ea typeface="+mn-ea"/>
+                <a:cs typeface="+mn-cs"/>
+              </a:defRPr>
+            </a:lvl3pPr>
+            <a:lvl4pPr marL="1371600" algn="l" defTabSz="914400" rtl="0" eaLnBrk="1" latinLnBrk="1" hangingPunct="1">
+              <a:defRPr sz="1800" kern="1200">
+                <a:solidFill>
+                  <a:schemeClr val="tx1"/>
+                </a:solidFill>
+                <a:latin typeface="+mn-lt"/>
+                <a:ea typeface="+mn-ea"/>
+                <a:cs typeface="+mn-cs"/>
+              </a:defRPr>
+            </a:lvl4pPr>
+            <a:lvl5pPr marL="1828800" algn="l" defTabSz="914400" rtl="0" eaLnBrk="1" latinLnBrk="1" hangingPunct="1">
+              <a:defRPr sz="1800" kern="1200">
+                <a:solidFill>
+                  <a:schemeClr val="tx1"/>
+                </a:solidFill>
+                <a:latin typeface="+mn-lt"/>
+                <a:ea typeface="+mn-ea"/>
+                <a:cs typeface="+mn-cs"/>
+              </a:defRPr>
+            </a:lvl5pPr>
+            <a:lvl6pPr marL="2286000" algn="l" defTabSz="914400" rtl="0" eaLnBrk="1" latinLnBrk="1" hangingPunct="1">
+              <a:defRPr sz="1800" kern="1200">
+                <a:solidFill>
+                  <a:schemeClr val="tx1"/>
+                </a:solidFill>
+                <a:latin typeface="+mn-lt"/>
+                <a:ea typeface="+mn-ea"/>
+                <a:cs typeface="+mn-cs"/>
+              </a:defRPr>
+            </a:lvl6pPr>
+            <a:lvl7pPr marL="2743200" algn="l" defTabSz="914400" rtl="0" eaLnBrk="1" latinLnBrk="1" hangingPunct="1">
+              <a:defRPr sz="1800" kern="1200">
+                <a:solidFill>
+                  <a:schemeClr val="tx1"/>
+                </a:solidFill>
+                <a:latin typeface="+mn-lt"/>
+                <a:ea typeface="+mn-ea"/>
+                <a:cs typeface="+mn-cs"/>
+              </a:defRPr>
+            </a:lvl7pPr>
+            <a:lvl8pPr marL="3200400" algn="l" defTabSz="914400" rtl="0" eaLnBrk="1" latinLnBrk="1" hangingPunct="1">
+              <a:defRPr sz="1800" kern="1200">
+                <a:solidFill>
+                  <a:schemeClr val="tx1"/>
+                </a:solidFill>
+                <a:latin typeface="+mn-lt"/>
+                <a:ea typeface="+mn-ea"/>
+                <a:cs typeface="+mn-cs"/>
+              </a:defRPr>
+            </a:lvl8pPr>
+            <a:lvl9pPr marL="3657600" algn="l" defTabSz="914400" rtl="0" eaLnBrk="1" latinLnBrk="1" hangingPunct="1">
+              <a:defRPr sz="1800" kern="1200">
+                <a:solidFill>
+                  <a:schemeClr val="tx1"/>
+                </a:solidFill>
+                <a:latin typeface="+mn-lt"/>
+                <a:ea typeface="+mn-ea"/>
+                <a:cs typeface="+mn-cs"/>
+              </a:defRPr>
+            </a:lvl9pPr>
+          </a:lstStyle>
+          <a:p>
+            <a:r>
+              <a:rPr lang="en-US" altLang="ko-KR" sz="1000" dirty="0" smtClean="0"/>
+              <a:t>17. Ramp </a:t>
+            </a:r>
+            <a:r>
+              <a:rPr lang="ko-KR" altLang="en-US" sz="1000" dirty="0" smtClean="0"/>
+              <a:t>모드 구동 설정</a:t>
+            </a:r>
+          </a:p>
+        </p:txBody>
+      </p:sp>
+      <p:sp>
+        <p:nvSpPr>
+          <p:cNvPr id="28" name="TextBox 29"/>
+          <p:cNvSpPr txBox="1"/>
+          <p:nvPr/>
+        </p:nvSpPr>
+        <p:spPr>
+          <a:xfrm>
+            <a:off x="3923928" y="2551570"/>
+            <a:ext cx="7344816" cy="246221"/>
+          </a:xfrm>
+          <a:prstGeom prst="rect">
+            <a:avLst/>
+          </a:prstGeom>
+          <a:noFill/>
+        </p:spPr>
+        <p:txBody>
+          <a:bodyPr wrap="square" rtlCol="0">
+            <a:spAutoFit/>
+          </a:bodyPr>
+          <a:lstStyle>
+            <a:defPPr>
+              <a:defRPr lang="ko-KR"/>
+            </a:defPPr>
+            <a:lvl1pPr marL="0" algn="l" defTabSz="914400" rtl="0" eaLnBrk="1" latinLnBrk="1" hangingPunct="1">
+              <a:defRPr sz="1800" kern="1200">
+                <a:solidFill>
+                  <a:schemeClr val="tx1"/>
+                </a:solidFill>
+                <a:latin typeface="+mn-lt"/>
+                <a:ea typeface="+mn-ea"/>
+                <a:cs typeface="+mn-cs"/>
+              </a:defRPr>
+            </a:lvl1pPr>
+            <a:lvl2pPr marL="457200" algn="l" defTabSz="914400" rtl="0" eaLnBrk="1" latinLnBrk="1" hangingPunct="1">
+              <a:defRPr sz="1800" kern="1200">
+                <a:solidFill>
+                  <a:schemeClr val="tx1"/>
+                </a:solidFill>
+                <a:latin typeface="+mn-lt"/>
+                <a:ea typeface="+mn-ea"/>
+                <a:cs typeface="+mn-cs"/>
+              </a:defRPr>
+            </a:lvl2pPr>
+            <a:lvl3pPr marL="914400" algn="l" defTabSz="914400" rtl="0" eaLnBrk="1" latinLnBrk="1" hangingPunct="1">
+              <a:defRPr sz="1800" kern="1200">
+                <a:solidFill>
+                  <a:schemeClr val="tx1"/>
+                </a:solidFill>
+                <a:latin typeface="+mn-lt"/>
+                <a:ea typeface="+mn-ea"/>
+                <a:cs typeface="+mn-cs"/>
+              </a:defRPr>
+            </a:lvl3pPr>
+            <a:lvl4pPr marL="1371600" algn="l" defTabSz="914400" rtl="0" eaLnBrk="1" latinLnBrk="1" hangingPunct="1">
+              <a:defRPr sz="1800" kern="1200">
+                <a:solidFill>
+                  <a:schemeClr val="tx1"/>
+                </a:solidFill>
+                <a:latin typeface="+mn-lt"/>
+                <a:ea typeface="+mn-ea"/>
+                <a:cs typeface="+mn-cs"/>
+              </a:defRPr>
+            </a:lvl4pPr>
+            <a:lvl5pPr marL="1828800" algn="l" defTabSz="914400" rtl="0" eaLnBrk="1" latinLnBrk="1" hangingPunct="1">
+              <a:defRPr sz="1800" kern="1200">
+                <a:solidFill>
+                  <a:schemeClr val="tx1"/>
+                </a:solidFill>
+                <a:latin typeface="+mn-lt"/>
+                <a:ea typeface="+mn-ea"/>
+                <a:cs typeface="+mn-cs"/>
+              </a:defRPr>
+            </a:lvl5pPr>
+            <a:lvl6pPr marL="2286000" algn="l" defTabSz="914400" rtl="0" eaLnBrk="1" latinLnBrk="1" hangingPunct="1">
+              <a:defRPr sz="1800" kern="1200">
+                <a:solidFill>
+                  <a:schemeClr val="tx1"/>
+                </a:solidFill>
+                <a:latin typeface="+mn-lt"/>
+                <a:ea typeface="+mn-ea"/>
+                <a:cs typeface="+mn-cs"/>
+              </a:defRPr>
+            </a:lvl6pPr>
+            <a:lvl7pPr marL="2743200" algn="l" defTabSz="914400" rtl="0" eaLnBrk="1" latinLnBrk="1" hangingPunct="1">
+              <a:defRPr sz="1800" kern="1200">
+                <a:solidFill>
+                  <a:schemeClr val="tx1"/>
+                </a:solidFill>
+                <a:latin typeface="+mn-lt"/>
+                <a:ea typeface="+mn-ea"/>
+                <a:cs typeface="+mn-cs"/>
+              </a:defRPr>
+            </a:lvl7pPr>
+            <a:lvl8pPr marL="3200400" algn="l" defTabSz="914400" rtl="0" eaLnBrk="1" latinLnBrk="1" hangingPunct="1">
+              <a:defRPr sz="1800" kern="1200">
+                <a:solidFill>
+                  <a:schemeClr val="tx1"/>
+                </a:solidFill>
+                <a:latin typeface="+mn-lt"/>
+                <a:ea typeface="+mn-ea"/>
+                <a:cs typeface="+mn-cs"/>
+              </a:defRPr>
+            </a:lvl8pPr>
+            <a:lvl9pPr marL="3657600" algn="l" defTabSz="914400" rtl="0" eaLnBrk="1" latinLnBrk="1" hangingPunct="1">
+              <a:defRPr sz="1800" kern="1200">
+                <a:solidFill>
+                  <a:schemeClr val="tx1"/>
+                </a:solidFill>
+                <a:latin typeface="+mn-lt"/>
+                <a:ea typeface="+mn-ea"/>
+                <a:cs typeface="+mn-cs"/>
+              </a:defRPr>
+            </a:lvl9pPr>
+          </a:lstStyle>
+          <a:p>
+            <a:r>
+              <a:rPr lang="en-US" altLang="ko-KR" sz="1000" dirty="0" smtClean="0"/>
+              <a:t>18. </a:t>
+            </a:r>
+            <a:r>
+              <a:rPr lang="ko-KR" altLang="en-US" sz="1000" dirty="0" err="1" smtClean="0"/>
+              <a:t>엔코더</a:t>
+            </a:r>
+            <a:r>
+              <a:rPr lang="ko-KR" altLang="en-US" sz="1000" dirty="0" smtClean="0"/>
+              <a:t> 및 </a:t>
+            </a:r>
+            <a:r>
+              <a:rPr lang="en-US" altLang="ko-KR" sz="1000" dirty="0" smtClean="0"/>
+              <a:t>Ref </a:t>
+            </a:r>
+            <a:r>
+              <a:rPr lang="ko-KR" altLang="en-US" sz="1000" dirty="0" smtClean="0"/>
+              <a:t>스위치 수신</a:t>
+            </a:r>
+            <a:endParaRPr lang="en-US" altLang="ko-KR" sz="1000" dirty="0" smtClean="0"/>
+          </a:p>
+        </p:txBody>
+      </p:sp>
+      <p:sp>
+        <p:nvSpPr>
+          <p:cNvPr id="29" name="TextBox 30"/>
+          <p:cNvSpPr txBox="1"/>
+          <p:nvPr/>
+        </p:nvSpPr>
+        <p:spPr>
+          <a:xfrm>
+            <a:off x="3923928" y="2767594"/>
+            <a:ext cx="7344816" cy="246221"/>
+          </a:xfrm>
+          <a:prstGeom prst="rect">
+            <a:avLst/>
+          </a:prstGeom>
+          <a:noFill/>
+        </p:spPr>
+        <p:txBody>
+          <a:bodyPr wrap="square" rtlCol="0">
+            <a:spAutoFit/>
+          </a:bodyPr>
+          <a:lstStyle>
+            <a:defPPr>
+              <a:defRPr lang="ko-KR"/>
+            </a:defPPr>
+            <a:lvl1pPr marL="0" algn="l" defTabSz="914400" rtl="0" eaLnBrk="1" latinLnBrk="1" hangingPunct="1">
+              <a:defRPr sz="1800" kern="1200">
+                <a:solidFill>
+                  <a:schemeClr val="tx1"/>
+                </a:solidFill>
+                <a:latin typeface="+mn-lt"/>
+                <a:ea typeface="+mn-ea"/>
+                <a:cs typeface="+mn-cs"/>
+              </a:defRPr>
+            </a:lvl1pPr>
+            <a:lvl2pPr marL="457200" algn="l" defTabSz="914400" rtl="0" eaLnBrk="1" latinLnBrk="1" hangingPunct="1">
+              <a:defRPr sz="1800" kern="1200">
+                <a:solidFill>
+                  <a:schemeClr val="tx1"/>
+                </a:solidFill>
+                <a:latin typeface="+mn-lt"/>
+                <a:ea typeface="+mn-ea"/>
+                <a:cs typeface="+mn-cs"/>
+              </a:defRPr>
+            </a:lvl2pPr>
+            <a:lvl3pPr marL="914400" algn="l" defTabSz="914400" rtl="0" eaLnBrk="1" latinLnBrk="1" hangingPunct="1">
+              <a:defRPr sz="1800" kern="1200">
+                <a:solidFill>
+                  <a:schemeClr val="tx1"/>
+                </a:solidFill>
+                <a:latin typeface="+mn-lt"/>
+                <a:ea typeface="+mn-ea"/>
+                <a:cs typeface="+mn-cs"/>
+              </a:defRPr>
+            </a:lvl3pPr>
+            <a:lvl4pPr marL="1371600" algn="l" defTabSz="914400" rtl="0" eaLnBrk="1" latinLnBrk="1" hangingPunct="1">
+              <a:defRPr sz="1800" kern="1200">
+                <a:solidFill>
+                  <a:schemeClr val="tx1"/>
+                </a:solidFill>
+                <a:latin typeface="+mn-lt"/>
+                <a:ea typeface="+mn-ea"/>
+                <a:cs typeface="+mn-cs"/>
+              </a:defRPr>
+            </a:lvl4pPr>
+            <a:lvl5pPr marL="1828800" algn="l" defTabSz="914400" rtl="0" eaLnBrk="1" latinLnBrk="1" hangingPunct="1">
+              <a:defRPr sz="1800" kern="1200">
+                <a:solidFill>
+                  <a:schemeClr val="tx1"/>
+                </a:solidFill>
+                <a:latin typeface="+mn-lt"/>
+                <a:ea typeface="+mn-ea"/>
+                <a:cs typeface="+mn-cs"/>
+              </a:defRPr>
+            </a:lvl5pPr>
+            <a:lvl6pPr marL="2286000" algn="l" defTabSz="914400" rtl="0" eaLnBrk="1" latinLnBrk="1" hangingPunct="1">
+              <a:defRPr sz="1800" kern="1200">
+                <a:solidFill>
+                  <a:schemeClr val="tx1"/>
+                </a:solidFill>
+                <a:latin typeface="+mn-lt"/>
+                <a:ea typeface="+mn-ea"/>
+                <a:cs typeface="+mn-cs"/>
+              </a:defRPr>
+            </a:lvl6pPr>
+            <a:lvl7pPr marL="2743200" algn="l" defTabSz="914400" rtl="0" eaLnBrk="1" latinLnBrk="1" hangingPunct="1">
+              <a:defRPr sz="1800" kern="1200">
+                <a:solidFill>
+                  <a:schemeClr val="tx1"/>
+                </a:solidFill>
+                <a:latin typeface="+mn-lt"/>
+                <a:ea typeface="+mn-ea"/>
+                <a:cs typeface="+mn-cs"/>
+              </a:defRPr>
+            </a:lvl7pPr>
+            <a:lvl8pPr marL="3200400" algn="l" defTabSz="914400" rtl="0" eaLnBrk="1" latinLnBrk="1" hangingPunct="1">
+              <a:defRPr sz="1800" kern="1200">
+                <a:solidFill>
+                  <a:schemeClr val="tx1"/>
+                </a:solidFill>
+                <a:latin typeface="+mn-lt"/>
+                <a:ea typeface="+mn-ea"/>
+                <a:cs typeface="+mn-cs"/>
+              </a:defRPr>
+            </a:lvl8pPr>
+            <a:lvl9pPr marL="3657600" algn="l" defTabSz="914400" rtl="0" eaLnBrk="1" latinLnBrk="1" hangingPunct="1">
+              <a:defRPr sz="1800" kern="1200">
+                <a:solidFill>
+                  <a:schemeClr val="tx1"/>
+                </a:solidFill>
+                <a:latin typeface="+mn-lt"/>
+                <a:ea typeface="+mn-ea"/>
+                <a:cs typeface="+mn-cs"/>
+              </a:defRPr>
+            </a:lvl9pPr>
+          </a:lstStyle>
+          <a:p>
+            <a:r>
+              <a:rPr lang="en-US" altLang="ko-KR" sz="1000" dirty="0" smtClean="0"/>
+              <a:t>19. Homing </a:t>
+            </a:r>
+            <a:r>
+              <a:rPr lang="ko-KR" altLang="en-US" sz="1000" dirty="0" smtClean="0"/>
+              <a:t>및 구간 반복 구동</a:t>
+            </a:r>
+            <a:endParaRPr lang="en-US" altLang="ko-KR" sz="1000" dirty="0" smtClean="0"/>
+          </a:p>
+        </p:txBody>
+      </p:sp>
     </p:spTree>
   </p:cSld>
   <p:clrMapOvr>
